--- a/receptenboek.pptx
+++ b/receptenboek.pptx
@@ -4,17 +4,17 @@
   <p:sldMasterIdLst>
     <p:sldMasterId id="2147483648" r:id="rId2"/>
     <p:sldMasterId id="2147483661" r:id="rId3"/>
-    <p:sldMasterId id="2147483674" r:id="rId4"/>
   </p:sldMasterIdLst>
   <p:sldIdLst>
-    <p:sldId id="256" r:id="rId5"/>
-    <p:sldId id="257" r:id="rId6"/>
-    <p:sldId id="258" r:id="rId7"/>
-    <p:sldId id="259" r:id="rId8"/>
-    <p:sldId id="260" r:id="rId9"/>
-    <p:sldId id="261" r:id="rId10"/>
-    <p:sldId id="262" r:id="rId11"/>
-    <p:sldId id="263" r:id="rId12"/>
+    <p:sldId id="256" r:id="rId4"/>
+    <p:sldId id="257" r:id="rId5"/>
+    <p:sldId id="258" r:id="rId6"/>
+    <p:sldId id="259" r:id="rId7"/>
+    <p:sldId id="260" r:id="rId8"/>
+    <p:sldId id="261" r:id="rId9"/>
+    <p:sldId id="262" r:id="rId10"/>
+    <p:sldId id="263" r:id="rId11"/>
+    <p:sldId id="264" r:id="rId12"/>
   </p:sldIdLst>
   <p:sldSz cx="10080625" cy="5670550"/>
   <p:notesSz cx="7559675" cy="10691813"/>
@@ -73,7 +73,7 @@
         <p:spPr>
           <a:xfrm>
             <a:off x="144000" y="72000"/>
-            <a:ext cx="9540000" cy="648000"/>
+            <a:ext cx="9539640" cy="647640"/>
           </a:xfrm>
           <a:prstGeom prst="rect">
             <a:avLst/>
@@ -88,6 +88,9 @@
             <a:noAutofit/>
           </a:bodyPr>
           <a:p>
+            <a:pPr algn="ctr">
+              <a:buNone/>
+            </a:pPr>
             <a:endParaRPr b="0" lang="en-US" sz="4400" spc="-1" strike="noStrike">
               <a:latin typeface="Arial"/>
             </a:endParaRPr>
@@ -107,7 +110,7 @@
         <p:spPr>
           <a:xfrm>
             <a:off x="504000" y="1326600"/>
-            <a:ext cx="9071640" cy="1568160"/>
+            <a:ext cx="9071280" cy="1568160"/>
           </a:xfrm>
           <a:prstGeom prst="rect">
             <a:avLst/>
@@ -141,7 +144,7 @@
         <p:spPr>
           <a:xfrm>
             <a:off x="504000" y="3044160"/>
-            <a:ext cx="9071640" cy="1568160"/>
+            <a:ext cx="9071280" cy="1568160"/>
           </a:xfrm>
           <a:prstGeom prst="rect">
             <a:avLst/>
@@ -197,7 +200,7 @@
         <p:spPr>
           <a:xfrm>
             <a:off x="144000" y="72000"/>
-            <a:ext cx="9540000" cy="648000"/>
+            <a:ext cx="9539640" cy="647640"/>
           </a:xfrm>
           <a:prstGeom prst="rect">
             <a:avLst/>
@@ -212,6 +215,9 @@
             <a:noAutofit/>
           </a:bodyPr>
           <a:p>
+            <a:pPr algn="ctr">
+              <a:buNone/>
+            </a:pPr>
             <a:endParaRPr b="0" lang="en-US" sz="4400" spc="-1" strike="noStrike">
               <a:latin typeface="Arial"/>
             </a:endParaRPr>
@@ -231,7 +237,7 @@
         <p:spPr>
           <a:xfrm>
             <a:off x="504000" y="1326600"/>
-            <a:ext cx="4426920" cy="1568160"/>
+            <a:ext cx="4426560" cy="1568160"/>
           </a:xfrm>
           <a:prstGeom prst="rect">
             <a:avLst/>
@@ -264,8 +270,8 @@
         </p:nvSpPr>
         <p:spPr>
           <a:xfrm>
-            <a:off x="5152680" y="1326600"/>
-            <a:ext cx="4426920" cy="1568160"/>
+            <a:off x="5152320" y="1326600"/>
+            <a:ext cx="4426560" cy="1568160"/>
           </a:xfrm>
           <a:prstGeom prst="rect">
             <a:avLst/>
@@ -299,7 +305,7 @@
         <p:spPr>
           <a:xfrm>
             <a:off x="504000" y="3044160"/>
-            <a:ext cx="4426920" cy="1568160"/>
+            <a:ext cx="4426560" cy="1568160"/>
           </a:xfrm>
           <a:prstGeom prst="rect">
             <a:avLst/>
@@ -332,8 +338,8 @@
         </p:nvSpPr>
         <p:spPr>
           <a:xfrm>
-            <a:off x="5152680" y="3044160"/>
-            <a:ext cx="4426920" cy="1568160"/>
+            <a:off x="5152320" y="3044160"/>
+            <a:ext cx="4426560" cy="1568160"/>
           </a:xfrm>
           <a:prstGeom prst="rect">
             <a:avLst/>
@@ -389,7 +395,7 @@
         <p:spPr>
           <a:xfrm>
             <a:off x="144000" y="72000"/>
-            <a:ext cx="9540000" cy="648000"/>
+            <a:ext cx="9539640" cy="647640"/>
           </a:xfrm>
           <a:prstGeom prst="rect">
             <a:avLst/>
@@ -404,6 +410,9 @@
             <a:noAutofit/>
           </a:bodyPr>
           <a:p>
+            <a:pPr algn="ctr">
+              <a:buNone/>
+            </a:pPr>
             <a:endParaRPr b="0" lang="en-US" sz="4400" spc="-1" strike="noStrike">
               <a:latin typeface="Arial"/>
             </a:endParaRPr>
@@ -643,7 +652,7 @@
             <a:spLocks noGrp="1"/>
           </p:cNvSpPr>
           <p:nvPr>
-            <p:ph type="ftr" idx="2"/>
+            <p:ph type="ftr" idx="1"/>
           </p:nvPr>
         </p:nvSpPr>
         <p:spPr/>
@@ -663,14 +672,14 @@
             <a:spLocks noGrp="1"/>
           </p:cNvSpPr>
           <p:nvPr>
-            <p:ph type="sldNum" idx="3"/>
+            <p:ph type="sldNum" idx="2"/>
           </p:nvPr>
         </p:nvSpPr>
         <p:spPr/>
         <p:txBody>
           <a:bodyPr/>
           <a:p>
-            <a:fld id="{3FBCC89A-4E5D-4A0C-AE16-1A911FF0F2AA}" type="slidenum">
+            <a:fld id="{834CA6E6-E52A-4570-AAF6-50D7D5BF1AE2}" type="slidenum">
               <a:t>&lt;#&gt;</a:t>
             </a:fld>
           </a:p>
@@ -683,7 +692,7 @@
             <a:spLocks noGrp="1"/>
           </p:cNvSpPr>
           <p:nvPr>
-            <p:ph type="dt" idx="1"/>
+            <p:ph type="dt" idx="3"/>
           </p:nvPr>
         </p:nvSpPr>
         <p:spPr/>
@@ -732,7 +741,7 @@
         <p:spPr>
           <a:xfrm>
             <a:off x="144000" y="72000"/>
-            <a:ext cx="9540000" cy="648000"/>
+            <a:ext cx="9539640" cy="647640"/>
           </a:xfrm>
           <a:prstGeom prst="rect">
             <a:avLst/>
@@ -747,6 +756,9 @@
             <a:noAutofit/>
           </a:bodyPr>
           <a:p>
+            <a:pPr algn="ctr">
+              <a:buNone/>
+            </a:pPr>
             <a:endParaRPr b="0" lang="en-US" sz="4400" spc="-1" strike="noStrike">
               <a:latin typeface="Arial"/>
             </a:endParaRPr>
@@ -766,7 +778,7 @@
         <p:spPr>
           <a:xfrm>
             <a:off x="504000" y="1326600"/>
-            <a:ext cx="9071640" cy="3288240"/>
+            <a:ext cx="9071280" cy="3287880"/>
           </a:xfrm>
           <a:prstGeom prst="rect">
             <a:avLst/>
@@ -797,7 +809,7 @@
             <a:spLocks noGrp="1"/>
           </p:cNvSpPr>
           <p:nvPr>
-            <p:ph type="ftr" idx="2"/>
+            <p:ph type="ftr" idx="1"/>
           </p:nvPr>
         </p:nvSpPr>
         <p:spPr/>
@@ -817,14 +829,14 @@
             <a:spLocks noGrp="1"/>
           </p:cNvSpPr>
           <p:nvPr>
-            <p:ph type="sldNum" idx="3"/>
+            <p:ph type="sldNum" idx="2"/>
           </p:nvPr>
         </p:nvSpPr>
         <p:spPr/>
         <p:txBody>
           <a:bodyPr/>
           <a:p>
-            <a:fld id="{3C5EFBD1-A7A5-4527-A652-B7E061734E17}" type="slidenum">
+            <a:fld id="{C3B33D21-48D8-4BA7-9319-87FE03520952}" type="slidenum">
               <a:t>&lt;#&gt;</a:t>
             </a:fld>
           </a:p>
@@ -837,7 +849,7 @@
             <a:spLocks noGrp="1"/>
           </p:cNvSpPr>
           <p:nvPr>
-            <p:ph type="dt" idx="1"/>
+            <p:ph type="dt" idx="3"/>
           </p:nvPr>
         </p:nvSpPr>
         <p:spPr/>
@@ -886,7 +898,7 @@
         <p:spPr>
           <a:xfrm>
             <a:off x="144000" y="72000"/>
-            <a:ext cx="9540000" cy="648000"/>
+            <a:ext cx="9539640" cy="647640"/>
           </a:xfrm>
           <a:prstGeom prst="rect">
             <a:avLst/>
@@ -901,6 +913,9 @@
             <a:noAutofit/>
           </a:bodyPr>
           <a:p>
+            <a:pPr algn="ctr">
+              <a:buNone/>
+            </a:pPr>
             <a:endParaRPr b="0" lang="en-US" sz="4400" spc="-1" strike="noStrike">
               <a:latin typeface="Arial"/>
             </a:endParaRPr>
@@ -920,7 +935,7 @@
         <p:spPr>
           <a:xfrm>
             <a:off x="504000" y="1326600"/>
-            <a:ext cx="9071640" cy="3288240"/>
+            <a:ext cx="9071280" cy="3287880"/>
           </a:xfrm>
           <a:prstGeom prst="rect">
             <a:avLst/>
@@ -948,7 +963,7 @@
             <a:spLocks noGrp="1"/>
           </p:cNvSpPr>
           <p:nvPr>
-            <p:ph type="ftr" idx="2"/>
+            <p:ph type="ftr" idx="1"/>
           </p:nvPr>
         </p:nvSpPr>
         <p:spPr/>
@@ -968,14 +983,14 @@
             <a:spLocks noGrp="1"/>
           </p:cNvSpPr>
           <p:nvPr>
-            <p:ph type="sldNum" idx="3"/>
+            <p:ph type="sldNum" idx="2"/>
           </p:nvPr>
         </p:nvSpPr>
         <p:spPr/>
         <p:txBody>
           <a:bodyPr/>
           <a:p>
-            <a:fld id="{C1F7021F-41D6-45CA-B240-0BD481809FCB}" type="slidenum">
+            <a:fld id="{7C69E7E9-222D-4647-8C27-8EBDD25CEE09}" type="slidenum">
               <a:t>&lt;#&gt;</a:t>
             </a:fld>
           </a:p>
@@ -988,7 +1003,7 @@
             <a:spLocks noGrp="1"/>
           </p:cNvSpPr>
           <p:nvPr>
-            <p:ph type="dt" idx="1"/>
+            <p:ph type="dt" idx="3"/>
           </p:nvPr>
         </p:nvSpPr>
         <p:spPr/>
@@ -1037,7 +1052,7 @@
         <p:spPr>
           <a:xfrm>
             <a:off x="144000" y="72000"/>
-            <a:ext cx="9540000" cy="648000"/>
+            <a:ext cx="9539640" cy="647640"/>
           </a:xfrm>
           <a:prstGeom prst="rect">
             <a:avLst/>
@@ -1052,6 +1067,9 @@
             <a:noAutofit/>
           </a:bodyPr>
           <a:p>
+            <a:pPr algn="ctr">
+              <a:buNone/>
+            </a:pPr>
             <a:endParaRPr b="0" lang="en-US" sz="4400" spc="-1" strike="noStrike">
               <a:latin typeface="Arial"/>
             </a:endParaRPr>
@@ -1071,7 +1089,7 @@
         <p:spPr>
           <a:xfrm>
             <a:off x="504000" y="1326600"/>
-            <a:ext cx="4426920" cy="3288240"/>
+            <a:ext cx="4426560" cy="3287880"/>
           </a:xfrm>
           <a:prstGeom prst="rect">
             <a:avLst/>
@@ -1104,8 +1122,8 @@
         </p:nvSpPr>
         <p:spPr>
           <a:xfrm>
-            <a:off x="5152680" y="1326600"/>
-            <a:ext cx="4426920" cy="3288240"/>
+            <a:off x="5152320" y="1326600"/>
+            <a:ext cx="4426560" cy="3287880"/>
           </a:xfrm>
           <a:prstGeom prst="rect">
             <a:avLst/>
@@ -1133,7 +1151,7 @@
             <a:spLocks noGrp="1"/>
           </p:cNvSpPr>
           <p:nvPr>
-            <p:ph type="ftr" idx="2"/>
+            <p:ph type="ftr" idx="1"/>
           </p:nvPr>
         </p:nvSpPr>
         <p:spPr/>
@@ -1153,14 +1171,14 @@
             <a:spLocks noGrp="1"/>
           </p:cNvSpPr>
           <p:nvPr>
-            <p:ph type="sldNum" idx="3"/>
+            <p:ph type="sldNum" idx="2"/>
           </p:nvPr>
         </p:nvSpPr>
         <p:spPr/>
         <p:txBody>
           <a:bodyPr/>
           <a:p>
-            <a:fld id="{FBA76FB5-CC58-4DDD-9297-18A2965D14F5}" type="slidenum">
+            <a:fld id="{88157475-1992-4D40-943B-C374218225F8}" type="slidenum">
               <a:t>&lt;#&gt;</a:t>
             </a:fld>
           </a:p>
@@ -1173,7 +1191,7 @@
             <a:spLocks noGrp="1"/>
           </p:cNvSpPr>
           <p:nvPr>
-            <p:ph type="dt" idx="1"/>
+            <p:ph type="dt" idx="3"/>
           </p:nvPr>
         </p:nvSpPr>
         <p:spPr/>
@@ -1222,7 +1240,7 @@
         <p:spPr>
           <a:xfrm>
             <a:off x="144000" y="72000"/>
-            <a:ext cx="9540000" cy="648000"/>
+            <a:ext cx="9539640" cy="647640"/>
           </a:xfrm>
           <a:prstGeom prst="rect">
             <a:avLst/>
@@ -1237,6 +1255,9 @@
             <a:noAutofit/>
           </a:bodyPr>
           <a:p>
+            <a:pPr algn="ctr">
+              <a:buNone/>
+            </a:pPr>
             <a:endParaRPr b="0" lang="en-US" sz="4400" spc="-1" strike="noStrike">
               <a:latin typeface="Arial"/>
             </a:endParaRPr>
@@ -1250,7 +1271,7 @@
             <a:spLocks noGrp="1"/>
           </p:cNvSpPr>
           <p:nvPr>
-            <p:ph type="ftr" idx="2"/>
+            <p:ph type="ftr" idx="1"/>
           </p:nvPr>
         </p:nvSpPr>
         <p:spPr/>
@@ -1270,14 +1291,14 @@
             <a:spLocks noGrp="1"/>
           </p:cNvSpPr>
           <p:nvPr>
-            <p:ph type="sldNum" idx="3"/>
+            <p:ph type="sldNum" idx="2"/>
           </p:nvPr>
         </p:nvSpPr>
         <p:spPr/>
         <p:txBody>
           <a:bodyPr/>
           <a:p>
-            <a:fld id="{531706A2-582A-4399-A571-A3CF932A3AC1}" type="slidenum">
+            <a:fld id="{D6853778-18AE-480B-A0BF-9C6287215FCF}" type="slidenum">
               <a:t>&lt;#&gt;</a:t>
             </a:fld>
           </a:p>
@@ -1290,7 +1311,7 @@
             <a:spLocks noGrp="1"/>
           </p:cNvSpPr>
           <p:nvPr>
-            <p:ph type="dt" idx="1"/>
+            <p:ph type="dt" idx="3"/>
           </p:nvPr>
         </p:nvSpPr>
         <p:spPr/>
@@ -1339,7 +1360,7 @@
         <p:spPr>
           <a:xfrm>
             <a:off x="144000" y="72000"/>
-            <a:ext cx="9540000" cy="3004920"/>
+            <a:ext cx="9539640" cy="3003480"/>
           </a:xfrm>
           <a:prstGeom prst="rect">
             <a:avLst/>
@@ -1370,7 +1391,7 @@
             <a:spLocks noGrp="1"/>
           </p:cNvSpPr>
           <p:nvPr>
-            <p:ph type="ftr" idx="2"/>
+            <p:ph type="ftr" idx="1"/>
           </p:nvPr>
         </p:nvSpPr>
         <p:spPr/>
@@ -1390,14 +1411,14 @@
             <a:spLocks noGrp="1"/>
           </p:cNvSpPr>
           <p:nvPr>
-            <p:ph type="sldNum" idx="3"/>
+            <p:ph type="sldNum" idx="2"/>
           </p:nvPr>
         </p:nvSpPr>
         <p:spPr/>
         <p:txBody>
           <a:bodyPr/>
           <a:p>
-            <a:fld id="{2AFE523D-820B-4E73-BA0F-3018EF0591A3}" type="slidenum">
+            <a:fld id="{38CB9483-7A29-468A-9F35-469A18EEEDED}" type="slidenum">
               <a:t>&lt;#&gt;</a:t>
             </a:fld>
           </a:p>
@@ -1410,7 +1431,7 @@
             <a:spLocks noGrp="1"/>
           </p:cNvSpPr>
           <p:nvPr>
-            <p:ph type="dt" idx="1"/>
+            <p:ph type="dt" idx="3"/>
           </p:nvPr>
         </p:nvSpPr>
         <p:spPr/>
@@ -1459,7 +1480,7 @@
         <p:spPr>
           <a:xfrm>
             <a:off x="144000" y="72000"/>
-            <a:ext cx="9540000" cy="648000"/>
+            <a:ext cx="9539640" cy="647640"/>
           </a:xfrm>
           <a:prstGeom prst="rect">
             <a:avLst/>
@@ -1474,6 +1495,9 @@
             <a:noAutofit/>
           </a:bodyPr>
           <a:p>
+            <a:pPr algn="ctr">
+              <a:buNone/>
+            </a:pPr>
             <a:endParaRPr b="0" lang="en-US" sz="4400" spc="-1" strike="noStrike">
               <a:latin typeface="Arial"/>
             </a:endParaRPr>
@@ -1493,7 +1517,7 @@
         <p:spPr>
           <a:xfrm>
             <a:off x="504000" y="1326600"/>
-            <a:ext cx="4426920" cy="1568160"/>
+            <a:ext cx="4426560" cy="1568160"/>
           </a:xfrm>
           <a:prstGeom prst="rect">
             <a:avLst/>
@@ -1526,8 +1550,8 @@
         </p:nvSpPr>
         <p:spPr>
           <a:xfrm>
-            <a:off x="5152680" y="1326600"/>
-            <a:ext cx="4426920" cy="3288240"/>
+            <a:off x="5152320" y="1326600"/>
+            <a:ext cx="4426560" cy="3287880"/>
           </a:xfrm>
           <a:prstGeom prst="rect">
             <a:avLst/>
@@ -1561,7 +1585,7 @@
         <p:spPr>
           <a:xfrm>
             <a:off x="504000" y="3044160"/>
-            <a:ext cx="4426920" cy="1568160"/>
+            <a:ext cx="4426560" cy="1568160"/>
           </a:xfrm>
           <a:prstGeom prst="rect">
             <a:avLst/>
@@ -1589,7 +1613,7 @@
             <a:spLocks noGrp="1"/>
           </p:cNvSpPr>
           <p:nvPr>
-            <p:ph type="ftr" idx="2"/>
+            <p:ph type="ftr" idx="1"/>
           </p:nvPr>
         </p:nvSpPr>
         <p:spPr/>
@@ -1609,14 +1633,14 @@
             <a:spLocks noGrp="1"/>
           </p:cNvSpPr>
           <p:nvPr>
-            <p:ph type="sldNum" idx="3"/>
+            <p:ph type="sldNum" idx="2"/>
           </p:nvPr>
         </p:nvSpPr>
         <p:spPr/>
         <p:txBody>
           <a:bodyPr/>
           <a:p>
-            <a:fld id="{F800CA45-9189-4E88-BD07-191DC9DD78E1}" type="slidenum">
+            <a:fld id="{2668A1CC-AC98-4459-9243-807C9708C1C8}" type="slidenum">
               <a:t>&lt;#&gt;</a:t>
             </a:fld>
           </a:p>
@@ -1629,7 +1653,7 @@
             <a:spLocks noGrp="1"/>
           </p:cNvSpPr>
           <p:nvPr>
-            <p:ph type="dt" idx="1"/>
+            <p:ph type="dt" idx="3"/>
           </p:nvPr>
         </p:nvSpPr>
         <p:spPr/>
@@ -1678,7 +1702,7 @@
         <p:spPr>
           <a:xfrm>
             <a:off x="144000" y="72000"/>
-            <a:ext cx="9540000" cy="648000"/>
+            <a:ext cx="9539640" cy="647640"/>
           </a:xfrm>
           <a:prstGeom prst="rect">
             <a:avLst/>
@@ -1693,6 +1717,9 @@
             <a:noAutofit/>
           </a:bodyPr>
           <a:p>
+            <a:pPr algn="ctr">
+              <a:buNone/>
+            </a:pPr>
             <a:endParaRPr b="0" lang="en-US" sz="4400" spc="-1" strike="noStrike">
               <a:latin typeface="Arial"/>
             </a:endParaRPr>
@@ -1712,7 +1739,7 @@
         <p:spPr>
           <a:xfrm>
             <a:off x="504000" y="1326600"/>
-            <a:ext cx="9071640" cy="3288240"/>
+            <a:ext cx="9071280" cy="3287880"/>
           </a:xfrm>
           <a:prstGeom prst="rect">
             <a:avLst/>
@@ -1771,7 +1798,7 @@
         <p:spPr>
           <a:xfrm>
             <a:off x="144000" y="72000"/>
-            <a:ext cx="9540000" cy="648000"/>
+            <a:ext cx="9539640" cy="647640"/>
           </a:xfrm>
           <a:prstGeom prst="rect">
             <a:avLst/>
@@ -1786,6 +1813,9 @@
             <a:noAutofit/>
           </a:bodyPr>
           <a:p>
+            <a:pPr algn="ctr">
+              <a:buNone/>
+            </a:pPr>
             <a:endParaRPr b="0" lang="en-US" sz="4400" spc="-1" strike="noStrike">
               <a:latin typeface="Arial"/>
             </a:endParaRPr>
@@ -1805,7 +1835,7 @@
         <p:spPr>
           <a:xfrm>
             <a:off x="504000" y="1326600"/>
-            <a:ext cx="4426920" cy="3288240"/>
+            <a:ext cx="4426560" cy="3287880"/>
           </a:xfrm>
           <a:prstGeom prst="rect">
             <a:avLst/>
@@ -1838,8 +1868,8 @@
         </p:nvSpPr>
         <p:spPr>
           <a:xfrm>
-            <a:off x="5152680" y="1326600"/>
-            <a:ext cx="4426920" cy="1568160"/>
+            <a:off x="5152320" y="1326600"/>
+            <a:ext cx="4426560" cy="1568160"/>
           </a:xfrm>
           <a:prstGeom prst="rect">
             <a:avLst/>
@@ -1872,8 +1902,8 @@
         </p:nvSpPr>
         <p:spPr>
           <a:xfrm>
-            <a:off x="5152680" y="3044160"/>
-            <a:ext cx="4426920" cy="1568160"/>
+            <a:off x="5152320" y="3044160"/>
+            <a:ext cx="4426560" cy="1568160"/>
           </a:xfrm>
           <a:prstGeom prst="rect">
             <a:avLst/>
@@ -1901,7 +1931,7 @@
             <a:spLocks noGrp="1"/>
           </p:cNvSpPr>
           <p:nvPr>
-            <p:ph type="ftr" idx="2"/>
+            <p:ph type="ftr" idx="1"/>
           </p:nvPr>
         </p:nvSpPr>
         <p:spPr/>
@@ -1921,14 +1951,14 @@
             <a:spLocks noGrp="1"/>
           </p:cNvSpPr>
           <p:nvPr>
-            <p:ph type="sldNum" idx="3"/>
+            <p:ph type="sldNum" idx="2"/>
           </p:nvPr>
         </p:nvSpPr>
         <p:spPr/>
         <p:txBody>
           <a:bodyPr/>
           <a:p>
-            <a:fld id="{8B7F6EE6-4D9C-4989-99B8-66394CC68577}" type="slidenum">
+            <a:fld id="{1B33935D-5814-489D-9A53-8F58314C7DEC}" type="slidenum">
               <a:t>&lt;#&gt;</a:t>
             </a:fld>
           </a:p>
@@ -1941,7 +1971,7 @@
             <a:spLocks noGrp="1"/>
           </p:cNvSpPr>
           <p:nvPr>
-            <p:ph type="dt" idx="1"/>
+            <p:ph type="dt" idx="3"/>
           </p:nvPr>
         </p:nvSpPr>
         <p:spPr/>
@@ -1990,7 +2020,7 @@
         <p:spPr>
           <a:xfrm>
             <a:off x="144000" y="72000"/>
-            <a:ext cx="9540000" cy="648000"/>
+            <a:ext cx="9539640" cy="647640"/>
           </a:xfrm>
           <a:prstGeom prst="rect">
             <a:avLst/>
@@ -2005,6 +2035,9 @@
             <a:noAutofit/>
           </a:bodyPr>
           <a:p>
+            <a:pPr algn="ctr">
+              <a:buNone/>
+            </a:pPr>
             <a:endParaRPr b="0" lang="en-US" sz="4400" spc="-1" strike="noStrike">
               <a:latin typeface="Arial"/>
             </a:endParaRPr>
@@ -2024,7 +2057,7 @@
         <p:spPr>
           <a:xfrm>
             <a:off x="504000" y="1326600"/>
-            <a:ext cx="4426920" cy="1568160"/>
+            <a:ext cx="4426560" cy="1568160"/>
           </a:xfrm>
           <a:prstGeom prst="rect">
             <a:avLst/>
@@ -2057,8 +2090,8 @@
         </p:nvSpPr>
         <p:spPr>
           <a:xfrm>
-            <a:off x="5152680" y="1326600"/>
-            <a:ext cx="4426920" cy="1568160"/>
+            <a:off x="5152320" y="1326600"/>
+            <a:ext cx="4426560" cy="1568160"/>
           </a:xfrm>
           <a:prstGeom prst="rect">
             <a:avLst/>
@@ -2092,7 +2125,7 @@
         <p:spPr>
           <a:xfrm>
             <a:off x="504000" y="3044160"/>
-            <a:ext cx="9071640" cy="1568160"/>
+            <a:ext cx="9071280" cy="1568160"/>
           </a:xfrm>
           <a:prstGeom prst="rect">
             <a:avLst/>
@@ -2120,7 +2153,7 @@
             <a:spLocks noGrp="1"/>
           </p:cNvSpPr>
           <p:nvPr>
-            <p:ph type="ftr" idx="2"/>
+            <p:ph type="ftr" idx="1"/>
           </p:nvPr>
         </p:nvSpPr>
         <p:spPr/>
@@ -2140,14 +2173,14 @@
             <a:spLocks noGrp="1"/>
           </p:cNvSpPr>
           <p:nvPr>
-            <p:ph type="sldNum" idx="3"/>
+            <p:ph type="sldNum" idx="2"/>
           </p:nvPr>
         </p:nvSpPr>
         <p:spPr/>
         <p:txBody>
           <a:bodyPr/>
           <a:p>
-            <a:fld id="{9237082D-640E-4AAA-B8DA-26B2F0F5ECEE}" type="slidenum">
+            <a:fld id="{8F3C6AE3-25A6-407D-BB7E-D85C6CED3CC1}" type="slidenum">
               <a:t>&lt;#&gt;</a:t>
             </a:fld>
           </a:p>
@@ -2160,7 +2193,7 @@
             <a:spLocks noGrp="1"/>
           </p:cNvSpPr>
           <p:nvPr>
-            <p:ph type="dt" idx="1"/>
+            <p:ph type="dt" idx="3"/>
           </p:nvPr>
         </p:nvSpPr>
         <p:spPr/>
@@ -2209,7 +2242,7 @@
         <p:spPr>
           <a:xfrm>
             <a:off x="144000" y="72000"/>
-            <a:ext cx="9540000" cy="648000"/>
+            <a:ext cx="9539640" cy="647640"/>
           </a:xfrm>
           <a:prstGeom prst="rect">
             <a:avLst/>
@@ -2224,6 +2257,9 @@
             <a:noAutofit/>
           </a:bodyPr>
           <a:p>
+            <a:pPr algn="ctr">
+              <a:buNone/>
+            </a:pPr>
             <a:endParaRPr b="0" lang="en-US" sz="4400" spc="-1" strike="noStrike">
               <a:latin typeface="Arial"/>
             </a:endParaRPr>
@@ -2243,7 +2279,7 @@
         <p:spPr>
           <a:xfrm>
             <a:off x="504000" y="1326600"/>
-            <a:ext cx="9071640" cy="1568160"/>
+            <a:ext cx="9071280" cy="1568160"/>
           </a:xfrm>
           <a:prstGeom prst="rect">
             <a:avLst/>
@@ -2277,7 +2313,7 @@
         <p:spPr>
           <a:xfrm>
             <a:off x="504000" y="3044160"/>
-            <a:ext cx="9071640" cy="1568160"/>
+            <a:ext cx="9071280" cy="1568160"/>
           </a:xfrm>
           <a:prstGeom prst="rect">
             <a:avLst/>
@@ -2305,7 +2341,7 @@
             <a:spLocks noGrp="1"/>
           </p:cNvSpPr>
           <p:nvPr>
-            <p:ph type="ftr" idx="2"/>
+            <p:ph type="ftr" idx="1"/>
           </p:nvPr>
         </p:nvSpPr>
         <p:spPr/>
@@ -2325,14 +2361,14 @@
             <a:spLocks noGrp="1"/>
           </p:cNvSpPr>
           <p:nvPr>
-            <p:ph type="sldNum" idx="3"/>
+            <p:ph type="sldNum" idx="2"/>
           </p:nvPr>
         </p:nvSpPr>
         <p:spPr/>
         <p:txBody>
           <a:bodyPr/>
           <a:p>
-            <a:fld id="{5EF40D9E-83CA-424A-99EF-92B10B0632EF}" type="slidenum">
+            <a:fld id="{3AA7D445-4A5A-47A3-BEA4-B5DB0B934C07}" type="slidenum">
               <a:t>&lt;#&gt;</a:t>
             </a:fld>
           </a:p>
@@ -2345,7 +2381,7 @@
             <a:spLocks noGrp="1"/>
           </p:cNvSpPr>
           <p:nvPr>
-            <p:ph type="dt" idx="1"/>
+            <p:ph type="dt" idx="3"/>
           </p:nvPr>
         </p:nvSpPr>
         <p:spPr/>
@@ -2394,7 +2430,7 @@
         <p:spPr>
           <a:xfrm>
             <a:off x="144000" y="72000"/>
-            <a:ext cx="9540000" cy="648000"/>
+            <a:ext cx="9539640" cy="647640"/>
           </a:xfrm>
           <a:prstGeom prst="rect">
             <a:avLst/>
@@ -2409,6 +2445,9 @@
             <a:noAutofit/>
           </a:bodyPr>
           <a:p>
+            <a:pPr algn="ctr">
+              <a:buNone/>
+            </a:pPr>
             <a:endParaRPr b="0" lang="en-US" sz="4400" spc="-1" strike="noStrike">
               <a:latin typeface="Arial"/>
             </a:endParaRPr>
@@ -2428,7 +2467,7 @@
         <p:spPr>
           <a:xfrm>
             <a:off x="504000" y="1326600"/>
-            <a:ext cx="4426920" cy="1568160"/>
+            <a:ext cx="4426560" cy="1568160"/>
           </a:xfrm>
           <a:prstGeom prst="rect">
             <a:avLst/>
@@ -2461,8 +2500,8 @@
         </p:nvSpPr>
         <p:spPr>
           <a:xfrm>
-            <a:off x="5152680" y="1326600"/>
-            <a:ext cx="4426920" cy="1568160"/>
+            <a:off x="5152320" y="1326600"/>
+            <a:ext cx="4426560" cy="1568160"/>
           </a:xfrm>
           <a:prstGeom prst="rect">
             <a:avLst/>
@@ -2496,7 +2535,7 @@
         <p:spPr>
           <a:xfrm>
             <a:off x="504000" y="3044160"/>
-            <a:ext cx="4426920" cy="1568160"/>
+            <a:ext cx="4426560" cy="1568160"/>
           </a:xfrm>
           <a:prstGeom prst="rect">
             <a:avLst/>
@@ -2529,8 +2568,8 @@
         </p:nvSpPr>
         <p:spPr>
           <a:xfrm>
-            <a:off x="5152680" y="3044160"/>
-            <a:ext cx="4426920" cy="1568160"/>
+            <a:off x="5152320" y="3044160"/>
+            <a:ext cx="4426560" cy="1568160"/>
           </a:xfrm>
           <a:prstGeom prst="rect">
             <a:avLst/>
@@ -2558,7 +2597,7 @@
             <a:spLocks noGrp="1"/>
           </p:cNvSpPr>
           <p:nvPr>
-            <p:ph type="ftr" idx="2"/>
+            <p:ph type="ftr" idx="1"/>
           </p:nvPr>
         </p:nvSpPr>
         <p:spPr/>
@@ -2578,14 +2617,14 @@
             <a:spLocks noGrp="1"/>
           </p:cNvSpPr>
           <p:nvPr>
-            <p:ph type="sldNum" idx="3"/>
+            <p:ph type="sldNum" idx="2"/>
           </p:nvPr>
         </p:nvSpPr>
         <p:spPr/>
         <p:txBody>
           <a:bodyPr/>
           <a:p>
-            <a:fld id="{CD6E9EC1-CA73-46F0-AA9C-933334E01C70}" type="slidenum">
+            <a:fld id="{878E6E1F-CD65-44AC-8267-E0E3B2910FDE}" type="slidenum">
               <a:t>&lt;#&gt;</a:t>
             </a:fld>
           </a:p>
@@ -2598,7 +2637,7 @@
             <a:spLocks noGrp="1"/>
           </p:cNvSpPr>
           <p:nvPr>
-            <p:ph type="dt" idx="1"/>
+            <p:ph type="dt" idx="3"/>
           </p:nvPr>
         </p:nvSpPr>
         <p:spPr/>
@@ -2647,445 +2686,7 @@
         <p:spPr>
           <a:xfrm>
             <a:off x="144000" y="72000"/>
-            <a:ext cx="9540000" cy="648000"/>
-          </a:xfrm>
-          <a:prstGeom prst="rect">
-            <a:avLst/>
-          </a:prstGeom>
-          <a:noFill/>
-          <a:ln w="0">
-            <a:noFill/>
-          </a:ln>
-        </p:spPr>
-        <p:txBody>
-          <a:bodyPr lIns="0" rIns="0" tIns="0" bIns="0" anchor="ctr">
-            <a:noAutofit/>
-          </a:bodyPr>
-          <a:p>
-            <a:endParaRPr b="0" lang="en-US" sz="4400" spc="-1" strike="noStrike">
-              <a:latin typeface="Arial"/>
-            </a:endParaRPr>
-          </a:p>
-        </p:txBody>
-      </p:sp>
-      <p:sp>
-        <p:nvSpPr>
-          <p:cNvPr id="82" name="PlaceHolder 2"/>
-          <p:cNvSpPr>
-            <a:spLocks noGrp="1"/>
-          </p:cNvSpPr>
-          <p:nvPr>
-            <p:ph/>
-          </p:nvPr>
-        </p:nvSpPr>
-        <p:spPr>
-          <a:xfrm>
-            <a:off x="504000" y="1326600"/>
-            <a:ext cx="2920680" cy="1568160"/>
-          </a:xfrm>
-          <a:prstGeom prst="rect">
-            <a:avLst/>
-          </a:prstGeom>
-          <a:noFill/>
-          <a:ln w="0">
-            <a:noFill/>
-          </a:ln>
-        </p:spPr>
-        <p:txBody>
-          <a:bodyPr lIns="0" rIns="0" tIns="0" bIns="0" anchor="t">
-            <a:normAutofit/>
-          </a:bodyPr>
-          <a:p>
-            <a:endParaRPr b="0" lang="en-US" sz="3200" spc="-1" strike="noStrike">
-              <a:latin typeface="Arial"/>
-            </a:endParaRPr>
-          </a:p>
-        </p:txBody>
-      </p:sp>
-      <p:sp>
-        <p:nvSpPr>
-          <p:cNvPr id="83" name="PlaceHolder 3"/>
-          <p:cNvSpPr>
-            <a:spLocks noGrp="1"/>
-          </p:cNvSpPr>
-          <p:nvPr>
-            <p:ph/>
-          </p:nvPr>
-        </p:nvSpPr>
-        <p:spPr>
-          <a:xfrm>
-            <a:off x="3571200" y="1326600"/>
-            <a:ext cx="2920680" cy="1568160"/>
-          </a:xfrm>
-          <a:prstGeom prst="rect">
-            <a:avLst/>
-          </a:prstGeom>
-          <a:noFill/>
-          <a:ln w="0">
-            <a:noFill/>
-          </a:ln>
-        </p:spPr>
-        <p:txBody>
-          <a:bodyPr lIns="0" rIns="0" tIns="0" bIns="0" anchor="t">
-            <a:normAutofit/>
-          </a:bodyPr>
-          <a:p>
-            <a:endParaRPr b="0" lang="en-US" sz="3200" spc="-1" strike="noStrike">
-              <a:latin typeface="Arial"/>
-            </a:endParaRPr>
-          </a:p>
-        </p:txBody>
-      </p:sp>
-      <p:sp>
-        <p:nvSpPr>
-          <p:cNvPr id="84" name="PlaceHolder 4"/>
-          <p:cNvSpPr>
-            <a:spLocks noGrp="1"/>
-          </p:cNvSpPr>
-          <p:nvPr>
-            <p:ph/>
-          </p:nvPr>
-        </p:nvSpPr>
-        <p:spPr>
-          <a:xfrm>
-            <a:off x="6638040" y="1326600"/>
-            <a:ext cx="2920680" cy="1568160"/>
-          </a:xfrm>
-          <a:prstGeom prst="rect">
-            <a:avLst/>
-          </a:prstGeom>
-          <a:noFill/>
-          <a:ln w="0">
-            <a:noFill/>
-          </a:ln>
-        </p:spPr>
-        <p:txBody>
-          <a:bodyPr lIns="0" rIns="0" tIns="0" bIns="0" anchor="t">
-            <a:normAutofit/>
-          </a:bodyPr>
-          <a:p>
-            <a:endParaRPr b="0" lang="en-US" sz="3200" spc="-1" strike="noStrike">
-              <a:latin typeface="Arial"/>
-            </a:endParaRPr>
-          </a:p>
-        </p:txBody>
-      </p:sp>
-      <p:sp>
-        <p:nvSpPr>
-          <p:cNvPr id="85" name="PlaceHolder 5"/>
-          <p:cNvSpPr>
-            <a:spLocks noGrp="1"/>
-          </p:cNvSpPr>
-          <p:nvPr>
-            <p:ph/>
-          </p:nvPr>
-        </p:nvSpPr>
-        <p:spPr>
-          <a:xfrm>
-            <a:off x="504000" y="3044160"/>
-            <a:ext cx="2920680" cy="1568160"/>
-          </a:xfrm>
-          <a:prstGeom prst="rect">
-            <a:avLst/>
-          </a:prstGeom>
-          <a:noFill/>
-          <a:ln w="0">
-            <a:noFill/>
-          </a:ln>
-        </p:spPr>
-        <p:txBody>
-          <a:bodyPr lIns="0" rIns="0" tIns="0" bIns="0" anchor="t">
-            <a:normAutofit/>
-          </a:bodyPr>
-          <a:p>
-            <a:endParaRPr b="0" lang="en-US" sz="3200" spc="-1" strike="noStrike">
-              <a:latin typeface="Arial"/>
-            </a:endParaRPr>
-          </a:p>
-        </p:txBody>
-      </p:sp>
-      <p:sp>
-        <p:nvSpPr>
-          <p:cNvPr id="86" name="PlaceHolder 6"/>
-          <p:cNvSpPr>
-            <a:spLocks noGrp="1"/>
-          </p:cNvSpPr>
-          <p:nvPr>
-            <p:ph/>
-          </p:nvPr>
-        </p:nvSpPr>
-        <p:spPr>
-          <a:xfrm>
-            <a:off x="3571200" y="3044160"/>
-            <a:ext cx="2920680" cy="1568160"/>
-          </a:xfrm>
-          <a:prstGeom prst="rect">
-            <a:avLst/>
-          </a:prstGeom>
-          <a:noFill/>
-          <a:ln w="0">
-            <a:noFill/>
-          </a:ln>
-        </p:spPr>
-        <p:txBody>
-          <a:bodyPr lIns="0" rIns="0" tIns="0" bIns="0" anchor="t">
-            <a:normAutofit/>
-          </a:bodyPr>
-          <a:p>
-            <a:endParaRPr b="0" lang="en-US" sz="3200" spc="-1" strike="noStrike">
-              <a:latin typeface="Arial"/>
-            </a:endParaRPr>
-          </a:p>
-        </p:txBody>
-      </p:sp>
-      <p:sp>
-        <p:nvSpPr>
-          <p:cNvPr id="87" name="PlaceHolder 7"/>
-          <p:cNvSpPr>
-            <a:spLocks noGrp="1"/>
-          </p:cNvSpPr>
-          <p:nvPr>
-            <p:ph/>
-          </p:nvPr>
-        </p:nvSpPr>
-        <p:spPr>
-          <a:xfrm>
-            <a:off x="6638040" y="3044160"/>
-            <a:ext cx="2920680" cy="1568160"/>
-          </a:xfrm>
-          <a:prstGeom prst="rect">
-            <a:avLst/>
-          </a:prstGeom>
-          <a:noFill/>
-          <a:ln w="0">
-            <a:noFill/>
-          </a:ln>
-        </p:spPr>
-        <p:txBody>
-          <a:bodyPr lIns="0" rIns="0" tIns="0" bIns="0" anchor="t">
-            <a:normAutofit/>
-          </a:bodyPr>
-          <a:p>
-            <a:endParaRPr b="0" lang="en-US" sz="3200" spc="-1" strike="noStrike">
-              <a:latin typeface="Arial"/>
-            </a:endParaRPr>
-          </a:p>
-        </p:txBody>
-      </p:sp>
-      <p:sp>
-        <p:nvSpPr>
-          <p:cNvPr id="9" name="PlaceHolder 8"/>
-          <p:cNvSpPr>
-            <a:spLocks noGrp="1"/>
-          </p:cNvSpPr>
-          <p:nvPr>
-            <p:ph type="ftr" idx="2"/>
-          </p:nvPr>
-        </p:nvSpPr>
-        <p:spPr/>
-        <p:txBody>
-          <a:bodyPr/>
-          <a:p>
-            <a:r>
-              <a:t>Footer</a:t>
-            </a:r>
-          </a:p>
-        </p:txBody>
-      </p:sp>
-      <p:sp>
-        <p:nvSpPr>
-          <p:cNvPr id="10" name="PlaceHolder 9"/>
-          <p:cNvSpPr>
-            <a:spLocks noGrp="1"/>
-          </p:cNvSpPr>
-          <p:nvPr>
-            <p:ph type="sldNum" idx="3"/>
-          </p:nvPr>
-        </p:nvSpPr>
-        <p:spPr/>
-        <p:txBody>
-          <a:bodyPr/>
-          <a:p>
-            <a:fld id="{ACB24A74-3D24-4997-A7EC-8B8D39B6CDF3}" type="slidenum">
-              <a:t>&lt;#&gt;</a:t>
-            </a:fld>
-          </a:p>
-        </p:txBody>
-      </p:sp>
-      <p:sp>
-        <p:nvSpPr>
-          <p:cNvPr id="11" name="PlaceHolder 10"/>
-          <p:cNvSpPr>
-            <a:spLocks noGrp="1"/>
-          </p:cNvSpPr>
-          <p:nvPr>
-            <p:ph type="dt" idx="1"/>
-          </p:nvPr>
-        </p:nvSpPr>
-        <p:spPr/>
-        <p:txBody>
-          <a:bodyPr/>
-          <a:p>
-            <a:r>
-              <a:rPr lang="en-US"/>
-              <a:t/>
-            </a:r>
-          </a:p>
-        </p:txBody>
-      </p:sp>
-    </p:spTree>
-  </p:cSld>
-</p:sldLayout>
-</file>
-
-<file path=ppt/slideLayouts/slideLayout25.xml><?xml version="1.0" encoding="utf-8"?>
-<p:sldLayout xmlns:a="http://schemas.openxmlformats.org/drawingml/2006/main" xmlns:p="http://schemas.openxmlformats.org/presentationml/2006/main" xmlns:r="http://schemas.openxmlformats.org/officeDocument/2006/relationships" xmlns:p14="http://schemas.microsoft.com/office/powerpoint/2010/main" xmlns:p15="http://schemas.microsoft.com/office/powerpoint/2012/main" xmlns:mc="http://schemas.openxmlformats.org/markup-compatibility/2006" type="blank" preserve="1">
-  <p:cSld name="Blank Slide">
-    <p:spTree>
-      <p:nvGrpSpPr>
-        <p:cNvPr id="1" name=""/>
-        <p:cNvGrpSpPr/>
-        <p:nvPr/>
-      </p:nvGrpSpPr>
-      <p:grpSpPr>
-        <a:xfrm>
-          <a:off x="0" y="0"/>
-          <a:ext cx="0" cy="0"/>
-          <a:chOff x="0" y="0"/>
-          <a:chExt cx="0" cy="0"/>
-        </a:xfrm>
-      </p:grpSpPr>
-      <p:sp>
-        <p:nvSpPr>
-          <p:cNvPr id="2" name="PlaceHolder 1"/>
-          <p:cNvSpPr>
-            <a:spLocks noGrp="1"/>
-          </p:cNvSpPr>
-          <p:nvPr>
-            <p:ph type="ftr" idx="5"/>
-          </p:nvPr>
-        </p:nvSpPr>
-        <p:spPr/>
-        <p:txBody>
-          <a:bodyPr/>
-          <a:p>
-            <a:r>
-              <a:t>Footer</a:t>
-            </a:r>
-          </a:p>
-        </p:txBody>
-      </p:sp>
-      <p:sp>
-        <p:nvSpPr>
-          <p:cNvPr id="3" name="PlaceHolder 2"/>
-          <p:cNvSpPr>
-            <a:spLocks noGrp="1"/>
-          </p:cNvSpPr>
-          <p:nvPr>
-            <p:ph type="sldNum" idx="6"/>
-          </p:nvPr>
-        </p:nvSpPr>
-        <p:spPr/>
-        <p:txBody>
-          <a:bodyPr/>
-          <a:p>
-            <a:fld id="{F580F93C-FCBC-4F6C-8E39-FF97D9020721}" type="slidenum">
-              <a:t>&lt;#&gt;</a:t>
-            </a:fld>
-          </a:p>
-        </p:txBody>
-      </p:sp>
-      <p:sp>
-        <p:nvSpPr>
-          <p:cNvPr id="4" name="PlaceHolder 3"/>
-          <p:cNvSpPr>
-            <a:spLocks noGrp="1"/>
-          </p:cNvSpPr>
-          <p:nvPr>
-            <p:ph type="dt" idx="4"/>
-          </p:nvPr>
-        </p:nvSpPr>
-        <p:spPr/>
-        <p:txBody>
-          <a:bodyPr/>
-          <a:p>
-            <a:r>
-              <a:rPr lang="en-US"/>
-              <a:t/>
-            </a:r>
-          </a:p>
-        </p:txBody>
-      </p:sp>
-    </p:spTree>
-  </p:cSld>
-</p:sldLayout>
-</file>
-
-<file path=ppt/slideLayouts/slideLayout26.xml><?xml version="1.0" encoding="utf-8"?>
-<p:sldLayout xmlns:a="http://schemas.openxmlformats.org/drawingml/2006/main" xmlns:p="http://schemas.openxmlformats.org/presentationml/2006/main" xmlns:r="http://schemas.openxmlformats.org/officeDocument/2006/relationships" xmlns:p14="http://schemas.microsoft.com/office/powerpoint/2010/main" xmlns:p15="http://schemas.microsoft.com/office/powerpoint/2012/main" xmlns:mc="http://schemas.openxmlformats.org/markup-compatibility/2006" type="tx" preserve="1">
-  <p:cSld name="Title Slide">
-    <p:spTree>
-      <p:nvGrpSpPr>
-        <p:cNvPr id="1" name=""/>
-        <p:cNvGrpSpPr/>
-        <p:nvPr/>
-      </p:nvGrpSpPr>
-      <p:grpSpPr>
-        <a:xfrm>
-          <a:off x="0" y="0"/>
-          <a:ext cx="0" cy="0"/>
-          <a:chOff x="0" y="0"/>
-          <a:chExt cx="0" cy="0"/>
-        </a:xfrm>
-      </p:grpSpPr>
-      <p:sp>
-        <p:nvSpPr>
-          <p:cNvPr id="101" name="PlaceHolder 1"/>
-          <p:cNvSpPr>
-            <a:spLocks noGrp="1"/>
-          </p:cNvSpPr>
-          <p:nvPr>
-            <p:ph type="title"/>
-          </p:nvPr>
-        </p:nvSpPr>
-        <p:spPr>
-          <a:xfrm>
-            <a:off x="144000" y="72000"/>
-            <a:ext cx="9540000" cy="648000"/>
-          </a:xfrm>
-          <a:prstGeom prst="rect">
-            <a:avLst/>
-          </a:prstGeom>
-          <a:noFill/>
-          <a:ln w="0">
-            <a:noFill/>
-          </a:ln>
-        </p:spPr>
-        <p:txBody>
-          <a:bodyPr lIns="0" rIns="0" tIns="0" bIns="0" anchor="ctr">
-            <a:noAutofit/>
-          </a:bodyPr>
-          <a:p>
-            <a:endParaRPr b="0" lang="en-US" sz="4400" spc="-1" strike="noStrike">
-              <a:latin typeface="Arial"/>
-            </a:endParaRPr>
-          </a:p>
-        </p:txBody>
-      </p:sp>
-      <p:sp>
-        <p:nvSpPr>
-          <p:cNvPr id="102" name="PlaceHolder 2"/>
-          <p:cNvSpPr>
-            <a:spLocks noGrp="1"/>
-          </p:cNvSpPr>
-          <p:nvPr>
-            <p:ph type="subTitle"/>
-          </p:nvPr>
-        </p:nvSpPr>
-        <p:spPr>
-          <a:xfrm>
-            <a:off x="504000" y="1326600"/>
-            <a:ext cx="9071640" cy="3288240"/>
+            <a:ext cx="9539640" cy="647640"/>
           </a:xfrm>
           <a:prstGeom prst="rect">
             <a:avLst/>
@@ -3103,6 +2704,40 @@
             <a:pPr algn="ctr">
               <a:buNone/>
             </a:pPr>
+            <a:endParaRPr b="0" lang="en-US" sz="4400" spc="-1" strike="noStrike">
+              <a:latin typeface="Arial"/>
+            </a:endParaRPr>
+          </a:p>
+        </p:txBody>
+      </p:sp>
+      <p:sp>
+        <p:nvSpPr>
+          <p:cNvPr id="82" name="PlaceHolder 2"/>
+          <p:cNvSpPr>
+            <a:spLocks noGrp="1"/>
+          </p:cNvSpPr>
+          <p:nvPr>
+            <p:ph/>
+          </p:nvPr>
+        </p:nvSpPr>
+        <p:spPr>
+          <a:xfrm>
+            <a:off x="504000" y="1326600"/>
+            <a:ext cx="2920680" cy="1568160"/>
+          </a:xfrm>
+          <a:prstGeom prst="rect">
+            <a:avLst/>
+          </a:prstGeom>
+          <a:noFill/>
+          <a:ln w="0">
+            <a:noFill/>
+          </a:ln>
+        </p:spPr>
+        <p:txBody>
+          <a:bodyPr lIns="0" rIns="0" tIns="0" bIns="0" anchor="t">
+            <a:normAutofit/>
+          </a:bodyPr>
+          <a:p>
             <a:endParaRPr b="0" lang="en-US" sz="3200" spc="-1" strike="noStrike">
               <a:latin typeface="Arial"/>
             </a:endParaRPr>
@@ -3111,12 +2746,182 @@
       </p:sp>
       <p:sp>
         <p:nvSpPr>
-          <p:cNvPr id="4" name="PlaceHolder 3"/>
-          <p:cNvSpPr>
-            <a:spLocks noGrp="1"/>
-          </p:cNvSpPr>
-          <p:nvPr>
-            <p:ph type="ftr" idx="5"/>
+          <p:cNvPr id="83" name="PlaceHolder 3"/>
+          <p:cNvSpPr>
+            <a:spLocks noGrp="1"/>
+          </p:cNvSpPr>
+          <p:nvPr>
+            <p:ph/>
+          </p:nvPr>
+        </p:nvSpPr>
+        <p:spPr>
+          <a:xfrm>
+            <a:off x="3571200" y="1326600"/>
+            <a:ext cx="2920680" cy="1568160"/>
+          </a:xfrm>
+          <a:prstGeom prst="rect">
+            <a:avLst/>
+          </a:prstGeom>
+          <a:noFill/>
+          <a:ln w="0">
+            <a:noFill/>
+          </a:ln>
+        </p:spPr>
+        <p:txBody>
+          <a:bodyPr lIns="0" rIns="0" tIns="0" bIns="0" anchor="t">
+            <a:normAutofit/>
+          </a:bodyPr>
+          <a:p>
+            <a:endParaRPr b="0" lang="en-US" sz="3200" spc="-1" strike="noStrike">
+              <a:latin typeface="Arial"/>
+            </a:endParaRPr>
+          </a:p>
+        </p:txBody>
+      </p:sp>
+      <p:sp>
+        <p:nvSpPr>
+          <p:cNvPr id="84" name="PlaceHolder 4"/>
+          <p:cNvSpPr>
+            <a:spLocks noGrp="1"/>
+          </p:cNvSpPr>
+          <p:nvPr>
+            <p:ph/>
+          </p:nvPr>
+        </p:nvSpPr>
+        <p:spPr>
+          <a:xfrm>
+            <a:off x="6638040" y="1326600"/>
+            <a:ext cx="2920680" cy="1568160"/>
+          </a:xfrm>
+          <a:prstGeom prst="rect">
+            <a:avLst/>
+          </a:prstGeom>
+          <a:noFill/>
+          <a:ln w="0">
+            <a:noFill/>
+          </a:ln>
+        </p:spPr>
+        <p:txBody>
+          <a:bodyPr lIns="0" rIns="0" tIns="0" bIns="0" anchor="t">
+            <a:normAutofit/>
+          </a:bodyPr>
+          <a:p>
+            <a:endParaRPr b="0" lang="en-US" sz="3200" spc="-1" strike="noStrike">
+              <a:latin typeface="Arial"/>
+            </a:endParaRPr>
+          </a:p>
+        </p:txBody>
+      </p:sp>
+      <p:sp>
+        <p:nvSpPr>
+          <p:cNvPr id="85" name="PlaceHolder 5"/>
+          <p:cNvSpPr>
+            <a:spLocks noGrp="1"/>
+          </p:cNvSpPr>
+          <p:nvPr>
+            <p:ph/>
+          </p:nvPr>
+        </p:nvSpPr>
+        <p:spPr>
+          <a:xfrm>
+            <a:off x="504000" y="3044160"/>
+            <a:ext cx="2920680" cy="1568160"/>
+          </a:xfrm>
+          <a:prstGeom prst="rect">
+            <a:avLst/>
+          </a:prstGeom>
+          <a:noFill/>
+          <a:ln w="0">
+            <a:noFill/>
+          </a:ln>
+        </p:spPr>
+        <p:txBody>
+          <a:bodyPr lIns="0" rIns="0" tIns="0" bIns="0" anchor="t">
+            <a:normAutofit/>
+          </a:bodyPr>
+          <a:p>
+            <a:endParaRPr b="0" lang="en-US" sz="3200" spc="-1" strike="noStrike">
+              <a:latin typeface="Arial"/>
+            </a:endParaRPr>
+          </a:p>
+        </p:txBody>
+      </p:sp>
+      <p:sp>
+        <p:nvSpPr>
+          <p:cNvPr id="86" name="PlaceHolder 6"/>
+          <p:cNvSpPr>
+            <a:spLocks noGrp="1"/>
+          </p:cNvSpPr>
+          <p:nvPr>
+            <p:ph/>
+          </p:nvPr>
+        </p:nvSpPr>
+        <p:spPr>
+          <a:xfrm>
+            <a:off x="3571200" y="3044160"/>
+            <a:ext cx="2920680" cy="1568160"/>
+          </a:xfrm>
+          <a:prstGeom prst="rect">
+            <a:avLst/>
+          </a:prstGeom>
+          <a:noFill/>
+          <a:ln w="0">
+            <a:noFill/>
+          </a:ln>
+        </p:spPr>
+        <p:txBody>
+          <a:bodyPr lIns="0" rIns="0" tIns="0" bIns="0" anchor="t">
+            <a:normAutofit/>
+          </a:bodyPr>
+          <a:p>
+            <a:endParaRPr b="0" lang="en-US" sz="3200" spc="-1" strike="noStrike">
+              <a:latin typeface="Arial"/>
+            </a:endParaRPr>
+          </a:p>
+        </p:txBody>
+      </p:sp>
+      <p:sp>
+        <p:nvSpPr>
+          <p:cNvPr id="87" name="PlaceHolder 7"/>
+          <p:cNvSpPr>
+            <a:spLocks noGrp="1"/>
+          </p:cNvSpPr>
+          <p:nvPr>
+            <p:ph/>
+          </p:nvPr>
+        </p:nvSpPr>
+        <p:spPr>
+          <a:xfrm>
+            <a:off x="6638040" y="3044160"/>
+            <a:ext cx="2920680" cy="1568160"/>
+          </a:xfrm>
+          <a:prstGeom prst="rect">
+            <a:avLst/>
+          </a:prstGeom>
+          <a:noFill/>
+          <a:ln w="0">
+            <a:noFill/>
+          </a:ln>
+        </p:spPr>
+        <p:txBody>
+          <a:bodyPr lIns="0" rIns="0" tIns="0" bIns="0" anchor="t">
+            <a:normAutofit/>
+          </a:bodyPr>
+          <a:p>
+            <a:endParaRPr b="0" lang="en-US" sz="3200" spc="-1" strike="noStrike">
+              <a:latin typeface="Arial"/>
+            </a:endParaRPr>
+          </a:p>
+        </p:txBody>
+      </p:sp>
+      <p:sp>
+        <p:nvSpPr>
+          <p:cNvPr id="9" name="PlaceHolder 8"/>
+          <p:cNvSpPr>
+            <a:spLocks noGrp="1"/>
+          </p:cNvSpPr>
+          <p:nvPr>
+            <p:ph type="ftr" idx="1"/>
           </p:nvPr>
         </p:nvSpPr>
         <p:spPr/>
@@ -3131,19 +2936,19 @@
       </p:sp>
       <p:sp>
         <p:nvSpPr>
-          <p:cNvPr id="5" name="PlaceHolder 4"/>
-          <p:cNvSpPr>
-            <a:spLocks noGrp="1"/>
-          </p:cNvSpPr>
-          <p:nvPr>
-            <p:ph type="sldNum" idx="6"/>
+          <p:cNvPr id="10" name="PlaceHolder 9"/>
+          <p:cNvSpPr>
+            <a:spLocks noGrp="1"/>
+          </p:cNvSpPr>
+          <p:nvPr>
+            <p:ph type="sldNum" idx="2"/>
           </p:nvPr>
         </p:nvSpPr>
         <p:spPr/>
         <p:txBody>
           <a:bodyPr/>
           <a:p>
-            <a:fld id="{86281A0C-05A0-43AA-99F2-EEFFFA94A9F5}" type="slidenum">
+            <a:fld id="{CFD80EB3-9360-486E-9056-8694AE29D0A7}" type="slidenum">
               <a:t>&lt;#&gt;</a:t>
             </a:fld>
           </a:p>
@@ -3151,465 +2956,12 @@
       </p:sp>
       <p:sp>
         <p:nvSpPr>
-          <p:cNvPr id="6" name="PlaceHolder 5"/>
-          <p:cNvSpPr>
-            <a:spLocks noGrp="1"/>
-          </p:cNvSpPr>
-          <p:nvPr>
-            <p:ph type="dt" idx="4"/>
-          </p:nvPr>
-        </p:nvSpPr>
-        <p:spPr/>
-        <p:txBody>
-          <a:bodyPr/>
-          <a:p>
-            <a:r>
-              <a:rPr lang="en-US"/>
-              <a:t/>
-            </a:r>
-          </a:p>
-        </p:txBody>
-      </p:sp>
-    </p:spTree>
-  </p:cSld>
-</p:sldLayout>
-</file>
-
-<file path=ppt/slideLayouts/slideLayout27.xml><?xml version="1.0" encoding="utf-8"?>
-<p:sldLayout xmlns:a="http://schemas.openxmlformats.org/drawingml/2006/main" xmlns:p="http://schemas.openxmlformats.org/presentationml/2006/main" xmlns:r="http://schemas.openxmlformats.org/officeDocument/2006/relationships" xmlns:p14="http://schemas.microsoft.com/office/powerpoint/2010/main" xmlns:p15="http://schemas.microsoft.com/office/powerpoint/2012/main" xmlns:mc="http://schemas.openxmlformats.org/markup-compatibility/2006" type="obj" preserve="1">
-  <p:cSld name="Title, Content">
-    <p:spTree>
-      <p:nvGrpSpPr>
-        <p:cNvPr id="1" name=""/>
-        <p:cNvGrpSpPr/>
-        <p:nvPr/>
-      </p:nvGrpSpPr>
-      <p:grpSpPr>
-        <a:xfrm>
-          <a:off x="0" y="0"/>
-          <a:ext cx="0" cy="0"/>
-          <a:chOff x="0" y="0"/>
-          <a:chExt cx="0" cy="0"/>
-        </a:xfrm>
-      </p:grpSpPr>
-      <p:sp>
-        <p:nvSpPr>
-          <p:cNvPr id="103" name="PlaceHolder 1"/>
-          <p:cNvSpPr>
-            <a:spLocks noGrp="1"/>
-          </p:cNvSpPr>
-          <p:nvPr>
-            <p:ph type="title"/>
-          </p:nvPr>
-        </p:nvSpPr>
-        <p:spPr>
-          <a:xfrm>
-            <a:off x="144000" y="72000"/>
-            <a:ext cx="9540000" cy="648000"/>
-          </a:xfrm>
-          <a:prstGeom prst="rect">
-            <a:avLst/>
-          </a:prstGeom>
-          <a:noFill/>
-          <a:ln w="0">
-            <a:noFill/>
-          </a:ln>
-        </p:spPr>
-        <p:txBody>
-          <a:bodyPr lIns="0" rIns="0" tIns="0" bIns="0" anchor="ctr">
-            <a:noAutofit/>
-          </a:bodyPr>
-          <a:p>
-            <a:endParaRPr b="0" lang="en-US" sz="4400" spc="-1" strike="noStrike">
-              <a:latin typeface="Arial"/>
-            </a:endParaRPr>
-          </a:p>
-        </p:txBody>
-      </p:sp>
-      <p:sp>
-        <p:nvSpPr>
-          <p:cNvPr id="104" name="PlaceHolder 2"/>
-          <p:cNvSpPr>
-            <a:spLocks noGrp="1"/>
-          </p:cNvSpPr>
-          <p:nvPr>
-            <p:ph/>
-          </p:nvPr>
-        </p:nvSpPr>
-        <p:spPr>
-          <a:xfrm>
-            <a:off x="504000" y="1326600"/>
-            <a:ext cx="9071640" cy="3288240"/>
-          </a:xfrm>
-          <a:prstGeom prst="rect">
-            <a:avLst/>
-          </a:prstGeom>
-          <a:noFill/>
-          <a:ln w="0">
-            <a:noFill/>
-          </a:ln>
-        </p:spPr>
-        <p:txBody>
-          <a:bodyPr lIns="0" rIns="0" tIns="0" bIns="0" anchor="t">
-            <a:normAutofit/>
-          </a:bodyPr>
-          <a:p>
-            <a:endParaRPr b="0" lang="en-US" sz="3200" spc="-1" strike="noStrike">
-              <a:latin typeface="Arial"/>
-            </a:endParaRPr>
-          </a:p>
-        </p:txBody>
-      </p:sp>
-      <p:sp>
-        <p:nvSpPr>
-          <p:cNvPr id="4" name="PlaceHolder 3"/>
-          <p:cNvSpPr>
-            <a:spLocks noGrp="1"/>
-          </p:cNvSpPr>
-          <p:nvPr>
-            <p:ph type="ftr" idx="5"/>
-          </p:nvPr>
-        </p:nvSpPr>
-        <p:spPr/>
-        <p:txBody>
-          <a:bodyPr/>
-          <a:p>
-            <a:r>
-              <a:t>Footer</a:t>
-            </a:r>
-          </a:p>
-        </p:txBody>
-      </p:sp>
-      <p:sp>
-        <p:nvSpPr>
-          <p:cNvPr id="5" name="PlaceHolder 4"/>
-          <p:cNvSpPr>
-            <a:spLocks noGrp="1"/>
-          </p:cNvSpPr>
-          <p:nvPr>
-            <p:ph type="sldNum" idx="6"/>
-          </p:nvPr>
-        </p:nvSpPr>
-        <p:spPr/>
-        <p:txBody>
-          <a:bodyPr/>
-          <a:p>
-            <a:fld id="{CB189B82-F35B-4A0E-A336-53FAF0E2BAEE}" type="slidenum">
-              <a:t>&lt;#&gt;</a:t>
-            </a:fld>
-          </a:p>
-        </p:txBody>
-      </p:sp>
-      <p:sp>
-        <p:nvSpPr>
-          <p:cNvPr id="6" name="PlaceHolder 5"/>
-          <p:cNvSpPr>
-            <a:spLocks noGrp="1"/>
-          </p:cNvSpPr>
-          <p:nvPr>
-            <p:ph type="dt" idx="4"/>
-          </p:nvPr>
-        </p:nvSpPr>
-        <p:spPr/>
-        <p:txBody>
-          <a:bodyPr/>
-          <a:p>
-            <a:r>
-              <a:rPr lang="en-US"/>
-              <a:t/>
-            </a:r>
-          </a:p>
-        </p:txBody>
-      </p:sp>
-    </p:spTree>
-  </p:cSld>
-</p:sldLayout>
-</file>
-
-<file path=ppt/slideLayouts/slideLayout28.xml><?xml version="1.0" encoding="utf-8"?>
-<p:sldLayout xmlns:a="http://schemas.openxmlformats.org/drawingml/2006/main" xmlns:p="http://schemas.openxmlformats.org/presentationml/2006/main" xmlns:r="http://schemas.openxmlformats.org/officeDocument/2006/relationships" xmlns:p14="http://schemas.microsoft.com/office/powerpoint/2010/main" xmlns:p15="http://schemas.microsoft.com/office/powerpoint/2012/main" xmlns:mc="http://schemas.openxmlformats.org/markup-compatibility/2006" type="twoObj" preserve="1">
-  <p:cSld name="Title, 2 Content">
-    <p:spTree>
-      <p:nvGrpSpPr>
-        <p:cNvPr id="1" name=""/>
-        <p:cNvGrpSpPr/>
-        <p:nvPr/>
-      </p:nvGrpSpPr>
-      <p:grpSpPr>
-        <a:xfrm>
-          <a:off x="0" y="0"/>
-          <a:ext cx="0" cy="0"/>
-          <a:chOff x="0" y="0"/>
-          <a:chExt cx="0" cy="0"/>
-        </a:xfrm>
-      </p:grpSpPr>
-      <p:sp>
-        <p:nvSpPr>
-          <p:cNvPr id="105" name="PlaceHolder 1"/>
-          <p:cNvSpPr>
-            <a:spLocks noGrp="1"/>
-          </p:cNvSpPr>
-          <p:nvPr>
-            <p:ph type="title"/>
-          </p:nvPr>
-        </p:nvSpPr>
-        <p:spPr>
-          <a:xfrm>
-            <a:off x="144000" y="72000"/>
-            <a:ext cx="9540000" cy="648000"/>
-          </a:xfrm>
-          <a:prstGeom prst="rect">
-            <a:avLst/>
-          </a:prstGeom>
-          <a:noFill/>
-          <a:ln w="0">
-            <a:noFill/>
-          </a:ln>
-        </p:spPr>
-        <p:txBody>
-          <a:bodyPr lIns="0" rIns="0" tIns="0" bIns="0" anchor="ctr">
-            <a:noAutofit/>
-          </a:bodyPr>
-          <a:p>
-            <a:endParaRPr b="0" lang="en-US" sz="4400" spc="-1" strike="noStrike">
-              <a:latin typeface="Arial"/>
-            </a:endParaRPr>
-          </a:p>
-        </p:txBody>
-      </p:sp>
-      <p:sp>
-        <p:nvSpPr>
-          <p:cNvPr id="106" name="PlaceHolder 2"/>
-          <p:cNvSpPr>
-            <a:spLocks noGrp="1"/>
-          </p:cNvSpPr>
-          <p:nvPr>
-            <p:ph/>
-          </p:nvPr>
-        </p:nvSpPr>
-        <p:spPr>
-          <a:xfrm>
-            <a:off x="504000" y="1326600"/>
-            <a:ext cx="4426920" cy="3288240"/>
-          </a:xfrm>
-          <a:prstGeom prst="rect">
-            <a:avLst/>
-          </a:prstGeom>
-          <a:noFill/>
-          <a:ln w="0">
-            <a:noFill/>
-          </a:ln>
-        </p:spPr>
-        <p:txBody>
-          <a:bodyPr lIns="0" rIns="0" tIns="0" bIns="0" anchor="t">
-            <a:normAutofit/>
-          </a:bodyPr>
-          <a:p>
-            <a:endParaRPr b="0" lang="en-US" sz="3200" spc="-1" strike="noStrike">
-              <a:latin typeface="Arial"/>
-            </a:endParaRPr>
-          </a:p>
-        </p:txBody>
-      </p:sp>
-      <p:sp>
-        <p:nvSpPr>
-          <p:cNvPr id="107" name="PlaceHolder 3"/>
-          <p:cNvSpPr>
-            <a:spLocks noGrp="1"/>
-          </p:cNvSpPr>
-          <p:nvPr>
-            <p:ph/>
-          </p:nvPr>
-        </p:nvSpPr>
-        <p:spPr>
-          <a:xfrm>
-            <a:off x="5152680" y="1326600"/>
-            <a:ext cx="4426920" cy="3288240"/>
-          </a:xfrm>
-          <a:prstGeom prst="rect">
-            <a:avLst/>
-          </a:prstGeom>
-          <a:noFill/>
-          <a:ln w="0">
-            <a:noFill/>
-          </a:ln>
-        </p:spPr>
-        <p:txBody>
-          <a:bodyPr lIns="0" rIns="0" tIns="0" bIns="0" anchor="t">
-            <a:normAutofit/>
-          </a:bodyPr>
-          <a:p>
-            <a:endParaRPr b="0" lang="en-US" sz="3200" spc="-1" strike="noStrike">
-              <a:latin typeface="Arial"/>
-            </a:endParaRPr>
-          </a:p>
-        </p:txBody>
-      </p:sp>
-      <p:sp>
-        <p:nvSpPr>
-          <p:cNvPr id="5" name="PlaceHolder 4"/>
-          <p:cNvSpPr>
-            <a:spLocks noGrp="1"/>
-          </p:cNvSpPr>
-          <p:nvPr>
-            <p:ph type="ftr" idx="5"/>
-          </p:nvPr>
-        </p:nvSpPr>
-        <p:spPr/>
-        <p:txBody>
-          <a:bodyPr/>
-          <a:p>
-            <a:r>
-              <a:t>Footer</a:t>
-            </a:r>
-          </a:p>
-        </p:txBody>
-      </p:sp>
-      <p:sp>
-        <p:nvSpPr>
-          <p:cNvPr id="6" name="PlaceHolder 5"/>
-          <p:cNvSpPr>
-            <a:spLocks noGrp="1"/>
-          </p:cNvSpPr>
-          <p:nvPr>
-            <p:ph type="sldNum" idx="6"/>
-          </p:nvPr>
-        </p:nvSpPr>
-        <p:spPr/>
-        <p:txBody>
-          <a:bodyPr/>
-          <a:p>
-            <a:fld id="{6D8FE748-4A53-4EE9-88A6-AEA457D4607C}" type="slidenum">
-              <a:t>&lt;#&gt;</a:t>
-            </a:fld>
-          </a:p>
-        </p:txBody>
-      </p:sp>
-      <p:sp>
-        <p:nvSpPr>
-          <p:cNvPr id="7" name="PlaceHolder 6"/>
-          <p:cNvSpPr>
-            <a:spLocks noGrp="1"/>
-          </p:cNvSpPr>
-          <p:nvPr>
-            <p:ph type="dt" idx="4"/>
-          </p:nvPr>
-        </p:nvSpPr>
-        <p:spPr/>
-        <p:txBody>
-          <a:bodyPr/>
-          <a:p>
-            <a:r>
-              <a:rPr lang="en-US"/>
-              <a:t/>
-            </a:r>
-          </a:p>
-        </p:txBody>
-      </p:sp>
-    </p:spTree>
-  </p:cSld>
-</p:sldLayout>
-</file>
-
-<file path=ppt/slideLayouts/slideLayout29.xml><?xml version="1.0" encoding="utf-8"?>
-<p:sldLayout xmlns:a="http://schemas.openxmlformats.org/drawingml/2006/main" xmlns:p="http://schemas.openxmlformats.org/presentationml/2006/main" xmlns:r="http://schemas.openxmlformats.org/officeDocument/2006/relationships" xmlns:p14="http://schemas.microsoft.com/office/powerpoint/2010/main" xmlns:p15="http://schemas.microsoft.com/office/powerpoint/2012/main" xmlns:mc="http://schemas.openxmlformats.org/markup-compatibility/2006" type="titleOnly" preserve="1">
-  <p:cSld name="Title Only">
-    <p:spTree>
-      <p:nvGrpSpPr>
-        <p:cNvPr id="1" name=""/>
-        <p:cNvGrpSpPr/>
-        <p:nvPr/>
-      </p:nvGrpSpPr>
-      <p:grpSpPr>
-        <a:xfrm>
-          <a:off x="0" y="0"/>
-          <a:ext cx="0" cy="0"/>
-          <a:chOff x="0" y="0"/>
-          <a:chExt cx="0" cy="0"/>
-        </a:xfrm>
-      </p:grpSpPr>
-      <p:sp>
-        <p:nvSpPr>
-          <p:cNvPr id="108" name="PlaceHolder 1"/>
-          <p:cNvSpPr>
-            <a:spLocks noGrp="1"/>
-          </p:cNvSpPr>
-          <p:nvPr>
-            <p:ph type="title"/>
-          </p:nvPr>
-        </p:nvSpPr>
-        <p:spPr>
-          <a:xfrm>
-            <a:off x="144000" y="72000"/>
-            <a:ext cx="9540000" cy="648000"/>
-          </a:xfrm>
-          <a:prstGeom prst="rect">
-            <a:avLst/>
-          </a:prstGeom>
-          <a:noFill/>
-          <a:ln w="0">
-            <a:noFill/>
-          </a:ln>
-        </p:spPr>
-        <p:txBody>
-          <a:bodyPr lIns="0" rIns="0" tIns="0" bIns="0" anchor="ctr">
-            <a:noAutofit/>
-          </a:bodyPr>
-          <a:p>
-            <a:endParaRPr b="0" lang="en-US" sz="4400" spc="-1" strike="noStrike">
-              <a:latin typeface="Arial"/>
-            </a:endParaRPr>
-          </a:p>
-        </p:txBody>
-      </p:sp>
-      <p:sp>
-        <p:nvSpPr>
-          <p:cNvPr id="3" name="PlaceHolder 2"/>
-          <p:cNvSpPr>
-            <a:spLocks noGrp="1"/>
-          </p:cNvSpPr>
-          <p:nvPr>
-            <p:ph type="ftr" idx="5"/>
-          </p:nvPr>
-        </p:nvSpPr>
-        <p:spPr/>
-        <p:txBody>
-          <a:bodyPr/>
-          <a:p>
-            <a:r>
-              <a:t>Footer</a:t>
-            </a:r>
-          </a:p>
-        </p:txBody>
-      </p:sp>
-      <p:sp>
-        <p:nvSpPr>
-          <p:cNvPr id="4" name="PlaceHolder 3"/>
-          <p:cNvSpPr>
-            <a:spLocks noGrp="1"/>
-          </p:cNvSpPr>
-          <p:nvPr>
-            <p:ph type="sldNum" idx="6"/>
-          </p:nvPr>
-        </p:nvSpPr>
-        <p:spPr/>
-        <p:txBody>
-          <a:bodyPr/>
-          <a:p>
-            <a:fld id="{4C1340D9-A38B-4131-813C-9A464DB7832A}" type="slidenum">
-              <a:t>&lt;#&gt;</a:t>
-            </a:fld>
-          </a:p>
-        </p:txBody>
-      </p:sp>
-      <p:sp>
-        <p:nvSpPr>
-          <p:cNvPr id="5" name="PlaceHolder 4"/>
-          <p:cNvSpPr>
-            <a:spLocks noGrp="1"/>
-          </p:cNvSpPr>
-          <p:nvPr>
-            <p:ph type="dt" idx="4"/>
+          <p:cNvPr id="11" name="PlaceHolder 10"/>
+          <p:cNvSpPr>
+            <a:spLocks noGrp="1"/>
+          </p:cNvSpPr>
+          <p:nvPr>
+            <p:ph type="dt" idx="3"/>
           </p:nvPr>
         </p:nvSpPr>
         <p:spPr/>
@@ -3658,97 +3010,7 @@
         <p:spPr>
           <a:xfrm>
             <a:off x="144000" y="72000"/>
-            <a:ext cx="9540000" cy="648000"/>
-          </a:xfrm>
-          <a:prstGeom prst="rect">
-            <a:avLst/>
-          </a:prstGeom>
-          <a:noFill/>
-          <a:ln w="0">
-            <a:noFill/>
-          </a:ln>
-        </p:spPr>
-        <p:txBody>
-          <a:bodyPr lIns="0" rIns="0" tIns="0" bIns="0" anchor="ctr">
-            <a:noAutofit/>
-          </a:bodyPr>
-          <a:p>
-            <a:endParaRPr b="0" lang="en-US" sz="4400" spc="-1" strike="noStrike">
-              <a:latin typeface="Arial"/>
-            </a:endParaRPr>
-          </a:p>
-        </p:txBody>
-      </p:sp>
-      <p:sp>
-        <p:nvSpPr>
-          <p:cNvPr id="9" name="PlaceHolder 2"/>
-          <p:cNvSpPr>
-            <a:spLocks noGrp="1"/>
-          </p:cNvSpPr>
-          <p:nvPr>
-            <p:ph/>
-          </p:nvPr>
-        </p:nvSpPr>
-        <p:spPr>
-          <a:xfrm>
-            <a:off x="504000" y="1326600"/>
-            <a:ext cx="9071640" cy="3288240"/>
-          </a:xfrm>
-          <a:prstGeom prst="rect">
-            <a:avLst/>
-          </a:prstGeom>
-          <a:noFill/>
-          <a:ln w="0">
-            <a:noFill/>
-          </a:ln>
-        </p:spPr>
-        <p:txBody>
-          <a:bodyPr lIns="0" rIns="0" tIns="0" bIns="0" anchor="t">
-            <a:normAutofit/>
-          </a:bodyPr>
-          <a:p>
-            <a:endParaRPr b="0" lang="en-US" sz="3200" spc="-1" strike="noStrike">
-              <a:latin typeface="Arial"/>
-            </a:endParaRPr>
-          </a:p>
-        </p:txBody>
-      </p:sp>
-    </p:spTree>
-  </p:cSld>
-</p:sldLayout>
-</file>
-
-<file path=ppt/slideLayouts/slideLayout30.xml><?xml version="1.0" encoding="utf-8"?>
-<p:sldLayout xmlns:a="http://schemas.openxmlformats.org/drawingml/2006/main" xmlns:p="http://schemas.openxmlformats.org/presentationml/2006/main" xmlns:r="http://schemas.openxmlformats.org/officeDocument/2006/relationships" xmlns:p14="http://schemas.microsoft.com/office/powerpoint/2010/main" xmlns:p15="http://schemas.microsoft.com/office/powerpoint/2012/main" xmlns:mc="http://schemas.openxmlformats.org/markup-compatibility/2006" type="objOnly" preserve="1">
-  <p:cSld name="Centered Text">
-    <p:spTree>
-      <p:nvGrpSpPr>
-        <p:cNvPr id="1" name=""/>
-        <p:cNvGrpSpPr/>
-        <p:nvPr/>
-      </p:nvGrpSpPr>
-      <p:grpSpPr>
-        <a:xfrm>
-          <a:off x="0" y="0"/>
-          <a:ext cx="0" cy="0"/>
-          <a:chOff x="0" y="0"/>
-          <a:chExt cx="0" cy="0"/>
-        </a:xfrm>
-      </p:grpSpPr>
-      <p:sp>
-        <p:nvSpPr>
-          <p:cNvPr id="109" name="PlaceHolder 1"/>
-          <p:cNvSpPr>
-            <a:spLocks noGrp="1"/>
-          </p:cNvSpPr>
-          <p:nvPr>
-            <p:ph type="subTitle"/>
-          </p:nvPr>
-        </p:nvSpPr>
-        <p:spPr>
-          <a:xfrm>
-            <a:off x="144000" y="72000"/>
-            <a:ext cx="9540000" cy="3004920"/>
+            <a:ext cx="9539640" cy="647640"/>
           </a:xfrm>
           <a:prstGeom prst="rect">
             <a:avLst/>
@@ -3766,123 +3028,6 @@
             <a:pPr algn="ctr">
               <a:buNone/>
             </a:pPr>
-            <a:endParaRPr b="0" lang="en-US" sz="3200" spc="-1" strike="noStrike">
-              <a:latin typeface="Arial"/>
-            </a:endParaRPr>
-          </a:p>
-        </p:txBody>
-      </p:sp>
-      <p:sp>
-        <p:nvSpPr>
-          <p:cNvPr id="3" name="PlaceHolder 2"/>
-          <p:cNvSpPr>
-            <a:spLocks noGrp="1"/>
-          </p:cNvSpPr>
-          <p:nvPr>
-            <p:ph type="ftr" idx="5"/>
-          </p:nvPr>
-        </p:nvSpPr>
-        <p:spPr/>
-        <p:txBody>
-          <a:bodyPr/>
-          <a:p>
-            <a:r>
-              <a:t>Footer</a:t>
-            </a:r>
-          </a:p>
-        </p:txBody>
-      </p:sp>
-      <p:sp>
-        <p:nvSpPr>
-          <p:cNvPr id="4" name="PlaceHolder 3"/>
-          <p:cNvSpPr>
-            <a:spLocks noGrp="1"/>
-          </p:cNvSpPr>
-          <p:nvPr>
-            <p:ph type="sldNum" idx="6"/>
-          </p:nvPr>
-        </p:nvSpPr>
-        <p:spPr/>
-        <p:txBody>
-          <a:bodyPr/>
-          <a:p>
-            <a:fld id="{380E4CE2-C4A6-4485-B228-E7A46A6E8686}" type="slidenum">
-              <a:t>&lt;#&gt;</a:t>
-            </a:fld>
-          </a:p>
-        </p:txBody>
-      </p:sp>
-      <p:sp>
-        <p:nvSpPr>
-          <p:cNvPr id="5" name="PlaceHolder 4"/>
-          <p:cNvSpPr>
-            <a:spLocks noGrp="1"/>
-          </p:cNvSpPr>
-          <p:nvPr>
-            <p:ph type="dt" idx="4"/>
-          </p:nvPr>
-        </p:nvSpPr>
-        <p:spPr/>
-        <p:txBody>
-          <a:bodyPr/>
-          <a:p>
-            <a:r>
-              <a:rPr lang="en-US"/>
-              <a:t/>
-            </a:r>
-          </a:p>
-        </p:txBody>
-      </p:sp>
-    </p:spTree>
-  </p:cSld>
-</p:sldLayout>
-</file>
-
-<file path=ppt/slideLayouts/slideLayout31.xml><?xml version="1.0" encoding="utf-8"?>
-<p:sldLayout xmlns:a="http://schemas.openxmlformats.org/drawingml/2006/main" xmlns:p="http://schemas.openxmlformats.org/presentationml/2006/main" xmlns:r="http://schemas.openxmlformats.org/officeDocument/2006/relationships" xmlns:p14="http://schemas.microsoft.com/office/powerpoint/2010/main" xmlns:p15="http://schemas.microsoft.com/office/powerpoint/2012/main" xmlns:mc="http://schemas.openxmlformats.org/markup-compatibility/2006" type="twoObjAndObj" preserve="1">
-  <p:cSld name="Title, 2 Content and Content">
-    <p:spTree>
-      <p:nvGrpSpPr>
-        <p:cNvPr id="1" name=""/>
-        <p:cNvGrpSpPr/>
-        <p:nvPr/>
-      </p:nvGrpSpPr>
-      <p:grpSpPr>
-        <a:xfrm>
-          <a:off x="0" y="0"/>
-          <a:ext cx="0" cy="0"/>
-          <a:chOff x="0" y="0"/>
-          <a:chExt cx="0" cy="0"/>
-        </a:xfrm>
-      </p:grpSpPr>
-      <p:sp>
-        <p:nvSpPr>
-          <p:cNvPr id="110" name="PlaceHolder 1"/>
-          <p:cNvSpPr>
-            <a:spLocks noGrp="1"/>
-          </p:cNvSpPr>
-          <p:nvPr>
-            <p:ph type="title"/>
-          </p:nvPr>
-        </p:nvSpPr>
-        <p:spPr>
-          <a:xfrm>
-            <a:off x="144000" y="72000"/>
-            <a:ext cx="9540000" cy="648000"/>
-          </a:xfrm>
-          <a:prstGeom prst="rect">
-            <a:avLst/>
-          </a:prstGeom>
-          <a:noFill/>
-          <a:ln w="0">
-            <a:noFill/>
-          </a:ln>
-        </p:spPr>
-        <p:txBody>
-          <a:bodyPr lIns="0" rIns="0" tIns="0" bIns="0" anchor="ctr">
-            <a:noAutofit/>
-          </a:bodyPr>
-          <a:p>
             <a:endParaRPr b="0" lang="en-US" sz="4400" spc="-1" strike="noStrike">
               <a:latin typeface="Arial"/>
             </a:endParaRPr>
@@ -3891,7 +3036,7 @@
       </p:sp>
       <p:sp>
         <p:nvSpPr>
-          <p:cNvPr id="111" name="PlaceHolder 2"/>
+          <p:cNvPr id="9" name="PlaceHolder 2"/>
           <p:cNvSpPr>
             <a:spLocks noGrp="1"/>
           </p:cNvSpPr>
@@ -3902,7 +3047,7 @@
         <p:spPr>
           <a:xfrm>
             <a:off x="504000" y="1326600"/>
-            <a:ext cx="4426920" cy="1568160"/>
+            <a:ext cx="9071280" cy="3287880"/>
           </a:xfrm>
           <a:prstGeom prst="rect">
             <a:avLst/>
@@ -3920,1332 +3065,6 @@
             <a:endParaRPr b="0" lang="en-US" sz="3200" spc="-1" strike="noStrike">
               <a:latin typeface="Arial"/>
             </a:endParaRPr>
-          </a:p>
-        </p:txBody>
-      </p:sp>
-      <p:sp>
-        <p:nvSpPr>
-          <p:cNvPr id="112" name="PlaceHolder 3"/>
-          <p:cNvSpPr>
-            <a:spLocks noGrp="1"/>
-          </p:cNvSpPr>
-          <p:nvPr>
-            <p:ph/>
-          </p:nvPr>
-        </p:nvSpPr>
-        <p:spPr>
-          <a:xfrm>
-            <a:off x="5152680" y="1326600"/>
-            <a:ext cx="4426920" cy="3288240"/>
-          </a:xfrm>
-          <a:prstGeom prst="rect">
-            <a:avLst/>
-          </a:prstGeom>
-          <a:noFill/>
-          <a:ln w="0">
-            <a:noFill/>
-          </a:ln>
-        </p:spPr>
-        <p:txBody>
-          <a:bodyPr lIns="0" rIns="0" tIns="0" bIns="0" anchor="t">
-            <a:normAutofit/>
-          </a:bodyPr>
-          <a:p>
-            <a:endParaRPr b="0" lang="en-US" sz="3200" spc="-1" strike="noStrike">
-              <a:latin typeface="Arial"/>
-            </a:endParaRPr>
-          </a:p>
-        </p:txBody>
-      </p:sp>
-      <p:sp>
-        <p:nvSpPr>
-          <p:cNvPr id="113" name="PlaceHolder 4"/>
-          <p:cNvSpPr>
-            <a:spLocks noGrp="1"/>
-          </p:cNvSpPr>
-          <p:nvPr>
-            <p:ph/>
-          </p:nvPr>
-        </p:nvSpPr>
-        <p:spPr>
-          <a:xfrm>
-            <a:off x="504000" y="3044160"/>
-            <a:ext cx="4426920" cy="1568160"/>
-          </a:xfrm>
-          <a:prstGeom prst="rect">
-            <a:avLst/>
-          </a:prstGeom>
-          <a:noFill/>
-          <a:ln w="0">
-            <a:noFill/>
-          </a:ln>
-        </p:spPr>
-        <p:txBody>
-          <a:bodyPr lIns="0" rIns="0" tIns="0" bIns="0" anchor="t">
-            <a:normAutofit/>
-          </a:bodyPr>
-          <a:p>
-            <a:endParaRPr b="0" lang="en-US" sz="3200" spc="-1" strike="noStrike">
-              <a:latin typeface="Arial"/>
-            </a:endParaRPr>
-          </a:p>
-        </p:txBody>
-      </p:sp>
-      <p:sp>
-        <p:nvSpPr>
-          <p:cNvPr id="6" name="PlaceHolder 5"/>
-          <p:cNvSpPr>
-            <a:spLocks noGrp="1"/>
-          </p:cNvSpPr>
-          <p:nvPr>
-            <p:ph type="ftr" idx="5"/>
-          </p:nvPr>
-        </p:nvSpPr>
-        <p:spPr/>
-        <p:txBody>
-          <a:bodyPr/>
-          <a:p>
-            <a:r>
-              <a:t>Footer</a:t>
-            </a:r>
-          </a:p>
-        </p:txBody>
-      </p:sp>
-      <p:sp>
-        <p:nvSpPr>
-          <p:cNvPr id="7" name="PlaceHolder 6"/>
-          <p:cNvSpPr>
-            <a:spLocks noGrp="1"/>
-          </p:cNvSpPr>
-          <p:nvPr>
-            <p:ph type="sldNum" idx="6"/>
-          </p:nvPr>
-        </p:nvSpPr>
-        <p:spPr/>
-        <p:txBody>
-          <a:bodyPr/>
-          <a:p>
-            <a:fld id="{B836840F-329C-4CE1-AD12-C403E79CC425}" type="slidenum">
-              <a:t>&lt;#&gt;</a:t>
-            </a:fld>
-          </a:p>
-        </p:txBody>
-      </p:sp>
-      <p:sp>
-        <p:nvSpPr>
-          <p:cNvPr id="8" name="PlaceHolder 7"/>
-          <p:cNvSpPr>
-            <a:spLocks noGrp="1"/>
-          </p:cNvSpPr>
-          <p:nvPr>
-            <p:ph type="dt" idx="4"/>
-          </p:nvPr>
-        </p:nvSpPr>
-        <p:spPr/>
-        <p:txBody>
-          <a:bodyPr/>
-          <a:p>
-            <a:r>
-              <a:rPr lang="en-US"/>
-              <a:t/>
-            </a:r>
-          </a:p>
-        </p:txBody>
-      </p:sp>
-    </p:spTree>
-  </p:cSld>
-</p:sldLayout>
-</file>
-
-<file path=ppt/slideLayouts/slideLayout32.xml><?xml version="1.0" encoding="utf-8"?>
-<p:sldLayout xmlns:a="http://schemas.openxmlformats.org/drawingml/2006/main" xmlns:p="http://schemas.openxmlformats.org/presentationml/2006/main" xmlns:r="http://schemas.openxmlformats.org/officeDocument/2006/relationships" xmlns:p14="http://schemas.microsoft.com/office/powerpoint/2010/main" xmlns:p15="http://schemas.microsoft.com/office/powerpoint/2012/main" xmlns:mc="http://schemas.openxmlformats.org/markup-compatibility/2006" type="objAndTwoObj" preserve="1">
-  <p:cSld name="Title Content and 2 Content">
-    <p:spTree>
-      <p:nvGrpSpPr>
-        <p:cNvPr id="1" name=""/>
-        <p:cNvGrpSpPr/>
-        <p:nvPr/>
-      </p:nvGrpSpPr>
-      <p:grpSpPr>
-        <a:xfrm>
-          <a:off x="0" y="0"/>
-          <a:ext cx="0" cy="0"/>
-          <a:chOff x="0" y="0"/>
-          <a:chExt cx="0" cy="0"/>
-        </a:xfrm>
-      </p:grpSpPr>
-      <p:sp>
-        <p:nvSpPr>
-          <p:cNvPr id="114" name="PlaceHolder 1"/>
-          <p:cNvSpPr>
-            <a:spLocks noGrp="1"/>
-          </p:cNvSpPr>
-          <p:nvPr>
-            <p:ph type="title"/>
-          </p:nvPr>
-        </p:nvSpPr>
-        <p:spPr>
-          <a:xfrm>
-            <a:off x="144000" y="72000"/>
-            <a:ext cx="9540000" cy="648000"/>
-          </a:xfrm>
-          <a:prstGeom prst="rect">
-            <a:avLst/>
-          </a:prstGeom>
-          <a:noFill/>
-          <a:ln w="0">
-            <a:noFill/>
-          </a:ln>
-        </p:spPr>
-        <p:txBody>
-          <a:bodyPr lIns="0" rIns="0" tIns="0" bIns="0" anchor="ctr">
-            <a:noAutofit/>
-          </a:bodyPr>
-          <a:p>
-            <a:endParaRPr b="0" lang="en-US" sz="4400" spc="-1" strike="noStrike">
-              <a:latin typeface="Arial"/>
-            </a:endParaRPr>
-          </a:p>
-        </p:txBody>
-      </p:sp>
-      <p:sp>
-        <p:nvSpPr>
-          <p:cNvPr id="115" name="PlaceHolder 2"/>
-          <p:cNvSpPr>
-            <a:spLocks noGrp="1"/>
-          </p:cNvSpPr>
-          <p:nvPr>
-            <p:ph/>
-          </p:nvPr>
-        </p:nvSpPr>
-        <p:spPr>
-          <a:xfrm>
-            <a:off x="504000" y="1326600"/>
-            <a:ext cx="4426920" cy="3288240"/>
-          </a:xfrm>
-          <a:prstGeom prst="rect">
-            <a:avLst/>
-          </a:prstGeom>
-          <a:noFill/>
-          <a:ln w="0">
-            <a:noFill/>
-          </a:ln>
-        </p:spPr>
-        <p:txBody>
-          <a:bodyPr lIns="0" rIns="0" tIns="0" bIns="0" anchor="t">
-            <a:normAutofit/>
-          </a:bodyPr>
-          <a:p>
-            <a:endParaRPr b="0" lang="en-US" sz="3200" spc="-1" strike="noStrike">
-              <a:latin typeface="Arial"/>
-            </a:endParaRPr>
-          </a:p>
-        </p:txBody>
-      </p:sp>
-      <p:sp>
-        <p:nvSpPr>
-          <p:cNvPr id="116" name="PlaceHolder 3"/>
-          <p:cNvSpPr>
-            <a:spLocks noGrp="1"/>
-          </p:cNvSpPr>
-          <p:nvPr>
-            <p:ph/>
-          </p:nvPr>
-        </p:nvSpPr>
-        <p:spPr>
-          <a:xfrm>
-            <a:off x="5152680" y="1326600"/>
-            <a:ext cx="4426920" cy="1568160"/>
-          </a:xfrm>
-          <a:prstGeom prst="rect">
-            <a:avLst/>
-          </a:prstGeom>
-          <a:noFill/>
-          <a:ln w="0">
-            <a:noFill/>
-          </a:ln>
-        </p:spPr>
-        <p:txBody>
-          <a:bodyPr lIns="0" rIns="0" tIns="0" bIns="0" anchor="t">
-            <a:normAutofit/>
-          </a:bodyPr>
-          <a:p>
-            <a:endParaRPr b="0" lang="en-US" sz="3200" spc="-1" strike="noStrike">
-              <a:latin typeface="Arial"/>
-            </a:endParaRPr>
-          </a:p>
-        </p:txBody>
-      </p:sp>
-      <p:sp>
-        <p:nvSpPr>
-          <p:cNvPr id="117" name="PlaceHolder 4"/>
-          <p:cNvSpPr>
-            <a:spLocks noGrp="1"/>
-          </p:cNvSpPr>
-          <p:nvPr>
-            <p:ph/>
-          </p:nvPr>
-        </p:nvSpPr>
-        <p:spPr>
-          <a:xfrm>
-            <a:off x="5152680" y="3044160"/>
-            <a:ext cx="4426920" cy="1568160"/>
-          </a:xfrm>
-          <a:prstGeom prst="rect">
-            <a:avLst/>
-          </a:prstGeom>
-          <a:noFill/>
-          <a:ln w="0">
-            <a:noFill/>
-          </a:ln>
-        </p:spPr>
-        <p:txBody>
-          <a:bodyPr lIns="0" rIns="0" tIns="0" bIns="0" anchor="t">
-            <a:normAutofit/>
-          </a:bodyPr>
-          <a:p>
-            <a:endParaRPr b="0" lang="en-US" sz="3200" spc="-1" strike="noStrike">
-              <a:latin typeface="Arial"/>
-            </a:endParaRPr>
-          </a:p>
-        </p:txBody>
-      </p:sp>
-      <p:sp>
-        <p:nvSpPr>
-          <p:cNvPr id="6" name="PlaceHolder 5"/>
-          <p:cNvSpPr>
-            <a:spLocks noGrp="1"/>
-          </p:cNvSpPr>
-          <p:nvPr>
-            <p:ph type="ftr" idx="5"/>
-          </p:nvPr>
-        </p:nvSpPr>
-        <p:spPr/>
-        <p:txBody>
-          <a:bodyPr/>
-          <a:p>
-            <a:r>
-              <a:t>Footer</a:t>
-            </a:r>
-          </a:p>
-        </p:txBody>
-      </p:sp>
-      <p:sp>
-        <p:nvSpPr>
-          <p:cNvPr id="7" name="PlaceHolder 6"/>
-          <p:cNvSpPr>
-            <a:spLocks noGrp="1"/>
-          </p:cNvSpPr>
-          <p:nvPr>
-            <p:ph type="sldNum" idx="6"/>
-          </p:nvPr>
-        </p:nvSpPr>
-        <p:spPr/>
-        <p:txBody>
-          <a:bodyPr/>
-          <a:p>
-            <a:fld id="{15C02E14-584C-45F4-97F7-41161094C7E5}" type="slidenum">
-              <a:t>&lt;#&gt;</a:t>
-            </a:fld>
-          </a:p>
-        </p:txBody>
-      </p:sp>
-      <p:sp>
-        <p:nvSpPr>
-          <p:cNvPr id="8" name="PlaceHolder 7"/>
-          <p:cNvSpPr>
-            <a:spLocks noGrp="1"/>
-          </p:cNvSpPr>
-          <p:nvPr>
-            <p:ph type="dt" idx="4"/>
-          </p:nvPr>
-        </p:nvSpPr>
-        <p:spPr/>
-        <p:txBody>
-          <a:bodyPr/>
-          <a:p>
-            <a:r>
-              <a:rPr lang="en-US"/>
-              <a:t/>
-            </a:r>
-          </a:p>
-        </p:txBody>
-      </p:sp>
-    </p:spTree>
-  </p:cSld>
-</p:sldLayout>
-</file>
-
-<file path=ppt/slideLayouts/slideLayout33.xml><?xml version="1.0" encoding="utf-8"?>
-<p:sldLayout xmlns:a="http://schemas.openxmlformats.org/drawingml/2006/main" xmlns:p="http://schemas.openxmlformats.org/presentationml/2006/main" xmlns:r="http://schemas.openxmlformats.org/officeDocument/2006/relationships" xmlns:p14="http://schemas.microsoft.com/office/powerpoint/2010/main" xmlns:p15="http://schemas.microsoft.com/office/powerpoint/2012/main" xmlns:mc="http://schemas.openxmlformats.org/markup-compatibility/2006" type="twoObjOverTx" preserve="1">
-  <p:cSld name="Title, 2 Content over Content">
-    <p:spTree>
-      <p:nvGrpSpPr>
-        <p:cNvPr id="1" name=""/>
-        <p:cNvGrpSpPr/>
-        <p:nvPr/>
-      </p:nvGrpSpPr>
-      <p:grpSpPr>
-        <a:xfrm>
-          <a:off x="0" y="0"/>
-          <a:ext cx="0" cy="0"/>
-          <a:chOff x="0" y="0"/>
-          <a:chExt cx="0" cy="0"/>
-        </a:xfrm>
-      </p:grpSpPr>
-      <p:sp>
-        <p:nvSpPr>
-          <p:cNvPr id="118" name="PlaceHolder 1"/>
-          <p:cNvSpPr>
-            <a:spLocks noGrp="1"/>
-          </p:cNvSpPr>
-          <p:nvPr>
-            <p:ph type="title"/>
-          </p:nvPr>
-        </p:nvSpPr>
-        <p:spPr>
-          <a:xfrm>
-            <a:off x="144000" y="72000"/>
-            <a:ext cx="9540000" cy="648000"/>
-          </a:xfrm>
-          <a:prstGeom prst="rect">
-            <a:avLst/>
-          </a:prstGeom>
-          <a:noFill/>
-          <a:ln w="0">
-            <a:noFill/>
-          </a:ln>
-        </p:spPr>
-        <p:txBody>
-          <a:bodyPr lIns="0" rIns="0" tIns="0" bIns="0" anchor="ctr">
-            <a:noAutofit/>
-          </a:bodyPr>
-          <a:p>
-            <a:endParaRPr b="0" lang="en-US" sz="4400" spc="-1" strike="noStrike">
-              <a:latin typeface="Arial"/>
-            </a:endParaRPr>
-          </a:p>
-        </p:txBody>
-      </p:sp>
-      <p:sp>
-        <p:nvSpPr>
-          <p:cNvPr id="119" name="PlaceHolder 2"/>
-          <p:cNvSpPr>
-            <a:spLocks noGrp="1"/>
-          </p:cNvSpPr>
-          <p:nvPr>
-            <p:ph/>
-          </p:nvPr>
-        </p:nvSpPr>
-        <p:spPr>
-          <a:xfrm>
-            <a:off x="504000" y="1326600"/>
-            <a:ext cx="4426920" cy="1568160"/>
-          </a:xfrm>
-          <a:prstGeom prst="rect">
-            <a:avLst/>
-          </a:prstGeom>
-          <a:noFill/>
-          <a:ln w="0">
-            <a:noFill/>
-          </a:ln>
-        </p:spPr>
-        <p:txBody>
-          <a:bodyPr lIns="0" rIns="0" tIns="0" bIns="0" anchor="t">
-            <a:normAutofit/>
-          </a:bodyPr>
-          <a:p>
-            <a:endParaRPr b="0" lang="en-US" sz="3200" spc="-1" strike="noStrike">
-              <a:latin typeface="Arial"/>
-            </a:endParaRPr>
-          </a:p>
-        </p:txBody>
-      </p:sp>
-      <p:sp>
-        <p:nvSpPr>
-          <p:cNvPr id="120" name="PlaceHolder 3"/>
-          <p:cNvSpPr>
-            <a:spLocks noGrp="1"/>
-          </p:cNvSpPr>
-          <p:nvPr>
-            <p:ph/>
-          </p:nvPr>
-        </p:nvSpPr>
-        <p:spPr>
-          <a:xfrm>
-            <a:off x="5152680" y="1326600"/>
-            <a:ext cx="4426920" cy="1568160"/>
-          </a:xfrm>
-          <a:prstGeom prst="rect">
-            <a:avLst/>
-          </a:prstGeom>
-          <a:noFill/>
-          <a:ln w="0">
-            <a:noFill/>
-          </a:ln>
-        </p:spPr>
-        <p:txBody>
-          <a:bodyPr lIns="0" rIns="0" tIns="0" bIns="0" anchor="t">
-            <a:normAutofit/>
-          </a:bodyPr>
-          <a:p>
-            <a:endParaRPr b="0" lang="en-US" sz="3200" spc="-1" strike="noStrike">
-              <a:latin typeface="Arial"/>
-            </a:endParaRPr>
-          </a:p>
-        </p:txBody>
-      </p:sp>
-      <p:sp>
-        <p:nvSpPr>
-          <p:cNvPr id="121" name="PlaceHolder 4"/>
-          <p:cNvSpPr>
-            <a:spLocks noGrp="1"/>
-          </p:cNvSpPr>
-          <p:nvPr>
-            <p:ph/>
-          </p:nvPr>
-        </p:nvSpPr>
-        <p:spPr>
-          <a:xfrm>
-            <a:off x="504000" y="3044160"/>
-            <a:ext cx="9071640" cy="1568160"/>
-          </a:xfrm>
-          <a:prstGeom prst="rect">
-            <a:avLst/>
-          </a:prstGeom>
-          <a:noFill/>
-          <a:ln w="0">
-            <a:noFill/>
-          </a:ln>
-        </p:spPr>
-        <p:txBody>
-          <a:bodyPr lIns="0" rIns="0" tIns="0" bIns="0" anchor="t">
-            <a:normAutofit/>
-          </a:bodyPr>
-          <a:p>
-            <a:endParaRPr b="0" lang="en-US" sz="3200" spc="-1" strike="noStrike">
-              <a:latin typeface="Arial"/>
-            </a:endParaRPr>
-          </a:p>
-        </p:txBody>
-      </p:sp>
-      <p:sp>
-        <p:nvSpPr>
-          <p:cNvPr id="6" name="PlaceHolder 5"/>
-          <p:cNvSpPr>
-            <a:spLocks noGrp="1"/>
-          </p:cNvSpPr>
-          <p:nvPr>
-            <p:ph type="ftr" idx="5"/>
-          </p:nvPr>
-        </p:nvSpPr>
-        <p:spPr/>
-        <p:txBody>
-          <a:bodyPr/>
-          <a:p>
-            <a:r>
-              <a:t>Footer</a:t>
-            </a:r>
-          </a:p>
-        </p:txBody>
-      </p:sp>
-      <p:sp>
-        <p:nvSpPr>
-          <p:cNvPr id="7" name="PlaceHolder 6"/>
-          <p:cNvSpPr>
-            <a:spLocks noGrp="1"/>
-          </p:cNvSpPr>
-          <p:nvPr>
-            <p:ph type="sldNum" idx="6"/>
-          </p:nvPr>
-        </p:nvSpPr>
-        <p:spPr/>
-        <p:txBody>
-          <a:bodyPr/>
-          <a:p>
-            <a:fld id="{32C22E85-5C52-4BDB-AF7E-085D323134F4}" type="slidenum">
-              <a:t>&lt;#&gt;</a:t>
-            </a:fld>
-          </a:p>
-        </p:txBody>
-      </p:sp>
-      <p:sp>
-        <p:nvSpPr>
-          <p:cNvPr id="8" name="PlaceHolder 7"/>
-          <p:cNvSpPr>
-            <a:spLocks noGrp="1"/>
-          </p:cNvSpPr>
-          <p:nvPr>
-            <p:ph type="dt" idx="4"/>
-          </p:nvPr>
-        </p:nvSpPr>
-        <p:spPr/>
-        <p:txBody>
-          <a:bodyPr/>
-          <a:p>
-            <a:r>
-              <a:rPr lang="en-US"/>
-              <a:t/>
-            </a:r>
-          </a:p>
-        </p:txBody>
-      </p:sp>
-    </p:spTree>
-  </p:cSld>
-</p:sldLayout>
-</file>
-
-<file path=ppt/slideLayouts/slideLayout34.xml><?xml version="1.0" encoding="utf-8"?>
-<p:sldLayout xmlns:a="http://schemas.openxmlformats.org/drawingml/2006/main" xmlns:p="http://schemas.openxmlformats.org/presentationml/2006/main" xmlns:r="http://schemas.openxmlformats.org/officeDocument/2006/relationships" xmlns:p14="http://schemas.microsoft.com/office/powerpoint/2010/main" xmlns:p15="http://schemas.microsoft.com/office/powerpoint/2012/main" xmlns:mc="http://schemas.openxmlformats.org/markup-compatibility/2006" type="objOverTx" preserve="1">
-  <p:cSld name="Title, Content over Content">
-    <p:spTree>
-      <p:nvGrpSpPr>
-        <p:cNvPr id="1" name=""/>
-        <p:cNvGrpSpPr/>
-        <p:nvPr/>
-      </p:nvGrpSpPr>
-      <p:grpSpPr>
-        <a:xfrm>
-          <a:off x="0" y="0"/>
-          <a:ext cx="0" cy="0"/>
-          <a:chOff x="0" y="0"/>
-          <a:chExt cx="0" cy="0"/>
-        </a:xfrm>
-      </p:grpSpPr>
-      <p:sp>
-        <p:nvSpPr>
-          <p:cNvPr id="122" name="PlaceHolder 1"/>
-          <p:cNvSpPr>
-            <a:spLocks noGrp="1"/>
-          </p:cNvSpPr>
-          <p:nvPr>
-            <p:ph type="title"/>
-          </p:nvPr>
-        </p:nvSpPr>
-        <p:spPr>
-          <a:xfrm>
-            <a:off x="144000" y="72000"/>
-            <a:ext cx="9540000" cy="648000"/>
-          </a:xfrm>
-          <a:prstGeom prst="rect">
-            <a:avLst/>
-          </a:prstGeom>
-          <a:noFill/>
-          <a:ln w="0">
-            <a:noFill/>
-          </a:ln>
-        </p:spPr>
-        <p:txBody>
-          <a:bodyPr lIns="0" rIns="0" tIns="0" bIns="0" anchor="ctr">
-            <a:noAutofit/>
-          </a:bodyPr>
-          <a:p>
-            <a:endParaRPr b="0" lang="en-US" sz="4400" spc="-1" strike="noStrike">
-              <a:latin typeface="Arial"/>
-            </a:endParaRPr>
-          </a:p>
-        </p:txBody>
-      </p:sp>
-      <p:sp>
-        <p:nvSpPr>
-          <p:cNvPr id="123" name="PlaceHolder 2"/>
-          <p:cNvSpPr>
-            <a:spLocks noGrp="1"/>
-          </p:cNvSpPr>
-          <p:nvPr>
-            <p:ph/>
-          </p:nvPr>
-        </p:nvSpPr>
-        <p:spPr>
-          <a:xfrm>
-            <a:off x="504000" y="1326600"/>
-            <a:ext cx="9071640" cy="1568160"/>
-          </a:xfrm>
-          <a:prstGeom prst="rect">
-            <a:avLst/>
-          </a:prstGeom>
-          <a:noFill/>
-          <a:ln w="0">
-            <a:noFill/>
-          </a:ln>
-        </p:spPr>
-        <p:txBody>
-          <a:bodyPr lIns="0" rIns="0" tIns="0" bIns="0" anchor="t">
-            <a:normAutofit/>
-          </a:bodyPr>
-          <a:p>
-            <a:endParaRPr b="0" lang="en-US" sz="3200" spc="-1" strike="noStrike">
-              <a:latin typeface="Arial"/>
-            </a:endParaRPr>
-          </a:p>
-        </p:txBody>
-      </p:sp>
-      <p:sp>
-        <p:nvSpPr>
-          <p:cNvPr id="124" name="PlaceHolder 3"/>
-          <p:cNvSpPr>
-            <a:spLocks noGrp="1"/>
-          </p:cNvSpPr>
-          <p:nvPr>
-            <p:ph/>
-          </p:nvPr>
-        </p:nvSpPr>
-        <p:spPr>
-          <a:xfrm>
-            <a:off x="504000" y="3044160"/>
-            <a:ext cx="9071640" cy="1568160"/>
-          </a:xfrm>
-          <a:prstGeom prst="rect">
-            <a:avLst/>
-          </a:prstGeom>
-          <a:noFill/>
-          <a:ln w="0">
-            <a:noFill/>
-          </a:ln>
-        </p:spPr>
-        <p:txBody>
-          <a:bodyPr lIns="0" rIns="0" tIns="0" bIns="0" anchor="t">
-            <a:normAutofit/>
-          </a:bodyPr>
-          <a:p>
-            <a:endParaRPr b="0" lang="en-US" sz="3200" spc="-1" strike="noStrike">
-              <a:latin typeface="Arial"/>
-            </a:endParaRPr>
-          </a:p>
-        </p:txBody>
-      </p:sp>
-      <p:sp>
-        <p:nvSpPr>
-          <p:cNvPr id="5" name="PlaceHolder 4"/>
-          <p:cNvSpPr>
-            <a:spLocks noGrp="1"/>
-          </p:cNvSpPr>
-          <p:nvPr>
-            <p:ph type="ftr" idx="5"/>
-          </p:nvPr>
-        </p:nvSpPr>
-        <p:spPr/>
-        <p:txBody>
-          <a:bodyPr/>
-          <a:p>
-            <a:r>
-              <a:t>Footer</a:t>
-            </a:r>
-          </a:p>
-        </p:txBody>
-      </p:sp>
-      <p:sp>
-        <p:nvSpPr>
-          <p:cNvPr id="6" name="PlaceHolder 5"/>
-          <p:cNvSpPr>
-            <a:spLocks noGrp="1"/>
-          </p:cNvSpPr>
-          <p:nvPr>
-            <p:ph type="sldNum" idx="6"/>
-          </p:nvPr>
-        </p:nvSpPr>
-        <p:spPr/>
-        <p:txBody>
-          <a:bodyPr/>
-          <a:p>
-            <a:fld id="{3742DC17-E147-42BF-8F0A-B577B96B186D}" type="slidenum">
-              <a:t>&lt;#&gt;</a:t>
-            </a:fld>
-          </a:p>
-        </p:txBody>
-      </p:sp>
-      <p:sp>
-        <p:nvSpPr>
-          <p:cNvPr id="7" name="PlaceHolder 6"/>
-          <p:cNvSpPr>
-            <a:spLocks noGrp="1"/>
-          </p:cNvSpPr>
-          <p:nvPr>
-            <p:ph type="dt" idx="4"/>
-          </p:nvPr>
-        </p:nvSpPr>
-        <p:spPr/>
-        <p:txBody>
-          <a:bodyPr/>
-          <a:p>
-            <a:r>
-              <a:rPr lang="en-US"/>
-              <a:t/>
-            </a:r>
-          </a:p>
-        </p:txBody>
-      </p:sp>
-    </p:spTree>
-  </p:cSld>
-</p:sldLayout>
-</file>
-
-<file path=ppt/slideLayouts/slideLayout35.xml><?xml version="1.0" encoding="utf-8"?>
-<p:sldLayout xmlns:a="http://schemas.openxmlformats.org/drawingml/2006/main" xmlns:p="http://schemas.openxmlformats.org/presentationml/2006/main" xmlns:r="http://schemas.openxmlformats.org/officeDocument/2006/relationships" xmlns:p14="http://schemas.microsoft.com/office/powerpoint/2010/main" xmlns:p15="http://schemas.microsoft.com/office/powerpoint/2012/main" xmlns:mc="http://schemas.openxmlformats.org/markup-compatibility/2006" type="fourObj" preserve="1">
-  <p:cSld name="Title, 4 Content">
-    <p:spTree>
-      <p:nvGrpSpPr>
-        <p:cNvPr id="1" name=""/>
-        <p:cNvGrpSpPr/>
-        <p:nvPr/>
-      </p:nvGrpSpPr>
-      <p:grpSpPr>
-        <a:xfrm>
-          <a:off x="0" y="0"/>
-          <a:ext cx="0" cy="0"/>
-          <a:chOff x="0" y="0"/>
-          <a:chExt cx="0" cy="0"/>
-        </a:xfrm>
-      </p:grpSpPr>
-      <p:sp>
-        <p:nvSpPr>
-          <p:cNvPr id="125" name="PlaceHolder 1"/>
-          <p:cNvSpPr>
-            <a:spLocks noGrp="1"/>
-          </p:cNvSpPr>
-          <p:nvPr>
-            <p:ph type="title"/>
-          </p:nvPr>
-        </p:nvSpPr>
-        <p:spPr>
-          <a:xfrm>
-            <a:off x="144000" y="72000"/>
-            <a:ext cx="9540000" cy="648000"/>
-          </a:xfrm>
-          <a:prstGeom prst="rect">
-            <a:avLst/>
-          </a:prstGeom>
-          <a:noFill/>
-          <a:ln w="0">
-            <a:noFill/>
-          </a:ln>
-        </p:spPr>
-        <p:txBody>
-          <a:bodyPr lIns="0" rIns="0" tIns="0" bIns="0" anchor="ctr">
-            <a:noAutofit/>
-          </a:bodyPr>
-          <a:p>
-            <a:endParaRPr b="0" lang="en-US" sz="4400" spc="-1" strike="noStrike">
-              <a:latin typeface="Arial"/>
-            </a:endParaRPr>
-          </a:p>
-        </p:txBody>
-      </p:sp>
-      <p:sp>
-        <p:nvSpPr>
-          <p:cNvPr id="126" name="PlaceHolder 2"/>
-          <p:cNvSpPr>
-            <a:spLocks noGrp="1"/>
-          </p:cNvSpPr>
-          <p:nvPr>
-            <p:ph/>
-          </p:nvPr>
-        </p:nvSpPr>
-        <p:spPr>
-          <a:xfrm>
-            <a:off x="504000" y="1326600"/>
-            <a:ext cx="4426920" cy="1568160"/>
-          </a:xfrm>
-          <a:prstGeom prst="rect">
-            <a:avLst/>
-          </a:prstGeom>
-          <a:noFill/>
-          <a:ln w="0">
-            <a:noFill/>
-          </a:ln>
-        </p:spPr>
-        <p:txBody>
-          <a:bodyPr lIns="0" rIns="0" tIns="0" bIns="0" anchor="t">
-            <a:normAutofit/>
-          </a:bodyPr>
-          <a:p>
-            <a:endParaRPr b="0" lang="en-US" sz="3200" spc="-1" strike="noStrike">
-              <a:latin typeface="Arial"/>
-            </a:endParaRPr>
-          </a:p>
-        </p:txBody>
-      </p:sp>
-      <p:sp>
-        <p:nvSpPr>
-          <p:cNvPr id="127" name="PlaceHolder 3"/>
-          <p:cNvSpPr>
-            <a:spLocks noGrp="1"/>
-          </p:cNvSpPr>
-          <p:nvPr>
-            <p:ph/>
-          </p:nvPr>
-        </p:nvSpPr>
-        <p:spPr>
-          <a:xfrm>
-            <a:off x="5152680" y="1326600"/>
-            <a:ext cx="4426920" cy="1568160"/>
-          </a:xfrm>
-          <a:prstGeom prst="rect">
-            <a:avLst/>
-          </a:prstGeom>
-          <a:noFill/>
-          <a:ln w="0">
-            <a:noFill/>
-          </a:ln>
-        </p:spPr>
-        <p:txBody>
-          <a:bodyPr lIns="0" rIns="0" tIns="0" bIns="0" anchor="t">
-            <a:normAutofit/>
-          </a:bodyPr>
-          <a:p>
-            <a:endParaRPr b="0" lang="en-US" sz="3200" spc="-1" strike="noStrike">
-              <a:latin typeface="Arial"/>
-            </a:endParaRPr>
-          </a:p>
-        </p:txBody>
-      </p:sp>
-      <p:sp>
-        <p:nvSpPr>
-          <p:cNvPr id="128" name="PlaceHolder 4"/>
-          <p:cNvSpPr>
-            <a:spLocks noGrp="1"/>
-          </p:cNvSpPr>
-          <p:nvPr>
-            <p:ph/>
-          </p:nvPr>
-        </p:nvSpPr>
-        <p:spPr>
-          <a:xfrm>
-            <a:off x="504000" y="3044160"/>
-            <a:ext cx="4426920" cy="1568160"/>
-          </a:xfrm>
-          <a:prstGeom prst="rect">
-            <a:avLst/>
-          </a:prstGeom>
-          <a:noFill/>
-          <a:ln w="0">
-            <a:noFill/>
-          </a:ln>
-        </p:spPr>
-        <p:txBody>
-          <a:bodyPr lIns="0" rIns="0" tIns="0" bIns="0" anchor="t">
-            <a:normAutofit/>
-          </a:bodyPr>
-          <a:p>
-            <a:endParaRPr b="0" lang="en-US" sz="3200" spc="-1" strike="noStrike">
-              <a:latin typeface="Arial"/>
-            </a:endParaRPr>
-          </a:p>
-        </p:txBody>
-      </p:sp>
-      <p:sp>
-        <p:nvSpPr>
-          <p:cNvPr id="129" name="PlaceHolder 5"/>
-          <p:cNvSpPr>
-            <a:spLocks noGrp="1"/>
-          </p:cNvSpPr>
-          <p:nvPr>
-            <p:ph/>
-          </p:nvPr>
-        </p:nvSpPr>
-        <p:spPr>
-          <a:xfrm>
-            <a:off x="5152680" y="3044160"/>
-            <a:ext cx="4426920" cy="1568160"/>
-          </a:xfrm>
-          <a:prstGeom prst="rect">
-            <a:avLst/>
-          </a:prstGeom>
-          <a:noFill/>
-          <a:ln w="0">
-            <a:noFill/>
-          </a:ln>
-        </p:spPr>
-        <p:txBody>
-          <a:bodyPr lIns="0" rIns="0" tIns="0" bIns="0" anchor="t">
-            <a:normAutofit/>
-          </a:bodyPr>
-          <a:p>
-            <a:endParaRPr b="0" lang="en-US" sz="3200" spc="-1" strike="noStrike">
-              <a:latin typeface="Arial"/>
-            </a:endParaRPr>
-          </a:p>
-        </p:txBody>
-      </p:sp>
-      <p:sp>
-        <p:nvSpPr>
-          <p:cNvPr id="7" name="PlaceHolder 6"/>
-          <p:cNvSpPr>
-            <a:spLocks noGrp="1"/>
-          </p:cNvSpPr>
-          <p:nvPr>
-            <p:ph type="ftr" idx="5"/>
-          </p:nvPr>
-        </p:nvSpPr>
-        <p:spPr/>
-        <p:txBody>
-          <a:bodyPr/>
-          <a:p>
-            <a:r>
-              <a:t>Footer</a:t>
-            </a:r>
-          </a:p>
-        </p:txBody>
-      </p:sp>
-      <p:sp>
-        <p:nvSpPr>
-          <p:cNvPr id="8" name="PlaceHolder 7"/>
-          <p:cNvSpPr>
-            <a:spLocks noGrp="1"/>
-          </p:cNvSpPr>
-          <p:nvPr>
-            <p:ph type="sldNum" idx="6"/>
-          </p:nvPr>
-        </p:nvSpPr>
-        <p:spPr/>
-        <p:txBody>
-          <a:bodyPr/>
-          <a:p>
-            <a:fld id="{34324252-C3BE-4FD0-8771-DACF75BBB942}" type="slidenum">
-              <a:t>&lt;#&gt;</a:t>
-            </a:fld>
-          </a:p>
-        </p:txBody>
-      </p:sp>
-      <p:sp>
-        <p:nvSpPr>
-          <p:cNvPr id="9" name="PlaceHolder 8"/>
-          <p:cNvSpPr>
-            <a:spLocks noGrp="1"/>
-          </p:cNvSpPr>
-          <p:nvPr>
-            <p:ph type="dt" idx="4"/>
-          </p:nvPr>
-        </p:nvSpPr>
-        <p:spPr/>
-        <p:txBody>
-          <a:bodyPr/>
-          <a:p>
-            <a:r>
-              <a:rPr lang="en-US"/>
-              <a:t/>
-            </a:r>
-          </a:p>
-        </p:txBody>
-      </p:sp>
-    </p:spTree>
-  </p:cSld>
-</p:sldLayout>
-</file>
-
-<file path=ppt/slideLayouts/slideLayout36.xml><?xml version="1.0" encoding="utf-8"?>
-<p:sldLayout xmlns:a="http://schemas.openxmlformats.org/drawingml/2006/main" xmlns:p="http://schemas.openxmlformats.org/presentationml/2006/main" xmlns:r="http://schemas.openxmlformats.org/officeDocument/2006/relationships" xmlns:p14="http://schemas.microsoft.com/office/powerpoint/2010/main" xmlns:p15="http://schemas.microsoft.com/office/powerpoint/2012/main" xmlns:mc="http://schemas.openxmlformats.org/markup-compatibility/2006" type="blank" preserve="1">
-  <p:cSld name="Title, 6 Content">
-    <p:spTree>
-      <p:nvGrpSpPr>
-        <p:cNvPr id="1" name=""/>
-        <p:cNvGrpSpPr/>
-        <p:nvPr/>
-      </p:nvGrpSpPr>
-      <p:grpSpPr>
-        <a:xfrm>
-          <a:off x="0" y="0"/>
-          <a:ext cx="0" cy="0"/>
-          <a:chOff x="0" y="0"/>
-          <a:chExt cx="0" cy="0"/>
-        </a:xfrm>
-      </p:grpSpPr>
-      <p:sp>
-        <p:nvSpPr>
-          <p:cNvPr id="130" name="PlaceHolder 1"/>
-          <p:cNvSpPr>
-            <a:spLocks noGrp="1"/>
-          </p:cNvSpPr>
-          <p:nvPr>
-            <p:ph type="title"/>
-          </p:nvPr>
-        </p:nvSpPr>
-        <p:spPr>
-          <a:xfrm>
-            <a:off x="144000" y="72000"/>
-            <a:ext cx="9540000" cy="648000"/>
-          </a:xfrm>
-          <a:prstGeom prst="rect">
-            <a:avLst/>
-          </a:prstGeom>
-          <a:noFill/>
-          <a:ln w="0">
-            <a:noFill/>
-          </a:ln>
-        </p:spPr>
-        <p:txBody>
-          <a:bodyPr lIns="0" rIns="0" tIns="0" bIns="0" anchor="ctr">
-            <a:noAutofit/>
-          </a:bodyPr>
-          <a:p>
-            <a:endParaRPr b="0" lang="en-US" sz="4400" spc="-1" strike="noStrike">
-              <a:latin typeface="Arial"/>
-            </a:endParaRPr>
-          </a:p>
-        </p:txBody>
-      </p:sp>
-      <p:sp>
-        <p:nvSpPr>
-          <p:cNvPr id="131" name="PlaceHolder 2"/>
-          <p:cNvSpPr>
-            <a:spLocks noGrp="1"/>
-          </p:cNvSpPr>
-          <p:nvPr>
-            <p:ph/>
-          </p:nvPr>
-        </p:nvSpPr>
-        <p:spPr>
-          <a:xfrm>
-            <a:off x="504000" y="1326600"/>
-            <a:ext cx="2920680" cy="1568160"/>
-          </a:xfrm>
-          <a:prstGeom prst="rect">
-            <a:avLst/>
-          </a:prstGeom>
-          <a:noFill/>
-          <a:ln w="0">
-            <a:noFill/>
-          </a:ln>
-        </p:spPr>
-        <p:txBody>
-          <a:bodyPr lIns="0" rIns="0" tIns="0" bIns="0" anchor="t">
-            <a:normAutofit/>
-          </a:bodyPr>
-          <a:p>
-            <a:endParaRPr b="0" lang="en-US" sz="3200" spc="-1" strike="noStrike">
-              <a:latin typeface="Arial"/>
-            </a:endParaRPr>
-          </a:p>
-        </p:txBody>
-      </p:sp>
-      <p:sp>
-        <p:nvSpPr>
-          <p:cNvPr id="132" name="PlaceHolder 3"/>
-          <p:cNvSpPr>
-            <a:spLocks noGrp="1"/>
-          </p:cNvSpPr>
-          <p:nvPr>
-            <p:ph/>
-          </p:nvPr>
-        </p:nvSpPr>
-        <p:spPr>
-          <a:xfrm>
-            <a:off x="3571200" y="1326600"/>
-            <a:ext cx="2920680" cy="1568160"/>
-          </a:xfrm>
-          <a:prstGeom prst="rect">
-            <a:avLst/>
-          </a:prstGeom>
-          <a:noFill/>
-          <a:ln w="0">
-            <a:noFill/>
-          </a:ln>
-        </p:spPr>
-        <p:txBody>
-          <a:bodyPr lIns="0" rIns="0" tIns="0" bIns="0" anchor="t">
-            <a:normAutofit/>
-          </a:bodyPr>
-          <a:p>
-            <a:endParaRPr b="0" lang="en-US" sz="3200" spc="-1" strike="noStrike">
-              <a:latin typeface="Arial"/>
-            </a:endParaRPr>
-          </a:p>
-        </p:txBody>
-      </p:sp>
-      <p:sp>
-        <p:nvSpPr>
-          <p:cNvPr id="133" name="PlaceHolder 4"/>
-          <p:cNvSpPr>
-            <a:spLocks noGrp="1"/>
-          </p:cNvSpPr>
-          <p:nvPr>
-            <p:ph/>
-          </p:nvPr>
-        </p:nvSpPr>
-        <p:spPr>
-          <a:xfrm>
-            <a:off x="6638040" y="1326600"/>
-            <a:ext cx="2920680" cy="1568160"/>
-          </a:xfrm>
-          <a:prstGeom prst="rect">
-            <a:avLst/>
-          </a:prstGeom>
-          <a:noFill/>
-          <a:ln w="0">
-            <a:noFill/>
-          </a:ln>
-        </p:spPr>
-        <p:txBody>
-          <a:bodyPr lIns="0" rIns="0" tIns="0" bIns="0" anchor="t">
-            <a:normAutofit/>
-          </a:bodyPr>
-          <a:p>
-            <a:endParaRPr b="0" lang="en-US" sz="3200" spc="-1" strike="noStrike">
-              <a:latin typeface="Arial"/>
-            </a:endParaRPr>
-          </a:p>
-        </p:txBody>
-      </p:sp>
-      <p:sp>
-        <p:nvSpPr>
-          <p:cNvPr id="134" name="PlaceHolder 5"/>
-          <p:cNvSpPr>
-            <a:spLocks noGrp="1"/>
-          </p:cNvSpPr>
-          <p:nvPr>
-            <p:ph/>
-          </p:nvPr>
-        </p:nvSpPr>
-        <p:spPr>
-          <a:xfrm>
-            <a:off x="504000" y="3044160"/>
-            <a:ext cx="2920680" cy="1568160"/>
-          </a:xfrm>
-          <a:prstGeom prst="rect">
-            <a:avLst/>
-          </a:prstGeom>
-          <a:noFill/>
-          <a:ln w="0">
-            <a:noFill/>
-          </a:ln>
-        </p:spPr>
-        <p:txBody>
-          <a:bodyPr lIns="0" rIns="0" tIns="0" bIns="0" anchor="t">
-            <a:normAutofit/>
-          </a:bodyPr>
-          <a:p>
-            <a:endParaRPr b="0" lang="en-US" sz="3200" spc="-1" strike="noStrike">
-              <a:latin typeface="Arial"/>
-            </a:endParaRPr>
-          </a:p>
-        </p:txBody>
-      </p:sp>
-      <p:sp>
-        <p:nvSpPr>
-          <p:cNvPr id="135" name="PlaceHolder 6"/>
-          <p:cNvSpPr>
-            <a:spLocks noGrp="1"/>
-          </p:cNvSpPr>
-          <p:nvPr>
-            <p:ph/>
-          </p:nvPr>
-        </p:nvSpPr>
-        <p:spPr>
-          <a:xfrm>
-            <a:off x="3571200" y="3044160"/>
-            <a:ext cx="2920680" cy="1568160"/>
-          </a:xfrm>
-          <a:prstGeom prst="rect">
-            <a:avLst/>
-          </a:prstGeom>
-          <a:noFill/>
-          <a:ln w="0">
-            <a:noFill/>
-          </a:ln>
-        </p:spPr>
-        <p:txBody>
-          <a:bodyPr lIns="0" rIns="0" tIns="0" bIns="0" anchor="t">
-            <a:normAutofit/>
-          </a:bodyPr>
-          <a:p>
-            <a:endParaRPr b="0" lang="en-US" sz="3200" spc="-1" strike="noStrike">
-              <a:latin typeface="Arial"/>
-            </a:endParaRPr>
-          </a:p>
-        </p:txBody>
-      </p:sp>
-      <p:sp>
-        <p:nvSpPr>
-          <p:cNvPr id="136" name="PlaceHolder 7"/>
-          <p:cNvSpPr>
-            <a:spLocks noGrp="1"/>
-          </p:cNvSpPr>
-          <p:nvPr>
-            <p:ph/>
-          </p:nvPr>
-        </p:nvSpPr>
-        <p:spPr>
-          <a:xfrm>
-            <a:off x="6638040" y="3044160"/>
-            <a:ext cx="2920680" cy="1568160"/>
-          </a:xfrm>
-          <a:prstGeom prst="rect">
-            <a:avLst/>
-          </a:prstGeom>
-          <a:noFill/>
-          <a:ln w="0">
-            <a:noFill/>
-          </a:ln>
-        </p:spPr>
-        <p:txBody>
-          <a:bodyPr lIns="0" rIns="0" tIns="0" bIns="0" anchor="t">
-            <a:normAutofit/>
-          </a:bodyPr>
-          <a:p>
-            <a:endParaRPr b="0" lang="en-US" sz="3200" spc="-1" strike="noStrike">
-              <a:latin typeface="Arial"/>
-            </a:endParaRPr>
-          </a:p>
-        </p:txBody>
-      </p:sp>
-      <p:sp>
-        <p:nvSpPr>
-          <p:cNvPr id="9" name="PlaceHolder 8"/>
-          <p:cNvSpPr>
-            <a:spLocks noGrp="1"/>
-          </p:cNvSpPr>
-          <p:nvPr>
-            <p:ph type="ftr" idx="5"/>
-          </p:nvPr>
-        </p:nvSpPr>
-        <p:spPr/>
-        <p:txBody>
-          <a:bodyPr/>
-          <a:p>
-            <a:r>
-              <a:t>Footer</a:t>
-            </a:r>
-          </a:p>
-        </p:txBody>
-      </p:sp>
-      <p:sp>
-        <p:nvSpPr>
-          <p:cNvPr id="10" name="PlaceHolder 9"/>
-          <p:cNvSpPr>
-            <a:spLocks noGrp="1"/>
-          </p:cNvSpPr>
-          <p:nvPr>
-            <p:ph type="sldNum" idx="6"/>
-          </p:nvPr>
-        </p:nvSpPr>
-        <p:spPr/>
-        <p:txBody>
-          <a:bodyPr/>
-          <a:p>
-            <a:fld id="{DB3ED41E-07C7-463D-88D8-A63542F0855E}" type="slidenum">
-              <a:t>&lt;#&gt;</a:t>
-            </a:fld>
-          </a:p>
-        </p:txBody>
-      </p:sp>
-      <p:sp>
-        <p:nvSpPr>
-          <p:cNvPr id="11" name="PlaceHolder 10"/>
-          <p:cNvSpPr>
-            <a:spLocks noGrp="1"/>
-          </p:cNvSpPr>
-          <p:nvPr>
-            <p:ph type="dt" idx="4"/>
-          </p:nvPr>
-        </p:nvSpPr>
-        <p:spPr/>
-        <p:txBody>
-          <a:bodyPr/>
-          <a:p>
-            <a:r>
-              <a:rPr lang="en-US"/>
-              <a:t/>
-            </a:r>
           </a:p>
         </p:txBody>
       </p:sp>
@@ -5284,7 +3103,7 @@
         <p:spPr>
           <a:xfrm>
             <a:off x="144000" y="72000"/>
-            <a:ext cx="9540000" cy="648000"/>
+            <a:ext cx="9539640" cy="647640"/>
           </a:xfrm>
           <a:prstGeom prst="rect">
             <a:avLst/>
@@ -5299,6 +3118,9 @@
             <a:noAutofit/>
           </a:bodyPr>
           <a:p>
+            <a:pPr algn="ctr">
+              <a:buNone/>
+            </a:pPr>
             <a:endParaRPr b="0" lang="en-US" sz="4400" spc="-1" strike="noStrike">
               <a:latin typeface="Arial"/>
             </a:endParaRPr>
@@ -5318,7 +3140,7 @@
         <p:spPr>
           <a:xfrm>
             <a:off x="504000" y="1326600"/>
-            <a:ext cx="4426920" cy="3288240"/>
+            <a:ext cx="4426560" cy="3287880"/>
           </a:xfrm>
           <a:prstGeom prst="rect">
             <a:avLst/>
@@ -5351,8 +3173,8 @@
         </p:nvSpPr>
         <p:spPr>
           <a:xfrm>
-            <a:off x="5152680" y="1326600"/>
-            <a:ext cx="4426920" cy="3288240"/>
+            <a:off x="5152320" y="1326600"/>
+            <a:ext cx="4426560" cy="3287880"/>
           </a:xfrm>
           <a:prstGeom prst="rect">
             <a:avLst/>
@@ -5408,7 +3230,7 @@
         <p:spPr>
           <a:xfrm>
             <a:off x="144000" y="72000"/>
-            <a:ext cx="9540000" cy="648000"/>
+            <a:ext cx="9539640" cy="647640"/>
           </a:xfrm>
           <a:prstGeom prst="rect">
             <a:avLst/>
@@ -5423,6 +3245,9 @@
             <a:noAutofit/>
           </a:bodyPr>
           <a:p>
+            <a:pPr algn="ctr">
+              <a:buNone/>
+            </a:pPr>
             <a:endParaRPr b="0" lang="en-US" sz="4400" spc="-1" strike="noStrike">
               <a:latin typeface="Arial"/>
             </a:endParaRPr>
@@ -5464,7 +3289,7 @@
         <p:spPr>
           <a:xfrm>
             <a:off x="144000" y="72000"/>
-            <a:ext cx="9540000" cy="3004920"/>
+            <a:ext cx="9539640" cy="3003480"/>
           </a:xfrm>
           <a:prstGeom prst="rect">
             <a:avLst/>
@@ -5523,7 +3348,7 @@
         <p:spPr>
           <a:xfrm>
             <a:off x="144000" y="72000"/>
-            <a:ext cx="9540000" cy="648000"/>
+            <a:ext cx="9539640" cy="647640"/>
           </a:xfrm>
           <a:prstGeom prst="rect">
             <a:avLst/>
@@ -5538,6 +3363,9 @@
             <a:noAutofit/>
           </a:bodyPr>
           <a:p>
+            <a:pPr algn="ctr">
+              <a:buNone/>
+            </a:pPr>
             <a:endParaRPr b="0" lang="en-US" sz="4400" spc="-1" strike="noStrike">
               <a:latin typeface="Arial"/>
             </a:endParaRPr>
@@ -5557,7 +3385,7 @@
         <p:spPr>
           <a:xfrm>
             <a:off x="504000" y="1326600"/>
-            <a:ext cx="4426920" cy="1568160"/>
+            <a:ext cx="4426560" cy="1568160"/>
           </a:xfrm>
           <a:prstGeom prst="rect">
             <a:avLst/>
@@ -5590,8 +3418,8 @@
         </p:nvSpPr>
         <p:spPr>
           <a:xfrm>
-            <a:off x="5152680" y="1326600"/>
-            <a:ext cx="4426920" cy="3288240"/>
+            <a:off x="5152320" y="1326600"/>
+            <a:ext cx="4426560" cy="3287880"/>
           </a:xfrm>
           <a:prstGeom prst="rect">
             <a:avLst/>
@@ -5625,7 +3453,7 @@
         <p:spPr>
           <a:xfrm>
             <a:off x="504000" y="3044160"/>
-            <a:ext cx="4426920" cy="1568160"/>
+            <a:ext cx="4426560" cy="1568160"/>
           </a:xfrm>
           <a:prstGeom prst="rect">
             <a:avLst/>
@@ -5681,7 +3509,7 @@
         <p:spPr>
           <a:xfrm>
             <a:off x="144000" y="72000"/>
-            <a:ext cx="9540000" cy="648000"/>
+            <a:ext cx="9539640" cy="647640"/>
           </a:xfrm>
           <a:prstGeom prst="rect">
             <a:avLst/>
@@ -5696,6 +3524,9 @@
             <a:noAutofit/>
           </a:bodyPr>
           <a:p>
+            <a:pPr algn="ctr">
+              <a:buNone/>
+            </a:pPr>
             <a:endParaRPr b="0" lang="en-US" sz="4400" spc="-1" strike="noStrike">
               <a:latin typeface="Arial"/>
             </a:endParaRPr>
@@ -5715,7 +3546,7 @@
         <p:spPr>
           <a:xfrm>
             <a:off x="504000" y="1326600"/>
-            <a:ext cx="4426920" cy="3288240"/>
+            <a:ext cx="4426560" cy="3287880"/>
           </a:xfrm>
           <a:prstGeom prst="rect">
             <a:avLst/>
@@ -5748,8 +3579,8 @@
         </p:nvSpPr>
         <p:spPr>
           <a:xfrm>
-            <a:off x="5152680" y="1326600"/>
-            <a:ext cx="4426920" cy="1568160"/>
+            <a:off x="5152320" y="1326600"/>
+            <a:ext cx="4426560" cy="1568160"/>
           </a:xfrm>
           <a:prstGeom prst="rect">
             <a:avLst/>
@@ -5782,8 +3613,8 @@
         </p:nvSpPr>
         <p:spPr>
           <a:xfrm>
-            <a:off x="5152680" y="3044160"/>
-            <a:ext cx="4426920" cy="1568160"/>
+            <a:off x="5152320" y="3044160"/>
+            <a:ext cx="4426560" cy="1568160"/>
           </a:xfrm>
           <a:prstGeom prst="rect">
             <a:avLst/>
@@ -5839,7 +3670,7 @@
         <p:spPr>
           <a:xfrm>
             <a:off x="144000" y="72000"/>
-            <a:ext cx="9540000" cy="648000"/>
+            <a:ext cx="9539640" cy="647640"/>
           </a:xfrm>
           <a:prstGeom prst="rect">
             <a:avLst/>
@@ -5854,6 +3685,9 @@
             <a:noAutofit/>
           </a:bodyPr>
           <a:p>
+            <a:pPr algn="ctr">
+              <a:buNone/>
+            </a:pPr>
             <a:endParaRPr b="0" lang="en-US" sz="4400" spc="-1" strike="noStrike">
               <a:latin typeface="Arial"/>
             </a:endParaRPr>
@@ -5873,7 +3707,7 @@
         <p:spPr>
           <a:xfrm>
             <a:off x="504000" y="1326600"/>
-            <a:ext cx="4426920" cy="1568160"/>
+            <a:ext cx="4426560" cy="1568160"/>
           </a:xfrm>
           <a:prstGeom prst="rect">
             <a:avLst/>
@@ -5906,8 +3740,8 @@
         </p:nvSpPr>
         <p:spPr>
           <a:xfrm>
-            <a:off x="5152680" y="1326600"/>
-            <a:ext cx="4426920" cy="1568160"/>
+            <a:off x="5152320" y="1326600"/>
+            <a:ext cx="4426560" cy="1568160"/>
           </a:xfrm>
           <a:prstGeom prst="rect">
             <a:avLst/>
@@ -5941,7 +3775,7 @@
         <p:spPr>
           <a:xfrm>
             <a:off x="504000" y="3044160"/>
-            <a:ext cx="9071640" cy="1568160"/>
+            <a:ext cx="9071280" cy="1568160"/>
           </a:xfrm>
           <a:prstGeom prst="rect">
             <a:avLst/>
@@ -5993,195 +3827,14 @@
       </p:grpSpPr>
       <p:sp>
         <p:nvSpPr>
-          <p:cNvPr id="0" name="PlaceHolder 1"/>
-          <p:cNvSpPr>
-            <a:spLocks noGrp="1"/>
-          </p:cNvSpPr>
-          <p:nvPr>
-            <p:ph type="title"/>
-          </p:nvPr>
-        </p:nvSpPr>
-        <p:spPr>
-          <a:xfrm>
-            <a:off x="144000" y="3888000"/>
-            <a:ext cx="9000000" cy="658440"/>
-          </a:xfrm>
-          <a:prstGeom prst="rect">
-            <a:avLst/>
-          </a:prstGeom>
-          <a:noFill/>
-          <a:ln w="0">
-            <a:noFill/>
-          </a:ln>
-        </p:spPr>
-        <p:txBody>
-          <a:bodyPr lIns="0" rIns="0" tIns="0" bIns="0" anchor="ctr">
-            <a:noAutofit/>
-          </a:bodyPr>
-          <a:p>
-            <a:r>
-              <a:rPr b="0" lang="en-US" sz="4400" spc="-1" strike="noStrike">
-                <a:latin typeface="Arial"/>
-              </a:rPr>
-              <a:t>Click to edit the title text format</a:t>
-            </a:r>
-            <a:endParaRPr b="0" lang="en-US" sz="4400" spc="-1" strike="noStrike">
-              <a:latin typeface="Arial"/>
-            </a:endParaRPr>
-          </a:p>
-        </p:txBody>
-      </p:sp>
-      <p:sp>
-        <p:nvSpPr>
-          <p:cNvPr id="1" name="PlaceHolder 2"/>
-          <p:cNvSpPr>
-            <a:spLocks noGrp="1"/>
-          </p:cNvSpPr>
-          <p:nvPr>
-            <p:ph type="body"/>
-          </p:nvPr>
-        </p:nvSpPr>
-        <p:spPr>
-          <a:xfrm>
-            <a:off x="1584000" y="648000"/>
-            <a:ext cx="6479640" cy="2598840"/>
-          </a:xfrm>
-          <a:prstGeom prst="rect">
-            <a:avLst/>
-          </a:prstGeom>
-          <a:noFill/>
-          <a:ln w="0">
-            <a:noFill/>
-          </a:ln>
-        </p:spPr>
-        <p:txBody>
-          <a:bodyPr lIns="0" rIns="0" tIns="0" bIns="0" anchor="t">
-            <a:normAutofit fontScale="94000"/>
-          </a:bodyPr>
-          <a:p>
-            <a:pPr>
-              <a:spcBef>
-                <a:spcPts val="1417"/>
-              </a:spcBef>
-            </a:pPr>
-            <a:r>
-              <a:rPr b="0" lang="en-US" sz="3200" spc="-1" strike="noStrike">
-                <a:latin typeface="Arial"/>
-              </a:rPr>
-              <a:t>Click to edit the outline text format</a:t>
-            </a:r>
-            <a:endParaRPr b="0" lang="en-US" sz="3200" spc="-1" strike="noStrike">
-              <a:latin typeface="Arial"/>
-            </a:endParaRPr>
-          </a:p>
-          <a:p>
-            <a:pPr lvl="1">
-              <a:spcBef>
-                <a:spcPts val="1134"/>
-              </a:spcBef>
-            </a:pPr>
-            <a:r>
-              <a:rPr b="0" lang="en-US" sz="2800" spc="-1" strike="noStrike">
-                <a:latin typeface="Arial"/>
-              </a:rPr>
-              <a:t>Second Outline Level</a:t>
-            </a:r>
-            <a:endParaRPr b="0" lang="en-US" sz="2800" spc="-1" strike="noStrike">
-              <a:latin typeface="Arial"/>
-            </a:endParaRPr>
-          </a:p>
-          <a:p>
-            <a:pPr lvl="2">
-              <a:spcBef>
-                <a:spcPts val="850"/>
-              </a:spcBef>
-            </a:pPr>
-            <a:r>
-              <a:rPr b="0" lang="en-US" sz="2400" spc="-1" strike="noStrike">
-                <a:latin typeface="Arial"/>
-              </a:rPr>
-              <a:t>Third Outline Level</a:t>
-            </a:r>
-            <a:endParaRPr b="0" lang="en-US" sz="2400" spc="-1" strike="noStrike">
-              <a:latin typeface="Arial"/>
-            </a:endParaRPr>
-          </a:p>
-          <a:p>
-            <a:pPr lvl="3">
-              <a:spcBef>
-                <a:spcPts val="567"/>
-              </a:spcBef>
-            </a:pPr>
-            <a:r>
-              <a:rPr b="0" lang="en-US" sz="2000" spc="-1" strike="noStrike">
-                <a:latin typeface="Arial"/>
-              </a:rPr>
-              <a:t>Fourth Outline Level</a:t>
-            </a:r>
-            <a:endParaRPr b="0" lang="en-US" sz="2000" spc="-1" strike="noStrike">
-              <a:latin typeface="Arial"/>
-            </a:endParaRPr>
-          </a:p>
-          <a:p>
-            <a:pPr lvl="4">
-              <a:spcBef>
-                <a:spcPts val="283"/>
-              </a:spcBef>
-            </a:pPr>
-            <a:r>
-              <a:rPr b="0" lang="en-US" sz="2000" spc="-1" strike="noStrike">
-                <a:latin typeface="Arial"/>
-              </a:rPr>
-              <a:t>Fifth Outline Level</a:t>
-            </a:r>
-            <a:endParaRPr b="0" lang="en-US" sz="2000" spc="-1" strike="noStrike">
-              <a:latin typeface="Arial"/>
-            </a:endParaRPr>
-          </a:p>
-          <a:p>
-            <a:pPr lvl="5">
-              <a:spcBef>
-                <a:spcPts val="283"/>
-              </a:spcBef>
-            </a:pPr>
-            <a:r>
-              <a:rPr b="0" lang="en-US" sz="2000" spc="-1" strike="noStrike">
-                <a:latin typeface="Arial"/>
-              </a:rPr>
-              <a:t>Sixth Outline Level</a:t>
-            </a:r>
-            <a:endParaRPr b="0" lang="en-US" sz="2000" spc="-1" strike="noStrike">
-              <a:latin typeface="Arial"/>
-            </a:endParaRPr>
-          </a:p>
-          <a:p>
-            <a:pPr lvl="6">
-              <a:spcBef>
-                <a:spcPts val="283"/>
-              </a:spcBef>
-            </a:pPr>
-            <a:r>
-              <a:rPr b="0" lang="en-US" sz="2000" spc="-1" strike="noStrike">
-                <a:latin typeface="Arial"/>
-              </a:rPr>
-              <a:t>Seventh Outline Level</a:t>
-            </a:r>
-            <a:endParaRPr b="0" lang="en-US" sz="2000" spc="-1" strike="noStrike">
-              <a:latin typeface="Arial"/>
-            </a:endParaRPr>
-          </a:p>
-        </p:txBody>
-      </p:sp>
-      <p:sp>
-        <p:nvSpPr>
-          <p:cNvPr id="2" name=""/>
-          <p:cNvSpPr txBox="1"/>
+          <p:cNvPr id="0" name=""/>
+          <p:cNvSpPr/>
           <p:nvPr/>
         </p:nvSpPr>
         <p:spPr>
           <a:xfrm>
             <a:off x="4104000" y="4896000"/>
-            <a:ext cx="4392000" cy="346320"/>
+            <a:ext cx="4391640" cy="345960"/>
           </a:xfrm>
           <a:prstGeom prst="rect">
             <a:avLst/>
@@ -6191,12 +3844,24 @@
             <a:noFill/>
           </a:ln>
         </p:spPr>
+        <p:style>
+          <a:lnRef idx="0"/>
+          <a:fillRef idx="0"/>
+          <a:effectRef idx="0"/>
+          <a:fontRef idx="minor"/>
+        </p:style>
         <p:txBody>
           <a:bodyPr lIns="90000" rIns="90000" tIns="45000" bIns="45000" anchor="t">
             <a:noAutofit/>
           </a:bodyPr>
           <a:p>
-            <a:fld id="{FAA821EF-DC32-40BB-80AE-18A3011E974C}" type="author">
+            <a:pPr>
+              <a:lnSpc>
+                <a:spcPct val="100000"/>
+              </a:lnSpc>
+              <a:buNone/>
+            </a:pPr>
+            <a:fld id="{87271C9C-FFD6-4637-AF4E-5A4C2D5C48C6}" type="author">
               <a:rPr b="0" lang="en-US" sz="1800" spc="-1" strike="noStrike">
                 <a:latin typeface="Arial"/>
               </a:rPr>
@@ -6210,14 +3875,14 @@
       </p:sp>
       <p:sp>
         <p:nvSpPr>
-          <p:cNvPr id="3" name=""/>
+          <p:cNvPr id="1" name=""/>
           <p:cNvSpPr/>
           <p:nvPr/>
         </p:nvSpPr>
         <p:spPr>
           <a:xfrm>
             <a:off x="25920" y="4628880"/>
-            <a:ext cx="6120000" cy="18000"/>
+            <a:ext cx="6119640" cy="17640"/>
           </a:xfrm>
           <a:custGeom>
             <a:avLst/>
@@ -6270,14 +3935,14 @@
       </p:sp>
       <p:sp>
         <p:nvSpPr>
-          <p:cNvPr id="4" name=""/>
+          <p:cNvPr id="2" name=""/>
           <p:cNvSpPr/>
           <p:nvPr/>
         </p:nvSpPr>
         <p:spPr>
           <a:xfrm>
             <a:off x="3859200" y="5324400"/>
-            <a:ext cx="6240240" cy="7200"/>
+            <a:ext cx="6239880" cy="6840"/>
           </a:xfrm>
           <a:custGeom>
             <a:avLst/>
@@ -6330,14 +3995,14 @@
       </p:sp>
       <p:sp>
         <p:nvSpPr>
-          <p:cNvPr id="5" name=""/>
+          <p:cNvPr id="3" name=""/>
           <p:cNvSpPr/>
           <p:nvPr/>
         </p:nvSpPr>
         <p:spPr>
           <a:xfrm>
             <a:off x="4044960" y="4944960"/>
-            <a:ext cx="7200" cy="487440"/>
+            <a:ext cx="6840" cy="487080"/>
           </a:xfrm>
           <a:custGeom>
             <a:avLst/>
@@ -6379,6 +4044,229 @@
           <a:effectRef idx="0"/>
           <a:fontRef idx="minor"/>
         </p:style>
+      </p:sp>
+      <p:sp>
+        <p:nvSpPr>
+          <p:cNvPr id="4" name="PlaceHolder 1"/>
+          <p:cNvSpPr>
+            <a:spLocks noGrp="1"/>
+          </p:cNvSpPr>
+          <p:nvPr>
+            <p:ph type="title"/>
+          </p:nvPr>
+        </p:nvSpPr>
+        <p:spPr>
+          <a:xfrm>
+            <a:off x="144000" y="72000"/>
+            <a:ext cx="9539640" cy="647640"/>
+          </a:xfrm>
+          <a:prstGeom prst="rect">
+            <a:avLst/>
+          </a:prstGeom>
+          <a:noFill/>
+          <a:ln w="0">
+            <a:noFill/>
+          </a:ln>
+        </p:spPr>
+        <p:txBody>
+          <a:bodyPr lIns="0" rIns="0" tIns="0" bIns="0" anchor="ctr">
+            <a:noAutofit/>
+          </a:bodyPr>
+          <a:p>
+            <a:r>
+              <a:rPr b="0" lang="en-US" sz="1800" spc="-1" strike="noStrike">
+                <a:latin typeface="Arial"/>
+              </a:rPr>
+              <a:t>Click to edit the title text format</a:t>
+            </a:r>
+            <a:endParaRPr b="0" lang="en-US" sz="1800" spc="-1" strike="noStrike">
+              <a:latin typeface="Arial"/>
+            </a:endParaRPr>
+          </a:p>
+        </p:txBody>
+      </p:sp>
+      <p:sp>
+        <p:nvSpPr>
+          <p:cNvPr id="5" name="PlaceHolder 2"/>
+          <p:cNvSpPr>
+            <a:spLocks noGrp="1"/>
+          </p:cNvSpPr>
+          <p:nvPr>
+            <p:ph type="body"/>
+          </p:nvPr>
+        </p:nvSpPr>
+        <p:spPr>
+          <a:xfrm>
+            <a:off x="504000" y="1326600"/>
+            <a:ext cx="9072000" cy="3288600"/>
+          </a:xfrm>
+          <a:prstGeom prst="rect">
+            <a:avLst/>
+          </a:prstGeom>
+          <a:noFill/>
+          <a:ln w="0">
+            <a:noFill/>
+          </a:ln>
+        </p:spPr>
+        <p:txBody>
+          <a:bodyPr lIns="0" rIns="0" tIns="0" bIns="0" anchor="t">
+            <a:normAutofit/>
+          </a:bodyPr>
+          <a:p>
+            <a:pPr marL="432000" indent="-324000">
+              <a:spcBef>
+                <a:spcPts val="1417"/>
+              </a:spcBef>
+              <a:buClr>
+                <a:srgbClr val="ffffff"/>
+              </a:buClr>
+              <a:buSzPct val="45000"/>
+              <a:buFont typeface="Wingdings" charset="2"/>
+              <a:buChar char=""/>
+            </a:pPr>
+            <a:r>
+              <a:rPr b="0" lang="en-US" sz="3200" spc="-1" strike="noStrike">
+                <a:latin typeface="Arial"/>
+              </a:rPr>
+              <a:t>Click to edit the outline text format</a:t>
+            </a:r>
+            <a:endParaRPr b="0" lang="en-US" sz="3200" spc="-1" strike="noStrike">
+              <a:latin typeface="Arial"/>
+            </a:endParaRPr>
+          </a:p>
+          <a:p>
+            <a:pPr lvl="1" marL="864000" indent="-324000">
+              <a:spcBef>
+                <a:spcPts val="1134"/>
+              </a:spcBef>
+              <a:buClr>
+                <a:srgbClr val="ffffff"/>
+              </a:buClr>
+              <a:buSzPct val="75000"/>
+              <a:buFont typeface="Symbol" charset="2"/>
+              <a:buChar char=""/>
+            </a:pPr>
+            <a:r>
+              <a:rPr b="0" lang="en-US" sz="2800" spc="-1" strike="noStrike">
+                <a:latin typeface="Arial"/>
+              </a:rPr>
+              <a:t>Second Outline Level</a:t>
+            </a:r>
+            <a:endParaRPr b="0" lang="en-US" sz="2800" spc="-1" strike="noStrike">
+              <a:latin typeface="Arial"/>
+            </a:endParaRPr>
+          </a:p>
+          <a:p>
+            <a:pPr lvl="2" marL="1296000" indent="-288000">
+              <a:spcBef>
+                <a:spcPts val="850"/>
+              </a:spcBef>
+              <a:buClr>
+                <a:srgbClr val="ffffff"/>
+              </a:buClr>
+              <a:buSzPct val="45000"/>
+              <a:buFont typeface="Wingdings" charset="2"/>
+              <a:buChar char=""/>
+            </a:pPr>
+            <a:r>
+              <a:rPr b="0" lang="en-US" sz="2400" spc="-1" strike="noStrike">
+                <a:latin typeface="Arial"/>
+              </a:rPr>
+              <a:t>Third Outline Level</a:t>
+            </a:r>
+            <a:endParaRPr b="0" lang="en-US" sz="2400" spc="-1" strike="noStrike">
+              <a:latin typeface="Arial"/>
+            </a:endParaRPr>
+          </a:p>
+          <a:p>
+            <a:pPr lvl="3" marL="1728000" indent="-216000">
+              <a:spcBef>
+                <a:spcPts val="567"/>
+              </a:spcBef>
+              <a:buClr>
+                <a:srgbClr val="ffffff"/>
+              </a:buClr>
+              <a:buSzPct val="75000"/>
+              <a:buFont typeface="Symbol" charset="2"/>
+              <a:buChar char=""/>
+            </a:pPr>
+            <a:r>
+              <a:rPr b="0" lang="en-US" sz="2000" spc="-1" strike="noStrike">
+                <a:latin typeface="Arial"/>
+              </a:rPr>
+              <a:t>Fourth Outline Level</a:t>
+            </a:r>
+            <a:endParaRPr b="0" lang="en-US" sz="2000" spc="-1" strike="noStrike">
+              <a:latin typeface="Arial"/>
+            </a:endParaRPr>
+          </a:p>
+          <a:p>
+            <a:pPr lvl="4" marL="2160000" indent="-216000">
+              <a:spcBef>
+                <a:spcPts val="283"/>
+              </a:spcBef>
+              <a:buClr>
+                <a:srgbClr val="ffffff"/>
+              </a:buClr>
+              <a:buSzPct val="45000"/>
+              <a:buFont typeface="Wingdings" charset="2"/>
+              <a:buChar char=""/>
+            </a:pPr>
+            <a:r>
+              <a:rPr b="0" lang="en-US" sz="2000" spc="-1" strike="noStrike">
+                <a:latin typeface="Arial"/>
+              </a:rPr>
+              <a:t>Fifth Outline Level</a:t>
+            </a:r>
+            <a:endParaRPr b="0" lang="en-US" sz="2000" spc="-1" strike="noStrike">
+              <a:latin typeface="Arial"/>
+            </a:endParaRPr>
+          </a:p>
+          <a:p>
+            <a:pPr lvl="5" marL="2592000" indent="-216000">
+              <a:spcBef>
+                <a:spcPts val="283"/>
+              </a:spcBef>
+              <a:buClr>
+                <a:srgbClr val="ffffff"/>
+              </a:buClr>
+              <a:buSzPct val="45000"/>
+              <a:buFont typeface="Wingdings" charset="2"/>
+              <a:buChar char=""/>
+            </a:pPr>
+            <a:r>
+              <a:rPr b="0" lang="en-US" sz="2000" spc="-1" strike="noStrike">
+                <a:latin typeface="Arial"/>
+              </a:rPr>
+              <a:t>Sixth Outline Level</a:t>
+            </a:r>
+            <a:endParaRPr b="0" lang="en-US" sz="2000" spc="-1" strike="noStrike">
+              <a:latin typeface="Arial"/>
+            </a:endParaRPr>
+          </a:p>
+          <a:p>
+            <a:pPr lvl="6" marL="3024000" indent="-216000">
+              <a:spcBef>
+                <a:spcPts val="283"/>
+              </a:spcBef>
+              <a:buClr>
+                <a:srgbClr val="ffffff"/>
+              </a:buClr>
+              <a:buSzPct val="45000"/>
+              <a:buFont typeface="Wingdings" charset="2"/>
+              <a:buChar char=""/>
+            </a:pPr>
+            <a:r>
+              <a:rPr b="0" lang="en-US" sz="2000" spc="-1" strike="noStrike">
+                <a:latin typeface="Arial"/>
+              </a:rPr>
+              <a:t>Seventh Outline Level</a:t>
+            </a:r>
+            <a:endParaRPr b="0" lang="en-US" sz="2000" spc="-1" strike="noStrike">
+              <a:latin typeface="Arial"/>
+            </a:endParaRPr>
+          </a:p>
+        </p:txBody>
       </p:sp>
     </p:spTree>
   </p:cSld>
@@ -6426,386 +4314,14 @@
       </p:grpSpPr>
       <p:sp>
         <p:nvSpPr>
-          <p:cNvPr id="42" name="PlaceHolder 1"/>
-          <p:cNvSpPr>
-            <a:spLocks noGrp="1"/>
-          </p:cNvSpPr>
-          <p:nvPr>
-            <p:ph type="title"/>
-          </p:nvPr>
-        </p:nvSpPr>
-        <p:spPr>
-          <a:xfrm>
-            <a:off x="144000" y="72000"/>
-            <a:ext cx="9540000" cy="648000"/>
-          </a:xfrm>
-          <a:prstGeom prst="rect">
-            <a:avLst/>
-          </a:prstGeom>
-          <a:noFill/>
-          <a:ln w="0">
-            <a:noFill/>
-          </a:ln>
-        </p:spPr>
-        <p:txBody>
-          <a:bodyPr lIns="0" rIns="0" tIns="0" bIns="0" anchor="ctr">
-            <a:noAutofit/>
-          </a:bodyPr>
-          <a:p>
-            <a:r>
-              <a:rPr b="0" lang="en-US" sz="4400" spc="-1" strike="noStrike">
-                <a:latin typeface="Arial"/>
-              </a:rPr>
-              <a:t>Click to edit the title text format</a:t>
-            </a:r>
-            <a:endParaRPr b="0" lang="en-US" sz="4400" spc="-1" strike="noStrike">
-              <a:latin typeface="Arial"/>
-            </a:endParaRPr>
-          </a:p>
-        </p:txBody>
-      </p:sp>
-      <p:sp>
-        <p:nvSpPr>
-          <p:cNvPr id="43" name="PlaceHolder 2"/>
-          <p:cNvSpPr>
-            <a:spLocks noGrp="1"/>
-          </p:cNvSpPr>
-          <p:nvPr>
-            <p:ph type="body"/>
-          </p:nvPr>
-        </p:nvSpPr>
-        <p:spPr>
-          <a:xfrm>
-            <a:off x="504000" y="1326600"/>
-            <a:ext cx="9071640" cy="3288240"/>
-          </a:xfrm>
-          <a:prstGeom prst="rect">
-            <a:avLst/>
-          </a:prstGeom>
-          <a:noFill/>
-          <a:ln w="0">
-            <a:noFill/>
-          </a:ln>
-        </p:spPr>
-        <p:txBody>
-          <a:bodyPr lIns="0" rIns="0" tIns="0" bIns="0" anchor="t">
-            <a:normAutofit/>
-          </a:bodyPr>
-          <a:p>
-            <a:pPr marL="432000" indent="-324000">
-              <a:spcBef>
-                <a:spcPts val="1417"/>
-              </a:spcBef>
-              <a:buClr>
-                <a:srgbClr val="ffffff"/>
-              </a:buClr>
-              <a:buSzPct val="45000"/>
-              <a:buFont typeface="Wingdings" charset="2"/>
-              <a:buChar char=""/>
-            </a:pPr>
-            <a:r>
-              <a:rPr b="0" lang="en-US" sz="3200" spc="-1" strike="noStrike">
-                <a:latin typeface="Arial"/>
-              </a:rPr>
-              <a:t>Click to edit the outline text format</a:t>
-            </a:r>
-            <a:endParaRPr b="0" lang="en-US" sz="3200" spc="-1" strike="noStrike">
-              <a:latin typeface="Arial"/>
-            </a:endParaRPr>
-          </a:p>
-          <a:p>
-            <a:pPr lvl="1" marL="864000" indent="-324000">
-              <a:spcBef>
-                <a:spcPts val="1134"/>
-              </a:spcBef>
-              <a:buClr>
-                <a:srgbClr val="ffffff"/>
-              </a:buClr>
-              <a:buSzPct val="75000"/>
-              <a:buFont typeface="Symbol" charset="2"/>
-              <a:buChar char=""/>
-            </a:pPr>
-            <a:r>
-              <a:rPr b="0" lang="en-US" sz="2800" spc="-1" strike="noStrike">
-                <a:latin typeface="Arial"/>
-              </a:rPr>
-              <a:t>Second Outline Level</a:t>
-            </a:r>
-            <a:endParaRPr b="0" lang="en-US" sz="2800" spc="-1" strike="noStrike">
-              <a:latin typeface="Arial"/>
-            </a:endParaRPr>
-          </a:p>
-          <a:p>
-            <a:pPr lvl="2" marL="1296000" indent="-288000">
-              <a:spcBef>
-                <a:spcPts val="850"/>
-              </a:spcBef>
-              <a:buClr>
-                <a:srgbClr val="ffffff"/>
-              </a:buClr>
-              <a:buSzPct val="45000"/>
-              <a:buFont typeface="Wingdings" charset="2"/>
-              <a:buChar char=""/>
-            </a:pPr>
-            <a:r>
-              <a:rPr b="0" lang="en-US" sz="2400" spc="-1" strike="noStrike">
-                <a:latin typeface="Arial"/>
-              </a:rPr>
-              <a:t>Third Outline Level</a:t>
-            </a:r>
-            <a:endParaRPr b="0" lang="en-US" sz="2400" spc="-1" strike="noStrike">
-              <a:latin typeface="Arial"/>
-            </a:endParaRPr>
-          </a:p>
-          <a:p>
-            <a:pPr lvl="3" marL="1728000" indent="-216000">
-              <a:spcBef>
-                <a:spcPts val="567"/>
-              </a:spcBef>
-              <a:buClr>
-                <a:srgbClr val="ffffff"/>
-              </a:buClr>
-              <a:buSzPct val="75000"/>
-              <a:buFont typeface="Symbol" charset="2"/>
-              <a:buChar char=""/>
-            </a:pPr>
-            <a:r>
-              <a:rPr b="0" lang="en-US" sz="2000" spc="-1" strike="noStrike">
-                <a:latin typeface="Arial"/>
-              </a:rPr>
-              <a:t>Fourth Outline Level</a:t>
-            </a:r>
-            <a:endParaRPr b="0" lang="en-US" sz="2000" spc="-1" strike="noStrike">
-              <a:latin typeface="Arial"/>
-            </a:endParaRPr>
-          </a:p>
-          <a:p>
-            <a:pPr lvl="4" marL="2160000" indent="-216000">
-              <a:spcBef>
-                <a:spcPts val="283"/>
-              </a:spcBef>
-              <a:buClr>
-                <a:srgbClr val="ffffff"/>
-              </a:buClr>
-              <a:buSzPct val="45000"/>
-              <a:buFont typeface="Wingdings" charset="2"/>
-              <a:buChar char=""/>
-            </a:pPr>
-            <a:r>
-              <a:rPr b="0" lang="en-US" sz="2000" spc="-1" strike="noStrike">
-                <a:latin typeface="Arial"/>
-              </a:rPr>
-              <a:t>Fifth Outline Level</a:t>
-            </a:r>
-            <a:endParaRPr b="0" lang="en-US" sz="2000" spc="-1" strike="noStrike">
-              <a:latin typeface="Arial"/>
-            </a:endParaRPr>
-          </a:p>
-          <a:p>
-            <a:pPr lvl="5" marL="2592000" indent="-216000">
-              <a:spcBef>
-                <a:spcPts val="283"/>
-              </a:spcBef>
-              <a:buClr>
-                <a:srgbClr val="ffffff"/>
-              </a:buClr>
-              <a:buSzPct val="45000"/>
-              <a:buFont typeface="Wingdings" charset="2"/>
-              <a:buChar char=""/>
-            </a:pPr>
-            <a:r>
-              <a:rPr b="0" lang="en-US" sz="2000" spc="-1" strike="noStrike">
-                <a:latin typeface="Arial"/>
-              </a:rPr>
-              <a:t>Sixth Outline Level</a:t>
-            </a:r>
-            <a:endParaRPr b="0" lang="en-US" sz="2000" spc="-1" strike="noStrike">
-              <a:latin typeface="Arial"/>
-            </a:endParaRPr>
-          </a:p>
-          <a:p>
-            <a:pPr lvl="6" marL="3024000" indent="-216000">
-              <a:spcBef>
-                <a:spcPts val="283"/>
-              </a:spcBef>
-              <a:buClr>
-                <a:srgbClr val="ffffff"/>
-              </a:buClr>
-              <a:buSzPct val="45000"/>
-              <a:buFont typeface="Wingdings" charset="2"/>
-              <a:buChar char=""/>
-            </a:pPr>
-            <a:r>
-              <a:rPr b="0" lang="en-US" sz="2000" spc="-1" strike="noStrike">
-                <a:latin typeface="Arial"/>
-              </a:rPr>
-              <a:t>Seventh Outline Level</a:t>
-            </a:r>
-            <a:endParaRPr b="0" lang="en-US" sz="2000" spc="-1" strike="noStrike">
-              <a:latin typeface="Arial"/>
-            </a:endParaRPr>
-          </a:p>
-        </p:txBody>
-      </p:sp>
-      <p:sp>
-        <p:nvSpPr>
-          <p:cNvPr id="44" name="PlaceHolder 3"/>
-          <p:cNvSpPr>
-            <a:spLocks noGrp="1"/>
-          </p:cNvSpPr>
-          <p:nvPr>
-            <p:ph type="dt" idx="1"/>
-          </p:nvPr>
-        </p:nvSpPr>
-        <p:spPr>
-          <a:xfrm>
-            <a:off x="504000" y="5256000"/>
-            <a:ext cx="1656000" cy="410400"/>
-          </a:xfrm>
-          <a:prstGeom prst="rect">
-            <a:avLst/>
-          </a:prstGeom>
-          <a:noFill/>
-          <a:ln w="0">
-            <a:noFill/>
-          </a:ln>
-        </p:spPr>
-        <p:txBody>
-          <a:bodyPr lIns="0" rIns="0" tIns="0" bIns="0" anchor="t">
-            <a:noAutofit/>
-          </a:bodyPr>
-          <a:lstStyle>
-            <a:lvl1pPr>
-              <a:defRPr b="0" lang="en-US" sz="1400" spc="-1" strike="noStrike">
-                <a:latin typeface="Arial"/>
-              </a:defRPr>
-            </a:lvl1pPr>
-          </a:lstStyle>
-          <a:p>
-            <a:r>
-              <a:rPr b="0" lang="en-US" sz="1400" spc="-1" strike="noStrike">
-                <a:latin typeface="Arial"/>
-              </a:rPr>
-              <a:t>&lt;date/time&gt;</a:t>
-            </a:r>
-            <a:endParaRPr b="0" lang="en-US" sz="1400" spc="-1" strike="noStrike">
-              <a:latin typeface="Arial"/>
-            </a:endParaRPr>
-          </a:p>
-        </p:txBody>
-      </p:sp>
-      <p:sp>
-        <p:nvSpPr>
-          <p:cNvPr id="45" name="PlaceHolder 4"/>
-          <p:cNvSpPr>
-            <a:spLocks noGrp="1"/>
-          </p:cNvSpPr>
-          <p:nvPr>
-            <p:ph type="ftr" idx="2"/>
-          </p:nvPr>
-        </p:nvSpPr>
-        <p:spPr>
-          <a:xfrm>
-            <a:off x="2520000" y="5256000"/>
-            <a:ext cx="4680000" cy="410400"/>
-          </a:xfrm>
-          <a:prstGeom prst="rect">
-            <a:avLst/>
-          </a:prstGeom>
-          <a:noFill/>
-          <a:ln w="0">
-            <a:noFill/>
-          </a:ln>
-        </p:spPr>
-        <p:txBody>
-          <a:bodyPr lIns="0" rIns="0" tIns="0" bIns="0" anchor="t">
-            <a:noAutofit/>
-          </a:bodyPr>
-          <a:lstStyle>
-            <a:lvl1pPr algn="ctr">
-              <a:buNone/>
-              <a:defRPr b="0" lang="en-US" sz="1400" spc="-1" strike="noStrike">
-                <a:latin typeface="Arial"/>
-              </a:defRPr>
-            </a:lvl1pPr>
-          </a:lstStyle>
-          <a:p>
-            <a:pPr algn="ctr">
-              <a:buNone/>
-            </a:pPr>
-            <a:r>
-              <a:rPr b="0" lang="en-US" sz="1400" spc="-1" strike="noStrike">
-                <a:latin typeface="Arial"/>
-              </a:rPr>
-              <a:t>&lt;footer&gt;</a:t>
-            </a:r>
-            <a:endParaRPr b="0" lang="en-US" sz="1400" spc="-1" strike="noStrike">
-              <a:latin typeface="Arial"/>
-            </a:endParaRPr>
-          </a:p>
-        </p:txBody>
-      </p:sp>
-      <p:sp>
-        <p:nvSpPr>
-          <p:cNvPr id="46" name="PlaceHolder 5"/>
-          <p:cNvSpPr>
-            <a:spLocks noGrp="1"/>
-          </p:cNvSpPr>
-          <p:nvPr>
-            <p:ph type="sldNum" idx="3"/>
-          </p:nvPr>
-        </p:nvSpPr>
-        <p:spPr>
-          <a:xfrm>
-            <a:off x="7560000" y="5256000"/>
-            <a:ext cx="1620000" cy="410400"/>
-          </a:xfrm>
-          <a:prstGeom prst="rect">
-            <a:avLst/>
-          </a:prstGeom>
-          <a:noFill/>
-          <a:ln w="0">
-            <a:noFill/>
-          </a:ln>
-        </p:spPr>
-        <p:txBody>
-          <a:bodyPr lIns="0" rIns="0" tIns="0" bIns="0" anchor="t">
-            <a:noAutofit/>
-          </a:bodyPr>
-          <a:lstStyle>
-            <a:lvl1pPr algn="r">
-              <a:buNone/>
-              <a:defRPr b="0" lang="en-US" sz="1400" spc="-1" strike="noStrike">
-                <a:latin typeface="Arial"/>
-              </a:defRPr>
-            </a:lvl1pPr>
-          </a:lstStyle>
-          <a:p>
-            <a:pPr algn="r">
-              <a:buNone/>
-            </a:pPr>
-            <a:fld id="{803D178D-156D-41BD-AB80-F3114002BCEF}" type="slidenum">
-              <a:rPr b="0" lang="en-US" sz="1400" spc="-1" strike="noStrike">
-                <a:latin typeface="Arial"/>
-              </a:rPr>
-              <a:t>&lt;number&gt;</a:t>
-            </a:fld>
-            <a:endParaRPr b="0" lang="en-US" sz="1400" spc="-1" strike="noStrike">
-              <a:latin typeface="Arial"/>
-            </a:endParaRPr>
-          </a:p>
-        </p:txBody>
-      </p:sp>
-      <p:sp>
-        <p:nvSpPr>
-          <p:cNvPr id="47" name=""/>
+          <p:cNvPr id="42" name=""/>
           <p:cNvSpPr/>
           <p:nvPr/>
         </p:nvSpPr>
         <p:spPr>
           <a:xfrm>
             <a:off x="20880" y="607320"/>
-            <a:ext cx="6120000" cy="18000"/>
+            <a:ext cx="6119640" cy="17640"/>
           </a:xfrm>
           <a:custGeom>
             <a:avLst/>
@@ -6858,14 +4374,14 @@
       </p:sp>
       <p:sp>
         <p:nvSpPr>
-          <p:cNvPr id="48" name=""/>
+          <p:cNvPr id="43" name=""/>
           <p:cNvSpPr/>
           <p:nvPr/>
         </p:nvSpPr>
         <p:spPr>
           <a:xfrm>
             <a:off x="4430520" y="840960"/>
-            <a:ext cx="5673960" cy="7200"/>
+            <a:ext cx="5673600" cy="6840"/>
           </a:xfrm>
           <a:custGeom>
             <a:avLst/>
@@ -6918,14 +4434,14 @@
       </p:sp>
       <p:sp>
         <p:nvSpPr>
-          <p:cNvPr id="49" name=""/>
+          <p:cNvPr id="44" name=""/>
           <p:cNvSpPr/>
           <p:nvPr/>
         </p:nvSpPr>
         <p:spPr>
           <a:xfrm>
             <a:off x="9819720" y="474480"/>
-            <a:ext cx="7200" cy="493200"/>
+            <a:ext cx="6840" cy="492840"/>
           </a:xfrm>
           <a:custGeom>
             <a:avLst/>
@@ -6970,14 +4486,14 @@
       </p:sp>
       <p:sp>
         <p:nvSpPr>
-          <p:cNvPr id="50" name=""/>
+          <p:cNvPr id="45" name=""/>
           <p:cNvSpPr/>
           <p:nvPr/>
         </p:nvSpPr>
         <p:spPr>
           <a:xfrm>
             <a:off x="1900800" y="5204880"/>
-            <a:ext cx="7465320" cy="7200"/>
+            <a:ext cx="7464960" cy="6840"/>
           </a:xfrm>
           <a:custGeom>
             <a:avLst/>
@@ -7030,14 +4546,14 @@
       </p:sp>
       <p:sp>
         <p:nvSpPr>
-          <p:cNvPr id="51" name=""/>
+          <p:cNvPr id="46" name=""/>
           <p:cNvSpPr/>
           <p:nvPr/>
         </p:nvSpPr>
         <p:spPr>
           <a:xfrm>
             <a:off x="9259920" y="4917240"/>
-            <a:ext cx="7200" cy="349560"/>
+            <a:ext cx="6840" cy="349200"/>
           </a:xfrm>
           <a:custGeom>
             <a:avLst/>
@@ -7080,6 +4596,390 @@
           <a:fontRef idx="minor"/>
         </p:style>
       </p:sp>
+      <p:sp>
+        <p:nvSpPr>
+          <p:cNvPr id="47" name="PlaceHolder 1"/>
+          <p:cNvSpPr>
+            <a:spLocks noGrp="1"/>
+          </p:cNvSpPr>
+          <p:nvPr>
+            <p:ph type="title"/>
+          </p:nvPr>
+        </p:nvSpPr>
+        <p:spPr>
+          <a:xfrm>
+            <a:off x="144000" y="72000"/>
+            <a:ext cx="9539640" cy="647640"/>
+          </a:xfrm>
+          <a:prstGeom prst="rect">
+            <a:avLst/>
+          </a:prstGeom>
+          <a:noFill/>
+          <a:ln w="0">
+            <a:noFill/>
+          </a:ln>
+        </p:spPr>
+        <p:txBody>
+          <a:bodyPr lIns="0" rIns="0" tIns="0" bIns="0" anchor="ctr">
+            <a:noAutofit/>
+          </a:bodyPr>
+          <a:p>
+            <a:r>
+              <a:rPr b="0" lang="en-US" sz="1800" spc="-1" strike="noStrike">
+                <a:latin typeface="Arial"/>
+              </a:rPr>
+              <a:t>Click to edit the title text format</a:t>
+            </a:r>
+            <a:endParaRPr b="0" lang="en-US" sz="1800" spc="-1" strike="noStrike">
+              <a:latin typeface="Arial"/>
+            </a:endParaRPr>
+          </a:p>
+        </p:txBody>
+      </p:sp>
+      <p:sp>
+        <p:nvSpPr>
+          <p:cNvPr id="48" name="PlaceHolder 2"/>
+          <p:cNvSpPr>
+            <a:spLocks noGrp="1"/>
+          </p:cNvSpPr>
+          <p:nvPr>
+            <p:ph type="body"/>
+          </p:nvPr>
+        </p:nvSpPr>
+        <p:spPr>
+          <a:xfrm>
+            <a:off x="504000" y="1326600"/>
+            <a:ext cx="9071280" cy="3287880"/>
+          </a:xfrm>
+          <a:prstGeom prst="rect">
+            <a:avLst/>
+          </a:prstGeom>
+          <a:noFill/>
+          <a:ln w="0">
+            <a:noFill/>
+          </a:ln>
+        </p:spPr>
+        <p:txBody>
+          <a:bodyPr lIns="0" rIns="0" tIns="0" bIns="0" anchor="t">
+            <a:normAutofit/>
+          </a:bodyPr>
+          <a:p>
+            <a:pPr marL="432000" indent="-324000">
+              <a:spcBef>
+                <a:spcPts val="1417"/>
+              </a:spcBef>
+              <a:buClr>
+                <a:srgbClr val="ffffff"/>
+              </a:buClr>
+              <a:buSzPct val="45000"/>
+              <a:buFont typeface="Wingdings" charset="2"/>
+              <a:buChar char=""/>
+            </a:pPr>
+            <a:r>
+              <a:rPr b="0" lang="en-US" sz="1800" spc="-1" strike="noStrike">
+                <a:latin typeface="Arial"/>
+              </a:rPr>
+              <a:t>Click to edit the outline text format</a:t>
+            </a:r>
+            <a:endParaRPr b="0" lang="en-US" sz="1800" spc="-1" strike="noStrike">
+              <a:latin typeface="Arial"/>
+            </a:endParaRPr>
+          </a:p>
+          <a:p>
+            <a:pPr lvl="1" marL="864000" indent="-324000">
+              <a:spcBef>
+                <a:spcPts val="1134"/>
+              </a:spcBef>
+              <a:buClr>
+                <a:srgbClr val="ffffff"/>
+              </a:buClr>
+              <a:buSzPct val="75000"/>
+              <a:buFont typeface="Symbol" charset="2"/>
+              <a:buChar char=""/>
+            </a:pPr>
+            <a:r>
+              <a:rPr b="0" lang="en-US" sz="1800" spc="-1" strike="noStrike">
+                <a:latin typeface="Arial"/>
+              </a:rPr>
+              <a:t>Second Outline Level</a:t>
+            </a:r>
+            <a:endParaRPr b="0" lang="en-US" sz="1800" spc="-1" strike="noStrike">
+              <a:latin typeface="Arial"/>
+            </a:endParaRPr>
+          </a:p>
+          <a:p>
+            <a:pPr lvl="2" marL="1296000" indent="-288000">
+              <a:spcBef>
+                <a:spcPts val="850"/>
+              </a:spcBef>
+              <a:buClr>
+                <a:srgbClr val="ffffff"/>
+              </a:buClr>
+              <a:buSzPct val="45000"/>
+              <a:buFont typeface="Wingdings" charset="2"/>
+              <a:buChar char=""/>
+            </a:pPr>
+            <a:r>
+              <a:rPr b="0" lang="en-US" sz="1800" spc="-1" strike="noStrike">
+                <a:latin typeface="Arial"/>
+              </a:rPr>
+              <a:t>Third Outline Level</a:t>
+            </a:r>
+            <a:endParaRPr b="0" lang="en-US" sz="1800" spc="-1" strike="noStrike">
+              <a:latin typeface="Arial"/>
+            </a:endParaRPr>
+          </a:p>
+          <a:p>
+            <a:pPr lvl="3" marL="1728000" indent="-216000">
+              <a:spcBef>
+                <a:spcPts val="567"/>
+              </a:spcBef>
+              <a:buClr>
+                <a:srgbClr val="ffffff"/>
+              </a:buClr>
+              <a:buSzPct val="75000"/>
+              <a:buFont typeface="Symbol" charset="2"/>
+              <a:buChar char=""/>
+            </a:pPr>
+            <a:r>
+              <a:rPr b="0" lang="en-US" sz="1800" spc="-1" strike="noStrike">
+                <a:latin typeface="Arial"/>
+              </a:rPr>
+              <a:t>Fourth Outline Level</a:t>
+            </a:r>
+            <a:endParaRPr b="0" lang="en-US" sz="1800" spc="-1" strike="noStrike">
+              <a:latin typeface="Arial"/>
+            </a:endParaRPr>
+          </a:p>
+          <a:p>
+            <a:pPr lvl="4" marL="2160000" indent="-216000">
+              <a:spcBef>
+                <a:spcPts val="283"/>
+              </a:spcBef>
+              <a:buClr>
+                <a:srgbClr val="ffffff"/>
+              </a:buClr>
+              <a:buSzPct val="45000"/>
+              <a:buFont typeface="Wingdings" charset="2"/>
+              <a:buChar char=""/>
+            </a:pPr>
+            <a:r>
+              <a:rPr b="0" lang="en-US" sz="1800" spc="-1" strike="noStrike">
+                <a:latin typeface="Arial"/>
+              </a:rPr>
+              <a:t>Fifth Outline Level</a:t>
+            </a:r>
+            <a:endParaRPr b="0" lang="en-US" sz="1800" spc="-1" strike="noStrike">
+              <a:latin typeface="Arial"/>
+            </a:endParaRPr>
+          </a:p>
+          <a:p>
+            <a:pPr lvl="5" marL="2592000" indent="-216000">
+              <a:spcBef>
+                <a:spcPts val="283"/>
+              </a:spcBef>
+              <a:buClr>
+                <a:srgbClr val="ffffff"/>
+              </a:buClr>
+              <a:buSzPct val="45000"/>
+              <a:buFont typeface="Wingdings" charset="2"/>
+              <a:buChar char=""/>
+            </a:pPr>
+            <a:r>
+              <a:rPr b="0" lang="en-US" sz="1800" spc="-1" strike="noStrike">
+                <a:latin typeface="Arial"/>
+              </a:rPr>
+              <a:t>Sixth Outline Level</a:t>
+            </a:r>
+            <a:endParaRPr b="0" lang="en-US" sz="1800" spc="-1" strike="noStrike">
+              <a:latin typeface="Arial"/>
+            </a:endParaRPr>
+          </a:p>
+          <a:p>
+            <a:pPr lvl="6" marL="3024000" indent="-216000">
+              <a:spcBef>
+                <a:spcPts val="283"/>
+              </a:spcBef>
+              <a:buClr>
+                <a:srgbClr val="ffffff"/>
+              </a:buClr>
+              <a:buSzPct val="45000"/>
+              <a:buFont typeface="Wingdings" charset="2"/>
+              <a:buChar char=""/>
+            </a:pPr>
+            <a:r>
+              <a:rPr b="0" lang="en-US" sz="1800" spc="-1" strike="noStrike">
+                <a:latin typeface="Arial"/>
+              </a:rPr>
+              <a:t>Seventh Outline Level</a:t>
+            </a:r>
+            <a:endParaRPr b="0" lang="en-US" sz="1800" spc="-1" strike="noStrike">
+              <a:latin typeface="Arial"/>
+            </a:endParaRPr>
+          </a:p>
+        </p:txBody>
+      </p:sp>
+      <p:sp>
+        <p:nvSpPr>
+          <p:cNvPr id="49" name="PlaceHolder 3"/>
+          <p:cNvSpPr>
+            <a:spLocks noGrp="1"/>
+          </p:cNvSpPr>
+          <p:nvPr>
+            <p:ph type="ftr" idx="1"/>
+          </p:nvPr>
+        </p:nvSpPr>
+        <p:spPr>
+          <a:xfrm>
+            <a:off x="2520000" y="5256000"/>
+            <a:ext cx="4679640" cy="410040"/>
+          </a:xfrm>
+          <a:prstGeom prst="rect">
+            <a:avLst/>
+          </a:prstGeom>
+          <a:noFill/>
+          <a:ln w="0">
+            <a:noFill/>
+          </a:ln>
+        </p:spPr>
+        <p:txBody>
+          <a:bodyPr lIns="0" rIns="0" tIns="0" bIns="0" anchor="t">
+            <a:noAutofit/>
+          </a:bodyPr>
+          <a:lstStyle>
+            <a:lvl1pPr algn="ctr">
+              <a:lnSpc>
+                <a:spcPct val="100000"/>
+              </a:lnSpc>
+              <a:buNone/>
+              <a:defRPr b="0" lang="en-US" sz="1400" spc="-1" strike="noStrike">
+                <a:latin typeface="Arial"/>
+              </a:defRPr>
+            </a:lvl1pPr>
+          </a:lstStyle>
+          <a:p>
+            <a:pPr algn="ctr">
+              <a:lnSpc>
+                <a:spcPct val="100000"/>
+              </a:lnSpc>
+              <a:buNone/>
+            </a:pPr>
+            <a:r>
+              <a:rPr b="0" lang="en-US" sz="1400" spc="-1" strike="noStrike">
+                <a:latin typeface="Arial"/>
+              </a:rPr>
+              <a:t>&lt;footer&gt;</a:t>
+            </a:r>
+            <a:endParaRPr b="0" lang="en-US" sz="1400" spc="-1" strike="noStrike">
+              <a:latin typeface="Times New Roman"/>
+            </a:endParaRPr>
+          </a:p>
+        </p:txBody>
+      </p:sp>
+      <p:sp>
+        <p:nvSpPr>
+          <p:cNvPr id="50" name="PlaceHolder 4"/>
+          <p:cNvSpPr>
+            <a:spLocks noGrp="1"/>
+          </p:cNvSpPr>
+          <p:nvPr>
+            <p:ph type="sldNum" idx="2"/>
+          </p:nvPr>
+        </p:nvSpPr>
+        <p:spPr>
+          <a:xfrm>
+            <a:off x="7560000" y="5256000"/>
+            <a:ext cx="1619640" cy="410040"/>
+          </a:xfrm>
+          <a:prstGeom prst="rect">
+            <a:avLst/>
+          </a:prstGeom>
+          <a:noFill/>
+          <a:ln w="0">
+            <a:noFill/>
+          </a:ln>
+        </p:spPr>
+        <p:txBody>
+          <a:bodyPr lIns="0" rIns="0" tIns="0" bIns="0" anchor="t">
+            <a:noAutofit/>
+          </a:bodyPr>
+          <a:lstStyle>
+            <a:lvl1pPr algn="r">
+              <a:lnSpc>
+                <a:spcPct val="100000"/>
+              </a:lnSpc>
+              <a:buNone/>
+              <a:defRPr b="0" lang="en-US" sz="1400" spc="-1" strike="noStrike">
+                <a:latin typeface="Arial"/>
+              </a:defRPr>
+            </a:lvl1pPr>
+          </a:lstStyle>
+          <a:p>
+            <a:pPr algn="r">
+              <a:lnSpc>
+                <a:spcPct val="100000"/>
+              </a:lnSpc>
+              <a:buNone/>
+            </a:pPr>
+            <a:fld id="{66361FF3-14A4-47A8-B9BA-4002BF48BB5A}" type="slidenum">
+              <a:rPr b="0" lang="en-US" sz="1400" spc="-1" strike="noStrike">
+                <a:latin typeface="Arial"/>
+              </a:rPr>
+              <a:t>&lt;number&gt;</a:t>
+            </a:fld>
+            <a:endParaRPr b="0" lang="en-US" sz="1400" spc="-1" strike="noStrike">
+              <a:latin typeface="Times New Roman"/>
+            </a:endParaRPr>
+          </a:p>
+        </p:txBody>
+      </p:sp>
+      <p:sp>
+        <p:nvSpPr>
+          <p:cNvPr id="51" name="PlaceHolder 5"/>
+          <p:cNvSpPr>
+            <a:spLocks noGrp="1"/>
+          </p:cNvSpPr>
+          <p:nvPr>
+            <p:ph type="dt" idx="3"/>
+          </p:nvPr>
+        </p:nvSpPr>
+        <p:spPr>
+          <a:xfrm>
+            <a:off x="504000" y="5256000"/>
+            <a:ext cx="1655640" cy="410040"/>
+          </a:xfrm>
+          <a:prstGeom prst="rect">
+            <a:avLst/>
+          </a:prstGeom>
+          <a:noFill/>
+          <a:ln w="0">
+            <a:noFill/>
+          </a:ln>
+        </p:spPr>
+        <p:txBody>
+          <a:bodyPr lIns="0" rIns="0" tIns="0" bIns="0" anchor="t">
+            <a:noAutofit/>
+          </a:bodyPr>
+          <a:lstStyle>
+            <a:lvl1pPr>
+              <a:defRPr b="0" lang="en-US" sz="1400" spc="-1" strike="noStrike">
+                <a:latin typeface="Times New Roman"/>
+              </a:defRPr>
+            </a:lvl1pPr>
+          </a:lstStyle>
+          <a:p>
+            <a:r>
+              <a:rPr b="0" lang="en-US" sz="1400" spc="-1" strike="noStrike">
+                <a:latin typeface="Times New Roman"/>
+              </a:rPr>
+              <a:t>&lt;date/time&gt;</a:t>
+            </a:r>
+            <a:endParaRPr b="0" lang="en-US" sz="1400" spc="-1" strike="noStrike">
+              <a:latin typeface="Times New Roman"/>
+            </a:endParaRPr>
+          </a:p>
+        </p:txBody>
+      </p:sp>
     </p:spTree>
   </p:cSld>
   <p:clrMap bg1="lt1" bg2="lt2" tx1="dk1" tx2="dk2" accent1="accent1" accent2="accent2" accent3="accent3" accent4="accent4" accent5="accent5" accent6="accent6" hlink="hlink" folHlink="folHlink"/>
@@ -7096,881 +4996,6 @@
     <p:sldLayoutId id="2147483671" r:id="rId11"/>
     <p:sldLayoutId id="2147483672" r:id="rId12"/>
     <p:sldLayoutId id="2147483673" r:id="rId13"/>
-  </p:sldLayoutIdLst>
-</p:sldMaster>
-</file>
-
-<file path=ppt/slideMasters/slideMaster3.xml><?xml version="1.0" encoding="utf-8"?>
-<p:sldMaster xmlns:a="http://schemas.openxmlformats.org/drawingml/2006/main" xmlns:p="http://schemas.openxmlformats.org/presentationml/2006/main" xmlns:r="http://schemas.openxmlformats.org/officeDocument/2006/relationships" xmlns:p14="http://schemas.microsoft.com/office/powerpoint/2010/main" xmlns:p15="http://schemas.microsoft.com/office/powerpoint/2012/main" xmlns:mc="http://schemas.openxmlformats.org/markup-compatibility/2006">
-  <p:cSld>
-    <p:bg>
-      <p:bgPr>
-        <a:solidFill>
-          <a:srgbClr val="000000"/>
-        </a:solidFill>
-      </p:bgPr>
-    </p:bg>
-    <p:spTree>
-      <p:nvGrpSpPr>
-        <p:cNvPr id="1" name=""/>
-        <p:cNvGrpSpPr/>
-        <p:nvPr/>
-      </p:nvGrpSpPr>
-      <p:grpSpPr>
-        <a:xfrm>
-          <a:off x="0" y="0"/>
-          <a:ext cx="0" cy="0"/>
-          <a:chOff x="0" y="0"/>
-          <a:chExt cx="0" cy="0"/>
-        </a:xfrm>
-      </p:grpSpPr>
-      <p:sp>
-        <p:nvSpPr>
-          <p:cNvPr id="88" name="PlaceHolder 1"/>
-          <p:cNvSpPr>
-            <a:spLocks noGrp="1"/>
-          </p:cNvSpPr>
-          <p:nvPr>
-            <p:ph type="title"/>
-          </p:nvPr>
-        </p:nvSpPr>
-        <p:spPr>
-          <a:xfrm>
-            <a:off x="144000" y="72000"/>
-            <a:ext cx="9540000" cy="648000"/>
-          </a:xfrm>
-          <a:prstGeom prst="rect">
-            <a:avLst/>
-          </a:prstGeom>
-          <a:noFill/>
-          <a:ln w="0">
-            <a:noFill/>
-          </a:ln>
-        </p:spPr>
-        <p:txBody>
-          <a:bodyPr lIns="0" rIns="0" tIns="0" bIns="0" anchor="ctr">
-            <a:noAutofit/>
-          </a:bodyPr>
-          <a:p>
-            <a:r>
-              <a:rPr b="0" lang="en-US" sz="4400" spc="-1" strike="noStrike">
-                <a:latin typeface="Arial"/>
-              </a:rPr>
-              <a:t>Click to edit the title text format</a:t>
-            </a:r>
-            <a:endParaRPr b="0" lang="en-US" sz="4400" spc="-1" strike="noStrike">
-              <a:latin typeface="Arial"/>
-            </a:endParaRPr>
-          </a:p>
-        </p:txBody>
-      </p:sp>
-      <p:sp>
-        <p:nvSpPr>
-          <p:cNvPr id="89" name="PlaceHolder 2"/>
-          <p:cNvSpPr>
-            <a:spLocks noGrp="1"/>
-          </p:cNvSpPr>
-          <p:nvPr>
-            <p:ph type="body"/>
-          </p:nvPr>
-        </p:nvSpPr>
-        <p:spPr>
-          <a:xfrm>
-            <a:off x="504000" y="1326600"/>
-            <a:ext cx="9072000" cy="3288240"/>
-          </a:xfrm>
-          <a:prstGeom prst="rect">
-            <a:avLst/>
-          </a:prstGeom>
-          <a:noFill/>
-          <a:ln w="0">
-            <a:noFill/>
-          </a:ln>
-        </p:spPr>
-        <p:txBody>
-          <a:bodyPr lIns="0" rIns="0" tIns="0" bIns="0" anchor="t">
-            <a:normAutofit/>
-          </a:bodyPr>
-          <a:p>
-            <a:pPr marL="432000" indent="-324000">
-              <a:spcBef>
-                <a:spcPts val="1417"/>
-              </a:spcBef>
-              <a:buClr>
-                <a:srgbClr val="ffffff"/>
-              </a:buClr>
-              <a:buSzPct val="45000"/>
-              <a:buFont typeface="Wingdings" charset="2"/>
-              <a:buChar char=""/>
-            </a:pPr>
-            <a:r>
-              <a:rPr b="0" lang="en-US" sz="3200" spc="-1" strike="noStrike">
-                <a:latin typeface="Arial"/>
-              </a:rPr>
-              <a:t>Click to edit the outline text format</a:t>
-            </a:r>
-            <a:endParaRPr b="0" lang="en-US" sz="3200" spc="-1" strike="noStrike">
-              <a:latin typeface="Arial"/>
-            </a:endParaRPr>
-          </a:p>
-          <a:p>
-            <a:pPr lvl="1" marL="864000" indent="-324000">
-              <a:spcBef>
-                <a:spcPts val="1134"/>
-              </a:spcBef>
-              <a:buClr>
-                <a:srgbClr val="ffffff"/>
-              </a:buClr>
-              <a:buSzPct val="75000"/>
-              <a:buFont typeface="Symbol" charset="2"/>
-              <a:buChar char=""/>
-            </a:pPr>
-            <a:r>
-              <a:rPr b="0" lang="en-US" sz="2800" spc="-1" strike="noStrike">
-                <a:latin typeface="Arial"/>
-              </a:rPr>
-              <a:t>Second Outline Level</a:t>
-            </a:r>
-            <a:endParaRPr b="0" lang="en-US" sz="2800" spc="-1" strike="noStrike">
-              <a:latin typeface="Arial"/>
-            </a:endParaRPr>
-          </a:p>
-          <a:p>
-            <a:pPr lvl="2" marL="1296000" indent="-288000">
-              <a:spcBef>
-                <a:spcPts val="850"/>
-              </a:spcBef>
-              <a:buClr>
-                <a:srgbClr val="ffffff"/>
-              </a:buClr>
-              <a:buSzPct val="45000"/>
-              <a:buFont typeface="Wingdings" charset="2"/>
-              <a:buChar char=""/>
-            </a:pPr>
-            <a:r>
-              <a:rPr b="0" lang="en-US" sz="2400" spc="-1" strike="noStrike">
-                <a:latin typeface="Arial"/>
-              </a:rPr>
-              <a:t>Third Outline Level</a:t>
-            </a:r>
-            <a:endParaRPr b="0" lang="en-US" sz="2400" spc="-1" strike="noStrike">
-              <a:latin typeface="Arial"/>
-            </a:endParaRPr>
-          </a:p>
-          <a:p>
-            <a:pPr lvl="3" marL="1728000" indent="-216000">
-              <a:spcBef>
-                <a:spcPts val="567"/>
-              </a:spcBef>
-              <a:buClr>
-                <a:srgbClr val="ffffff"/>
-              </a:buClr>
-              <a:buSzPct val="75000"/>
-              <a:buFont typeface="Symbol" charset="2"/>
-              <a:buChar char=""/>
-            </a:pPr>
-            <a:r>
-              <a:rPr b="0" lang="en-US" sz="2000" spc="-1" strike="noStrike">
-                <a:latin typeface="Arial"/>
-              </a:rPr>
-              <a:t>Fourth Outline Level</a:t>
-            </a:r>
-            <a:endParaRPr b="0" lang="en-US" sz="2000" spc="-1" strike="noStrike">
-              <a:latin typeface="Arial"/>
-            </a:endParaRPr>
-          </a:p>
-          <a:p>
-            <a:pPr lvl="4" marL="2160000" indent="-216000">
-              <a:spcBef>
-                <a:spcPts val="283"/>
-              </a:spcBef>
-              <a:buClr>
-                <a:srgbClr val="ffffff"/>
-              </a:buClr>
-              <a:buSzPct val="45000"/>
-              <a:buFont typeface="Wingdings" charset="2"/>
-              <a:buChar char=""/>
-            </a:pPr>
-            <a:r>
-              <a:rPr b="0" lang="en-US" sz="2000" spc="-1" strike="noStrike">
-                <a:latin typeface="Arial"/>
-              </a:rPr>
-              <a:t>Fifth Outline Level</a:t>
-            </a:r>
-            <a:endParaRPr b="0" lang="en-US" sz="2000" spc="-1" strike="noStrike">
-              <a:latin typeface="Arial"/>
-            </a:endParaRPr>
-          </a:p>
-          <a:p>
-            <a:pPr lvl="5" marL="2592000" indent="-216000">
-              <a:spcBef>
-                <a:spcPts val="283"/>
-              </a:spcBef>
-              <a:buClr>
-                <a:srgbClr val="ffffff"/>
-              </a:buClr>
-              <a:buSzPct val="45000"/>
-              <a:buFont typeface="Wingdings" charset="2"/>
-              <a:buChar char=""/>
-            </a:pPr>
-            <a:r>
-              <a:rPr b="0" lang="en-US" sz="2000" spc="-1" strike="noStrike">
-                <a:latin typeface="Arial"/>
-              </a:rPr>
-              <a:t>Sixth Outline Level</a:t>
-            </a:r>
-            <a:endParaRPr b="0" lang="en-US" sz="2000" spc="-1" strike="noStrike">
-              <a:latin typeface="Arial"/>
-            </a:endParaRPr>
-          </a:p>
-          <a:p>
-            <a:pPr lvl="6" marL="3024000" indent="-216000">
-              <a:spcBef>
-                <a:spcPts val="283"/>
-              </a:spcBef>
-              <a:buClr>
-                <a:srgbClr val="ffffff"/>
-              </a:buClr>
-              <a:buSzPct val="45000"/>
-              <a:buFont typeface="Wingdings" charset="2"/>
-              <a:buChar char=""/>
-            </a:pPr>
-            <a:r>
-              <a:rPr b="0" lang="en-US" sz="2000" spc="-1" strike="noStrike">
-                <a:latin typeface="Arial"/>
-              </a:rPr>
-              <a:t>Seventh Outline Level</a:t>
-            </a:r>
-            <a:endParaRPr b="0" lang="en-US" sz="2000" spc="-1" strike="noStrike">
-              <a:latin typeface="Arial"/>
-            </a:endParaRPr>
-          </a:p>
-        </p:txBody>
-      </p:sp>
-      <p:sp>
-        <p:nvSpPr>
-          <p:cNvPr id="90" name="PlaceHolder 3"/>
-          <p:cNvSpPr>
-            <a:spLocks noGrp="1"/>
-          </p:cNvSpPr>
-          <p:nvPr>
-            <p:ph type="dt" idx="4"/>
-          </p:nvPr>
-        </p:nvSpPr>
-        <p:spPr>
-          <a:xfrm>
-            <a:off x="504000" y="5256000"/>
-            <a:ext cx="1656000" cy="410400"/>
-          </a:xfrm>
-          <a:prstGeom prst="rect">
-            <a:avLst/>
-          </a:prstGeom>
-          <a:noFill/>
-          <a:ln w="0">
-            <a:noFill/>
-          </a:ln>
-        </p:spPr>
-        <p:txBody>
-          <a:bodyPr lIns="0" rIns="0" tIns="0" bIns="0" anchor="t">
-            <a:noAutofit/>
-          </a:bodyPr>
-          <a:lstStyle>
-            <a:lvl1pPr>
-              <a:defRPr b="0" lang="en-US" sz="1400" spc="-1" strike="noStrike">
-                <a:latin typeface="Arial"/>
-              </a:defRPr>
-            </a:lvl1pPr>
-          </a:lstStyle>
-          <a:p>
-            <a:r>
-              <a:rPr b="0" lang="en-US" sz="1400" spc="-1" strike="noStrike">
-                <a:latin typeface="Arial"/>
-              </a:rPr>
-              <a:t>&lt;date/time&gt;</a:t>
-            </a:r>
-            <a:endParaRPr b="0" lang="en-US" sz="1400" spc="-1" strike="noStrike">
-              <a:latin typeface="Arial"/>
-            </a:endParaRPr>
-          </a:p>
-        </p:txBody>
-      </p:sp>
-      <p:sp>
-        <p:nvSpPr>
-          <p:cNvPr id="91" name="PlaceHolder 4"/>
-          <p:cNvSpPr>
-            <a:spLocks noGrp="1"/>
-          </p:cNvSpPr>
-          <p:nvPr>
-            <p:ph type="ftr" idx="5"/>
-          </p:nvPr>
-        </p:nvSpPr>
-        <p:spPr>
-          <a:xfrm>
-            <a:off x="2520000" y="5256000"/>
-            <a:ext cx="4680000" cy="410400"/>
-          </a:xfrm>
-          <a:prstGeom prst="rect">
-            <a:avLst/>
-          </a:prstGeom>
-          <a:noFill/>
-          <a:ln w="0">
-            <a:noFill/>
-          </a:ln>
-        </p:spPr>
-        <p:txBody>
-          <a:bodyPr lIns="0" rIns="0" tIns="0" bIns="0" anchor="t">
-            <a:noAutofit/>
-          </a:bodyPr>
-          <a:lstStyle>
-            <a:lvl1pPr algn="ctr">
-              <a:buNone/>
-              <a:defRPr b="0" lang="en-US" sz="1400" spc="-1" strike="noStrike">
-                <a:latin typeface="Arial"/>
-              </a:defRPr>
-            </a:lvl1pPr>
-          </a:lstStyle>
-          <a:p>
-            <a:pPr algn="ctr">
-              <a:buNone/>
-            </a:pPr>
-            <a:r>
-              <a:rPr b="0" lang="en-US" sz="1400" spc="-1" strike="noStrike">
-                <a:latin typeface="Arial"/>
-              </a:rPr>
-              <a:t>&lt;footer&gt;</a:t>
-            </a:r>
-            <a:endParaRPr b="0" lang="en-US" sz="1400" spc="-1" strike="noStrike">
-              <a:latin typeface="Arial"/>
-            </a:endParaRPr>
-          </a:p>
-        </p:txBody>
-      </p:sp>
-      <p:sp>
-        <p:nvSpPr>
-          <p:cNvPr id="92" name="PlaceHolder 5"/>
-          <p:cNvSpPr>
-            <a:spLocks noGrp="1"/>
-          </p:cNvSpPr>
-          <p:nvPr>
-            <p:ph type="sldNum" idx="6"/>
-          </p:nvPr>
-        </p:nvSpPr>
-        <p:spPr>
-          <a:xfrm>
-            <a:off x="7560000" y="5256000"/>
-            <a:ext cx="1620000" cy="410400"/>
-          </a:xfrm>
-          <a:prstGeom prst="rect">
-            <a:avLst/>
-          </a:prstGeom>
-          <a:noFill/>
-          <a:ln w="0">
-            <a:noFill/>
-          </a:ln>
-        </p:spPr>
-        <p:txBody>
-          <a:bodyPr lIns="0" rIns="0" tIns="0" bIns="0" anchor="t">
-            <a:noAutofit/>
-          </a:bodyPr>
-          <a:lstStyle>
-            <a:lvl1pPr algn="r">
-              <a:buNone/>
-              <a:defRPr b="0" lang="en-US" sz="1400" spc="-1" strike="noStrike">
-                <a:latin typeface="Arial"/>
-              </a:defRPr>
-            </a:lvl1pPr>
-          </a:lstStyle>
-          <a:p>
-            <a:pPr algn="r">
-              <a:buNone/>
-            </a:pPr>
-            <a:fld id="{B6C96695-78DE-4C1F-BE7D-899B6A15629F}" type="slidenum">
-              <a:rPr b="0" lang="en-US" sz="1400" spc="-1" strike="noStrike">
-                <a:latin typeface="Arial"/>
-              </a:rPr>
-              <a:t>&lt;number&gt;</a:t>
-            </a:fld>
-            <a:endParaRPr b="0" lang="en-US" sz="1400" spc="-1" strike="noStrike">
-              <a:latin typeface="Arial"/>
-            </a:endParaRPr>
-          </a:p>
-        </p:txBody>
-      </p:sp>
-      <p:sp>
-        <p:nvSpPr>
-          <p:cNvPr id="93" name=""/>
-          <p:cNvSpPr/>
-          <p:nvPr/>
-        </p:nvSpPr>
-        <p:spPr>
-          <a:xfrm>
-            <a:off x="20880" y="607320"/>
-            <a:ext cx="6120000" cy="18000"/>
-          </a:xfrm>
-          <a:custGeom>
-            <a:avLst/>
-            <a:gdLst/>
-            <a:ahLst/>
-            <a:rect l="l" t="t" r="r" b="b"/>
-            <a:pathLst>
-              <a:path w="7200424" h="21600">
-                <a:moveTo>
-                  <a:pt x="10800" y="0"/>
-                </a:moveTo>
-                <a:arcTo wR="10800" hR="10800" stAng="16200000" swAng="-5400000"/>
-                <a:lnTo>
-                  <a:pt x="0" y="10800"/>
-                </a:lnTo>
-                <a:arcTo wR="10800" hR="10800" stAng="10800000" swAng="-5400000"/>
-                <a:lnTo>
-                  <a:pt x="7189624" y="21600"/>
-                </a:lnTo>
-                <a:arcTo wR="7168024" hR="10800" stAng="5400000" swAng="5400000"/>
-                <a:lnTo>
-                  <a:pt x="21600" y="10800"/>
-                </a:lnTo>
-                <a:arcTo wR="7168024" hR="10800" stAng="10800000" swAng="5400000"/>
-                <a:close/>
-              </a:path>
-            </a:pathLst>
-          </a:custGeom>
-          <a:gradFill rotWithShape="0">
-            <a:gsLst>
-              <a:gs pos="0">
-                <a:srgbClr val="cccccc"/>
-              </a:gs>
-              <a:gs pos="100000">
-                <a:srgbClr val="333333"/>
-              </a:gs>
-            </a:gsLst>
-            <a:lin ang="0"/>
-          </a:gradFill>
-          <a:ln w="0">
-            <a:noFill/>
-          </a:ln>
-        </p:spPr>
-        <p:style>
-          <a:lnRef idx="0"/>
-          <a:fillRef idx="0"/>
-          <a:effectRef idx="0"/>
-          <a:fontRef idx="minor"/>
-        </p:style>
-      </p:sp>
-      <p:sp>
-        <p:nvSpPr>
-          <p:cNvPr id="94" name=""/>
-          <p:cNvSpPr/>
-          <p:nvPr/>
-        </p:nvSpPr>
-        <p:spPr>
-          <a:xfrm>
-            <a:off x="4430520" y="840960"/>
-            <a:ext cx="5673960" cy="7200"/>
-          </a:xfrm>
-          <a:custGeom>
-            <a:avLst/>
-            <a:gdLst/>
-            <a:ahLst/>
-            <a:rect l="l" t="t" r="r" b="b"/>
-            <a:pathLst>
-              <a:path w="16212343" h="21600">
-                <a:moveTo>
-                  <a:pt x="10800" y="0"/>
-                </a:moveTo>
-                <a:arcTo wR="10800" hR="10800" stAng="16200000" swAng="-5400000"/>
-                <a:lnTo>
-                  <a:pt x="0" y="10800"/>
-                </a:lnTo>
-                <a:arcTo wR="10800" hR="10800" stAng="10800000" swAng="-5400000"/>
-                <a:lnTo>
-                  <a:pt x="16201543" y="21600"/>
-                </a:lnTo>
-                <a:arcTo wR="16179943" hR="10800" stAng="5400000" swAng="5400000"/>
-                <a:lnTo>
-                  <a:pt x="21600" y="10800"/>
-                </a:lnTo>
-                <a:arcTo wR="16179943" hR="10800" stAng="10800000" swAng="5400000"/>
-                <a:close/>
-              </a:path>
-            </a:pathLst>
-          </a:custGeom>
-          <a:gradFill rotWithShape="0">
-            <a:gsLst>
-              <a:gs pos="0">
-                <a:srgbClr val="333333"/>
-              </a:gs>
-              <a:gs pos="100000">
-                <a:srgbClr val="cccccc"/>
-              </a:gs>
-            </a:gsLst>
-            <a:lin ang="0"/>
-          </a:gradFill>
-          <a:ln w="0">
-            <a:noFill/>
-          </a:ln>
-        </p:spPr>
-        <p:style>
-          <a:lnRef idx="0"/>
-          <a:fillRef idx="0"/>
-          <a:effectRef idx="0"/>
-          <a:fontRef idx="minor"/>
-        </p:style>
-      </p:sp>
-      <p:sp>
-        <p:nvSpPr>
-          <p:cNvPr id="95" name=""/>
-          <p:cNvSpPr/>
-          <p:nvPr/>
-        </p:nvSpPr>
-        <p:spPr>
-          <a:xfrm>
-            <a:off x="9819720" y="474480"/>
-            <a:ext cx="7200" cy="493200"/>
-          </a:xfrm>
-          <a:custGeom>
-            <a:avLst/>
-            <a:gdLst/>
-            <a:ahLst/>
-            <a:rect l="l" t="t" r="r" b="b"/>
-            <a:pathLst>
-              <a:path w="21600" h="1410171">
-                <a:moveTo>
-                  <a:pt x="10800" y="0"/>
-                </a:moveTo>
-                <a:arcTo wR="10800" hR="10800" stAng="16200000" swAng="-5400000"/>
-                <a:lnTo>
-                  <a:pt x="0" y="1399371"/>
-                </a:lnTo>
-                <a:arcTo wR="10800" hR="1377771" stAng="10800000" swAng="5400000"/>
-                <a:lnTo>
-                  <a:pt x="10800" y="21600"/>
-                </a:lnTo>
-                <a:arcTo wR="10800" hR="1377771" stAng="16200000" swAng="5400000"/>
-                <a:lnTo>
-                  <a:pt x="21600" y="10800"/>
-                </a:lnTo>
-                <a:arcTo wR="10800" hR="10800" stAng="0" swAng="-5400000"/>
-                <a:close/>
-              </a:path>
-            </a:pathLst>
-          </a:custGeom>
-          <a:solidFill>
-            <a:srgbClr val="cccccc"/>
-          </a:solidFill>
-          <a:ln w="0">
-            <a:noFill/>
-          </a:ln>
-        </p:spPr>
-        <p:style>
-          <a:lnRef idx="0"/>
-          <a:fillRef idx="0"/>
-          <a:effectRef idx="0"/>
-          <a:fontRef idx="minor"/>
-        </p:style>
-      </p:sp>
-      <p:sp>
-        <p:nvSpPr>
-          <p:cNvPr id="96" name=""/>
-          <p:cNvSpPr/>
-          <p:nvPr/>
-        </p:nvSpPr>
-        <p:spPr>
-          <a:xfrm>
-            <a:off x="5644080" y="5194800"/>
-            <a:ext cx="3722040" cy="7200"/>
-          </a:xfrm>
-          <a:custGeom>
-            <a:avLst/>
-            <a:gdLst/>
-            <a:ahLst/>
-            <a:rect l="l" t="t" r="r" b="b"/>
-            <a:pathLst>
-              <a:path w="10635429" h="21600">
-                <a:moveTo>
-                  <a:pt x="10800" y="0"/>
-                </a:moveTo>
-                <a:arcTo wR="10800" hR="10800" stAng="16200000" swAng="-5400000"/>
-                <a:lnTo>
-                  <a:pt x="0" y="10800"/>
-                </a:lnTo>
-                <a:arcTo wR="10800" hR="10800" stAng="10800000" swAng="-5400000"/>
-                <a:lnTo>
-                  <a:pt x="10624629" y="21600"/>
-                </a:lnTo>
-                <a:arcTo wR="10603029" hR="10800" stAng="5400000" swAng="5400000"/>
-                <a:lnTo>
-                  <a:pt x="21600" y="10800"/>
-                </a:lnTo>
-                <a:arcTo wR="10603029" hR="10800" stAng="10800000" swAng="5400000"/>
-                <a:close/>
-              </a:path>
-            </a:pathLst>
-          </a:custGeom>
-          <a:gradFill rotWithShape="0">
-            <a:gsLst>
-              <a:gs pos="0">
-                <a:srgbClr val="333333"/>
-              </a:gs>
-              <a:gs pos="100000">
-                <a:srgbClr val="cccccc"/>
-              </a:gs>
-            </a:gsLst>
-            <a:lin ang="0"/>
-          </a:gradFill>
-          <a:ln w="0">
-            <a:noFill/>
-          </a:ln>
-        </p:spPr>
-        <p:style>
-          <a:lnRef idx="0"/>
-          <a:fillRef idx="0"/>
-          <a:effectRef idx="0"/>
-          <a:fontRef idx="minor"/>
-        </p:style>
-      </p:sp>
-      <p:sp>
-        <p:nvSpPr>
-          <p:cNvPr id="97" name=""/>
-          <p:cNvSpPr/>
-          <p:nvPr/>
-        </p:nvSpPr>
-        <p:spPr>
-          <a:xfrm>
-            <a:off x="9259920" y="4917240"/>
-            <a:ext cx="7200" cy="349560"/>
-          </a:xfrm>
-          <a:custGeom>
-            <a:avLst/>
-            <a:gdLst/>
-            <a:ahLst/>
-            <a:rect l="l" t="t" r="r" b="b"/>
-            <a:pathLst>
-              <a:path w="21600" h="999771">
-                <a:moveTo>
-                  <a:pt x="10800" y="0"/>
-                </a:moveTo>
-                <a:arcTo wR="10800" hR="10800" stAng="16200000" swAng="-5400000"/>
-                <a:lnTo>
-                  <a:pt x="0" y="988971"/>
-                </a:lnTo>
-                <a:arcTo wR="10800" hR="967371" stAng="10800000" swAng="5400000"/>
-                <a:lnTo>
-                  <a:pt x="10800" y="21600"/>
-                </a:lnTo>
-                <a:arcTo wR="10800" hR="967371" stAng="16200000" swAng="5400000"/>
-                <a:lnTo>
-                  <a:pt x="21600" y="10800"/>
-                </a:lnTo>
-                <a:arcTo wR="10800" hR="10800" stAng="0" swAng="-5400000"/>
-                <a:close/>
-              </a:path>
-            </a:pathLst>
-          </a:custGeom>
-          <a:solidFill>
-            <a:srgbClr val="cccccc"/>
-          </a:solidFill>
-          <a:ln w="0">
-            <a:noFill/>
-          </a:ln>
-        </p:spPr>
-        <p:style>
-          <a:lnRef idx="0"/>
-          <a:fillRef idx="0"/>
-          <a:effectRef idx="0"/>
-          <a:fontRef idx="minor"/>
-        </p:style>
-      </p:sp>
-      <p:sp>
-        <p:nvSpPr>
-          <p:cNvPr id="98" name=""/>
-          <p:cNvSpPr/>
-          <p:nvPr/>
-        </p:nvSpPr>
-        <p:spPr>
-          <a:xfrm>
-            <a:off x="974160" y="5194440"/>
-            <a:ext cx="3722040" cy="7200"/>
-          </a:xfrm>
-          <a:custGeom>
-            <a:avLst/>
-            <a:gdLst/>
-            <a:ahLst/>
-            <a:rect l="l" t="t" r="r" b="b"/>
-            <a:pathLst>
-              <a:path w="10635429" h="21600">
-                <a:moveTo>
-                  <a:pt x="10800" y="0"/>
-                </a:moveTo>
-                <a:arcTo wR="10800" hR="10800" stAng="16200000" swAng="-5400000"/>
-                <a:lnTo>
-                  <a:pt x="0" y="10800"/>
-                </a:lnTo>
-                <a:arcTo wR="10800" hR="10800" stAng="10800000" swAng="-5400000"/>
-                <a:lnTo>
-                  <a:pt x="10624629" y="21600"/>
-                </a:lnTo>
-                <a:arcTo wR="10603029" hR="10800" stAng="5400000" swAng="5400000"/>
-                <a:lnTo>
-                  <a:pt x="21600" y="10800"/>
-                </a:lnTo>
-                <a:arcTo wR="10603029" hR="10800" stAng="10800000" swAng="5400000"/>
-                <a:close/>
-              </a:path>
-            </a:pathLst>
-          </a:custGeom>
-          <a:gradFill rotWithShape="0">
-            <a:gsLst>
-              <a:gs pos="0">
-                <a:srgbClr val="333333"/>
-              </a:gs>
-              <a:gs pos="100000">
-                <a:srgbClr val="cccccc"/>
-              </a:gs>
-            </a:gsLst>
-            <a:lin ang="0"/>
-          </a:gradFill>
-          <a:ln w="0">
-            <a:noFill/>
-          </a:ln>
-        </p:spPr>
-        <p:style>
-          <a:lnRef idx="0"/>
-          <a:fillRef idx="0"/>
-          <a:effectRef idx="0"/>
-          <a:fontRef idx="minor"/>
-        </p:style>
-      </p:sp>
-      <p:sp>
-        <p:nvSpPr>
-          <p:cNvPr id="99" name=""/>
-          <p:cNvSpPr/>
-          <p:nvPr/>
-        </p:nvSpPr>
-        <p:spPr>
-          <a:xfrm>
-            <a:off x="4590000" y="4914000"/>
-            <a:ext cx="7200" cy="349560"/>
-          </a:xfrm>
-          <a:custGeom>
-            <a:avLst/>
-            <a:gdLst/>
-            <a:ahLst/>
-            <a:rect l="l" t="t" r="r" b="b"/>
-            <a:pathLst>
-              <a:path w="21600" h="999771">
-                <a:moveTo>
-                  <a:pt x="10800" y="0"/>
-                </a:moveTo>
-                <a:arcTo wR="10800" hR="10800" stAng="16200000" swAng="-5400000"/>
-                <a:lnTo>
-                  <a:pt x="0" y="988971"/>
-                </a:lnTo>
-                <a:arcTo wR="10800" hR="967371" stAng="10800000" swAng="5400000"/>
-                <a:lnTo>
-                  <a:pt x="10800" y="21600"/>
-                </a:lnTo>
-                <a:arcTo wR="10800" hR="967371" stAng="16200000" swAng="5400000"/>
-                <a:lnTo>
-                  <a:pt x="21600" y="10800"/>
-                </a:lnTo>
-                <a:arcTo wR="10800" hR="10800" stAng="0" swAng="-5400000"/>
-                <a:close/>
-              </a:path>
-            </a:pathLst>
-          </a:custGeom>
-          <a:solidFill>
-            <a:srgbClr val="cccccc"/>
-          </a:solidFill>
-          <a:ln w="0">
-            <a:noFill/>
-          </a:ln>
-        </p:spPr>
-        <p:style>
-          <a:lnRef idx="0"/>
-          <a:fillRef idx="0"/>
-          <a:effectRef idx="0"/>
-          <a:fontRef idx="minor"/>
-        </p:style>
-      </p:sp>
-      <p:sp>
-        <p:nvSpPr>
-          <p:cNvPr id="100" name=""/>
-          <p:cNvSpPr/>
-          <p:nvPr/>
-        </p:nvSpPr>
-        <p:spPr>
-          <a:xfrm>
-            <a:off x="5055480" y="1037160"/>
-            <a:ext cx="10800" cy="3700800"/>
-          </a:xfrm>
-          <a:custGeom>
-            <a:avLst/>
-            <a:gdLst/>
-            <a:ahLst/>
-            <a:rect l="l" t="t" r="r" b="b"/>
-            <a:pathLst>
-              <a:path w="21600" h="7163535">
-                <a:moveTo>
-                  <a:pt x="10800" y="0"/>
-                </a:moveTo>
-                <a:arcTo wR="10800" hR="10800" stAng="16200000" swAng="-5400000"/>
-                <a:lnTo>
-                  <a:pt x="0" y="7152735"/>
-                </a:lnTo>
-                <a:arcTo wR="10800" hR="7131135" stAng="10800000" swAng="5400000"/>
-                <a:lnTo>
-                  <a:pt x="10800" y="21600"/>
-                </a:lnTo>
-                <a:arcTo wR="10800" hR="7131135" stAng="16200000" swAng="5400000"/>
-                <a:lnTo>
-                  <a:pt x="21600" y="10800"/>
-                </a:lnTo>
-                <a:arcTo wR="10800" hR="10800" stAng="0" swAng="-5400000"/>
-                <a:close/>
-              </a:path>
-            </a:pathLst>
-          </a:custGeom>
-          <a:gradFill rotWithShape="0">
-            <a:gsLst>
-              <a:gs pos="0">
-                <a:srgbClr val="111111"/>
-              </a:gs>
-              <a:gs pos="50000">
-                <a:srgbClr val="cccccc"/>
-              </a:gs>
-              <a:gs pos="100000">
-                <a:srgbClr val="111111"/>
-              </a:gs>
-            </a:gsLst>
-            <a:lin ang="5400000"/>
-          </a:gradFill>
-          <a:ln w="0">
-            <a:noFill/>
-          </a:ln>
-        </p:spPr>
-        <p:style>
-          <a:lnRef idx="0"/>
-          <a:fillRef idx="0"/>
-          <a:effectRef idx="0"/>
-          <a:fontRef idx="minor"/>
-        </p:style>
-      </p:sp>
-    </p:spTree>
-  </p:cSld>
-  <p:clrMap bg1="lt1" bg2="lt2" tx1="dk1" tx2="dk2" accent1="accent1" accent2="accent2" accent3="accent3" accent4="accent4" accent5="accent5" accent6="accent6" hlink="hlink" folHlink="folHlink"/>
-  <p:sldLayoutIdLst>
-    <p:sldLayoutId id="2147483675" r:id="rId2"/>
-    <p:sldLayoutId id="2147483676" r:id="rId3"/>
-    <p:sldLayoutId id="2147483677" r:id="rId4"/>
-    <p:sldLayoutId id="2147483678" r:id="rId5"/>
-    <p:sldLayoutId id="2147483679" r:id="rId6"/>
-    <p:sldLayoutId id="2147483680" r:id="rId7"/>
-    <p:sldLayoutId id="2147483681" r:id="rId8"/>
-    <p:sldLayoutId id="2147483682" r:id="rId9"/>
-    <p:sldLayoutId id="2147483683" r:id="rId10"/>
-    <p:sldLayoutId id="2147483684" r:id="rId11"/>
-    <p:sldLayoutId id="2147483685" r:id="rId12"/>
-    <p:sldLayoutId id="2147483686" r:id="rId13"/>
   </p:sldLayoutIdLst>
 </p:sldMaster>
 </file>
@@ -7994,7 +5019,7 @@
       </p:grpSpPr>
       <p:sp>
         <p:nvSpPr>
-          <p:cNvPr id="137" name="PlaceHolder 1"/>
+          <p:cNvPr id="88" name="PlaceHolder 1"/>
           <p:cNvSpPr>
             <a:spLocks noGrp="1"/>
           </p:cNvSpPr>
@@ -8005,7 +5030,7 @@
         <p:spPr>
           <a:xfrm>
             <a:off x="457200" y="1600200"/>
-            <a:ext cx="9000000" cy="658440"/>
+            <a:ext cx="8999640" cy="658080"/>
           </a:xfrm>
           <a:prstGeom prst="rect">
             <a:avLst/>
@@ -8021,6 +5046,9 @@
           </a:bodyPr>
           <a:p>
             <a:pPr algn="ctr">
+              <a:lnSpc>
+                <a:spcPct val="100000"/>
+              </a:lnSpc>
               <a:buNone/>
             </a:pPr>
             <a:r>
@@ -8067,7 +5095,7 @@
       </p:grpSpPr>
       <p:sp>
         <p:nvSpPr>
-          <p:cNvPr id="138" name="PlaceHolder 1"/>
+          <p:cNvPr id="89" name="PlaceHolder 1"/>
           <p:cNvSpPr>
             <a:spLocks noGrp="1"/>
           </p:cNvSpPr>
@@ -8078,7 +5106,7 @@
         <p:spPr>
           <a:xfrm>
             <a:off x="144000" y="72000"/>
-            <a:ext cx="9540000" cy="648000"/>
+            <a:ext cx="9539640" cy="647640"/>
           </a:xfrm>
           <a:prstGeom prst="rect">
             <a:avLst/>
@@ -8094,6 +5122,9 @@
           </a:bodyPr>
           <a:p>
             <a:pPr algn="ctr">
+              <a:lnSpc>
+                <a:spcPct val="100000"/>
+              </a:lnSpc>
               <a:buNone/>
             </a:pPr>
             <a:r>
@@ -8110,7 +5141,7 @@
       </p:sp>
       <p:sp>
         <p:nvSpPr>
-          <p:cNvPr id="139" name="PlaceHolder 2"/>
+          <p:cNvPr id="90" name="PlaceHolder 2"/>
           <p:cNvSpPr>
             <a:spLocks noGrp="1"/>
           </p:cNvSpPr>
@@ -8121,7 +5152,7 @@
         <p:spPr>
           <a:xfrm>
             <a:off x="504000" y="1283760"/>
-            <a:ext cx="9071640" cy="3288240"/>
+            <a:ext cx="9071280" cy="3287880"/>
           </a:xfrm>
           <a:prstGeom prst="rect">
             <a:avLst/>
@@ -8137,6 +5168,9 @@
           </a:bodyPr>
           <a:p>
             <a:pPr marL="432000" indent="-324000">
+              <a:lnSpc>
+                <a:spcPct val="100000"/>
+              </a:lnSpc>
               <a:spcBef>
                 <a:spcPts val="1417"/>
               </a:spcBef>
@@ -8159,6 +5193,9 @@
           </a:p>
           <a:p>
             <a:pPr marL="432000" indent="-324000">
+              <a:lnSpc>
+                <a:spcPct val="100000"/>
+              </a:lnSpc>
               <a:spcBef>
                 <a:spcPts val="1417"/>
               </a:spcBef>
@@ -8188,14 +5225,14 @@
             <a:spLocks noGrp="1"/>
           </p:cNvSpPr>
           <p:nvPr>
-            <p:ph type="sldNum" idx="3"/>
+            <p:ph type="sldNum" idx="2"/>
           </p:nvPr>
         </p:nvSpPr>
         <p:spPr/>
         <p:txBody>
           <a:bodyPr/>
           <a:p>
-            <a:fld id="{9FBF4366-899E-42C2-9EF0-D1B3A25F8301}" type="slidenum">
+            <a:fld id="{9F0EC8B1-0698-489C-BDD2-E4D600E31D4C}" type="slidenum">
               <a:t>2</a:t>
             </a:fld>
           </a:p>
@@ -8233,7 +5270,7 @@
       </p:grpSpPr>
       <p:sp>
         <p:nvSpPr>
-          <p:cNvPr id="140" name="PlaceHolder 1"/>
+          <p:cNvPr id="91" name="PlaceHolder 1"/>
           <p:cNvSpPr>
             <a:spLocks noGrp="1"/>
           </p:cNvSpPr>
@@ -8244,7 +5281,7 @@
         <p:spPr>
           <a:xfrm>
             <a:off x="144000" y="72000"/>
-            <a:ext cx="9540000" cy="648000"/>
+            <a:ext cx="9539640" cy="647640"/>
           </a:xfrm>
           <a:prstGeom prst="rect">
             <a:avLst/>
@@ -8260,6 +5297,9 @@
           </a:bodyPr>
           <a:p>
             <a:pPr algn="ctr">
+              <a:lnSpc>
+                <a:spcPct val="100000"/>
+              </a:lnSpc>
               <a:buNone/>
             </a:pPr>
             <a:r>
@@ -8276,7 +5316,7 @@
       </p:sp>
       <p:sp>
         <p:nvSpPr>
-          <p:cNvPr id="141" name="PlaceHolder 2"/>
+          <p:cNvPr id="92" name="PlaceHolder 2"/>
           <p:cNvSpPr>
             <a:spLocks noGrp="1"/>
           </p:cNvSpPr>
@@ -8287,7 +5327,7 @@
         <p:spPr>
           <a:xfrm>
             <a:off x="504000" y="1326600"/>
-            <a:ext cx="9071640" cy="3288240"/>
+            <a:ext cx="9071280" cy="3287880"/>
           </a:xfrm>
           <a:prstGeom prst="rect">
             <a:avLst/>
@@ -8440,14 +5480,14 @@
             <a:spLocks noGrp="1"/>
           </p:cNvSpPr>
           <p:nvPr>
-            <p:ph type="sldNum" idx="3"/>
+            <p:ph type="sldNum" idx="2"/>
           </p:nvPr>
         </p:nvSpPr>
         <p:spPr/>
         <p:txBody>
           <a:bodyPr/>
           <a:p>
-            <a:fld id="{C2544D16-B858-4133-80BF-C4D7C564D014}" type="slidenum">
+            <a:fld id="{01D1C50B-7F18-4E6A-839E-D9D7A5984053}" type="slidenum">
               <a:t>3</a:t>
             </a:fld>
           </a:p>
@@ -8485,7 +5525,7 @@
       </p:grpSpPr>
       <p:sp>
         <p:nvSpPr>
-          <p:cNvPr id="142" name="PlaceHolder 1"/>
+          <p:cNvPr id="93" name="PlaceHolder 1"/>
           <p:cNvSpPr>
             <a:spLocks noGrp="1"/>
           </p:cNvSpPr>
@@ -8496,7 +5536,7 @@
         <p:spPr>
           <a:xfrm>
             <a:off x="144000" y="72000"/>
-            <a:ext cx="9540000" cy="648000"/>
+            <a:ext cx="9539640" cy="647640"/>
           </a:xfrm>
           <a:prstGeom prst="rect">
             <a:avLst/>
@@ -8511,11 +5551,17 @@
             <a:noAutofit/>
           </a:bodyPr>
           <a:p>
+            <a:pPr>
+              <a:lnSpc>
+                <a:spcPct val="100000"/>
+              </a:lnSpc>
+              <a:buNone/>
+            </a:pPr>
             <a:r>
               <a:rPr b="0" lang="en-US" sz="4400" spc="-1" strike="noStrike">
                 <a:latin typeface="Arial"/>
               </a:rPr>
-              <a:t>Wat zijn de requirements</a:t>
+              <a:t>Wat zijn de requirements: pagina’s</a:t>
             </a:r>
             <a:endParaRPr b="0" lang="en-US" sz="4400" spc="-1" strike="noStrike">
               <a:latin typeface="Arial"/>
@@ -8525,7 +5571,7 @@
       </p:sp>
       <p:sp>
         <p:nvSpPr>
-          <p:cNvPr id="143" name="PlaceHolder 2"/>
+          <p:cNvPr id="94" name="PlaceHolder 2"/>
           <p:cNvSpPr>
             <a:spLocks noGrp="1"/>
           </p:cNvSpPr>
@@ -8535,8 +5581,8 @@
         </p:nvSpPr>
         <p:spPr>
           <a:xfrm>
-            <a:off x="504000" y="1326600"/>
-            <a:ext cx="9071640" cy="3288240"/>
+            <a:off x="457200" y="1284120"/>
+            <a:ext cx="9071280" cy="3287880"/>
           </a:xfrm>
           <a:prstGeom prst="rect">
             <a:avLst/>
@@ -8548,13 +5594,184 @@
         </p:spPr>
         <p:txBody>
           <a:bodyPr lIns="0" rIns="0" tIns="0" bIns="0" anchor="t">
-            <a:normAutofit/>
-          </a:bodyPr>
-          <a:p>
+            <a:normAutofit fontScale="71000"/>
+          </a:bodyPr>
+          <a:p>
+            <a:pPr marL="432000" indent="-324000">
+              <a:spcBef>
+                <a:spcPts val="1417"/>
+              </a:spcBef>
+              <a:buClr>
+                <a:srgbClr val="ffffff"/>
+              </a:buClr>
+              <a:buSzPct val="45000"/>
+              <a:buFont typeface="Wingdings" charset="2"/>
+              <a:buChar char=""/>
+            </a:pPr>
+            <a:r>
+              <a:rPr b="0" lang="en-US" sz="3200" spc="-1" strike="noStrike">
+                <a:latin typeface="Arial"/>
+              </a:rPr>
+              <a:t>Hoofdpagina:</a:t>
+            </a:r>
             <a:endParaRPr b="0" lang="en-US" sz="3200" spc="-1" strike="noStrike">
               <a:latin typeface="Arial"/>
             </a:endParaRPr>
           </a:p>
+          <a:p>
+            <a:pPr lvl="1" marL="864000" indent="-324000">
+              <a:spcBef>
+                <a:spcPts val="1134"/>
+              </a:spcBef>
+              <a:buClr>
+                <a:srgbClr val="ffffff"/>
+              </a:buClr>
+              <a:buSzPct val="75000"/>
+              <a:buFont typeface="Symbol" charset="2"/>
+              <a:buChar char=""/>
+            </a:pPr>
+            <a:r>
+              <a:rPr b="0" lang="en-US" sz="2800" spc="-1" strike="noStrike">
+                <a:latin typeface="Arial"/>
+              </a:rPr>
+              <a:t>layout met minimaal 3 recepten </a:t>
+            </a:r>
+            <a:endParaRPr b="0" lang="en-US" sz="2800" spc="-1" strike="noStrike">
+              <a:latin typeface="Arial"/>
+            </a:endParaRPr>
+          </a:p>
+          <a:p>
+            <a:pPr lvl="1" marL="864000" indent="-324000">
+              <a:spcBef>
+                <a:spcPts val="1134"/>
+              </a:spcBef>
+              <a:buClr>
+                <a:srgbClr val="ffffff"/>
+              </a:buClr>
+              <a:buSzPct val="75000"/>
+              <a:buFont typeface="Symbol" charset="2"/>
+              <a:buChar char=""/>
+            </a:pPr>
+            <a:r>
+              <a:rPr b="0" lang="en-US" sz="2800" spc="-1" strike="noStrike">
+                <a:latin typeface="Arial"/>
+              </a:rPr>
+              <a:t>titel is “Recepten”</a:t>
+            </a:r>
+            <a:endParaRPr b="0" lang="en-US" sz="2800" spc="-1" strike="noStrike">
+              <a:latin typeface="Arial"/>
+            </a:endParaRPr>
+          </a:p>
+          <a:p>
+            <a:pPr lvl="1" marL="864000" indent="-324000">
+              <a:spcBef>
+                <a:spcPts val="1134"/>
+              </a:spcBef>
+              <a:buClr>
+                <a:srgbClr val="ffffff"/>
+              </a:buClr>
+              <a:buSzPct val="75000"/>
+              <a:buFont typeface="Symbol" charset="2"/>
+              <a:buChar char=""/>
+            </a:pPr>
+            <a:r>
+              <a:rPr b="0" lang="en-US" sz="2800" spc="-1" strike="noStrike">
+                <a:latin typeface="Arial"/>
+              </a:rPr>
+              <a:t>de recepten linken door naar:</a:t>
+            </a:r>
+            <a:endParaRPr b="0" lang="en-US" sz="2800" spc="-1" strike="noStrike">
+              <a:latin typeface="Arial"/>
+            </a:endParaRPr>
+          </a:p>
+          <a:p>
+            <a:pPr marL="432000" indent="-324000">
+              <a:spcBef>
+                <a:spcPts val="1417"/>
+              </a:spcBef>
+              <a:buClr>
+                <a:srgbClr val="ffffff"/>
+              </a:buClr>
+              <a:buSzPct val="45000"/>
+              <a:buFont typeface="Wingdings" charset="2"/>
+              <a:buChar char=""/>
+            </a:pPr>
+            <a:r>
+              <a:rPr b="0" lang="en-US" sz="3200" spc="-1" strike="noStrike">
+                <a:latin typeface="Arial"/>
+              </a:rPr>
+              <a:t>Pagina voor specifiek recept:</a:t>
+            </a:r>
+            <a:endParaRPr b="0" lang="en-US" sz="3200" spc="-1" strike="noStrike">
+              <a:latin typeface="Arial"/>
+            </a:endParaRPr>
+          </a:p>
+          <a:p>
+            <a:pPr lvl="1" marL="864000" indent="-324000">
+              <a:spcBef>
+                <a:spcPts val="1134"/>
+              </a:spcBef>
+              <a:buClr>
+                <a:srgbClr val="ffffff"/>
+              </a:buClr>
+              <a:buSzPct val="75000"/>
+              <a:buFont typeface="Symbol" charset="2"/>
+              <a:buChar char=""/>
+            </a:pPr>
+            <a:r>
+              <a:rPr b="0" lang="en-US" sz="2800" spc="-1" strike="noStrike">
+                <a:latin typeface="Arial"/>
+              </a:rPr>
+              <a:t>titel is de naam van het recept</a:t>
+            </a:r>
+            <a:endParaRPr b="0" lang="en-US" sz="2800" spc="-1" strike="noStrike">
+              <a:latin typeface="Arial"/>
+            </a:endParaRPr>
+          </a:p>
+          <a:p>
+            <a:pPr lvl="1" marL="864000" indent="-324000">
+              <a:spcBef>
+                <a:spcPts val="1134"/>
+              </a:spcBef>
+              <a:buClr>
+                <a:srgbClr val="ffffff"/>
+              </a:buClr>
+              <a:buSzPct val="75000"/>
+              <a:buFont typeface="Symbol" charset="2"/>
+              <a:buChar char=""/>
+            </a:pPr>
+            <a:r>
+              <a:rPr b="0" lang="en-US" sz="2800" spc="-1" strike="noStrike">
+                <a:latin typeface="Arial"/>
+              </a:rPr>
+              <a:t>tonen een lijst van de ingredienten</a:t>
+            </a:r>
+            <a:endParaRPr b="0" lang="en-US" sz="2800" spc="-1" strike="noStrike">
+              <a:latin typeface="Arial"/>
+            </a:endParaRPr>
+          </a:p>
+          <a:p>
+            <a:pPr lvl="1" marL="864000" indent="-324000">
+              <a:spcBef>
+                <a:spcPts val="1134"/>
+              </a:spcBef>
+              <a:buClr>
+                <a:srgbClr val="ffffff"/>
+              </a:buClr>
+              <a:buSzPct val="75000"/>
+              <a:buFont typeface="Symbol" charset="2"/>
+              <a:buChar char=""/>
+            </a:pPr>
+            <a:r>
+              <a:rPr b="0" lang="en-US" sz="2800" spc="-1" strike="noStrike">
+                <a:latin typeface="Arial"/>
+              </a:rPr>
+              <a:t>tonen de bereidingswijze</a:t>
+            </a:r>
+            <a:endParaRPr b="0" lang="en-US" sz="2800" spc="-1" strike="noStrike">
+              <a:latin typeface="Arial"/>
+            </a:endParaRPr>
+          </a:p>
         </p:txBody>
       </p:sp>
       <p:sp>
@@ -8564,14 +5781,14 @@
             <a:spLocks noGrp="1"/>
           </p:cNvSpPr>
           <p:nvPr>
-            <p:ph type="sldNum" idx="3"/>
+            <p:ph type="sldNum" idx="2"/>
           </p:nvPr>
         </p:nvSpPr>
         <p:spPr/>
         <p:txBody>
           <a:bodyPr/>
           <a:p>
-            <a:fld id="{C91924D2-6A5D-4EA3-A554-0AB3C2FB923A}" type="slidenum">
+            <a:fld id="{73E7D96A-E574-461C-8B18-6DFA155F7BB3}" type="slidenum">
               <a:t>4</a:t>
             </a:fld>
           </a:p>
@@ -8609,58 +5826,14 @@
       </p:grpSpPr>
       <p:sp>
         <p:nvSpPr>
-          <p:cNvPr id="144" name="PlaceHolder 1"/>
-          <p:cNvSpPr>
-            <a:spLocks noGrp="1"/>
-          </p:cNvSpPr>
-          <p:nvPr>
-            <p:ph type="title"/>
-          </p:nvPr>
-        </p:nvSpPr>
-        <p:spPr>
-          <a:xfrm>
-            <a:off x="144000" y="72000"/>
-            <a:ext cx="9540000" cy="648000"/>
-          </a:xfrm>
-          <a:prstGeom prst="rect">
-            <a:avLst/>
-          </a:prstGeom>
-          <a:noFill/>
-          <a:ln w="0">
-            <a:noFill/>
-          </a:ln>
-        </p:spPr>
-        <p:txBody>
-          <a:bodyPr lIns="0" rIns="0" tIns="0" bIns="0" anchor="ctr">
-            <a:noAutofit/>
-          </a:bodyPr>
-          <a:p>
-            <a:r>
-              <a:rPr b="0" lang="en-US" sz="4400" spc="-1" strike="noStrike">
-                <a:latin typeface="Arial"/>
-              </a:rPr>
-              <a:t>Demo</a:t>
-            </a:r>
-            <a:endParaRPr b="0" lang="en-US" sz="4400" spc="-1" strike="noStrike">
-              <a:latin typeface="Arial"/>
-            </a:endParaRPr>
-          </a:p>
-        </p:txBody>
-      </p:sp>
-      <p:sp>
-        <p:nvSpPr>
-          <p:cNvPr id="145" name="PlaceHolder 2"/>
-          <p:cNvSpPr>
-            <a:spLocks noGrp="1"/>
-          </p:cNvSpPr>
-          <p:nvPr>
-            <p:ph/>
-          </p:nvPr>
-        </p:nvSpPr>
-        <p:spPr>
-          <a:xfrm>
-            <a:off x="504000" y="1326600"/>
-            <a:ext cx="9071640" cy="3288240"/>
+          <p:cNvPr id="95" name="PlaceHolder 3"/>
+          <p:cNvSpPr txBox="1"/>
+          <p:nvPr/>
+        </p:nvSpPr>
+        <p:spPr>
+          <a:xfrm>
+            <a:off x="504000" y="1326960"/>
+            <a:ext cx="9071280" cy="3287880"/>
           </a:xfrm>
           <a:prstGeom prst="rect">
             <a:avLst/>
@@ -8690,29 +5863,138 @@
               <a:rPr b="0" lang="en-US" sz="3200" spc="-1" strike="noStrike">
                 <a:latin typeface="Arial"/>
               </a:rPr>
-              <a:t>Website ← url koppelen</a:t>
+              <a:t>tabel recepten</a:t>
             </a:r>
             <a:endParaRPr b="0" lang="en-US" sz="3200" spc="-1" strike="noStrike">
               <a:latin typeface="Arial"/>
             </a:endParaRPr>
           </a:p>
-        </p:txBody>
-      </p:sp>
-      <p:sp>
-        <p:nvSpPr>
-          <p:cNvPr id="4" name="PlaceHolder 3"/>
-          <p:cNvSpPr>
-            <a:spLocks noGrp="1"/>
-          </p:cNvSpPr>
-          <p:nvPr>
-            <p:ph type="sldNum" idx="3"/>
+          <a:p>
+            <a:pPr marL="432000" indent="-324000">
+              <a:spcBef>
+                <a:spcPts val="1417"/>
+              </a:spcBef>
+              <a:buClr>
+                <a:srgbClr val="ffffff"/>
+              </a:buClr>
+              <a:buSzPct val="45000"/>
+              <a:buFont typeface="Wingdings" charset="2"/>
+              <a:buChar char=""/>
+            </a:pPr>
+            <a:r>
+              <a:rPr b="0" lang="en-US" sz="3200" spc="-1" strike="noStrike">
+                <a:latin typeface="Arial"/>
+              </a:rPr>
+              <a:t>tabel ingredienten</a:t>
+            </a:r>
+            <a:endParaRPr b="0" lang="en-US" sz="3200" spc="-1" strike="noStrike">
+              <a:latin typeface="Arial"/>
+            </a:endParaRPr>
+          </a:p>
+          <a:p>
+            <a:pPr marL="432000" indent="-324000">
+              <a:spcBef>
+                <a:spcPts val="1417"/>
+              </a:spcBef>
+              <a:buClr>
+                <a:srgbClr val="ffffff"/>
+              </a:buClr>
+              <a:buSzPct val="45000"/>
+              <a:buFont typeface="Wingdings" charset="2"/>
+              <a:buChar char=""/>
+            </a:pPr>
+            <a:r>
+              <a:rPr b="0" lang="en-US" sz="3200" spc="-1" strike="noStrike">
+                <a:latin typeface="Arial"/>
+              </a:rPr>
+              <a:t>tabel om deze 2 te koppelen</a:t>
+            </a:r>
+            <a:endParaRPr b="0" lang="en-US" sz="3200" spc="-1" strike="noStrike">
+              <a:latin typeface="Arial"/>
+            </a:endParaRPr>
+          </a:p>
+          <a:p>
+            <a:pPr marL="432000" indent="-324000">
+              <a:spcBef>
+                <a:spcPts val="1417"/>
+              </a:spcBef>
+              <a:buClr>
+                <a:srgbClr val="ffffff"/>
+              </a:buClr>
+              <a:buSzPct val="45000"/>
+              <a:buFont typeface="Wingdings" charset="2"/>
+              <a:buChar char=""/>
+            </a:pPr>
+            <a:r>
+              <a:rPr b="0" lang="en-US" sz="3200" spc="-1" strike="noStrike">
+                <a:latin typeface="Arial"/>
+              </a:rPr>
+              <a:t>een recept heeft een timestamp</a:t>
+            </a:r>
+            <a:endParaRPr b="0" lang="en-US" sz="3200" spc="-1" strike="noStrike">
+              <a:latin typeface="Arial"/>
+            </a:endParaRPr>
+          </a:p>
+        </p:txBody>
+      </p:sp>
+      <p:sp>
+        <p:nvSpPr>
+          <p:cNvPr id="96" name="PlaceHolder 1"/>
+          <p:cNvSpPr>
+            <a:spLocks noGrp="1"/>
+          </p:cNvSpPr>
+          <p:nvPr>
+            <p:ph type="title"/>
+          </p:nvPr>
+        </p:nvSpPr>
+        <p:spPr>
+          <a:xfrm>
+            <a:off x="144000" y="72000"/>
+            <a:ext cx="9539640" cy="647640"/>
+          </a:xfrm>
+          <a:prstGeom prst="rect">
+            <a:avLst/>
+          </a:prstGeom>
+          <a:noFill/>
+          <a:ln w="0">
+            <a:noFill/>
+          </a:ln>
+        </p:spPr>
+        <p:txBody>
+          <a:bodyPr lIns="0" rIns="0" tIns="0" bIns="0" anchor="ctr">
+            <a:noAutofit/>
+          </a:bodyPr>
+          <a:p>
+            <a:pPr algn="ctr">
+              <a:buNone/>
+            </a:pPr>
+            <a:r>
+              <a:rPr b="0" lang="en-US" sz="4400" spc="-1" strike="noStrike">
+                <a:latin typeface="Arial"/>
+              </a:rPr>
+              <a:t>Wat zijn de requirements: database</a:t>
+            </a:r>
+            <a:endParaRPr b="0" lang="en-US" sz="4400" spc="-1" strike="noStrike">
+              <a:latin typeface="Arial"/>
+            </a:endParaRPr>
+          </a:p>
+        </p:txBody>
+      </p:sp>
+      <p:sp>
+        <p:nvSpPr>
+          <p:cNvPr id="3" name="PlaceHolder 2"/>
+          <p:cNvSpPr>
+            <a:spLocks noGrp="1"/>
+          </p:cNvSpPr>
+          <p:nvPr>
+            <p:ph type="sldNum" idx="2"/>
           </p:nvPr>
         </p:nvSpPr>
         <p:spPr/>
         <p:txBody>
           <a:bodyPr/>
           <a:p>
-            <a:fld id="{C77870A3-51A8-4E7C-BBAB-5134A4387A6F}" type="slidenum">
+            <a:fld id="{70C1DA8C-F931-49CC-B8E1-0499CDCC21BA}" type="slidenum">
               <a:t>5</a:t>
             </a:fld>
           </a:p>
@@ -8750,7 +6032,7 @@
       </p:grpSpPr>
       <p:sp>
         <p:nvSpPr>
-          <p:cNvPr id="146" name="PlaceHolder 1"/>
+          <p:cNvPr id="97" name="PlaceHolder 1"/>
           <p:cNvSpPr>
             <a:spLocks noGrp="1"/>
           </p:cNvSpPr>
@@ -8760,8 +6042,8 @@
         </p:nvSpPr>
         <p:spPr>
           <a:xfrm>
-            <a:off x="228600" y="1638000"/>
-            <a:ext cx="9540000" cy="648000"/>
+            <a:off x="144000" y="72000"/>
+            <a:ext cx="9539640" cy="647640"/>
           </a:xfrm>
           <a:prstGeom prst="rect">
             <a:avLst/>
@@ -8776,11 +6058,17 @@
             <a:noAutofit/>
           </a:bodyPr>
           <a:p>
+            <a:pPr>
+              <a:lnSpc>
+                <a:spcPct val="100000"/>
+              </a:lnSpc>
+              <a:buNone/>
+            </a:pPr>
             <a:r>
               <a:rPr b="0" lang="en-US" sz="4400" spc="-1" strike="noStrike">
                 <a:latin typeface="Arial"/>
               </a:rPr>
-              <a:t>Uitleg code</a:t>
+              <a:t>Demo</a:t>
             </a:r>
             <a:endParaRPr b="0" lang="en-US" sz="4400" spc="-1" strike="noStrike">
               <a:latin typeface="Arial"/>
@@ -8790,19 +6078,73 @@
       </p:sp>
       <p:sp>
         <p:nvSpPr>
-          <p:cNvPr id="3" name="PlaceHolder 2"/>
-          <p:cNvSpPr>
-            <a:spLocks noGrp="1"/>
-          </p:cNvSpPr>
-          <p:nvPr>
-            <p:ph type="sldNum" idx="3"/>
+          <p:cNvPr id="98" name="PlaceHolder 2"/>
+          <p:cNvSpPr>
+            <a:spLocks noGrp="1"/>
+          </p:cNvSpPr>
+          <p:nvPr>
+            <p:ph/>
+          </p:nvPr>
+        </p:nvSpPr>
+        <p:spPr>
+          <a:xfrm>
+            <a:off x="504000" y="1326600"/>
+            <a:ext cx="9071280" cy="3287880"/>
+          </a:xfrm>
+          <a:prstGeom prst="rect">
+            <a:avLst/>
+          </a:prstGeom>
+          <a:noFill/>
+          <a:ln w="0">
+            <a:noFill/>
+          </a:ln>
+        </p:spPr>
+        <p:txBody>
+          <a:bodyPr lIns="0" rIns="0" tIns="0" bIns="0" anchor="t">
+            <a:normAutofit/>
+          </a:bodyPr>
+          <a:p>
+            <a:pPr marL="432000" indent="-324000">
+              <a:lnSpc>
+                <a:spcPct val="100000"/>
+              </a:lnSpc>
+              <a:spcBef>
+                <a:spcPts val="1417"/>
+              </a:spcBef>
+              <a:buClr>
+                <a:srgbClr val="ffffff"/>
+              </a:buClr>
+              <a:buSzPct val="45000"/>
+              <a:buFont typeface="Wingdings" charset="2"/>
+              <a:buChar char=""/>
+            </a:pPr>
+            <a:r>
+              <a:rPr b="0" lang="en-US" sz="3200" spc="-1" strike="noStrike">
+                <a:latin typeface="Arial"/>
+              </a:rPr>
+              <a:t>Website ← url koppelen</a:t>
+            </a:r>
+            <a:endParaRPr b="0" lang="en-US" sz="3200" spc="-1" strike="noStrike">
+              <a:latin typeface="Arial"/>
+            </a:endParaRPr>
+          </a:p>
+        </p:txBody>
+      </p:sp>
+      <p:sp>
+        <p:nvSpPr>
+          <p:cNvPr id="4" name="PlaceHolder 3"/>
+          <p:cNvSpPr>
+            <a:spLocks noGrp="1"/>
+          </p:cNvSpPr>
+          <p:nvPr>
+            <p:ph type="sldNum" idx="2"/>
           </p:nvPr>
         </p:nvSpPr>
         <p:spPr/>
         <p:txBody>
           <a:bodyPr/>
           <a:p>
-            <a:fld id="{077D9DCF-3135-4869-B583-75DB48EAD508}" type="slidenum">
+            <a:fld id="{9362CBDF-CB4E-4480-9A36-10C468B8EDF6}" type="slidenum">
               <a:t>6</a:t>
             </a:fld>
           </a:p>
@@ -8840,7 +6182,7 @@
       </p:grpSpPr>
       <p:sp>
         <p:nvSpPr>
-          <p:cNvPr id="147" name="PlaceHolder 1"/>
+          <p:cNvPr id="99" name="PlaceHolder 1"/>
           <p:cNvSpPr>
             <a:spLocks noGrp="1"/>
           </p:cNvSpPr>
@@ -8850,8 +6192,8 @@
         </p:nvSpPr>
         <p:spPr>
           <a:xfrm>
-            <a:off x="228600" y="1600200"/>
-            <a:ext cx="9540000" cy="648000"/>
+            <a:off x="228600" y="1638000"/>
+            <a:ext cx="9539640" cy="647640"/>
           </a:xfrm>
           <a:prstGeom prst="rect">
             <a:avLst/>
@@ -8866,11 +6208,17 @@
             <a:noAutofit/>
           </a:bodyPr>
           <a:p>
+            <a:pPr>
+              <a:lnSpc>
+                <a:spcPct val="100000"/>
+              </a:lnSpc>
+              <a:buNone/>
+            </a:pPr>
             <a:r>
               <a:rPr b="0" lang="en-US" sz="4400" spc="-1" strike="noStrike">
                 <a:latin typeface="Arial"/>
               </a:rPr>
-              <a:t>Vragen en Feedback</a:t>
+              <a:t>Uitleg code</a:t>
             </a:r>
             <a:endParaRPr b="0" lang="en-US" sz="4400" spc="-1" strike="noStrike">
               <a:latin typeface="Arial"/>
@@ -8885,14 +6233,14 @@
             <a:spLocks noGrp="1"/>
           </p:cNvSpPr>
           <p:nvPr>
-            <p:ph type="sldNum" idx="3"/>
+            <p:ph type="sldNum" idx="2"/>
           </p:nvPr>
         </p:nvSpPr>
         <p:spPr/>
         <p:txBody>
           <a:bodyPr/>
           <a:p>
-            <a:fld id="{FA6B30F5-A691-4834-8943-844905315B82}" type="slidenum">
+            <a:fld id="{BF31446E-0859-4E23-8912-2B10FEED5D8A}" type="slidenum">
               <a:t>7</a:t>
             </a:fld>
           </a:p>
@@ -8930,7 +6278,7 @@
       </p:grpSpPr>
       <p:sp>
         <p:nvSpPr>
-          <p:cNvPr id="148" name="PlaceHolder 1"/>
+          <p:cNvPr id="100" name="PlaceHolder 1"/>
           <p:cNvSpPr>
             <a:spLocks noGrp="1"/>
           </p:cNvSpPr>
@@ -8940,8 +6288,8 @@
         </p:nvSpPr>
         <p:spPr>
           <a:xfrm>
-            <a:off x="228600" y="1638000"/>
-            <a:ext cx="9540000" cy="648000"/>
+            <a:off x="228600" y="1600200"/>
+            <a:ext cx="9539640" cy="647640"/>
           </a:xfrm>
           <a:prstGeom prst="rect">
             <a:avLst/>
@@ -8956,6 +6304,108 @@
             <a:noAutofit/>
           </a:bodyPr>
           <a:p>
+            <a:pPr>
+              <a:lnSpc>
+                <a:spcPct val="100000"/>
+              </a:lnSpc>
+              <a:buNone/>
+            </a:pPr>
+            <a:r>
+              <a:rPr b="0" lang="en-US" sz="4400" spc="-1" strike="noStrike">
+                <a:latin typeface="Arial"/>
+              </a:rPr>
+              <a:t>Vragen en Feedback</a:t>
+            </a:r>
+            <a:endParaRPr b="0" lang="en-US" sz="4400" spc="-1" strike="noStrike">
+              <a:latin typeface="Arial"/>
+            </a:endParaRPr>
+          </a:p>
+        </p:txBody>
+      </p:sp>
+      <p:sp>
+        <p:nvSpPr>
+          <p:cNvPr id="3" name="PlaceHolder 2"/>
+          <p:cNvSpPr>
+            <a:spLocks noGrp="1"/>
+          </p:cNvSpPr>
+          <p:nvPr>
+            <p:ph type="sldNum" idx="2"/>
+          </p:nvPr>
+        </p:nvSpPr>
+        <p:spPr/>
+        <p:txBody>
+          <a:bodyPr/>
+          <a:p>
+            <a:fld id="{923AA880-1F87-4C9B-A16A-26DBA53B34E1}" type="slidenum">
+              <a:t>8</a:t>
+            </a:fld>
+          </a:p>
+        </p:txBody>
+      </p:sp>
+    </p:spTree>
+  </p:cSld>
+  <mc:AlternateContent>
+    <mc:Choice Requires="p14">
+      <p:transition spd="slow" p14:dur="2000"/>
+    </mc:Choice>
+    <mc:Fallback>
+      <p:transition spd="slow"/>
+    </mc:Fallback>
+  </mc:AlternateContent>
+</p:sld>
+</file>
+
+<file path=ppt/slides/slide9.xml><?xml version="1.0" encoding="utf-8"?>
+<p:sld xmlns:a="http://schemas.openxmlformats.org/drawingml/2006/main" xmlns:p="http://schemas.openxmlformats.org/presentationml/2006/main" xmlns:r="http://schemas.openxmlformats.org/officeDocument/2006/relationships" xmlns:p14="http://schemas.microsoft.com/office/powerpoint/2010/main" xmlns:p15="http://schemas.microsoft.com/office/powerpoint/2012/main" xmlns:mc="http://schemas.openxmlformats.org/markup-compatibility/2006">
+  <p:cSld>
+    <p:spTree>
+      <p:nvGrpSpPr>
+        <p:cNvPr id="1" name=""/>
+        <p:cNvGrpSpPr/>
+        <p:nvPr/>
+      </p:nvGrpSpPr>
+      <p:grpSpPr>
+        <a:xfrm>
+          <a:off x="0" y="0"/>
+          <a:ext cx="0" cy="0"/>
+          <a:chOff x="0" y="0"/>
+          <a:chExt cx="0" cy="0"/>
+        </a:xfrm>
+      </p:grpSpPr>
+      <p:sp>
+        <p:nvSpPr>
+          <p:cNvPr id="101" name="PlaceHolder 1"/>
+          <p:cNvSpPr>
+            <a:spLocks noGrp="1"/>
+          </p:cNvSpPr>
+          <p:nvPr>
+            <p:ph type="title"/>
+          </p:nvPr>
+        </p:nvSpPr>
+        <p:spPr>
+          <a:xfrm>
+            <a:off x="228600" y="1638000"/>
+            <a:ext cx="9539640" cy="647640"/>
+          </a:xfrm>
+          <a:prstGeom prst="rect">
+            <a:avLst/>
+          </a:prstGeom>
+          <a:noFill/>
+          <a:ln w="0">
+            <a:noFill/>
+          </a:ln>
+        </p:spPr>
+        <p:txBody>
+          <a:bodyPr lIns="0" rIns="0" tIns="0" bIns="0" anchor="ctr">
+            <a:noAutofit/>
+          </a:bodyPr>
+          <a:p>
+            <a:pPr>
+              <a:lnSpc>
+                <a:spcPct val="100000"/>
+              </a:lnSpc>
+              <a:buNone/>
+            </a:pPr>
             <a:r>
               <a:rPr b="0" lang="en-US" sz="4400" spc="-1" strike="noStrike">
                 <a:latin typeface="Arial"/>
@@ -8975,15 +6425,15 @@
             <a:spLocks noGrp="1"/>
           </p:cNvSpPr>
           <p:nvPr>
-            <p:ph type="sldNum" idx="3"/>
+            <p:ph type="sldNum" idx="2"/>
           </p:nvPr>
         </p:nvSpPr>
         <p:spPr/>
         <p:txBody>
           <a:bodyPr/>
           <a:p>
-            <a:fld id="{3EB66976-AF2F-4BDF-BBD3-87E12F35D368}" type="slidenum">
-              <a:t>8</a:t>
+            <a:fld id="{A753DEDB-2F36-4614-8833-952420F9217E}" type="slidenum">
+              <a:t>9</a:t>
             </a:fld>
           </a:p>
         </p:txBody>
@@ -9451,230 +6901,4 @@
     </a:fmtScheme>
   </a:themeElements>
 </a:theme>
-</file>
-
-<file path=ppt/theme/theme3.xml><?xml version="1.0" encoding="utf-8"?>
-<a:theme xmlns:a="http://schemas.openxmlformats.org/drawingml/2006/main" name="Office Theme">
-  <a:themeElements>
-    <a:clrScheme name="Office">
-      <a:dk1>
-        <a:sysClr val="windowText" lastClr="000000"/>
-      </a:dk1>
-      <a:lt1>
-        <a:sysClr val="window" lastClr="FFFFFF"/>
-      </a:lt1>
-      <a:dk2>
-        <a:srgbClr val="1f497d"/>
-      </a:dk2>
-      <a:lt2>
-        <a:srgbClr val="eeece1"/>
-      </a:lt2>
-      <a:accent1>
-        <a:srgbClr val="4f81bd"/>
-      </a:accent1>
-      <a:accent2>
-        <a:srgbClr val="c0504d"/>
-      </a:accent2>
-      <a:accent3>
-        <a:srgbClr val="9bbb59"/>
-      </a:accent3>
-      <a:accent4>
-        <a:srgbClr val="8064a2"/>
-      </a:accent4>
-      <a:accent5>
-        <a:srgbClr val="4bacc6"/>
-      </a:accent5>
-      <a:accent6>
-        <a:srgbClr val="f79646"/>
-      </a:accent6>
-      <a:hlink>
-        <a:srgbClr val="0000ff"/>
-      </a:hlink>
-      <a:folHlink>
-        <a:srgbClr val="800080"/>
-      </a:folHlink>
-    </a:clrScheme>
-    <a:fontScheme name="Office">
-      <a:majorFont>
-        <a:latin typeface="Arial"/>
-        <a:ea typeface="DejaVu Sans"/>
-        <a:cs typeface="DejaVu Sans"/>
-      </a:majorFont>
-      <a:minorFont>
-        <a:latin typeface="Arial"/>
-        <a:ea typeface="DejaVu Sans"/>
-        <a:cs typeface="DejaVu Sans"/>
-      </a:minorFont>
-    </a:fontScheme>
-    <a:fmtScheme name="Office">
-      <a:fillStyleLst>
-        <a:solidFill>
-          <a:schemeClr val="phClr"/>
-        </a:solidFill>
-        <a:gradFill rotWithShape="1">
-          <a:gsLst>
-            <a:gs pos="0">
-              <a:schemeClr val="phClr">
-                <a:tint val="50000"/>
-                <a:satMod val="300000"/>
-              </a:schemeClr>
-            </a:gs>
-            <a:gs pos="35000">
-              <a:schemeClr val="phClr">
-                <a:tint val="37000"/>
-                <a:satMod val="300000"/>
-              </a:schemeClr>
-            </a:gs>
-            <a:gs pos="100000">
-              <a:schemeClr val="phClr">
-                <a:tint val="15000"/>
-                <a:satMod val="350000"/>
-              </a:schemeClr>
-            </a:gs>
-          </a:gsLst>
-          <a:lin ang="16200000" scaled="1"/>
-        </a:gradFill>
-        <a:gradFill rotWithShape="1">
-          <a:gsLst>
-            <a:gs pos="0">
-              <a:schemeClr val="phClr">
-                <a:shade val="51000"/>
-                <a:satMod val="130000"/>
-              </a:schemeClr>
-            </a:gs>
-            <a:gs pos="80000">
-              <a:schemeClr val="phClr">
-                <a:shade val="93000"/>
-                <a:satMod val="130000"/>
-              </a:schemeClr>
-            </a:gs>
-            <a:gs pos="100000">
-              <a:schemeClr val="phClr">
-                <a:shade val="94000"/>
-                <a:satMod val="135000"/>
-              </a:schemeClr>
-            </a:gs>
-          </a:gsLst>
-          <a:lin ang="16200000" scaled="0"/>
-        </a:gradFill>
-      </a:fillStyleLst>
-      <a:lnStyleLst>
-        <a:ln w="9525" cap="flat" cmpd="sng" algn="ctr">
-          <a:solidFill>
-            <a:schemeClr val="phClr">
-              <a:shade val="95000"/>
-              <a:satMod val="105000"/>
-            </a:schemeClr>
-          </a:solidFill>
-          <a:prstDash val="solid"/>
-          <a:miter/>
-        </a:ln>
-        <a:ln w="25400" cap="flat" cmpd="sng" algn="ctr">
-          <a:solidFill>
-            <a:schemeClr val="phClr"/>
-          </a:solidFill>
-          <a:prstDash val="solid"/>
-          <a:miter/>
-        </a:ln>
-        <a:ln w="38100" cap="flat" cmpd="sng" algn="ctr">
-          <a:solidFill>
-            <a:schemeClr val="phClr"/>
-          </a:solidFill>
-          <a:prstDash val="solid"/>
-          <a:miter/>
-        </a:ln>
-      </a:lnStyleLst>
-      <a:effectStyleLst>
-        <a:effectStyle>
-          <a:effectLst>
-            <a:outerShdw blurRad="40000" dist="20000" dir="5400000" rotWithShape="0">
-              <a:srgbClr val="000000">
-                <a:alpha val="38000"/>
-              </a:srgbClr>
-            </a:outerShdw>
-          </a:effectLst>
-        </a:effectStyle>
-        <a:effectStyle>
-          <a:effectLst>
-            <a:outerShdw blurRad="40000" dist="23000" dir="5400000" rotWithShape="0">
-              <a:srgbClr val="000000">
-                <a:alpha val="35000"/>
-              </a:srgbClr>
-            </a:outerShdw>
-          </a:effectLst>
-        </a:effectStyle>
-        <a:effectStyle>
-          <a:effectLst>
-            <a:outerShdw blurRad="40000" dist="23000" dir="5400000" rotWithShape="0">
-              <a:srgbClr val="000000">
-                <a:alpha val="35000"/>
-              </a:srgbClr>
-            </a:outerShdw>
-          </a:effectLst>
-          <a:scene3d>
-            <a:camera prst="orthographicFront">
-              <a:rot lat="0" lon="0" rev="0"/>
-            </a:camera>
-            <a:lightRig rig="threePt" dir="t">
-              <a:rot lat="0" lon="0" rev="1200000"/>
-            </a:lightRig>
-          </a:scene3d>
-          <a:sp3d>
-            <a:bevelT w="63500" h="25400"/>
-          </a:sp3d>
-        </a:effectStyle>
-      </a:effectStyleLst>
-      <a:bgFillStyleLst>
-        <a:solidFill>
-          <a:schemeClr val="phClr"/>
-        </a:solidFill>
-        <a:gradFill rotWithShape="1">
-          <a:gsLst>
-            <a:gs pos="0">
-              <a:schemeClr val="phClr">
-                <a:tint val="40000"/>
-                <a:satMod val="350000"/>
-              </a:schemeClr>
-            </a:gs>
-            <a:gs pos="40000">
-              <a:schemeClr val="phClr">
-                <a:tint val="45000"/>
-                <a:shade val="99000"/>
-                <a:satMod val="350000"/>
-              </a:schemeClr>
-            </a:gs>
-            <a:gs pos="100000">
-              <a:schemeClr val="phClr">
-                <a:shade val="20000"/>
-                <a:satMod val="255000"/>
-              </a:schemeClr>
-            </a:gs>
-          </a:gsLst>
-          <a:path path="circle">
-            <a:fillToRect l="50000" t="-80000" r="50000" b="180000"/>
-          </a:path>
-        </a:gradFill>
-        <a:gradFill rotWithShape="1">
-          <a:gsLst>
-            <a:gs pos="0">
-              <a:schemeClr val="phClr">
-                <a:tint val="80000"/>
-                <a:satMod val="300000"/>
-              </a:schemeClr>
-            </a:gs>
-            <a:gs pos="100000">
-              <a:schemeClr val="phClr">
-                <a:shade val="30000"/>
-                <a:satMod val="200000"/>
-              </a:schemeClr>
-            </a:gs>
-          </a:gsLst>
-          <a:path path="circle">
-            <a:fillToRect l="50000" t="50000" r="50000" b="50000"/>
-          </a:path>
-        </a:gradFill>
-      </a:bgFillStyleLst>
-    </a:fmtScheme>
-  </a:themeElements>
-</a:theme>
 </file>
--- a/receptenboek.pptx
+++ b/receptenboek.pptx
@@ -72,8 +72,8 @@
         </p:nvSpPr>
         <p:spPr>
           <a:xfrm>
-            <a:off x="144000" y="72000"/>
-            <a:ext cx="9539640" cy="647640"/>
+            <a:off x="504000" y="226080"/>
+            <a:ext cx="9072000" cy="946440"/>
           </a:xfrm>
           <a:prstGeom prst="rect">
             <a:avLst/>
@@ -110,7 +110,7 @@
         <p:spPr>
           <a:xfrm>
             <a:off x="504000" y="1326600"/>
-            <a:ext cx="9071280" cy="1568160"/>
+            <a:ext cx="9072000" cy="1568520"/>
           </a:xfrm>
           <a:prstGeom prst="rect">
             <a:avLst/>
@@ -143,8 +143,8 @@
         </p:nvSpPr>
         <p:spPr>
           <a:xfrm>
-            <a:off x="504000" y="3044160"/>
-            <a:ext cx="9071280" cy="1568160"/>
+            <a:off x="504000" y="3044520"/>
+            <a:ext cx="9072000" cy="1568520"/>
           </a:xfrm>
           <a:prstGeom prst="rect">
             <a:avLst/>
@@ -199,8 +199,8 @@
         </p:nvSpPr>
         <p:spPr>
           <a:xfrm>
-            <a:off x="144000" y="72000"/>
-            <a:ext cx="9539640" cy="647640"/>
+            <a:off x="504000" y="226080"/>
+            <a:ext cx="9072000" cy="946440"/>
           </a:xfrm>
           <a:prstGeom prst="rect">
             <a:avLst/>
@@ -237,7 +237,7 @@
         <p:spPr>
           <a:xfrm>
             <a:off x="504000" y="1326600"/>
-            <a:ext cx="4426560" cy="1568160"/>
+            <a:ext cx="4426920" cy="1568520"/>
           </a:xfrm>
           <a:prstGeom prst="rect">
             <a:avLst/>
@@ -270,8 +270,8 @@
         </p:nvSpPr>
         <p:spPr>
           <a:xfrm>
-            <a:off x="5152320" y="1326600"/>
-            <a:ext cx="4426560" cy="1568160"/>
+            <a:off x="5152680" y="1326600"/>
+            <a:ext cx="4426920" cy="1568520"/>
           </a:xfrm>
           <a:prstGeom prst="rect">
             <a:avLst/>
@@ -304,8 +304,8 @@
         </p:nvSpPr>
         <p:spPr>
           <a:xfrm>
-            <a:off x="504000" y="3044160"/>
-            <a:ext cx="4426560" cy="1568160"/>
+            <a:off x="504000" y="3044520"/>
+            <a:ext cx="4426920" cy="1568520"/>
           </a:xfrm>
           <a:prstGeom prst="rect">
             <a:avLst/>
@@ -338,8 +338,8 @@
         </p:nvSpPr>
         <p:spPr>
           <a:xfrm>
-            <a:off x="5152320" y="3044160"/>
-            <a:ext cx="4426560" cy="1568160"/>
+            <a:off x="5152680" y="3044520"/>
+            <a:ext cx="4426920" cy="1568520"/>
           </a:xfrm>
           <a:prstGeom prst="rect">
             <a:avLst/>
@@ -394,8 +394,8 @@
         </p:nvSpPr>
         <p:spPr>
           <a:xfrm>
-            <a:off x="144000" y="72000"/>
-            <a:ext cx="9539640" cy="647640"/>
+            <a:off x="504000" y="226080"/>
+            <a:ext cx="9072000" cy="946440"/>
           </a:xfrm>
           <a:prstGeom prst="rect">
             <a:avLst/>
@@ -432,7 +432,7 @@
         <p:spPr>
           <a:xfrm>
             <a:off x="504000" y="1326600"/>
-            <a:ext cx="2920680" cy="1568160"/>
+            <a:ext cx="2921040" cy="1568520"/>
           </a:xfrm>
           <a:prstGeom prst="rect">
             <a:avLst/>
@@ -465,8 +465,8 @@
         </p:nvSpPr>
         <p:spPr>
           <a:xfrm>
-            <a:off x="3571200" y="1326600"/>
-            <a:ext cx="2920680" cy="1568160"/>
+            <a:off x="3571560" y="1326600"/>
+            <a:ext cx="2921040" cy="1568520"/>
           </a:xfrm>
           <a:prstGeom prst="rect">
             <a:avLst/>
@@ -499,8 +499,8 @@
         </p:nvSpPr>
         <p:spPr>
           <a:xfrm>
-            <a:off x="6638040" y="1326600"/>
-            <a:ext cx="2920680" cy="1568160"/>
+            <a:off x="6639120" y="1326600"/>
+            <a:ext cx="2921040" cy="1568520"/>
           </a:xfrm>
           <a:prstGeom prst="rect">
             <a:avLst/>
@@ -533,8 +533,8 @@
         </p:nvSpPr>
         <p:spPr>
           <a:xfrm>
-            <a:off x="504000" y="3044160"/>
-            <a:ext cx="2920680" cy="1568160"/>
+            <a:off x="504000" y="3044520"/>
+            <a:ext cx="2921040" cy="1568520"/>
           </a:xfrm>
           <a:prstGeom prst="rect">
             <a:avLst/>
@@ -567,8 +567,8 @@
         </p:nvSpPr>
         <p:spPr>
           <a:xfrm>
-            <a:off x="3571200" y="3044160"/>
-            <a:ext cx="2920680" cy="1568160"/>
+            <a:off x="3571560" y="3044520"/>
+            <a:ext cx="2921040" cy="1568520"/>
           </a:xfrm>
           <a:prstGeom prst="rect">
             <a:avLst/>
@@ -601,8 +601,8 @@
         </p:nvSpPr>
         <p:spPr>
           <a:xfrm>
-            <a:off x="6638040" y="3044160"/>
-            <a:ext cx="2920680" cy="1568160"/>
+            <a:off x="6639120" y="3044520"/>
+            <a:ext cx="2921040" cy="1568520"/>
           </a:xfrm>
           <a:prstGeom prst="rect">
             <a:avLst/>
@@ -679,7 +679,7 @@
         <p:txBody>
           <a:bodyPr/>
           <a:p>
-            <a:fld id="{834CA6E6-E52A-4570-AAF6-50D7D5BF1AE2}" type="slidenum">
+            <a:fld id="{EBA26678-CB5F-4DD1-8B01-7EAEC4135572}" type="slidenum">
               <a:t>&lt;#&gt;</a:t>
             </a:fld>
           </a:p>
@@ -740,8 +740,8 @@
         </p:nvSpPr>
         <p:spPr>
           <a:xfrm>
-            <a:off x="144000" y="72000"/>
-            <a:ext cx="9539640" cy="647640"/>
+            <a:off x="504000" y="226080"/>
+            <a:ext cx="9072000" cy="946440"/>
           </a:xfrm>
           <a:prstGeom prst="rect">
             <a:avLst/>
@@ -778,7 +778,7 @@
         <p:spPr>
           <a:xfrm>
             <a:off x="504000" y="1326600"/>
-            <a:ext cx="9071280" cy="3287880"/>
+            <a:ext cx="9072000" cy="3288600"/>
           </a:xfrm>
           <a:prstGeom prst="rect">
             <a:avLst/>
@@ -836,7 +836,7 @@
         <p:txBody>
           <a:bodyPr/>
           <a:p>
-            <a:fld id="{C3B33D21-48D8-4BA7-9319-87FE03520952}" type="slidenum">
+            <a:fld id="{9B0E37ED-2F92-4C8F-896D-D45EFE22B804}" type="slidenum">
               <a:t>&lt;#&gt;</a:t>
             </a:fld>
           </a:p>
@@ -897,8 +897,8 @@
         </p:nvSpPr>
         <p:spPr>
           <a:xfrm>
-            <a:off x="144000" y="72000"/>
-            <a:ext cx="9539640" cy="647640"/>
+            <a:off x="504000" y="226080"/>
+            <a:ext cx="9072000" cy="946440"/>
           </a:xfrm>
           <a:prstGeom prst="rect">
             <a:avLst/>
@@ -935,7 +935,7 @@
         <p:spPr>
           <a:xfrm>
             <a:off x="504000" y="1326600"/>
-            <a:ext cx="9071280" cy="3287880"/>
+            <a:ext cx="9072000" cy="3288600"/>
           </a:xfrm>
           <a:prstGeom prst="rect">
             <a:avLst/>
@@ -990,7 +990,7 @@
         <p:txBody>
           <a:bodyPr/>
           <a:p>
-            <a:fld id="{7C69E7E9-222D-4647-8C27-8EBDD25CEE09}" type="slidenum">
+            <a:fld id="{A52A747D-2EC7-4660-A363-FEEDCDB41930}" type="slidenum">
               <a:t>&lt;#&gt;</a:t>
             </a:fld>
           </a:p>
@@ -1051,8 +1051,8 @@
         </p:nvSpPr>
         <p:spPr>
           <a:xfrm>
-            <a:off x="144000" y="72000"/>
-            <a:ext cx="9539640" cy="647640"/>
+            <a:off x="504000" y="226080"/>
+            <a:ext cx="9072000" cy="946440"/>
           </a:xfrm>
           <a:prstGeom prst="rect">
             <a:avLst/>
@@ -1089,7 +1089,7 @@
         <p:spPr>
           <a:xfrm>
             <a:off x="504000" y="1326600"/>
-            <a:ext cx="4426560" cy="3287880"/>
+            <a:ext cx="4426920" cy="3288600"/>
           </a:xfrm>
           <a:prstGeom prst="rect">
             <a:avLst/>
@@ -1122,8 +1122,8 @@
         </p:nvSpPr>
         <p:spPr>
           <a:xfrm>
-            <a:off x="5152320" y="1326600"/>
-            <a:ext cx="4426560" cy="3287880"/>
+            <a:off x="5152680" y="1326600"/>
+            <a:ext cx="4426920" cy="3288600"/>
           </a:xfrm>
           <a:prstGeom prst="rect">
             <a:avLst/>
@@ -1178,7 +1178,7 @@
         <p:txBody>
           <a:bodyPr/>
           <a:p>
-            <a:fld id="{88157475-1992-4D40-943B-C374218225F8}" type="slidenum">
+            <a:fld id="{3FF5657A-0E96-43ED-A551-86BCB40A1ED4}" type="slidenum">
               <a:t>&lt;#&gt;</a:t>
             </a:fld>
           </a:p>
@@ -1239,8 +1239,8 @@
         </p:nvSpPr>
         <p:spPr>
           <a:xfrm>
-            <a:off x="144000" y="72000"/>
-            <a:ext cx="9539640" cy="647640"/>
+            <a:off x="504000" y="226080"/>
+            <a:ext cx="9072000" cy="946440"/>
           </a:xfrm>
           <a:prstGeom prst="rect">
             <a:avLst/>
@@ -1298,7 +1298,7 @@
         <p:txBody>
           <a:bodyPr/>
           <a:p>
-            <a:fld id="{D6853778-18AE-480B-A0BF-9C6287215FCF}" type="slidenum">
+            <a:fld id="{D6F0D01C-24B8-4143-B68A-207CE0F18024}" type="slidenum">
               <a:t>&lt;#&gt;</a:t>
             </a:fld>
           </a:p>
@@ -1359,8 +1359,8 @@
         </p:nvSpPr>
         <p:spPr>
           <a:xfrm>
-            <a:off x="144000" y="72000"/>
-            <a:ext cx="9539640" cy="3003480"/>
+            <a:off x="504000" y="226080"/>
+            <a:ext cx="9072000" cy="4388400"/>
           </a:xfrm>
           <a:prstGeom prst="rect">
             <a:avLst/>
@@ -1418,7 +1418,7 @@
         <p:txBody>
           <a:bodyPr/>
           <a:p>
-            <a:fld id="{38CB9483-7A29-468A-9F35-469A18EEEDED}" type="slidenum">
+            <a:fld id="{D7DDDA14-E847-4C0A-8364-6ADD199692AA}" type="slidenum">
               <a:t>&lt;#&gt;</a:t>
             </a:fld>
           </a:p>
@@ -1479,8 +1479,8 @@
         </p:nvSpPr>
         <p:spPr>
           <a:xfrm>
-            <a:off x="144000" y="72000"/>
-            <a:ext cx="9539640" cy="647640"/>
+            <a:off x="504000" y="226080"/>
+            <a:ext cx="9072000" cy="946440"/>
           </a:xfrm>
           <a:prstGeom prst="rect">
             <a:avLst/>
@@ -1517,7 +1517,7 @@
         <p:spPr>
           <a:xfrm>
             <a:off x="504000" y="1326600"/>
-            <a:ext cx="4426560" cy="1568160"/>
+            <a:ext cx="4426920" cy="1568520"/>
           </a:xfrm>
           <a:prstGeom prst="rect">
             <a:avLst/>
@@ -1550,8 +1550,8 @@
         </p:nvSpPr>
         <p:spPr>
           <a:xfrm>
-            <a:off x="5152320" y="1326600"/>
-            <a:ext cx="4426560" cy="3287880"/>
+            <a:off x="5152680" y="1326600"/>
+            <a:ext cx="4426920" cy="3288600"/>
           </a:xfrm>
           <a:prstGeom prst="rect">
             <a:avLst/>
@@ -1584,8 +1584,8 @@
         </p:nvSpPr>
         <p:spPr>
           <a:xfrm>
-            <a:off x="504000" y="3044160"/>
-            <a:ext cx="4426560" cy="1568160"/>
+            <a:off x="504000" y="3044520"/>
+            <a:ext cx="4426920" cy="1568520"/>
           </a:xfrm>
           <a:prstGeom prst="rect">
             <a:avLst/>
@@ -1640,7 +1640,7 @@
         <p:txBody>
           <a:bodyPr/>
           <a:p>
-            <a:fld id="{2668A1CC-AC98-4459-9243-807C9708C1C8}" type="slidenum">
+            <a:fld id="{F6EE1A45-4DF5-419F-82FF-CCA82294C62C}" type="slidenum">
               <a:t>&lt;#&gt;</a:t>
             </a:fld>
           </a:p>
@@ -1701,8 +1701,8 @@
         </p:nvSpPr>
         <p:spPr>
           <a:xfrm>
-            <a:off x="144000" y="72000"/>
-            <a:ext cx="9539640" cy="647640"/>
+            <a:off x="504000" y="226080"/>
+            <a:ext cx="9072000" cy="946440"/>
           </a:xfrm>
           <a:prstGeom prst="rect">
             <a:avLst/>
@@ -1739,7 +1739,7 @@
         <p:spPr>
           <a:xfrm>
             <a:off x="504000" y="1326600"/>
-            <a:ext cx="9071280" cy="3287880"/>
+            <a:ext cx="9072000" cy="3288600"/>
           </a:xfrm>
           <a:prstGeom prst="rect">
             <a:avLst/>
@@ -1797,8 +1797,8 @@
         </p:nvSpPr>
         <p:spPr>
           <a:xfrm>
-            <a:off x="144000" y="72000"/>
-            <a:ext cx="9539640" cy="647640"/>
+            <a:off x="504000" y="226080"/>
+            <a:ext cx="9072000" cy="946440"/>
           </a:xfrm>
           <a:prstGeom prst="rect">
             <a:avLst/>
@@ -1835,7 +1835,7 @@
         <p:spPr>
           <a:xfrm>
             <a:off x="504000" y="1326600"/>
-            <a:ext cx="4426560" cy="3287880"/>
+            <a:ext cx="4426920" cy="3288600"/>
           </a:xfrm>
           <a:prstGeom prst="rect">
             <a:avLst/>
@@ -1868,8 +1868,8 @@
         </p:nvSpPr>
         <p:spPr>
           <a:xfrm>
-            <a:off x="5152320" y="1326600"/>
-            <a:ext cx="4426560" cy="1568160"/>
+            <a:off x="5152680" y="1326600"/>
+            <a:ext cx="4426920" cy="1568520"/>
           </a:xfrm>
           <a:prstGeom prst="rect">
             <a:avLst/>
@@ -1902,8 +1902,8 @@
         </p:nvSpPr>
         <p:spPr>
           <a:xfrm>
-            <a:off x="5152320" y="3044160"/>
-            <a:ext cx="4426560" cy="1568160"/>
+            <a:off x="5152680" y="3044520"/>
+            <a:ext cx="4426920" cy="1568520"/>
           </a:xfrm>
           <a:prstGeom prst="rect">
             <a:avLst/>
@@ -1958,7 +1958,7 @@
         <p:txBody>
           <a:bodyPr/>
           <a:p>
-            <a:fld id="{1B33935D-5814-489D-9A53-8F58314C7DEC}" type="slidenum">
+            <a:fld id="{EBF0804B-B03F-45F6-B319-1511E981C29F}" type="slidenum">
               <a:t>&lt;#&gt;</a:t>
             </a:fld>
           </a:p>
@@ -2019,8 +2019,8 @@
         </p:nvSpPr>
         <p:spPr>
           <a:xfrm>
-            <a:off x="144000" y="72000"/>
-            <a:ext cx="9539640" cy="647640"/>
+            <a:off x="504000" y="226080"/>
+            <a:ext cx="9072000" cy="946440"/>
           </a:xfrm>
           <a:prstGeom prst="rect">
             <a:avLst/>
@@ -2057,7 +2057,7 @@
         <p:spPr>
           <a:xfrm>
             <a:off x="504000" y="1326600"/>
-            <a:ext cx="4426560" cy="1568160"/>
+            <a:ext cx="4426920" cy="1568520"/>
           </a:xfrm>
           <a:prstGeom prst="rect">
             <a:avLst/>
@@ -2090,8 +2090,8 @@
         </p:nvSpPr>
         <p:spPr>
           <a:xfrm>
-            <a:off x="5152320" y="1326600"/>
-            <a:ext cx="4426560" cy="1568160"/>
+            <a:off x="5152680" y="1326600"/>
+            <a:ext cx="4426920" cy="1568520"/>
           </a:xfrm>
           <a:prstGeom prst="rect">
             <a:avLst/>
@@ -2124,8 +2124,8 @@
         </p:nvSpPr>
         <p:spPr>
           <a:xfrm>
-            <a:off x="504000" y="3044160"/>
-            <a:ext cx="9071280" cy="1568160"/>
+            <a:off x="504000" y="3044520"/>
+            <a:ext cx="9072000" cy="1568520"/>
           </a:xfrm>
           <a:prstGeom prst="rect">
             <a:avLst/>
@@ -2180,7 +2180,7 @@
         <p:txBody>
           <a:bodyPr/>
           <a:p>
-            <a:fld id="{8F3C6AE3-25A6-407D-BB7E-D85C6CED3CC1}" type="slidenum">
+            <a:fld id="{1595D0A7-DC1B-4954-8068-741EBBE8AE8B}" type="slidenum">
               <a:t>&lt;#&gt;</a:t>
             </a:fld>
           </a:p>
@@ -2241,8 +2241,8 @@
         </p:nvSpPr>
         <p:spPr>
           <a:xfrm>
-            <a:off x="144000" y="72000"/>
-            <a:ext cx="9539640" cy="647640"/>
+            <a:off x="504000" y="226080"/>
+            <a:ext cx="9072000" cy="946440"/>
           </a:xfrm>
           <a:prstGeom prst="rect">
             <a:avLst/>
@@ -2279,7 +2279,7 @@
         <p:spPr>
           <a:xfrm>
             <a:off x="504000" y="1326600"/>
-            <a:ext cx="9071280" cy="1568160"/>
+            <a:ext cx="9072000" cy="1568520"/>
           </a:xfrm>
           <a:prstGeom prst="rect">
             <a:avLst/>
@@ -2312,8 +2312,8 @@
         </p:nvSpPr>
         <p:spPr>
           <a:xfrm>
-            <a:off x="504000" y="3044160"/>
-            <a:ext cx="9071280" cy="1568160"/>
+            <a:off x="504000" y="3044520"/>
+            <a:ext cx="9072000" cy="1568520"/>
           </a:xfrm>
           <a:prstGeom prst="rect">
             <a:avLst/>
@@ -2368,7 +2368,7 @@
         <p:txBody>
           <a:bodyPr/>
           <a:p>
-            <a:fld id="{3AA7D445-4A5A-47A3-BEA4-B5DB0B934C07}" type="slidenum">
+            <a:fld id="{6C1078B1-FF53-45F6-B23E-9BE77D8C6152}" type="slidenum">
               <a:t>&lt;#&gt;</a:t>
             </a:fld>
           </a:p>
@@ -2429,8 +2429,8 @@
         </p:nvSpPr>
         <p:spPr>
           <a:xfrm>
-            <a:off x="144000" y="72000"/>
-            <a:ext cx="9539640" cy="647640"/>
+            <a:off x="504000" y="226080"/>
+            <a:ext cx="9072000" cy="946440"/>
           </a:xfrm>
           <a:prstGeom prst="rect">
             <a:avLst/>
@@ -2467,7 +2467,7 @@
         <p:spPr>
           <a:xfrm>
             <a:off x="504000" y="1326600"/>
-            <a:ext cx="4426560" cy="1568160"/>
+            <a:ext cx="4426920" cy="1568520"/>
           </a:xfrm>
           <a:prstGeom prst="rect">
             <a:avLst/>
@@ -2500,8 +2500,8 @@
         </p:nvSpPr>
         <p:spPr>
           <a:xfrm>
-            <a:off x="5152320" y="1326600"/>
-            <a:ext cx="4426560" cy="1568160"/>
+            <a:off x="5152680" y="1326600"/>
+            <a:ext cx="4426920" cy="1568520"/>
           </a:xfrm>
           <a:prstGeom prst="rect">
             <a:avLst/>
@@ -2534,8 +2534,8 @@
         </p:nvSpPr>
         <p:spPr>
           <a:xfrm>
-            <a:off x="504000" y="3044160"/>
-            <a:ext cx="4426560" cy="1568160"/>
+            <a:off x="504000" y="3044520"/>
+            <a:ext cx="4426920" cy="1568520"/>
           </a:xfrm>
           <a:prstGeom prst="rect">
             <a:avLst/>
@@ -2568,8 +2568,8 @@
         </p:nvSpPr>
         <p:spPr>
           <a:xfrm>
-            <a:off x="5152320" y="3044160"/>
-            <a:ext cx="4426560" cy="1568160"/>
+            <a:off x="5152680" y="3044520"/>
+            <a:ext cx="4426920" cy="1568520"/>
           </a:xfrm>
           <a:prstGeom prst="rect">
             <a:avLst/>
@@ -2624,7 +2624,7 @@
         <p:txBody>
           <a:bodyPr/>
           <a:p>
-            <a:fld id="{878E6E1F-CD65-44AC-8267-E0E3B2910FDE}" type="slidenum">
+            <a:fld id="{CCBC03AC-1324-4B63-ACB6-439FC2C2331C}" type="slidenum">
               <a:t>&lt;#&gt;</a:t>
             </a:fld>
           </a:p>
@@ -2685,8 +2685,8 @@
         </p:nvSpPr>
         <p:spPr>
           <a:xfrm>
-            <a:off x="144000" y="72000"/>
-            <a:ext cx="9539640" cy="647640"/>
+            <a:off x="504000" y="226080"/>
+            <a:ext cx="9072000" cy="946440"/>
           </a:xfrm>
           <a:prstGeom prst="rect">
             <a:avLst/>
@@ -2723,7 +2723,7 @@
         <p:spPr>
           <a:xfrm>
             <a:off x="504000" y="1326600"/>
-            <a:ext cx="2920680" cy="1568160"/>
+            <a:ext cx="2921040" cy="1568520"/>
           </a:xfrm>
           <a:prstGeom prst="rect">
             <a:avLst/>
@@ -2756,8 +2756,8 @@
         </p:nvSpPr>
         <p:spPr>
           <a:xfrm>
-            <a:off x="3571200" y="1326600"/>
-            <a:ext cx="2920680" cy="1568160"/>
+            <a:off x="3571560" y="1326600"/>
+            <a:ext cx="2921040" cy="1568520"/>
           </a:xfrm>
           <a:prstGeom prst="rect">
             <a:avLst/>
@@ -2790,8 +2790,8 @@
         </p:nvSpPr>
         <p:spPr>
           <a:xfrm>
-            <a:off x="6638040" y="1326600"/>
-            <a:ext cx="2920680" cy="1568160"/>
+            <a:off x="6639120" y="1326600"/>
+            <a:ext cx="2921040" cy="1568520"/>
           </a:xfrm>
           <a:prstGeom prst="rect">
             <a:avLst/>
@@ -2824,8 +2824,8 @@
         </p:nvSpPr>
         <p:spPr>
           <a:xfrm>
-            <a:off x="504000" y="3044160"/>
-            <a:ext cx="2920680" cy="1568160"/>
+            <a:off x="504000" y="3044520"/>
+            <a:ext cx="2921040" cy="1568520"/>
           </a:xfrm>
           <a:prstGeom prst="rect">
             <a:avLst/>
@@ -2858,8 +2858,8 @@
         </p:nvSpPr>
         <p:spPr>
           <a:xfrm>
-            <a:off x="3571200" y="3044160"/>
-            <a:ext cx="2920680" cy="1568160"/>
+            <a:off x="3571560" y="3044520"/>
+            <a:ext cx="2921040" cy="1568520"/>
           </a:xfrm>
           <a:prstGeom prst="rect">
             <a:avLst/>
@@ -2892,8 +2892,8 @@
         </p:nvSpPr>
         <p:spPr>
           <a:xfrm>
-            <a:off x="6638040" y="3044160"/>
-            <a:ext cx="2920680" cy="1568160"/>
+            <a:off x="6639120" y="3044520"/>
+            <a:ext cx="2921040" cy="1568520"/>
           </a:xfrm>
           <a:prstGeom prst="rect">
             <a:avLst/>
@@ -2948,7 +2948,7 @@
         <p:txBody>
           <a:bodyPr/>
           <a:p>
-            <a:fld id="{CFD80EB3-9360-486E-9056-8694AE29D0A7}" type="slidenum">
+            <a:fld id="{2468B8B4-FA7A-4C46-BA85-0A8E02837257}" type="slidenum">
               <a:t>&lt;#&gt;</a:t>
             </a:fld>
           </a:p>
@@ -3009,8 +3009,8 @@
         </p:nvSpPr>
         <p:spPr>
           <a:xfrm>
-            <a:off x="144000" y="72000"/>
-            <a:ext cx="9539640" cy="647640"/>
+            <a:off x="504000" y="226080"/>
+            <a:ext cx="9072000" cy="946440"/>
           </a:xfrm>
           <a:prstGeom prst="rect">
             <a:avLst/>
@@ -3047,7 +3047,7 @@
         <p:spPr>
           <a:xfrm>
             <a:off x="504000" y="1326600"/>
-            <a:ext cx="9071280" cy="3287880"/>
+            <a:ext cx="9072000" cy="3288600"/>
           </a:xfrm>
           <a:prstGeom prst="rect">
             <a:avLst/>
@@ -3102,8 +3102,8 @@
         </p:nvSpPr>
         <p:spPr>
           <a:xfrm>
-            <a:off x="144000" y="72000"/>
-            <a:ext cx="9539640" cy="647640"/>
+            <a:off x="504000" y="226080"/>
+            <a:ext cx="9072000" cy="946440"/>
           </a:xfrm>
           <a:prstGeom prst="rect">
             <a:avLst/>
@@ -3140,7 +3140,7 @@
         <p:spPr>
           <a:xfrm>
             <a:off x="504000" y="1326600"/>
-            <a:ext cx="4426560" cy="3287880"/>
+            <a:ext cx="4426920" cy="3288600"/>
           </a:xfrm>
           <a:prstGeom prst="rect">
             <a:avLst/>
@@ -3173,8 +3173,8 @@
         </p:nvSpPr>
         <p:spPr>
           <a:xfrm>
-            <a:off x="5152320" y="1326600"/>
-            <a:ext cx="4426560" cy="3287880"/>
+            <a:off x="5152680" y="1326600"/>
+            <a:ext cx="4426920" cy="3288600"/>
           </a:xfrm>
           <a:prstGeom prst="rect">
             <a:avLst/>
@@ -3229,8 +3229,8 @@
         </p:nvSpPr>
         <p:spPr>
           <a:xfrm>
-            <a:off x="144000" y="72000"/>
-            <a:ext cx="9539640" cy="647640"/>
+            <a:off x="504000" y="226080"/>
+            <a:ext cx="9072000" cy="946440"/>
           </a:xfrm>
           <a:prstGeom prst="rect">
             <a:avLst/>
@@ -3288,8 +3288,8 @@
         </p:nvSpPr>
         <p:spPr>
           <a:xfrm>
-            <a:off x="144000" y="72000"/>
-            <a:ext cx="9539640" cy="3003480"/>
+            <a:off x="504000" y="226080"/>
+            <a:ext cx="9072000" cy="4388400"/>
           </a:xfrm>
           <a:prstGeom prst="rect">
             <a:avLst/>
@@ -3347,8 +3347,8 @@
         </p:nvSpPr>
         <p:spPr>
           <a:xfrm>
-            <a:off x="144000" y="72000"/>
-            <a:ext cx="9539640" cy="647640"/>
+            <a:off x="504000" y="226080"/>
+            <a:ext cx="9072000" cy="946440"/>
           </a:xfrm>
           <a:prstGeom prst="rect">
             <a:avLst/>
@@ -3385,7 +3385,7 @@
         <p:spPr>
           <a:xfrm>
             <a:off x="504000" y="1326600"/>
-            <a:ext cx="4426560" cy="1568160"/>
+            <a:ext cx="4426920" cy="1568520"/>
           </a:xfrm>
           <a:prstGeom prst="rect">
             <a:avLst/>
@@ -3418,8 +3418,8 @@
         </p:nvSpPr>
         <p:spPr>
           <a:xfrm>
-            <a:off x="5152320" y="1326600"/>
-            <a:ext cx="4426560" cy="3287880"/>
+            <a:off x="5152680" y="1326600"/>
+            <a:ext cx="4426920" cy="3288600"/>
           </a:xfrm>
           <a:prstGeom prst="rect">
             <a:avLst/>
@@ -3452,8 +3452,8 @@
         </p:nvSpPr>
         <p:spPr>
           <a:xfrm>
-            <a:off x="504000" y="3044160"/>
-            <a:ext cx="4426560" cy="1568160"/>
+            <a:off x="504000" y="3044520"/>
+            <a:ext cx="4426920" cy="1568520"/>
           </a:xfrm>
           <a:prstGeom prst="rect">
             <a:avLst/>
@@ -3508,8 +3508,8 @@
         </p:nvSpPr>
         <p:spPr>
           <a:xfrm>
-            <a:off x="144000" y="72000"/>
-            <a:ext cx="9539640" cy="647640"/>
+            <a:off x="504000" y="226080"/>
+            <a:ext cx="9072000" cy="946440"/>
           </a:xfrm>
           <a:prstGeom prst="rect">
             <a:avLst/>
@@ -3546,7 +3546,7 @@
         <p:spPr>
           <a:xfrm>
             <a:off x="504000" y="1326600"/>
-            <a:ext cx="4426560" cy="3287880"/>
+            <a:ext cx="4426920" cy="3288600"/>
           </a:xfrm>
           <a:prstGeom prst="rect">
             <a:avLst/>
@@ -3579,8 +3579,8 @@
         </p:nvSpPr>
         <p:spPr>
           <a:xfrm>
-            <a:off x="5152320" y="1326600"/>
-            <a:ext cx="4426560" cy="1568160"/>
+            <a:off x="5152680" y="1326600"/>
+            <a:ext cx="4426920" cy="1568520"/>
           </a:xfrm>
           <a:prstGeom prst="rect">
             <a:avLst/>
@@ -3613,8 +3613,8 @@
         </p:nvSpPr>
         <p:spPr>
           <a:xfrm>
-            <a:off x="5152320" y="3044160"/>
-            <a:ext cx="4426560" cy="1568160"/>
+            <a:off x="5152680" y="3044520"/>
+            <a:ext cx="4426920" cy="1568520"/>
           </a:xfrm>
           <a:prstGeom prst="rect">
             <a:avLst/>
@@ -3669,8 +3669,8 @@
         </p:nvSpPr>
         <p:spPr>
           <a:xfrm>
-            <a:off x="144000" y="72000"/>
-            <a:ext cx="9539640" cy="647640"/>
+            <a:off x="504000" y="226080"/>
+            <a:ext cx="9072000" cy="946440"/>
           </a:xfrm>
           <a:prstGeom prst="rect">
             <a:avLst/>
@@ -3707,7 +3707,7 @@
         <p:spPr>
           <a:xfrm>
             <a:off x="504000" y="1326600"/>
-            <a:ext cx="4426560" cy="1568160"/>
+            <a:ext cx="4426920" cy="1568520"/>
           </a:xfrm>
           <a:prstGeom prst="rect">
             <a:avLst/>
@@ -3740,8 +3740,8 @@
         </p:nvSpPr>
         <p:spPr>
           <a:xfrm>
-            <a:off x="5152320" y="1326600"/>
-            <a:ext cx="4426560" cy="1568160"/>
+            <a:off x="5152680" y="1326600"/>
+            <a:ext cx="4426920" cy="1568520"/>
           </a:xfrm>
           <a:prstGeom prst="rect">
             <a:avLst/>
@@ -3774,8 +3774,8 @@
         </p:nvSpPr>
         <p:spPr>
           <a:xfrm>
-            <a:off x="504000" y="3044160"/>
-            <a:ext cx="9071280" cy="1568160"/>
+            <a:off x="504000" y="3044520"/>
+            <a:ext cx="9072000" cy="1568520"/>
           </a:xfrm>
           <a:prstGeom prst="rect">
             <a:avLst/>
@@ -3834,7 +3834,7 @@
         <p:spPr>
           <a:xfrm>
             <a:off x="4104000" y="4896000"/>
-            <a:ext cx="4391640" cy="345960"/>
+            <a:ext cx="4391280" cy="345600"/>
           </a:xfrm>
           <a:prstGeom prst="rect">
             <a:avLst/>
@@ -3861,9 +3861,13 @@
               </a:lnSpc>
               <a:buNone/>
             </a:pPr>
-            <a:fld id="{87271C9C-FFD6-4637-AF4E-5A4C2D5C48C6}" type="author">
+            <a:fld id="{4A474064-169B-4B09-9BC5-9F6DD2A48959}" type="author">
               <a:rPr b="0" lang="en-US" sz="1800" spc="-1" strike="noStrike">
+                <a:solidFill>
+                  <a:srgbClr val="000000"/>
+                </a:solidFill>
                 <a:latin typeface="Arial"/>
+                <a:ea typeface="DejaVu Sans"/>
               </a:rPr>
               <a:t> </a:t>
             </a:fld>
@@ -3882,7 +3886,7 @@
         <p:spPr>
           <a:xfrm>
             <a:off x="25920" y="4628880"/>
-            <a:ext cx="6119640" cy="17640"/>
+            <a:ext cx="6119280" cy="17280"/>
           </a:xfrm>
           <a:custGeom>
             <a:avLst/>
@@ -3942,7 +3946,7 @@
         <p:spPr>
           <a:xfrm>
             <a:off x="3859200" y="5324400"/>
-            <a:ext cx="6239880" cy="6840"/>
+            <a:ext cx="6239520" cy="6480"/>
           </a:xfrm>
           <a:custGeom>
             <a:avLst/>
@@ -4002,7 +4006,7 @@
         <p:spPr>
           <a:xfrm>
             <a:off x="4044960" y="4944960"/>
-            <a:ext cx="6840" cy="487080"/>
+            <a:ext cx="6480" cy="486720"/>
           </a:xfrm>
           <a:custGeom>
             <a:avLst/>
@@ -4058,7 +4062,7 @@
         <p:spPr>
           <a:xfrm>
             <a:off x="144000" y="72000"/>
-            <a:ext cx="9539640" cy="647640"/>
+            <a:ext cx="9539280" cy="647280"/>
           </a:xfrm>
           <a:prstGeom prst="rect">
             <a:avLst/>
@@ -4098,7 +4102,7 @@
         <p:spPr>
           <a:xfrm>
             <a:off x="504000" y="1326600"/>
-            <a:ext cx="9072000" cy="3288600"/>
+            <a:ext cx="9070920" cy="3287520"/>
           </a:xfrm>
           <a:prstGeom prst="rect">
             <a:avLst/>
@@ -4125,12 +4129,12 @@
               <a:buChar char=""/>
             </a:pPr>
             <a:r>
-              <a:rPr b="0" lang="en-US" sz="3200" spc="-1" strike="noStrike">
+              <a:rPr b="0" lang="en-US" sz="1800" spc="-1" strike="noStrike">
                 <a:latin typeface="Arial"/>
               </a:rPr>
               <a:t>Click to edit the outline text format</a:t>
             </a:r>
-            <a:endParaRPr b="0" lang="en-US" sz="3200" spc="-1" strike="noStrike">
+            <a:endParaRPr b="0" lang="en-US" sz="1800" spc="-1" strike="noStrike">
               <a:latin typeface="Arial"/>
             </a:endParaRPr>
           </a:p>
@@ -4147,12 +4151,12 @@
               <a:buChar char=""/>
             </a:pPr>
             <a:r>
-              <a:rPr b="0" lang="en-US" sz="2800" spc="-1" strike="noStrike">
+              <a:rPr b="0" lang="en-US" sz="1800" spc="-1" strike="noStrike">
                 <a:latin typeface="Arial"/>
               </a:rPr>
               <a:t>Second Outline Level</a:t>
             </a:r>
-            <a:endParaRPr b="0" lang="en-US" sz="2800" spc="-1" strike="noStrike">
+            <a:endParaRPr b="0" lang="en-US" sz="1800" spc="-1" strike="noStrike">
               <a:latin typeface="Arial"/>
             </a:endParaRPr>
           </a:p>
@@ -4169,12 +4173,12 @@
               <a:buChar char=""/>
             </a:pPr>
             <a:r>
-              <a:rPr b="0" lang="en-US" sz="2400" spc="-1" strike="noStrike">
+              <a:rPr b="0" lang="en-US" sz="1800" spc="-1" strike="noStrike">
                 <a:latin typeface="Arial"/>
               </a:rPr>
               <a:t>Third Outline Level</a:t>
             </a:r>
-            <a:endParaRPr b="0" lang="en-US" sz="2400" spc="-1" strike="noStrike">
+            <a:endParaRPr b="0" lang="en-US" sz="1800" spc="-1" strike="noStrike">
               <a:latin typeface="Arial"/>
             </a:endParaRPr>
           </a:p>
@@ -4191,12 +4195,12 @@
               <a:buChar char=""/>
             </a:pPr>
             <a:r>
-              <a:rPr b="0" lang="en-US" sz="2000" spc="-1" strike="noStrike">
+              <a:rPr b="0" lang="en-US" sz="1800" spc="-1" strike="noStrike">
                 <a:latin typeface="Arial"/>
               </a:rPr>
               <a:t>Fourth Outline Level</a:t>
             </a:r>
-            <a:endParaRPr b="0" lang="en-US" sz="2000" spc="-1" strike="noStrike">
+            <a:endParaRPr b="0" lang="en-US" sz="1800" spc="-1" strike="noStrike">
               <a:latin typeface="Arial"/>
             </a:endParaRPr>
           </a:p>
@@ -4213,12 +4217,12 @@
               <a:buChar char=""/>
             </a:pPr>
             <a:r>
-              <a:rPr b="0" lang="en-US" sz="2000" spc="-1" strike="noStrike">
+              <a:rPr b="0" lang="en-US" sz="1800" spc="-1" strike="noStrike">
                 <a:latin typeface="Arial"/>
               </a:rPr>
               <a:t>Fifth Outline Level</a:t>
             </a:r>
-            <a:endParaRPr b="0" lang="en-US" sz="2000" spc="-1" strike="noStrike">
+            <a:endParaRPr b="0" lang="en-US" sz="1800" spc="-1" strike="noStrike">
               <a:latin typeface="Arial"/>
             </a:endParaRPr>
           </a:p>
@@ -4235,12 +4239,12 @@
               <a:buChar char=""/>
             </a:pPr>
             <a:r>
-              <a:rPr b="0" lang="en-US" sz="2000" spc="-1" strike="noStrike">
+              <a:rPr b="0" lang="en-US" sz="1800" spc="-1" strike="noStrike">
                 <a:latin typeface="Arial"/>
               </a:rPr>
               <a:t>Sixth Outline Level</a:t>
             </a:r>
-            <a:endParaRPr b="0" lang="en-US" sz="2000" spc="-1" strike="noStrike">
+            <a:endParaRPr b="0" lang="en-US" sz="1800" spc="-1" strike="noStrike">
               <a:latin typeface="Arial"/>
             </a:endParaRPr>
           </a:p>
@@ -4257,12 +4261,12 @@
               <a:buChar char=""/>
             </a:pPr>
             <a:r>
-              <a:rPr b="0" lang="en-US" sz="2000" spc="-1" strike="noStrike">
+              <a:rPr b="0" lang="en-US" sz="1800" spc="-1" strike="noStrike">
                 <a:latin typeface="Arial"/>
               </a:rPr>
               <a:t>Seventh Outline Level</a:t>
             </a:r>
-            <a:endParaRPr b="0" lang="en-US" sz="2000" spc="-1" strike="noStrike">
+            <a:endParaRPr b="0" lang="en-US" sz="1800" spc="-1" strike="noStrike">
               <a:latin typeface="Arial"/>
             </a:endParaRPr>
           </a:p>
@@ -4321,7 +4325,7 @@
         <p:spPr>
           <a:xfrm>
             <a:off x="20880" y="607320"/>
-            <a:ext cx="6119640" cy="17640"/>
+            <a:ext cx="6119280" cy="17280"/>
           </a:xfrm>
           <a:custGeom>
             <a:avLst/>
@@ -4381,7 +4385,7 @@
         <p:spPr>
           <a:xfrm>
             <a:off x="4430520" y="840960"/>
-            <a:ext cx="5673600" cy="6840"/>
+            <a:ext cx="5673240" cy="6480"/>
           </a:xfrm>
           <a:custGeom>
             <a:avLst/>
@@ -4441,7 +4445,7 @@
         <p:spPr>
           <a:xfrm>
             <a:off x="9819720" y="474480"/>
-            <a:ext cx="6840" cy="492840"/>
+            <a:ext cx="6480" cy="492480"/>
           </a:xfrm>
           <a:custGeom>
             <a:avLst/>
@@ -4493,7 +4497,7 @@
         <p:spPr>
           <a:xfrm>
             <a:off x="1900800" y="5204880"/>
-            <a:ext cx="7464960" cy="6840"/>
+            <a:ext cx="7464600" cy="6480"/>
           </a:xfrm>
           <a:custGeom>
             <a:avLst/>
@@ -4553,7 +4557,7 @@
         <p:spPr>
           <a:xfrm>
             <a:off x="9259920" y="4917240"/>
-            <a:ext cx="6840" cy="349200"/>
+            <a:ext cx="6480" cy="348840"/>
           </a:xfrm>
           <a:custGeom>
             <a:avLst/>
@@ -4603,236 +4607,13 @@
             <a:spLocks noGrp="1"/>
           </p:cNvSpPr>
           <p:nvPr>
-            <p:ph type="title"/>
-          </p:nvPr>
-        </p:nvSpPr>
-        <p:spPr>
-          <a:xfrm>
-            <a:off x="144000" y="72000"/>
-            <a:ext cx="9539640" cy="647640"/>
-          </a:xfrm>
-          <a:prstGeom prst="rect">
-            <a:avLst/>
-          </a:prstGeom>
-          <a:noFill/>
-          <a:ln w="0">
-            <a:noFill/>
-          </a:ln>
-        </p:spPr>
-        <p:txBody>
-          <a:bodyPr lIns="0" rIns="0" tIns="0" bIns="0" anchor="ctr">
-            <a:noAutofit/>
-          </a:bodyPr>
-          <a:p>
-            <a:r>
-              <a:rPr b="0" lang="en-US" sz="1800" spc="-1" strike="noStrike">
-                <a:latin typeface="Arial"/>
-              </a:rPr>
-              <a:t>Click to edit the title text format</a:t>
-            </a:r>
-            <a:endParaRPr b="0" lang="en-US" sz="1800" spc="-1" strike="noStrike">
-              <a:latin typeface="Arial"/>
-            </a:endParaRPr>
-          </a:p>
-        </p:txBody>
-      </p:sp>
-      <p:sp>
-        <p:nvSpPr>
-          <p:cNvPr id="48" name="PlaceHolder 2"/>
-          <p:cNvSpPr>
-            <a:spLocks noGrp="1"/>
-          </p:cNvSpPr>
-          <p:nvPr>
-            <p:ph type="body"/>
-          </p:nvPr>
-        </p:nvSpPr>
-        <p:spPr>
-          <a:xfrm>
-            <a:off x="504000" y="1326600"/>
-            <a:ext cx="9071280" cy="3287880"/>
-          </a:xfrm>
-          <a:prstGeom prst="rect">
-            <a:avLst/>
-          </a:prstGeom>
-          <a:noFill/>
-          <a:ln w="0">
-            <a:noFill/>
-          </a:ln>
-        </p:spPr>
-        <p:txBody>
-          <a:bodyPr lIns="0" rIns="0" tIns="0" bIns="0" anchor="t">
-            <a:normAutofit/>
-          </a:bodyPr>
-          <a:p>
-            <a:pPr marL="432000" indent="-324000">
-              <a:spcBef>
-                <a:spcPts val="1417"/>
-              </a:spcBef>
-              <a:buClr>
-                <a:srgbClr val="ffffff"/>
-              </a:buClr>
-              <a:buSzPct val="45000"/>
-              <a:buFont typeface="Wingdings" charset="2"/>
-              <a:buChar char=""/>
-            </a:pPr>
-            <a:r>
-              <a:rPr b="0" lang="en-US" sz="1800" spc="-1" strike="noStrike">
-                <a:latin typeface="Arial"/>
-              </a:rPr>
-              <a:t>Click to edit the outline text format</a:t>
-            </a:r>
-            <a:endParaRPr b="0" lang="en-US" sz="1800" spc="-1" strike="noStrike">
-              <a:latin typeface="Arial"/>
-            </a:endParaRPr>
-          </a:p>
-          <a:p>
-            <a:pPr lvl="1" marL="864000" indent="-324000">
-              <a:spcBef>
-                <a:spcPts val="1134"/>
-              </a:spcBef>
-              <a:buClr>
-                <a:srgbClr val="ffffff"/>
-              </a:buClr>
-              <a:buSzPct val="75000"/>
-              <a:buFont typeface="Symbol" charset="2"/>
-              <a:buChar char=""/>
-            </a:pPr>
-            <a:r>
-              <a:rPr b="0" lang="en-US" sz="1800" spc="-1" strike="noStrike">
-                <a:latin typeface="Arial"/>
-              </a:rPr>
-              <a:t>Second Outline Level</a:t>
-            </a:r>
-            <a:endParaRPr b="0" lang="en-US" sz="1800" spc="-1" strike="noStrike">
-              <a:latin typeface="Arial"/>
-            </a:endParaRPr>
-          </a:p>
-          <a:p>
-            <a:pPr lvl="2" marL="1296000" indent="-288000">
-              <a:spcBef>
-                <a:spcPts val="850"/>
-              </a:spcBef>
-              <a:buClr>
-                <a:srgbClr val="ffffff"/>
-              </a:buClr>
-              <a:buSzPct val="45000"/>
-              <a:buFont typeface="Wingdings" charset="2"/>
-              <a:buChar char=""/>
-            </a:pPr>
-            <a:r>
-              <a:rPr b="0" lang="en-US" sz="1800" spc="-1" strike="noStrike">
-                <a:latin typeface="Arial"/>
-              </a:rPr>
-              <a:t>Third Outline Level</a:t>
-            </a:r>
-            <a:endParaRPr b="0" lang="en-US" sz="1800" spc="-1" strike="noStrike">
-              <a:latin typeface="Arial"/>
-            </a:endParaRPr>
-          </a:p>
-          <a:p>
-            <a:pPr lvl="3" marL="1728000" indent="-216000">
-              <a:spcBef>
-                <a:spcPts val="567"/>
-              </a:spcBef>
-              <a:buClr>
-                <a:srgbClr val="ffffff"/>
-              </a:buClr>
-              <a:buSzPct val="75000"/>
-              <a:buFont typeface="Symbol" charset="2"/>
-              <a:buChar char=""/>
-            </a:pPr>
-            <a:r>
-              <a:rPr b="0" lang="en-US" sz="1800" spc="-1" strike="noStrike">
-                <a:latin typeface="Arial"/>
-              </a:rPr>
-              <a:t>Fourth Outline Level</a:t>
-            </a:r>
-            <a:endParaRPr b="0" lang="en-US" sz="1800" spc="-1" strike="noStrike">
-              <a:latin typeface="Arial"/>
-            </a:endParaRPr>
-          </a:p>
-          <a:p>
-            <a:pPr lvl="4" marL="2160000" indent="-216000">
-              <a:spcBef>
-                <a:spcPts val="283"/>
-              </a:spcBef>
-              <a:buClr>
-                <a:srgbClr val="ffffff"/>
-              </a:buClr>
-              <a:buSzPct val="45000"/>
-              <a:buFont typeface="Wingdings" charset="2"/>
-              <a:buChar char=""/>
-            </a:pPr>
-            <a:r>
-              <a:rPr b="0" lang="en-US" sz="1800" spc="-1" strike="noStrike">
-                <a:latin typeface="Arial"/>
-              </a:rPr>
-              <a:t>Fifth Outline Level</a:t>
-            </a:r>
-            <a:endParaRPr b="0" lang="en-US" sz="1800" spc="-1" strike="noStrike">
-              <a:latin typeface="Arial"/>
-            </a:endParaRPr>
-          </a:p>
-          <a:p>
-            <a:pPr lvl="5" marL="2592000" indent="-216000">
-              <a:spcBef>
-                <a:spcPts val="283"/>
-              </a:spcBef>
-              <a:buClr>
-                <a:srgbClr val="ffffff"/>
-              </a:buClr>
-              <a:buSzPct val="45000"/>
-              <a:buFont typeface="Wingdings" charset="2"/>
-              <a:buChar char=""/>
-            </a:pPr>
-            <a:r>
-              <a:rPr b="0" lang="en-US" sz="1800" spc="-1" strike="noStrike">
-                <a:latin typeface="Arial"/>
-              </a:rPr>
-              <a:t>Sixth Outline Level</a:t>
-            </a:r>
-            <a:endParaRPr b="0" lang="en-US" sz="1800" spc="-1" strike="noStrike">
-              <a:latin typeface="Arial"/>
-            </a:endParaRPr>
-          </a:p>
-          <a:p>
-            <a:pPr lvl="6" marL="3024000" indent="-216000">
-              <a:spcBef>
-                <a:spcPts val="283"/>
-              </a:spcBef>
-              <a:buClr>
-                <a:srgbClr val="ffffff"/>
-              </a:buClr>
-              <a:buSzPct val="45000"/>
-              <a:buFont typeface="Wingdings" charset="2"/>
-              <a:buChar char=""/>
-            </a:pPr>
-            <a:r>
-              <a:rPr b="0" lang="en-US" sz="1800" spc="-1" strike="noStrike">
-                <a:latin typeface="Arial"/>
-              </a:rPr>
-              <a:t>Seventh Outline Level</a:t>
-            </a:r>
-            <a:endParaRPr b="0" lang="en-US" sz="1800" spc="-1" strike="noStrike">
-              <a:latin typeface="Arial"/>
-            </a:endParaRPr>
-          </a:p>
-        </p:txBody>
-      </p:sp>
-      <p:sp>
-        <p:nvSpPr>
-          <p:cNvPr id="49" name="PlaceHolder 3"/>
-          <p:cNvSpPr>
-            <a:spLocks noGrp="1"/>
-          </p:cNvSpPr>
-          <p:nvPr>
             <p:ph type="ftr" idx="1"/>
           </p:nvPr>
         </p:nvSpPr>
         <p:spPr>
           <a:xfrm>
             <a:off x="2520000" y="5256000"/>
-            <a:ext cx="4679640" cy="410040"/>
+            <a:ext cx="4679280" cy="409680"/>
           </a:xfrm>
           <a:prstGeom prst="rect">
             <a:avLst/>
@@ -4878,7 +4659,7 @@
       </p:sp>
       <p:sp>
         <p:nvSpPr>
-          <p:cNvPr id="50" name="PlaceHolder 4"/>
+          <p:cNvPr id="48" name="PlaceHolder 2"/>
           <p:cNvSpPr>
             <a:spLocks noGrp="1"/>
           </p:cNvSpPr>
@@ -4889,7 +4670,7 @@
         <p:spPr>
           <a:xfrm>
             <a:off x="7560000" y="5256000"/>
-            <a:ext cx="1619640" cy="410040"/>
+            <a:ext cx="1619280" cy="409680"/>
           </a:xfrm>
           <a:prstGeom prst="rect">
             <a:avLst/>
@@ -4921,7 +4702,7 @@
               </a:lnSpc>
               <a:buNone/>
             </a:pPr>
-            <a:fld id="{66361FF3-14A4-47A8-B9BA-4002BF48BB5A}" type="slidenum">
+            <a:fld id="{FD1E6A4B-99F0-45C0-9926-15700034BA41}" type="slidenum">
               <a:rPr b="0" lang="en-US" sz="1400" spc="-1" strike="noStrike">
                 <a:latin typeface="Arial"/>
               </a:rPr>
@@ -4935,7 +4716,7 @@
       </p:sp>
       <p:sp>
         <p:nvSpPr>
-          <p:cNvPr id="51" name="PlaceHolder 5"/>
+          <p:cNvPr id="49" name="PlaceHolder 3"/>
           <p:cNvSpPr>
             <a:spLocks noGrp="1"/>
           </p:cNvSpPr>
@@ -4946,7 +4727,7 @@
         <p:spPr>
           <a:xfrm>
             <a:off x="504000" y="5256000"/>
-            <a:ext cx="1655640" cy="410040"/>
+            <a:ext cx="1655280" cy="409680"/>
           </a:xfrm>
           <a:prstGeom prst="rect">
             <a:avLst/>
@@ -4976,6 +4757,232 @@
             </a:r>
             <a:endParaRPr b="0" lang="en-US" sz="1400" spc="-1" strike="noStrike">
               <a:latin typeface="Times New Roman"/>
+            </a:endParaRPr>
+          </a:p>
+        </p:txBody>
+      </p:sp>
+      <p:sp>
+        <p:nvSpPr>
+          <p:cNvPr id="50" name="PlaceHolder 4"/>
+          <p:cNvSpPr>
+            <a:spLocks noGrp="1"/>
+          </p:cNvSpPr>
+          <p:nvPr>
+            <p:ph type="title"/>
+          </p:nvPr>
+        </p:nvSpPr>
+        <p:spPr>
+          <a:xfrm>
+            <a:off x="504000" y="226080"/>
+            <a:ext cx="9072000" cy="946440"/>
+          </a:xfrm>
+          <a:prstGeom prst="rect">
+            <a:avLst/>
+          </a:prstGeom>
+          <a:noFill/>
+          <a:ln w="0">
+            <a:noFill/>
+          </a:ln>
+        </p:spPr>
+        <p:txBody>
+          <a:bodyPr lIns="0" rIns="0" tIns="0" bIns="0" anchor="ctr">
+            <a:noAutofit/>
+          </a:bodyPr>
+          <a:p>
+            <a:pPr algn="ctr">
+              <a:buNone/>
+            </a:pPr>
+            <a:r>
+              <a:rPr b="0" lang="en-US" sz="4400" spc="-1" strike="noStrike">
+                <a:latin typeface="Arial"/>
+              </a:rPr>
+              <a:t>Click to edit the title text format</a:t>
+            </a:r>
+            <a:endParaRPr b="0" lang="en-US" sz="4400" spc="-1" strike="noStrike">
+              <a:latin typeface="Arial"/>
+            </a:endParaRPr>
+          </a:p>
+        </p:txBody>
+      </p:sp>
+      <p:sp>
+        <p:nvSpPr>
+          <p:cNvPr id="51" name="PlaceHolder 5"/>
+          <p:cNvSpPr>
+            <a:spLocks noGrp="1"/>
+          </p:cNvSpPr>
+          <p:nvPr>
+            <p:ph type="body"/>
+          </p:nvPr>
+        </p:nvSpPr>
+        <p:spPr>
+          <a:xfrm>
+            <a:off x="504000" y="1326600"/>
+            <a:ext cx="9072000" cy="3288600"/>
+          </a:xfrm>
+          <a:prstGeom prst="rect">
+            <a:avLst/>
+          </a:prstGeom>
+          <a:noFill/>
+          <a:ln w="0">
+            <a:noFill/>
+          </a:ln>
+        </p:spPr>
+        <p:txBody>
+          <a:bodyPr lIns="0" rIns="0" tIns="0" bIns="0" anchor="t">
+            <a:normAutofit/>
+          </a:bodyPr>
+          <a:p>
+            <a:pPr marL="432000" indent="-324000">
+              <a:spcBef>
+                <a:spcPts val="1417"/>
+              </a:spcBef>
+              <a:buClr>
+                <a:srgbClr val="ffffff"/>
+              </a:buClr>
+              <a:buSzPct val="45000"/>
+              <a:buFont typeface="Wingdings" charset="2"/>
+              <a:buChar char=""/>
+            </a:pPr>
+            <a:r>
+              <a:rPr b="0" lang="en-US" sz="3200" spc="-1" strike="noStrike">
+                <a:latin typeface="Arial"/>
+              </a:rPr>
+              <a:t>Click to edit the outline text format</a:t>
+            </a:r>
+            <a:endParaRPr b="0" lang="en-US" sz="3200" spc="-1" strike="noStrike">
+              <a:latin typeface="Arial"/>
+            </a:endParaRPr>
+          </a:p>
+          <a:p>
+            <a:pPr lvl="1" marL="864000" indent="-324000">
+              <a:spcBef>
+                <a:spcPts val="1134"/>
+              </a:spcBef>
+              <a:buClr>
+                <a:srgbClr val="ffffff"/>
+              </a:buClr>
+              <a:buSzPct val="75000"/>
+              <a:buFont typeface="Symbol" charset="2"/>
+              <a:buChar char=""/>
+            </a:pPr>
+            <a:r>
+              <a:rPr b="0" lang="en-US" sz="2800" spc="-1" strike="noStrike">
+                <a:latin typeface="Arial"/>
+              </a:rPr>
+              <a:t>Second Outline Level</a:t>
+            </a:r>
+            <a:endParaRPr b="0" lang="en-US" sz="2800" spc="-1" strike="noStrike">
+              <a:latin typeface="Arial"/>
+            </a:endParaRPr>
+          </a:p>
+          <a:p>
+            <a:pPr lvl="2" marL="1296000" indent="-288000">
+              <a:spcBef>
+                <a:spcPts val="850"/>
+              </a:spcBef>
+              <a:buClr>
+                <a:srgbClr val="ffffff"/>
+              </a:buClr>
+              <a:buSzPct val="45000"/>
+              <a:buFont typeface="Wingdings" charset="2"/>
+              <a:buChar char=""/>
+            </a:pPr>
+            <a:r>
+              <a:rPr b="0" lang="en-US" sz="2400" spc="-1" strike="noStrike">
+                <a:latin typeface="Arial"/>
+              </a:rPr>
+              <a:t>Third Outline Level</a:t>
+            </a:r>
+            <a:endParaRPr b="0" lang="en-US" sz="2400" spc="-1" strike="noStrike">
+              <a:latin typeface="Arial"/>
+            </a:endParaRPr>
+          </a:p>
+          <a:p>
+            <a:pPr lvl="3" marL="1728000" indent="-216000">
+              <a:spcBef>
+                <a:spcPts val="567"/>
+              </a:spcBef>
+              <a:buClr>
+                <a:srgbClr val="ffffff"/>
+              </a:buClr>
+              <a:buSzPct val="75000"/>
+              <a:buFont typeface="Symbol" charset="2"/>
+              <a:buChar char=""/>
+            </a:pPr>
+            <a:r>
+              <a:rPr b="0" lang="en-US" sz="2000" spc="-1" strike="noStrike">
+                <a:latin typeface="Arial"/>
+              </a:rPr>
+              <a:t>Fourth Outline Level</a:t>
+            </a:r>
+            <a:endParaRPr b="0" lang="en-US" sz="2000" spc="-1" strike="noStrike">
+              <a:latin typeface="Arial"/>
+            </a:endParaRPr>
+          </a:p>
+          <a:p>
+            <a:pPr lvl="4" marL="2160000" indent="-216000">
+              <a:spcBef>
+                <a:spcPts val="283"/>
+              </a:spcBef>
+              <a:buClr>
+                <a:srgbClr val="ffffff"/>
+              </a:buClr>
+              <a:buSzPct val="45000"/>
+              <a:buFont typeface="Wingdings" charset="2"/>
+              <a:buChar char=""/>
+            </a:pPr>
+            <a:r>
+              <a:rPr b="0" lang="en-US" sz="2000" spc="-1" strike="noStrike">
+                <a:latin typeface="Arial"/>
+              </a:rPr>
+              <a:t>Fifth Outline Level</a:t>
+            </a:r>
+            <a:endParaRPr b="0" lang="en-US" sz="2000" spc="-1" strike="noStrike">
+              <a:latin typeface="Arial"/>
+            </a:endParaRPr>
+          </a:p>
+          <a:p>
+            <a:pPr lvl="5" marL="2592000" indent="-216000">
+              <a:spcBef>
+                <a:spcPts val="283"/>
+              </a:spcBef>
+              <a:buClr>
+                <a:srgbClr val="ffffff"/>
+              </a:buClr>
+              <a:buSzPct val="45000"/>
+              <a:buFont typeface="Wingdings" charset="2"/>
+              <a:buChar char=""/>
+            </a:pPr>
+            <a:r>
+              <a:rPr b="0" lang="en-US" sz="2000" spc="-1" strike="noStrike">
+                <a:latin typeface="Arial"/>
+              </a:rPr>
+              <a:t>Sixth Outline Level</a:t>
+            </a:r>
+            <a:endParaRPr b="0" lang="en-US" sz="2000" spc="-1" strike="noStrike">
+              <a:latin typeface="Arial"/>
+            </a:endParaRPr>
+          </a:p>
+          <a:p>
+            <a:pPr lvl="6" marL="3024000" indent="-216000">
+              <a:spcBef>
+                <a:spcPts val="283"/>
+              </a:spcBef>
+              <a:buClr>
+                <a:srgbClr val="ffffff"/>
+              </a:buClr>
+              <a:buSzPct val="45000"/>
+              <a:buFont typeface="Wingdings" charset="2"/>
+              <a:buChar char=""/>
+            </a:pPr>
+            <a:r>
+              <a:rPr b="0" lang="en-US" sz="2000" spc="-1" strike="noStrike">
+                <a:latin typeface="Arial"/>
+              </a:rPr>
+              <a:t>Seventh Outline Level</a:t>
+            </a:r>
+            <a:endParaRPr b="0" lang="en-US" sz="2000" spc="-1" strike="noStrike">
+              <a:latin typeface="Arial"/>
             </a:endParaRPr>
           </a:p>
         </p:txBody>
@@ -5030,7 +5037,7 @@
         <p:spPr>
           <a:xfrm>
             <a:off x="457200" y="1600200"/>
-            <a:ext cx="8999640" cy="658080"/>
+            <a:ext cx="8999280" cy="657720"/>
           </a:xfrm>
           <a:prstGeom prst="rect">
             <a:avLst/>
@@ -5106,7 +5113,7 @@
         <p:spPr>
           <a:xfrm>
             <a:off x="144000" y="72000"/>
-            <a:ext cx="9539640" cy="647640"/>
+            <a:ext cx="9539280" cy="647280"/>
           </a:xfrm>
           <a:prstGeom prst="rect">
             <a:avLst/>
@@ -5152,7 +5159,7 @@
         <p:spPr>
           <a:xfrm>
             <a:off x="504000" y="1283760"/>
-            <a:ext cx="9071280" cy="3287880"/>
+            <a:ext cx="9070920" cy="3287520"/>
           </a:xfrm>
           <a:prstGeom prst="rect">
             <a:avLst/>
@@ -5232,7 +5239,7 @@
         <p:txBody>
           <a:bodyPr/>
           <a:p>
-            <a:fld id="{9F0EC8B1-0698-489C-BDD2-E4D600E31D4C}" type="slidenum">
+            <a:fld id="{51346521-2099-4540-AF25-B37EA0D9431D}" type="slidenum">
               <a:t>2</a:t>
             </a:fld>
           </a:p>
@@ -5281,7 +5288,7 @@
         <p:spPr>
           <a:xfrm>
             <a:off x="144000" y="72000"/>
-            <a:ext cx="9539640" cy="647640"/>
+            <a:ext cx="9539280" cy="647280"/>
           </a:xfrm>
           <a:prstGeom prst="rect">
             <a:avLst/>
@@ -5327,7 +5334,7 @@
         <p:spPr>
           <a:xfrm>
             <a:off x="504000" y="1326600"/>
-            <a:ext cx="9071280" cy="3287880"/>
+            <a:ext cx="9070920" cy="3287520"/>
           </a:xfrm>
           <a:prstGeom prst="rect">
             <a:avLst/>
@@ -5487,7 +5494,7 @@
         <p:txBody>
           <a:bodyPr/>
           <a:p>
-            <a:fld id="{01D1C50B-7F18-4E6A-839E-D9D7A5984053}" type="slidenum">
+            <a:fld id="{17EE2ECD-CB5F-490C-A304-F4731B2CB055}" type="slidenum">
               <a:t>3</a:t>
             </a:fld>
           </a:p>
@@ -5536,7 +5543,7 @@
         <p:spPr>
           <a:xfrm>
             <a:off x="144000" y="72000"/>
-            <a:ext cx="9539640" cy="647640"/>
+            <a:ext cx="9539280" cy="647280"/>
           </a:xfrm>
           <a:prstGeom prst="rect">
             <a:avLst/>
@@ -5582,7 +5589,7 @@
         <p:spPr>
           <a:xfrm>
             <a:off x="457200" y="1284120"/>
-            <a:ext cx="9071280" cy="3287880"/>
+            <a:ext cx="9070920" cy="3287520"/>
           </a:xfrm>
           <a:prstGeom prst="rect">
             <a:avLst/>
@@ -5598,6 +5605,9 @@
           </a:bodyPr>
           <a:p>
             <a:pPr marL="432000" indent="-324000">
+              <a:lnSpc>
+                <a:spcPct val="100000"/>
+              </a:lnSpc>
               <a:spcBef>
                 <a:spcPts val="1417"/>
               </a:spcBef>
@@ -5620,6 +5630,9 @@
           </a:p>
           <a:p>
             <a:pPr lvl="1" marL="864000" indent="-324000">
+              <a:lnSpc>
+                <a:spcPct val="100000"/>
+              </a:lnSpc>
               <a:spcBef>
                 <a:spcPts val="1134"/>
               </a:spcBef>
@@ -5627,7 +5640,7 @@
                 <a:srgbClr val="ffffff"/>
               </a:buClr>
               <a:buSzPct val="75000"/>
-              <a:buFont typeface="Symbol" charset="2"/>
+              <a:buFont typeface="Symbol"/>
               <a:buChar char=""/>
             </a:pPr>
             <a:r>
@@ -5642,6 +5655,9 @@
           </a:p>
           <a:p>
             <a:pPr lvl="1" marL="864000" indent="-324000">
+              <a:lnSpc>
+                <a:spcPct val="100000"/>
+              </a:lnSpc>
               <a:spcBef>
                 <a:spcPts val="1134"/>
               </a:spcBef>
@@ -5649,7 +5665,7 @@
                 <a:srgbClr val="ffffff"/>
               </a:buClr>
               <a:buSzPct val="75000"/>
-              <a:buFont typeface="Symbol" charset="2"/>
+              <a:buFont typeface="Symbol"/>
               <a:buChar char=""/>
             </a:pPr>
             <a:r>
@@ -5664,6 +5680,9 @@
           </a:p>
           <a:p>
             <a:pPr lvl="1" marL="864000" indent="-324000">
+              <a:lnSpc>
+                <a:spcPct val="100000"/>
+              </a:lnSpc>
               <a:spcBef>
                 <a:spcPts val="1134"/>
               </a:spcBef>
@@ -5671,7 +5690,7 @@
                 <a:srgbClr val="ffffff"/>
               </a:buClr>
               <a:buSzPct val="75000"/>
-              <a:buFont typeface="Symbol" charset="2"/>
+              <a:buFont typeface="Symbol"/>
               <a:buChar char=""/>
             </a:pPr>
             <a:r>
@@ -5686,6 +5705,9 @@
           </a:p>
           <a:p>
             <a:pPr marL="432000" indent="-324000">
+              <a:lnSpc>
+                <a:spcPct val="100000"/>
+              </a:lnSpc>
               <a:spcBef>
                 <a:spcPts val="1417"/>
               </a:spcBef>
@@ -5708,6 +5730,9 @@
           </a:p>
           <a:p>
             <a:pPr lvl="1" marL="864000" indent="-324000">
+              <a:lnSpc>
+                <a:spcPct val="100000"/>
+              </a:lnSpc>
               <a:spcBef>
                 <a:spcPts val="1134"/>
               </a:spcBef>
@@ -5715,7 +5740,7 @@
                 <a:srgbClr val="ffffff"/>
               </a:buClr>
               <a:buSzPct val="75000"/>
-              <a:buFont typeface="Symbol" charset="2"/>
+              <a:buFont typeface="Symbol"/>
               <a:buChar char=""/>
             </a:pPr>
             <a:r>
@@ -5730,6 +5755,9 @@
           </a:p>
           <a:p>
             <a:pPr lvl="1" marL="864000" indent="-324000">
+              <a:lnSpc>
+                <a:spcPct val="100000"/>
+              </a:lnSpc>
               <a:spcBef>
                 <a:spcPts val="1134"/>
               </a:spcBef>
@@ -5737,7 +5765,7 @@
                 <a:srgbClr val="ffffff"/>
               </a:buClr>
               <a:buSzPct val="75000"/>
-              <a:buFont typeface="Symbol" charset="2"/>
+              <a:buFont typeface="Symbol"/>
               <a:buChar char=""/>
             </a:pPr>
             <a:r>
@@ -5752,6 +5780,9 @@
           </a:p>
           <a:p>
             <a:pPr lvl="1" marL="864000" indent="-324000">
+              <a:lnSpc>
+                <a:spcPct val="100000"/>
+              </a:lnSpc>
               <a:spcBef>
                 <a:spcPts val="1134"/>
               </a:spcBef>
@@ -5759,7 +5790,7 @@
                 <a:srgbClr val="ffffff"/>
               </a:buClr>
               <a:buSzPct val="75000"/>
-              <a:buFont typeface="Symbol" charset="2"/>
+              <a:buFont typeface="Symbol"/>
               <a:buChar char=""/>
             </a:pPr>
             <a:r>
@@ -5788,7 +5819,7 @@
         <p:txBody>
           <a:bodyPr/>
           <a:p>
-            <a:fld id="{73E7D96A-E574-461C-8B18-6DFA155F7BB3}" type="slidenum">
+            <a:fld id="{A986DDFD-267B-4604-8EC9-D5F78FAF54BE}" type="slidenum">
               <a:t>4</a:t>
             </a:fld>
           </a:p>
@@ -5827,28 +5858,37 @@
       <p:sp>
         <p:nvSpPr>
           <p:cNvPr id="95" name="PlaceHolder 3"/>
-          <p:cNvSpPr txBox="1"/>
+          <p:cNvSpPr/>
           <p:nvPr/>
         </p:nvSpPr>
         <p:spPr>
           <a:xfrm>
             <a:off x="504000" y="1326960"/>
-            <a:ext cx="9071280" cy="3287880"/>
-          </a:xfrm>
-          <a:prstGeom prst="rect">
-            <a:avLst/>
-          </a:prstGeom>
-          <a:noFill/>
-          <a:ln w="0">
-            <a:noFill/>
-          </a:ln>
-        </p:spPr>
+            <a:ext cx="9070920" cy="3287520"/>
+          </a:xfrm>
+          <a:prstGeom prst="rect">
+            <a:avLst/>
+          </a:prstGeom>
+          <a:noFill/>
+          <a:ln w="0">
+            <a:noFill/>
+          </a:ln>
+        </p:spPr>
+        <p:style>
+          <a:lnRef idx="0"/>
+          <a:fillRef idx="0"/>
+          <a:effectRef idx="0"/>
+          <a:fontRef idx="minor"/>
+        </p:style>
         <p:txBody>
           <a:bodyPr lIns="0" rIns="0" tIns="0" bIns="0" anchor="t">
             <a:normAutofit/>
           </a:bodyPr>
           <a:p>
             <a:pPr marL="432000" indent="-324000">
+              <a:lnSpc>
+                <a:spcPct val="100000"/>
+              </a:lnSpc>
               <a:spcBef>
                 <a:spcPts val="1417"/>
               </a:spcBef>
@@ -5871,6 +5911,9 @@
           </a:p>
           <a:p>
             <a:pPr marL="432000" indent="-324000">
+              <a:lnSpc>
+                <a:spcPct val="100000"/>
+              </a:lnSpc>
               <a:spcBef>
                 <a:spcPts val="1417"/>
               </a:spcBef>
@@ -5893,6 +5936,9 @@
           </a:p>
           <a:p>
             <a:pPr marL="432000" indent="-324000">
+              <a:lnSpc>
+                <a:spcPct val="100000"/>
+              </a:lnSpc>
               <a:spcBef>
                 <a:spcPts val="1417"/>
               </a:spcBef>
@@ -5915,6 +5961,9 @@
           </a:p>
           <a:p>
             <a:pPr marL="432000" indent="-324000">
+              <a:lnSpc>
+                <a:spcPct val="100000"/>
+              </a:lnSpc>
               <a:spcBef>
                 <a:spcPts val="1417"/>
               </a:spcBef>
@@ -5950,7 +5999,7 @@
         <p:spPr>
           <a:xfrm>
             <a:off x="144000" y="72000"/>
-            <a:ext cx="9539640" cy="647640"/>
+            <a:ext cx="9539280" cy="647280"/>
           </a:xfrm>
           <a:prstGeom prst="rect">
             <a:avLst/>
@@ -5966,6 +6015,9 @@
           </a:bodyPr>
           <a:p>
             <a:pPr algn="ctr">
+              <a:lnSpc>
+                <a:spcPct val="100000"/>
+              </a:lnSpc>
               <a:buNone/>
             </a:pPr>
             <a:r>
@@ -5994,7 +6046,7 @@
         <p:txBody>
           <a:bodyPr/>
           <a:p>
-            <a:fld id="{70C1DA8C-F931-49CC-B8E1-0499CDCC21BA}" type="slidenum">
+            <a:fld id="{D008AEAA-2089-4EC1-B940-4F6D2CBA76B4}" type="slidenum">
               <a:t>5</a:t>
             </a:fld>
           </a:p>
@@ -6043,7 +6095,7 @@
         <p:spPr>
           <a:xfrm>
             <a:off x="144000" y="72000"/>
-            <a:ext cx="9539640" cy="647640"/>
+            <a:ext cx="9539280" cy="647280"/>
           </a:xfrm>
           <a:prstGeom prst="rect">
             <a:avLst/>
@@ -6089,7 +6141,7 @@
         <p:spPr>
           <a:xfrm>
             <a:off x="504000" y="1326600"/>
-            <a:ext cx="9071280" cy="3287880"/>
+            <a:ext cx="9070920" cy="3287520"/>
           </a:xfrm>
           <a:prstGeom prst="rect">
             <a:avLst/>
@@ -6122,7 +6174,7 @@
               <a:rPr b="0" lang="en-US" sz="3200" spc="-1" strike="noStrike">
                 <a:latin typeface="Arial"/>
               </a:rPr>
-              <a:t>Website ← url koppelen</a:t>
+              <a:t>Website ← nog linken voor de laptop die we gaan gebruiken</a:t>
             </a:r>
             <a:endParaRPr b="0" lang="en-US" sz="3200" spc="-1" strike="noStrike">
               <a:latin typeface="Arial"/>
@@ -6144,7 +6196,7 @@
         <p:txBody>
           <a:bodyPr/>
           <a:p>
-            <a:fld id="{9362CBDF-CB4E-4480-9A36-10C468B8EDF6}" type="slidenum">
+            <a:fld id="{D1F97021-BE7D-47FA-BC4F-E09FD93C8FAC}" type="slidenum">
               <a:t>6</a:t>
             </a:fld>
           </a:p>
@@ -6193,7 +6245,7 @@
         <p:spPr>
           <a:xfrm>
             <a:off x="228600" y="1638000"/>
-            <a:ext cx="9539640" cy="647640"/>
+            <a:ext cx="9539280" cy="647280"/>
           </a:xfrm>
           <a:prstGeom prst="rect">
             <a:avLst/>
@@ -6240,7 +6292,7 @@
         <p:txBody>
           <a:bodyPr/>
           <a:p>
-            <a:fld id="{BF31446E-0859-4E23-8912-2B10FEED5D8A}" type="slidenum">
+            <a:fld id="{32332816-D618-4E02-A438-667291E4ABD2}" type="slidenum">
               <a:t>7</a:t>
             </a:fld>
           </a:p>
@@ -6289,7 +6341,7 @@
         <p:spPr>
           <a:xfrm>
             <a:off x="228600" y="1600200"/>
-            <a:ext cx="9539640" cy="647640"/>
+            <a:ext cx="9539280" cy="647280"/>
           </a:xfrm>
           <a:prstGeom prst="rect">
             <a:avLst/>
@@ -6336,7 +6388,7 @@
         <p:txBody>
           <a:bodyPr/>
           <a:p>
-            <a:fld id="{923AA880-1F87-4C9B-A16A-26DBA53B34E1}" type="slidenum">
+            <a:fld id="{CE117558-B40A-47CA-ADE2-D372E5B4C349}" type="slidenum">
               <a:t>8</a:t>
             </a:fld>
           </a:p>
@@ -6385,7 +6437,7 @@
         <p:spPr>
           <a:xfrm>
             <a:off x="228600" y="1638000"/>
-            <a:ext cx="9539640" cy="647640"/>
+            <a:ext cx="9539280" cy="647280"/>
           </a:xfrm>
           <a:prstGeom prst="rect">
             <a:avLst/>
@@ -6432,7 +6484,7 @@
         <p:txBody>
           <a:bodyPr/>
           <a:p>
-            <a:fld id="{A753DEDB-2F36-4614-8833-952420F9217E}" type="slidenum">
+            <a:fld id="{7A7C1546-8E13-4AC6-A0D4-98B339F4ACBA}" type="slidenum">
               <a:t>9</a:t>
             </a:fld>
           </a:p>

--- a/receptenboek.pptx
+++ b/receptenboek.pptx
@@ -679,7 +679,7 @@
         <p:txBody>
           <a:bodyPr/>
           <a:p>
-            <a:fld id="{EBA26678-CB5F-4DD1-8B01-7EAEC4135572}" type="slidenum">
+            <a:fld id="{0034A4BB-D801-48D4-8CF9-D001A75C9645}" type="slidenum">
               <a:t>&lt;#&gt;</a:t>
             </a:fld>
           </a:p>
@@ -836,7 +836,7 @@
         <p:txBody>
           <a:bodyPr/>
           <a:p>
-            <a:fld id="{9B0E37ED-2F92-4C8F-896D-D45EFE22B804}" type="slidenum">
+            <a:fld id="{910ECA47-A1E9-423C-B042-D679A8F9FB21}" type="slidenum">
               <a:t>&lt;#&gt;</a:t>
             </a:fld>
           </a:p>
@@ -990,7 +990,7 @@
         <p:txBody>
           <a:bodyPr/>
           <a:p>
-            <a:fld id="{A52A747D-2EC7-4660-A363-FEEDCDB41930}" type="slidenum">
+            <a:fld id="{9EFA936C-14E3-40DE-9870-0B9F79A2A82B}" type="slidenum">
               <a:t>&lt;#&gt;</a:t>
             </a:fld>
           </a:p>
@@ -1178,7 +1178,7 @@
         <p:txBody>
           <a:bodyPr/>
           <a:p>
-            <a:fld id="{3FF5657A-0E96-43ED-A551-86BCB40A1ED4}" type="slidenum">
+            <a:fld id="{AC73CD0B-D120-4A5B-B230-2FDDEF7B2412}" type="slidenum">
               <a:t>&lt;#&gt;</a:t>
             </a:fld>
           </a:p>
@@ -1298,7 +1298,7 @@
         <p:txBody>
           <a:bodyPr/>
           <a:p>
-            <a:fld id="{D6F0D01C-24B8-4143-B68A-207CE0F18024}" type="slidenum">
+            <a:fld id="{B24B6610-5412-4395-82A8-2B3A5B212610}" type="slidenum">
               <a:t>&lt;#&gt;</a:t>
             </a:fld>
           </a:p>
@@ -1418,7 +1418,7 @@
         <p:txBody>
           <a:bodyPr/>
           <a:p>
-            <a:fld id="{D7DDDA14-E847-4C0A-8364-6ADD199692AA}" type="slidenum">
+            <a:fld id="{BC657219-EF7A-49D5-B249-3275C6B1D820}" type="slidenum">
               <a:t>&lt;#&gt;</a:t>
             </a:fld>
           </a:p>
@@ -1640,7 +1640,7 @@
         <p:txBody>
           <a:bodyPr/>
           <a:p>
-            <a:fld id="{F6EE1A45-4DF5-419F-82FF-CCA82294C62C}" type="slidenum">
+            <a:fld id="{52DC9F47-284F-4D88-B8FE-B3F1621C2AFC}" type="slidenum">
               <a:t>&lt;#&gt;</a:t>
             </a:fld>
           </a:p>
@@ -1958,7 +1958,7 @@
         <p:txBody>
           <a:bodyPr/>
           <a:p>
-            <a:fld id="{EBF0804B-B03F-45F6-B319-1511E981C29F}" type="slidenum">
+            <a:fld id="{9E2E1F41-B26A-4D67-AABC-7B1BDCD30BDB}" type="slidenum">
               <a:t>&lt;#&gt;</a:t>
             </a:fld>
           </a:p>
@@ -2180,7 +2180,7 @@
         <p:txBody>
           <a:bodyPr/>
           <a:p>
-            <a:fld id="{1595D0A7-DC1B-4954-8068-741EBBE8AE8B}" type="slidenum">
+            <a:fld id="{CB20F69C-7CCA-4ED3-B9EE-62714F580E49}" type="slidenum">
               <a:t>&lt;#&gt;</a:t>
             </a:fld>
           </a:p>
@@ -2368,7 +2368,7 @@
         <p:txBody>
           <a:bodyPr/>
           <a:p>
-            <a:fld id="{6C1078B1-FF53-45F6-B23E-9BE77D8C6152}" type="slidenum">
+            <a:fld id="{38AFD670-B085-4274-AACD-4CDFCC4E7CE9}" type="slidenum">
               <a:t>&lt;#&gt;</a:t>
             </a:fld>
           </a:p>
@@ -2624,7 +2624,7 @@
         <p:txBody>
           <a:bodyPr/>
           <a:p>
-            <a:fld id="{CCBC03AC-1324-4B63-ACB6-439FC2C2331C}" type="slidenum">
+            <a:fld id="{CAD7A10A-91AC-4BC9-8E8B-32F0D46917AE}" type="slidenum">
               <a:t>&lt;#&gt;</a:t>
             </a:fld>
           </a:p>
@@ -2948,7 +2948,7 @@
         <p:txBody>
           <a:bodyPr/>
           <a:p>
-            <a:fld id="{2468B8B4-FA7A-4C46-BA85-0A8E02837257}" type="slidenum">
+            <a:fld id="{DB2241D8-C91C-41C2-B8B1-F8E5EC676B1E}" type="slidenum">
               <a:t>&lt;#&gt;</a:t>
             </a:fld>
           </a:p>
@@ -3834,7 +3834,7 @@
         <p:spPr>
           <a:xfrm>
             <a:off x="4104000" y="4896000"/>
-            <a:ext cx="4391280" cy="345600"/>
+            <a:ext cx="4390560" cy="344880"/>
           </a:xfrm>
           <a:prstGeom prst="rect">
             <a:avLst/>
@@ -3861,7 +3861,7 @@
               </a:lnSpc>
               <a:buNone/>
             </a:pPr>
-            <a:fld id="{4A474064-169B-4B09-9BC5-9F6DD2A48959}" type="author">
+            <a:fld id="{C82E7F7D-63F2-4935-8685-88EE4502A673}" type="author">
               <a:rPr b="0" lang="en-US" sz="1800" spc="-1" strike="noStrike">
                 <a:solidFill>
                   <a:srgbClr val="000000"/>
@@ -3886,7 +3886,7 @@
         <p:spPr>
           <a:xfrm>
             <a:off x="25920" y="4628880"/>
-            <a:ext cx="6119280" cy="17280"/>
+            <a:ext cx="6118560" cy="16560"/>
           </a:xfrm>
           <a:custGeom>
             <a:avLst/>
@@ -3946,7 +3946,7 @@
         <p:spPr>
           <a:xfrm>
             <a:off x="3859200" y="5324400"/>
-            <a:ext cx="6239520" cy="6480"/>
+            <a:ext cx="6238800" cy="5760"/>
           </a:xfrm>
           <a:custGeom>
             <a:avLst/>
@@ -4006,7 +4006,7 @@
         <p:spPr>
           <a:xfrm>
             <a:off x="4044960" y="4944960"/>
-            <a:ext cx="6480" cy="486720"/>
+            <a:ext cx="5760" cy="486000"/>
           </a:xfrm>
           <a:custGeom>
             <a:avLst/>
@@ -4061,8 +4061,8 @@
         </p:nvSpPr>
         <p:spPr>
           <a:xfrm>
-            <a:off x="144000" y="72000"/>
-            <a:ext cx="9539280" cy="647280"/>
+            <a:off x="504000" y="226080"/>
+            <a:ext cx="9072000" cy="946440"/>
           </a:xfrm>
           <a:prstGeom prst="rect">
             <a:avLst/>
@@ -4077,13 +4077,16 @@
             <a:noAutofit/>
           </a:bodyPr>
           <a:p>
-            <a:r>
-              <a:rPr b="0" lang="en-US" sz="1800" spc="-1" strike="noStrike">
+            <a:pPr algn="ctr">
+              <a:buNone/>
+            </a:pPr>
+            <a:r>
+              <a:rPr b="0" lang="en-US" sz="4400" spc="-1" strike="noStrike">
                 <a:latin typeface="Arial"/>
               </a:rPr>
               <a:t>Click to edit the title text format</a:t>
             </a:r>
-            <a:endParaRPr b="0" lang="en-US" sz="1800" spc="-1" strike="noStrike">
+            <a:endParaRPr b="0" lang="en-US" sz="4400" spc="-1" strike="noStrike">
               <a:latin typeface="Arial"/>
             </a:endParaRPr>
           </a:p>
@@ -4102,7 +4105,7 @@
         <p:spPr>
           <a:xfrm>
             <a:off x="504000" y="1326600"/>
-            <a:ext cx="9070920" cy="3287520"/>
+            <a:ext cx="9072000" cy="3288600"/>
           </a:xfrm>
           <a:prstGeom prst="rect">
             <a:avLst/>
@@ -4129,12 +4132,12 @@
               <a:buChar char=""/>
             </a:pPr>
             <a:r>
-              <a:rPr b="0" lang="en-US" sz="1800" spc="-1" strike="noStrike">
+              <a:rPr b="0" lang="en-US" sz="3200" spc="-1" strike="noStrike">
                 <a:latin typeface="Arial"/>
               </a:rPr>
               <a:t>Click to edit the outline text format</a:t>
             </a:r>
-            <a:endParaRPr b="0" lang="en-US" sz="1800" spc="-1" strike="noStrike">
+            <a:endParaRPr b="0" lang="en-US" sz="3200" spc="-1" strike="noStrike">
               <a:latin typeface="Arial"/>
             </a:endParaRPr>
           </a:p>
@@ -4151,12 +4154,12 @@
               <a:buChar char=""/>
             </a:pPr>
             <a:r>
-              <a:rPr b="0" lang="en-US" sz="1800" spc="-1" strike="noStrike">
+              <a:rPr b="0" lang="en-US" sz="2800" spc="-1" strike="noStrike">
                 <a:latin typeface="Arial"/>
               </a:rPr>
               <a:t>Second Outline Level</a:t>
             </a:r>
-            <a:endParaRPr b="0" lang="en-US" sz="1800" spc="-1" strike="noStrike">
+            <a:endParaRPr b="0" lang="en-US" sz="2800" spc="-1" strike="noStrike">
               <a:latin typeface="Arial"/>
             </a:endParaRPr>
           </a:p>
@@ -4173,12 +4176,12 @@
               <a:buChar char=""/>
             </a:pPr>
             <a:r>
-              <a:rPr b="0" lang="en-US" sz="1800" spc="-1" strike="noStrike">
+              <a:rPr b="0" lang="en-US" sz="2400" spc="-1" strike="noStrike">
                 <a:latin typeface="Arial"/>
               </a:rPr>
               <a:t>Third Outline Level</a:t>
             </a:r>
-            <a:endParaRPr b="0" lang="en-US" sz="1800" spc="-1" strike="noStrike">
+            <a:endParaRPr b="0" lang="en-US" sz="2400" spc="-1" strike="noStrike">
               <a:latin typeface="Arial"/>
             </a:endParaRPr>
           </a:p>
@@ -4195,12 +4198,12 @@
               <a:buChar char=""/>
             </a:pPr>
             <a:r>
-              <a:rPr b="0" lang="en-US" sz="1800" spc="-1" strike="noStrike">
+              <a:rPr b="0" lang="en-US" sz="2000" spc="-1" strike="noStrike">
                 <a:latin typeface="Arial"/>
               </a:rPr>
               <a:t>Fourth Outline Level</a:t>
             </a:r>
-            <a:endParaRPr b="0" lang="en-US" sz="1800" spc="-1" strike="noStrike">
+            <a:endParaRPr b="0" lang="en-US" sz="2000" spc="-1" strike="noStrike">
               <a:latin typeface="Arial"/>
             </a:endParaRPr>
           </a:p>
@@ -4217,12 +4220,12 @@
               <a:buChar char=""/>
             </a:pPr>
             <a:r>
-              <a:rPr b="0" lang="en-US" sz="1800" spc="-1" strike="noStrike">
+              <a:rPr b="0" lang="en-US" sz="2000" spc="-1" strike="noStrike">
                 <a:latin typeface="Arial"/>
               </a:rPr>
               <a:t>Fifth Outline Level</a:t>
             </a:r>
-            <a:endParaRPr b="0" lang="en-US" sz="1800" spc="-1" strike="noStrike">
+            <a:endParaRPr b="0" lang="en-US" sz="2000" spc="-1" strike="noStrike">
               <a:latin typeface="Arial"/>
             </a:endParaRPr>
           </a:p>
@@ -4239,12 +4242,12 @@
               <a:buChar char=""/>
             </a:pPr>
             <a:r>
-              <a:rPr b="0" lang="en-US" sz="1800" spc="-1" strike="noStrike">
+              <a:rPr b="0" lang="en-US" sz="2000" spc="-1" strike="noStrike">
                 <a:latin typeface="Arial"/>
               </a:rPr>
               <a:t>Sixth Outline Level</a:t>
             </a:r>
-            <a:endParaRPr b="0" lang="en-US" sz="1800" spc="-1" strike="noStrike">
+            <a:endParaRPr b="0" lang="en-US" sz="2000" spc="-1" strike="noStrike">
               <a:latin typeface="Arial"/>
             </a:endParaRPr>
           </a:p>
@@ -4261,12 +4264,12 @@
               <a:buChar char=""/>
             </a:pPr>
             <a:r>
-              <a:rPr b="0" lang="en-US" sz="1800" spc="-1" strike="noStrike">
+              <a:rPr b="0" lang="en-US" sz="2000" spc="-1" strike="noStrike">
                 <a:latin typeface="Arial"/>
               </a:rPr>
               <a:t>Seventh Outline Level</a:t>
             </a:r>
-            <a:endParaRPr b="0" lang="en-US" sz="1800" spc="-1" strike="noStrike">
+            <a:endParaRPr b="0" lang="en-US" sz="2000" spc="-1" strike="noStrike">
               <a:latin typeface="Arial"/>
             </a:endParaRPr>
           </a:p>
@@ -4325,7 +4328,7 @@
         <p:spPr>
           <a:xfrm>
             <a:off x="20880" y="607320"/>
-            <a:ext cx="6119280" cy="17280"/>
+            <a:ext cx="6118560" cy="16560"/>
           </a:xfrm>
           <a:custGeom>
             <a:avLst/>
@@ -4385,7 +4388,7 @@
         <p:spPr>
           <a:xfrm>
             <a:off x="4430520" y="840960"/>
-            <a:ext cx="5673240" cy="6480"/>
+            <a:ext cx="5672520" cy="5760"/>
           </a:xfrm>
           <a:custGeom>
             <a:avLst/>
@@ -4445,7 +4448,7 @@
         <p:spPr>
           <a:xfrm>
             <a:off x="9819720" y="474480"/>
-            <a:ext cx="6480" cy="492480"/>
+            <a:ext cx="5760" cy="491760"/>
           </a:xfrm>
           <a:custGeom>
             <a:avLst/>
@@ -4497,7 +4500,7 @@
         <p:spPr>
           <a:xfrm>
             <a:off x="1900800" y="5204880"/>
-            <a:ext cx="7464600" cy="6480"/>
+            <a:ext cx="7463880" cy="5760"/>
           </a:xfrm>
           <a:custGeom>
             <a:avLst/>
@@ -4557,7 +4560,7 @@
         <p:spPr>
           <a:xfrm>
             <a:off x="9259920" y="4917240"/>
-            <a:ext cx="6480" cy="348840"/>
+            <a:ext cx="5760" cy="348120"/>
           </a:xfrm>
           <a:custGeom>
             <a:avLst/>
@@ -4613,7 +4616,7 @@
         <p:spPr>
           <a:xfrm>
             <a:off x="2520000" y="5256000"/>
-            <a:ext cx="4679280" cy="409680"/>
+            <a:ext cx="4678560" cy="408960"/>
           </a:xfrm>
           <a:prstGeom prst="rect">
             <a:avLst/>
@@ -4670,7 +4673,7 @@
         <p:spPr>
           <a:xfrm>
             <a:off x="7560000" y="5256000"/>
-            <a:ext cx="1619280" cy="409680"/>
+            <a:ext cx="1618560" cy="408960"/>
           </a:xfrm>
           <a:prstGeom prst="rect">
             <a:avLst/>
@@ -4702,7 +4705,7 @@
               </a:lnSpc>
               <a:buNone/>
             </a:pPr>
-            <a:fld id="{FD1E6A4B-99F0-45C0-9926-15700034BA41}" type="slidenum">
+            <a:fld id="{B6644789-7281-4973-A5B7-6C9E6B2B40B4}" type="slidenum">
               <a:rPr b="0" lang="en-US" sz="1400" spc="-1" strike="noStrike">
                 <a:latin typeface="Arial"/>
               </a:rPr>
@@ -4727,7 +4730,7 @@
         <p:spPr>
           <a:xfrm>
             <a:off x="504000" y="5256000"/>
-            <a:ext cx="1655280" cy="409680"/>
+            <a:ext cx="1654560" cy="408960"/>
           </a:xfrm>
           <a:prstGeom prst="rect">
             <a:avLst/>
@@ -5037,7 +5040,7 @@
         <p:spPr>
           <a:xfrm>
             <a:off x="457200" y="1600200"/>
-            <a:ext cx="8999280" cy="657720"/>
+            <a:ext cx="8998560" cy="657000"/>
           </a:xfrm>
           <a:prstGeom prst="rect">
             <a:avLst/>
@@ -5113,7 +5116,7 @@
         <p:spPr>
           <a:xfrm>
             <a:off x="144000" y="72000"/>
-            <a:ext cx="9539280" cy="647280"/>
+            <a:ext cx="9538560" cy="646560"/>
           </a:xfrm>
           <a:prstGeom prst="rect">
             <a:avLst/>
@@ -5159,7 +5162,7 @@
         <p:spPr>
           <a:xfrm>
             <a:off x="504000" y="1283760"/>
-            <a:ext cx="9070920" cy="3287520"/>
+            <a:ext cx="9070200" cy="3286800"/>
           </a:xfrm>
           <a:prstGeom prst="rect">
             <a:avLst/>
@@ -5239,7 +5242,7 @@
         <p:txBody>
           <a:bodyPr/>
           <a:p>
-            <a:fld id="{51346521-2099-4540-AF25-B37EA0D9431D}" type="slidenum">
+            <a:fld id="{4F68EA56-170C-4F31-8297-6C546694F62D}" type="slidenum">
               <a:t>2</a:t>
             </a:fld>
           </a:p>
@@ -5288,7 +5291,7 @@
         <p:spPr>
           <a:xfrm>
             <a:off x="144000" y="72000"/>
-            <a:ext cx="9539280" cy="647280"/>
+            <a:ext cx="9538560" cy="646560"/>
           </a:xfrm>
           <a:prstGeom prst="rect">
             <a:avLst/>
@@ -5334,7 +5337,7 @@
         <p:spPr>
           <a:xfrm>
             <a:off x="504000" y="1326600"/>
-            <a:ext cx="9070920" cy="3287520"/>
+            <a:ext cx="9070200" cy="3286800"/>
           </a:xfrm>
           <a:prstGeom prst="rect">
             <a:avLst/>
@@ -5420,7 +5423,7 @@
                 <a:latin typeface="Arial"/>
                 <a:ea typeface="Arial"/>
               </a:rPr>
-              <a:t>Uitleg code</a:t>
+              <a:t>Uitleg project structuur</a:t>
             </a:r>
             <a:endParaRPr b="0" lang="en-US" sz="1800" spc="-1" strike="noStrike">
               <a:latin typeface="Arial"/>
@@ -5494,7 +5497,7 @@
         <p:txBody>
           <a:bodyPr/>
           <a:p>
-            <a:fld id="{17EE2ECD-CB5F-490C-A304-F4731B2CB055}" type="slidenum">
+            <a:fld id="{A8EFC766-ACED-42CC-A291-C2C9E190D67B}" type="slidenum">
               <a:t>3</a:t>
             </a:fld>
           </a:p>
@@ -5543,7 +5546,7 @@
         <p:spPr>
           <a:xfrm>
             <a:off x="144000" y="72000"/>
-            <a:ext cx="9539280" cy="647280"/>
+            <a:ext cx="9538560" cy="646560"/>
           </a:xfrm>
           <a:prstGeom prst="rect">
             <a:avLst/>
@@ -5589,7 +5592,7 @@
         <p:spPr>
           <a:xfrm>
             <a:off x="457200" y="1284120"/>
-            <a:ext cx="9070920" cy="3287520"/>
+            <a:ext cx="9070200" cy="3286800"/>
           </a:xfrm>
           <a:prstGeom prst="rect">
             <a:avLst/>
@@ -5819,7 +5822,7 @@
         <p:txBody>
           <a:bodyPr/>
           <a:p>
-            <a:fld id="{A986DDFD-267B-4604-8EC9-D5F78FAF54BE}" type="slidenum">
+            <a:fld id="{3FD66E4A-F2DC-4826-8038-B81877E49415}" type="slidenum">
               <a:t>4</a:t>
             </a:fld>
           </a:p>
@@ -5864,7 +5867,7 @@
         <p:spPr>
           <a:xfrm>
             <a:off x="504000" y="1326960"/>
-            <a:ext cx="9070920" cy="3287520"/>
+            <a:ext cx="9070200" cy="3286800"/>
           </a:xfrm>
           <a:prstGeom prst="rect">
             <a:avLst/>
@@ -5901,11 +5904,18 @@
             </a:pPr>
             <a:r>
               <a:rPr b="0" lang="en-US" sz="3200" spc="-1" strike="noStrike">
+                <a:solidFill>
+                  <a:srgbClr val="ffffff"/>
+                </a:solidFill>
                 <a:latin typeface="Arial"/>
+                <a:ea typeface="DejaVu Sans"/>
               </a:rPr>
               <a:t>tabel recepten</a:t>
             </a:r>
             <a:endParaRPr b="0" lang="en-US" sz="3200" spc="-1" strike="noStrike">
+              <a:solidFill>
+                <a:srgbClr val="ffffff"/>
+              </a:solidFill>
               <a:latin typeface="Arial"/>
             </a:endParaRPr>
           </a:p>
@@ -5926,11 +5936,18 @@
             </a:pPr>
             <a:r>
               <a:rPr b="0" lang="en-US" sz="3200" spc="-1" strike="noStrike">
+                <a:solidFill>
+                  <a:srgbClr val="ffffff"/>
+                </a:solidFill>
                 <a:latin typeface="Arial"/>
+                <a:ea typeface="DejaVu Sans"/>
               </a:rPr>
               <a:t>tabel ingredienten</a:t>
             </a:r>
             <a:endParaRPr b="0" lang="en-US" sz="3200" spc="-1" strike="noStrike">
+              <a:solidFill>
+                <a:srgbClr val="ffffff"/>
+              </a:solidFill>
               <a:latin typeface="Arial"/>
             </a:endParaRPr>
           </a:p>
@@ -5951,11 +5968,18 @@
             </a:pPr>
             <a:r>
               <a:rPr b="0" lang="en-US" sz="3200" spc="-1" strike="noStrike">
+                <a:solidFill>
+                  <a:srgbClr val="ffffff"/>
+                </a:solidFill>
                 <a:latin typeface="Arial"/>
+                <a:ea typeface="DejaVu Sans"/>
               </a:rPr>
               <a:t>tabel om deze 2 te koppelen</a:t>
             </a:r>
             <a:endParaRPr b="0" lang="en-US" sz="3200" spc="-1" strike="noStrike">
+              <a:solidFill>
+                <a:srgbClr val="ffffff"/>
+              </a:solidFill>
               <a:latin typeface="Arial"/>
             </a:endParaRPr>
           </a:p>
@@ -5976,11 +6000,18 @@
             </a:pPr>
             <a:r>
               <a:rPr b="0" lang="en-US" sz="3200" spc="-1" strike="noStrike">
+                <a:solidFill>
+                  <a:srgbClr val="ffffff"/>
+                </a:solidFill>
                 <a:latin typeface="Arial"/>
+                <a:ea typeface="DejaVu Sans"/>
               </a:rPr>
               <a:t>een recept heeft een timestamp</a:t>
             </a:r>
             <a:endParaRPr b="0" lang="en-US" sz="3200" spc="-1" strike="noStrike">
+              <a:solidFill>
+                <a:srgbClr val="ffffff"/>
+              </a:solidFill>
               <a:latin typeface="Arial"/>
             </a:endParaRPr>
           </a:p>
@@ -5999,7 +6030,7 @@
         <p:spPr>
           <a:xfrm>
             <a:off x="144000" y="72000"/>
-            <a:ext cx="9539280" cy="647280"/>
+            <a:ext cx="9538560" cy="646560"/>
           </a:xfrm>
           <a:prstGeom prst="rect">
             <a:avLst/>
@@ -6046,7 +6077,7 @@
         <p:txBody>
           <a:bodyPr/>
           <a:p>
-            <a:fld id="{D008AEAA-2089-4EC1-B940-4F6D2CBA76B4}" type="slidenum">
+            <a:fld id="{9E7959B2-A465-4A7D-B42A-A07D177D8D5B}" type="slidenum">
               <a:t>5</a:t>
             </a:fld>
           </a:p>
@@ -6095,7 +6126,7 @@
         <p:spPr>
           <a:xfrm>
             <a:off x="144000" y="72000"/>
-            <a:ext cx="9539280" cy="647280"/>
+            <a:ext cx="9538560" cy="646560"/>
           </a:xfrm>
           <a:prstGeom prst="rect">
             <a:avLst/>
@@ -6141,7 +6172,7 @@
         <p:spPr>
           <a:xfrm>
             <a:off x="504000" y="1326600"/>
-            <a:ext cx="9070920" cy="3287520"/>
+            <a:ext cx="9070200" cy="3286800"/>
           </a:xfrm>
           <a:prstGeom prst="rect">
             <a:avLst/>
@@ -6171,10 +6202,15 @@
               <a:buChar char=""/>
             </a:pPr>
             <a:r>
-              <a:rPr b="0" lang="en-US" sz="3200" spc="-1" strike="noStrike">
+              <a:rPr b="0" lang="en-US" sz="3200" spc="-1" strike="noStrike" u="sng">
+                <a:solidFill>
+                  <a:srgbClr val="0000ff"/>
+                </a:solidFill>
+                <a:uFillTx/>
                 <a:latin typeface="Arial"/>
+                <a:hlinkClick r:id="rId1"/>
               </a:rPr>
-              <a:t>Website ← nog linken voor de laptop die we gaan gebruiken</a:t>
+              <a:t>Website</a:t>
             </a:r>
             <a:endParaRPr b="0" lang="en-US" sz="3200" spc="-1" strike="noStrike">
               <a:latin typeface="Arial"/>
@@ -6196,7 +6232,7 @@
         <p:txBody>
           <a:bodyPr/>
           <a:p>
-            <a:fld id="{D1F97021-BE7D-47FA-BC4F-E09FD93C8FAC}" type="slidenum">
+            <a:fld id="{2F11C848-DF36-4650-90E0-A5842A83BCF6}" type="slidenum">
               <a:t>6</a:t>
             </a:fld>
           </a:p>
@@ -6245,7 +6281,7 @@
         <p:spPr>
           <a:xfrm>
             <a:off x="228600" y="1638000"/>
-            <a:ext cx="9539280" cy="647280"/>
+            <a:ext cx="9538560" cy="646560"/>
           </a:xfrm>
           <a:prstGeom prst="rect">
             <a:avLst/>
@@ -6270,7 +6306,7 @@
               <a:rPr b="0" lang="en-US" sz="4400" spc="-1" strike="noStrike">
                 <a:latin typeface="Arial"/>
               </a:rPr>
-              <a:t>Uitleg code</a:t>
+              <a:t>Uitleg project structuur</a:t>
             </a:r>
             <a:endParaRPr b="0" lang="en-US" sz="4400" spc="-1" strike="noStrike">
               <a:latin typeface="Arial"/>
@@ -6292,7 +6328,7 @@
         <p:txBody>
           <a:bodyPr/>
           <a:p>
-            <a:fld id="{32332816-D618-4E02-A438-667291E4ABD2}" type="slidenum">
+            <a:fld id="{01D6D555-FCFE-4E5D-9DFD-50E5253E58A0}" type="slidenum">
               <a:t>7</a:t>
             </a:fld>
           </a:p>
@@ -6341,7 +6377,7 @@
         <p:spPr>
           <a:xfrm>
             <a:off x="228600" y="1600200"/>
-            <a:ext cx="9539280" cy="647280"/>
+            <a:ext cx="9538560" cy="646560"/>
           </a:xfrm>
           <a:prstGeom prst="rect">
             <a:avLst/>
@@ -6388,7 +6424,7 @@
         <p:txBody>
           <a:bodyPr/>
           <a:p>
-            <a:fld id="{CE117558-B40A-47CA-ADE2-D372E5B4C349}" type="slidenum">
+            <a:fld id="{9A9E3B49-599E-42CF-A2B2-F1A522EE81EB}" type="slidenum">
               <a:t>8</a:t>
             </a:fld>
           </a:p>
@@ -6437,7 +6473,7 @@
         <p:spPr>
           <a:xfrm>
             <a:off x="228600" y="1638000"/>
-            <a:ext cx="9539280" cy="647280"/>
+            <a:ext cx="9538560" cy="646560"/>
           </a:xfrm>
           <a:prstGeom prst="rect">
             <a:avLst/>
@@ -6484,7 +6520,7 @@
         <p:txBody>
           <a:bodyPr/>
           <a:p>
-            <a:fld id="{7A7C1546-8E13-4AC6-A0D4-98B339F4ACBA}" type="slidenum">
+            <a:fld id="{CFE0F5D9-7180-4A69-93C9-4049B0D22EDA}" type="slidenum">
               <a:t>9</a:t>
             </a:fld>
           </a:p>

--- a/receptenboek.pptx
+++ b/receptenboek.pptx
@@ -679,7 +679,7 @@
         <p:txBody>
           <a:bodyPr/>
           <a:p>
-            <a:fld id="{0034A4BB-D801-48D4-8CF9-D001A75C9645}" type="slidenum">
+            <a:fld id="{9D68B13F-7A18-49F4-A537-8F736308E916}" type="slidenum">
               <a:t>&lt;#&gt;</a:t>
             </a:fld>
           </a:p>
@@ -836,7 +836,7 @@
         <p:txBody>
           <a:bodyPr/>
           <a:p>
-            <a:fld id="{910ECA47-A1E9-423C-B042-D679A8F9FB21}" type="slidenum">
+            <a:fld id="{5E7BA6CF-8ED5-492B-8C33-8622667BCC3A}" type="slidenum">
               <a:t>&lt;#&gt;</a:t>
             </a:fld>
           </a:p>
@@ -990,7 +990,7 @@
         <p:txBody>
           <a:bodyPr/>
           <a:p>
-            <a:fld id="{9EFA936C-14E3-40DE-9870-0B9F79A2A82B}" type="slidenum">
+            <a:fld id="{37A4105B-23BC-4CBE-82D1-E9680E1E9D24}" type="slidenum">
               <a:t>&lt;#&gt;</a:t>
             </a:fld>
           </a:p>
@@ -1178,7 +1178,7 @@
         <p:txBody>
           <a:bodyPr/>
           <a:p>
-            <a:fld id="{AC73CD0B-D120-4A5B-B230-2FDDEF7B2412}" type="slidenum">
+            <a:fld id="{722ACC46-7E1B-456E-9BDC-5DBCDAEC08DF}" type="slidenum">
               <a:t>&lt;#&gt;</a:t>
             </a:fld>
           </a:p>
@@ -1298,7 +1298,7 @@
         <p:txBody>
           <a:bodyPr/>
           <a:p>
-            <a:fld id="{B24B6610-5412-4395-82A8-2B3A5B212610}" type="slidenum">
+            <a:fld id="{79EF4F4D-D79F-495D-9E9E-ACF671CCB09C}" type="slidenum">
               <a:t>&lt;#&gt;</a:t>
             </a:fld>
           </a:p>
@@ -1418,7 +1418,7 @@
         <p:txBody>
           <a:bodyPr/>
           <a:p>
-            <a:fld id="{BC657219-EF7A-49D5-B249-3275C6B1D820}" type="slidenum">
+            <a:fld id="{A130A2DA-B026-483E-A75C-8104440A88F0}" type="slidenum">
               <a:t>&lt;#&gt;</a:t>
             </a:fld>
           </a:p>
@@ -1640,7 +1640,7 @@
         <p:txBody>
           <a:bodyPr/>
           <a:p>
-            <a:fld id="{52DC9F47-284F-4D88-B8FE-B3F1621C2AFC}" type="slidenum">
+            <a:fld id="{CC4B6C9C-5DE7-4C94-B7C9-3CFFBC1097F3}" type="slidenum">
               <a:t>&lt;#&gt;</a:t>
             </a:fld>
           </a:p>
@@ -1958,7 +1958,7 @@
         <p:txBody>
           <a:bodyPr/>
           <a:p>
-            <a:fld id="{9E2E1F41-B26A-4D67-AABC-7B1BDCD30BDB}" type="slidenum">
+            <a:fld id="{CD3336A4-B411-4FCD-9099-E79512E87FD9}" type="slidenum">
               <a:t>&lt;#&gt;</a:t>
             </a:fld>
           </a:p>
@@ -2180,7 +2180,7 @@
         <p:txBody>
           <a:bodyPr/>
           <a:p>
-            <a:fld id="{CB20F69C-7CCA-4ED3-B9EE-62714F580E49}" type="slidenum">
+            <a:fld id="{50456B3A-26CC-407C-A21C-4980AF9BB05B}" type="slidenum">
               <a:t>&lt;#&gt;</a:t>
             </a:fld>
           </a:p>
@@ -2368,7 +2368,7 @@
         <p:txBody>
           <a:bodyPr/>
           <a:p>
-            <a:fld id="{38AFD670-B085-4274-AACD-4CDFCC4E7CE9}" type="slidenum">
+            <a:fld id="{E2DC0CA5-B570-4644-B41C-224824E7750F}" type="slidenum">
               <a:t>&lt;#&gt;</a:t>
             </a:fld>
           </a:p>
@@ -2624,7 +2624,7 @@
         <p:txBody>
           <a:bodyPr/>
           <a:p>
-            <a:fld id="{CAD7A10A-91AC-4BC9-8E8B-32F0D46917AE}" type="slidenum">
+            <a:fld id="{68DAB455-9CCC-49FB-970E-EFFF4E323CE3}" type="slidenum">
               <a:t>&lt;#&gt;</a:t>
             </a:fld>
           </a:p>
@@ -2948,7 +2948,7 @@
         <p:txBody>
           <a:bodyPr/>
           <a:p>
-            <a:fld id="{DB2241D8-C91C-41C2-B8B1-F8E5EC676B1E}" type="slidenum">
+            <a:fld id="{DB70B080-924D-4DCB-9D29-F631F75C5BAA}" type="slidenum">
               <a:t>&lt;#&gt;</a:t>
             </a:fld>
           </a:p>
@@ -3834,7 +3834,7 @@
         <p:spPr>
           <a:xfrm>
             <a:off x="4104000" y="4896000"/>
-            <a:ext cx="4390560" cy="344880"/>
+            <a:ext cx="4390200" cy="344520"/>
           </a:xfrm>
           <a:prstGeom prst="rect">
             <a:avLst/>
@@ -3861,7 +3861,7 @@
               </a:lnSpc>
               <a:buNone/>
             </a:pPr>
-            <a:fld id="{C82E7F7D-63F2-4935-8685-88EE4502A673}" type="author">
+            <a:fld id="{E640B6E5-BDD9-43D6-AF07-F3BFD8968365}" type="author">
               <a:rPr b="0" lang="en-US" sz="1800" spc="-1" strike="noStrike">
                 <a:solidFill>
                   <a:srgbClr val="000000"/>
@@ -3886,7 +3886,7 @@
         <p:spPr>
           <a:xfrm>
             <a:off x="25920" y="4628880"/>
-            <a:ext cx="6118560" cy="16560"/>
+            <a:ext cx="6118200" cy="16200"/>
           </a:xfrm>
           <a:custGeom>
             <a:avLst/>
@@ -3946,7 +3946,7 @@
         <p:spPr>
           <a:xfrm>
             <a:off x="3859200" y="5324400"/>
-            <a:ext cx="6238800" cy="5760"/>
+            <a:ext cx="6238440" cy="5400"/>
           </a:xfrm>
           <a:custGeom>
             <a:avLst/>
@@ -4006,7 +4006,7 @@
         <p:spPr>
           <a:xfrm>
             <a:off x="4044960" y="4944960"/>
-            <a:ext cx="5760" cy="486000"/>
+            <a:ext cx="5400" cy="485640"/>
           </a:xfrm>
           <a:custGeom>
             <a:avLst/>
@@ -4328,7 +4328,7 @@
         <p:spPr>
           <a:xfrm>
             <a:off x="20880" y="607320"/>
-            <a:ext cx="6118560" cy="16560"/>
+            <a:ext cx="6118200" cy="16200"/>
           </a:xfrm>
           <a:custGeom>
             <a:avLst/>
@@ -4388,7 +4388,7 @@
         <p:spPr>
           <a:xfrm>
             <a:off x="4430520" y="840960"/>
-            <a:ext cx="5672520" cy="5760"/>
+            <a:ext cx="5672160" cy="5400"/>
           </a:xfrm>
           <a:custGeom>
             <a:avLst/>
@@ -4448,7 +4448,7 @@
         <p:spPr>
           <a:xfrm>
             <a:off x="9819720" y="474480"/>
-            <a:ext cx="5760" cy="491760"/>
+            <a:ext cx="5400" cy="491400"/>
           </a:xfrm>
           <a:custGeom>
             <a:avLst/>
@@ -4500,7 +4500,7 @@
         <p:spPr>
           <a:xfrm>
             <a:off x="1900800" y="5204880"/>
-            <a:ext cx="7463880" cy="5760"/>
+            <a:ext cx="7463520" cy="5400"/>
           </a:xfrm>
           <a:custGeom>
             <a:avLst/>
@@ -4560,7 +4560,7 @@
         <p:spPr>
           <a:xfrm>
             <a:off x="9259920" y="4917240"/>
-            <a:ext cx="5760" cy="348120"/>
+            <a:ext cx="5400" cy="347760"/>
           </a:xfrm>
           <a:custGeom>
             <a:avLst/>
@@ -4616,7 +4616,7 @@
         <p:spPr>
           <a:xfrm>
             <a:off x="2520000" y="5256000"/>
-            <a:ext cx="4678560" cy="408960"/>
+            <a:ext cx="4678200" cy="408600"/>
           </a:xfrm>
           <a:prstGeom prst="rect">
             <a:avLst/>
@@ -4673,7 +4673,7 @@
         <p:spPr>
           <a:xfrm>
             <a:off x="7560000" y="5256000"/>
-            <a:ext cx="1618560" cy="408960"/>
+            <a:ext cx="1618200" cy="408600"/>
           </a:xfrm>
           <a:prstGeom prst="rect">
             <a:avLst/>
@@ -4705,7 +4705,7 @@
               </a:lnSpc>
               <a:buNone/>
             </a:pPr>
-            <a:fld id="{B6644789-7281-4973-A5B7-6C9E6B2B40B4}" type="slidenum">
+            <a:fld id="{14F01D1C-E544-4C75-90FC-4575B55EA5D1}" type="slidenum">
               <a:rPr b="0" lang="en-US" sz="1400" spc="-1" strike="noStrike">
                 <a:latin typeface="Arial"/>
               </a:rPr>
@@ -4730,7 +4730,7 @@
         <p:spPr>
           <a:xfrm>
             <a:off x="504000" y="5256000"/>
-            <a:ext cx="1654560" cy="408960"/>
+            <a:ext cx="1654200" cy="408600"/>
           </a:xfrm>
           <a:prstGeom prst="rect">
             <a:avLst/>
@@ -5040,7 +5040,7 @@
         <p:spPr>
           <a:xfrm>
             <a:off x="457200" y="1600200"/>
-            <a:ext cx="8998560" cy="657000"/>
+            <a:ext cx="8998200" cy="656640"/>
           </a:xfrm>
           <a:prstGeom prst="rect">
             <a:avLst/>
@@ -5116,7 +5116,7 @@
         <p:spPr>
           <a:xfrm>
             <a:off x="144000" y="72000"/>
-            <a:ext cx="9538560" cy="646560"/>
+            <a:ext cx="9538200" cy="646200"/>
           </a:xfrm>
           <a:prstGeom prst="rect">
             <a:avLst/>
@@ -5162,7 +5162,7 @@
         <p:spPr>
           <a:xfrm>
             <a:off x="504000" y="1283760"/>
-            <a:ext cx="9070200" cy="3286800"/>
+            <a:ext cx="9069840" cy="3286440"/>
           </a:xfrm>
           <a:prstGeom prst="rect">
             <a:avLst/>
@@ -5242,7 +5242,7 @@
         <p:txBody>
           <a:bodyPr/>
           <a:p>
-            <a:fld id="{4F68EA56-170C-4F31-8297-6C546694F62D}" type="slidenum">
+            <a:fld id="{74AD9C0E-EF6B-4FCC-921E-C936A9EE9E43}" type="slidenum">
               <a:t>2</a:t>
             </a:fld>
           </a:p>
@@ -5291,7 +5291,7 @@
         <p:spPr>
           <a:xfrm>
             <a:off x="144000" y="72000"/>
-            <a:ext cx="9538560" cy="646560"/>
+            <a:ext cx="9538200" cy="646200"/>
           </a:xfrm>
           <a:prstGeom prst="rect">
             <a:avLst/>
@@ -5336,8 +5336,8 @@
         </p:nvSpPr>
         <p:spPr>
           <a:xfrm>
-            <a:off x="504000" y="1326600"/>
-            <a:ext cx="9070200" cy="3286800"/>
+            <a:off x="504000" y="1371600"/>
+            <a:ext cx="9069840" cy="3286440"/>
           </a:xfrm>
           <a:prstGeom prst="rect">
             <a:avLst/>
@@ -5366,7 +5366,7 @@
             <a:r>
               <a:rPr b="0" lang="nl" sz="1800" spc="-1" strike="noStrike">
                 <a:solidFill>
-                  <a:srgbClr val="adadad"/>
+                  <a:srgbClr val="ffffff"/>
                 </a:solidFill>
                 <a:latin typeface="Arial"/>
                 <a:ea typeface="Arial"/>
@@ -5374,6 +5374,9 @@
               <a:t>Wat zijn de requirements</a:t>
             </a:r>
             <a:endParaRPr b="0" lang="en-US" sz="1800" spc="-1" strike="noStrike">
+              <a:solidFill>
+                <a:srgbClr val="ffffff"/>
+              </a:solidFill>
               <a:latin typeface="Arial"/>
             </a:endParaRPr>
           </a:p>
@@ -5392,7 +5395,7 @@
             <a:r>
               <a:rPr b="0" lang="nl" sz="1800" spc="-1" strike="noStrike">
                 <a:solidFill>
-                  <a:srgbClr val="adadad"/>
+                  <a:srgbClr val="ffffff"/>
                 </a:solidFill>
                 <a:latin typeface="Arial"/>
                 <a:ea typeface="Arial"/>
@@ -5400,6 +5403,9 @@
               <a:t>Demo</a:t>
             </a:r>
             <a:endParaRPr b="0" lang="en-US" sz="1800" spc="-1" strike="noStrike">
+              <a:solidFill>
+                <a:srgbClr val="ffffff"/>
+              </a:solidFill>
               <a:latin typeface="Arial"/>
             </a:endParaRPr>
           </a:p>
@@ -5418,7 +5424,7 @@
             <a:r>
               <a:rPr b="0" lang="nl" sz="1800" spc="-1" strike="noStrike">
                 <a:solidFill>
-                  <a:srgbClr val="adadad"/>
+                  <a:srgbClr val="ffffff"/>
                 </a:solidFill>
                 <a:latin typeface="Arial"/>
                 <a:ea typeface="Arial"/>
@@ -5426,6 +5432,9 @@
               <a:t>Uitleg project structuur</a:t>
             </a:r>
             <a:endParaRPr b="0" lang="en-US" sz="1800" spc="-1" strike="noStrike">
+              <a:solidFill>
+                <a:srgbClr val="ffffff"/>
+              </a:solidFill>
               <a:latin typeface="Arial"/>
             </a:endParaRPr>
           </a:p>
@@ -5444,7 +5453,7 @@
             <a:r>
               <a:rPr b="0" lang="nl" sz="1800" spc="-1" strike="noStrike">
                 <a:solidFill>
-                  <a:srgbClr val="adadad"/>
+                  <a:srgbClr val="ffffff"/>
                 </a:solidFill>
                 <a:latin typeface="Arial"/>
                 <a:ea typeface="Arial"/>
@@ -5452,6 +5461,9 @@
               <a:t>Vragen en Feedback</a:t>
             </a:r>
             <a:endParaRPr b="0" lang="en-US" sz="1800" spc="-1" strike="noStrike">
+              <a:solidFill>
+                <a:srgbClr val="ffffff"/>
+              </a:solidFill>
               <a:latin typeface="Arial"/>
             </a:endParaRPr>
           </a:p>
@@ -5470,7 +5482,7 @@
             <a:r>
               <a:rPr b="0" lang="nl" sz="1800" spc="-1" strike="noStrike">
                 <a:solidFill>
-                  <a:srgbClr val="adadad"/>
+                  <a:srgbClr val="ffffff"/>
                 </a:solidFill>
                 <a:latin typeface="Arial"/>
                 <a:ea typeface="Arial"/>
@@ -5478,6 +5490,9 @@
               <a:t>Afsluiting</a:t>
             </a:r>
             <a:endParaRPr b="0" lang="en-US" sz="1800" spc="-1" strike="noStrike">
+              <a:solidFill>
+                <a:srgbClr val="ffffff"/>
+              </a:solidFill>
               <a:latin typeface="Arial"/>
             </a:endParaRPr>
           </a:p>
@@ -5497,7 +5512,7 @@
         <p:txBody>
           <a:bodyPr/>
           <a:p>
-            <a:fld id="{A8EFC766-ACED-42CC-A291-C2C9E190D67B}" type="slidenum">
+            <a:fld id="{ED8F02D3-1B9A-4CE7-80D1-CF69BFCBC503}" type="slidenum">
               <a:t>3</a:t>
             </a:fld>
           </a:p>
@@ -5546,7 +5561,7 @@
         <p:spPr>
           <a:xfrm>
             <a:off x="144000" y="72000"/>
-            <a:ext cx="9538560" cy="646560"/>
+            <a:ext cx="9538200" cy="646200"/>
           </a:xfrm>
           <a:prstGeom prst="rect">
             <a:avLst/>
@@ -5592,7 +5607,7 @@
         <p:spPr>
           <a:xfrm>
             <a:off x="457200" y="1284120"/>
-            <a:ext cx="9070200" cy="3286800"/>
+            <a:ext cx="9069840" cy="3286440"/>
           </a:xfrm>
           <a:prstGeom prst="rect">
             <a:avLst/>
@@ -5822,7 +5837,7 @@
         <p:txBody>
           <a:bodyPr/>
           <a:p>
-            <a:fld id="{3FD66E4A-F2DC-4826-8038-B81877E49415}" type="slidenum">
+            <a:fld id="{89BEAFEF-4827-444B-8680-ADA2D3FB7E7A}" type="slidenum">
               <a:t>4</a:t>
             </a:fld>
           </a:p>
@@ -5867,7 +5882,7 @@
         <p:spPr>
           <a:xfrm>
             <a:off x="504000" y="1326960"/>
-            <a:ext cx="9070200" cy="3286800"/>
+            <a:ext cx="9069840" cy="3286440"/>
           </a:xfrm>
           <a:prstGeom prst="rect">
             <a:avLst/>
@@ -5913,9 +5928,6 @@
               <a:t>tabel recepten</a:t>
             </a:r>
             <a:endParaRPr b="0" lang="en-US" sz="3200" spc="-1" strike="noStrike">
-              <a:solidFill>
-                <a:srgbClr val="ffffff"/>
-              </a:solidFill>
               <a:latin typeface="Arial"/>
             </a:endParaRPr>
           </a:p>
@@ -5945,9 +5957,6 @@
               <a:t>tabel ingredienten</a:t>
             </a:r>
             <a:endParaRPr b="0" lang="en-US" sz="3200" spc="-1" strike="noStrike">
-              <a:solidFill>
-                <a:srgbClr val="ffffff"/>
-              </a:solidFill>
               <a:latin typeface="Arial"/>
             </a:endParaRPr>
           </a:p>
@@ -5977,9 +5986,6 @@
               <a:t>tabel om deze 2 te koppelen</a:t>
             </a:r>
             <a:endParaRPr b="0" lang="en-US" sz="3200" spc="-1" strike="noStrike">
-              <a:solidFill>
-                <a:srgbClr val="ffffff"/>
-              </a:solidFill>
               <a:latin typeface="Arial"/>
             </a:endParaRPr>
           </a:p>
@@ -6009,9 +6015,6 @@
               <a:t>een recept heeft een timestamp</a:t>
             </a:r>
             <a:endParaRPr b="0" lang="en-US" sz="3200" spc="-1" strike="noStrike">
-              <a:solidFill>
-                <a:srgbClr val="ffffff"/>
-              </a:solidFill>
               <a:latin typeface="Arial"/>
             </a:endParaRPr>
           </a:p>
@@ -6030,7 +6033,7 @@
         <p:spPr>
           <a:xfrm>
             <a:off x="144000" y="72000"/>
-            <a:ext cx="9538560" cy="646560"/>
+            <a:ext cx="9538200" cy="646200"/>
           </a:xfrm>
           <a:prstGeom prst="rect">
             <a:avLst/>
@@ -6077,7 +6080,7 @@
         <p:txBody>
           <a:bodyPr/>
           <a:p>
-            <a:fld id="{9E7959B2-A465-4A7D-B42A-A07D177D8D5B}" type="slidenum">
+            <a:fld id="{439DB376-5F9B-46E1-8F9D-DC105298ED0A}" type="slidenum">
               <a:t>5</a:t>
             </a:fld>
           </a:p>
@@ -6126,7 +6129,7 @@
         <p:spPr>
           <a:xfrm>
             <a:off x="144000" y="72000"/>
-            <a:ext cx="9538560" cy="646560"/>
+            <a:ext cx="9538200" cy="646200"/>
           </a:xfrm>
           <a:prstGeom prst="rect">
             <a:avLst/>
@@ -6172,7 +6175,7 @@
         <p:spPr>
           <a:xfrm>
             <a:off x="504000" y="1326600"/>
-            <a:ext cx="9070200" cy="3286800"/>
+            <a:ext cx="9069840" cy="3286440"/>
           </a:xfrm>
           <a:prstGeom prst="rect">
             <a:avLst/>
@@ -6232,7 +6235,7 @@
         <p:txBody>
           <a:bodyPr/>
           <a:p>
-            <a:fld id="{2F11C848-DF36-4650-90E0-A5842A83BCF6}" type="slidenum">
+            <a:fld id="{324521FB-EF1D-4771-AD12-3E4FEAC500AC}" type="slidenum">
               <a:t>6</a:t>
             </a:fld>
           </a:p>
@@ -6281,7 +6284,7 @@
         <p:spPr>
           <a:xfrm>
             <a:off x="228600" y="1638000"/>
-            <a:ext cx="9538560" cy="646560"/>
+            <a:ext cx="9538200" cy="646200"/>
           </a:xfrm>
           <a:prstGeom prst="rect">
             <a:avLst/>
@@ -6328,7 +6331,7 @@
         <p:txBody>
           <a:bodyPr/>
           <a:p>
-            <a:fld id="{01D6D555-FCFE-4E5D-9DFD-50E5253E58A0}" type="slidenum">
+            <a:fld id="{3482EB0D-8371-4D19-8A5A-C326FA7D2C1B}" type="slidenum">
               <a:t>7</a:t>
             </a:fld>
           </a:p>
@@ -6377,7 +6380,7 @@
         <p:spPr>
           <a:xfrm>
             <a:off x="228600" y="1600200"/>
-            <a:ext cx="9538560" cy="646560"/>
+            <a:ext cx="9538200" cy="646200"/>
           </a:xfrm>
           <a:prstGeom prst="rect">
             <a:avLst/>
@@ -6424,7 +6427,7 @@
         <p:txBody>
           <a:bodyPr/>
           <a:p>
-            <a:fld id="{9A9E3B49-599E-42CF-A2B2-F1A522EE81EB}" type="slidenum">
+            <a:fld id="{E11BFC45-5771-4C16-B399-2FF32219462D}" type="slidenum">
               <a:t>8</a:t>
             </a:fld>
           </a:p>
@@ -6473,7 +6476,7 @@
         <p:spPr>
           <a:xfrm>
             <a:off x="228600" y="1638000"/>
-            <a:ext cx="9538560" cy="646560"/>
+            <a:ext cx="9538200" cy="646200"/>
           </a:xfrm>
           <a:prstGeom prst="rect">
             <a:avLst/>
@@ -6520,7 +6523,7 @@
         <p:txBody>
           <a:bodyPr/>
           <a:p>
-            <a:fld id="{CFE0F5D9-7180-4A69-93C9-4049B0D22EDA}" type="slidenum">
+            <a:fld id="{A7E5B74B-3720-4D3B-9A49-788A7DC106C0}" type="slidenum">
               <a:t>9</a:t>
             </a:fld>
           </a:p>
